--- a/defense/1_project/powerpoint.pptx
+++ b/defense/1_project/powerpoint.pptx
@@ -212,7 +212,7 @@
           <a:p>
             <a:fld id="{62FEF452-64F2-4032-BAFC-630BB8978F7B}" type="datetimeFigureOut">
               <a:rPr lang="fr-FR" smtClean="0"/>
-              <a:t>14/12/2015</a:t>
+              <a:t>15/12/2015</a:t>
             </a:fld>
             <a:endParaRPr lang="fr-FR"/>
           </a:p>
@@ -661,7 +661,7 @@
           <a:p>
             <a:fld id="{78783D2A-B929-41C6-A895-0A9181421A26}" type="datetime1">
               <a:rPr lang="fr-FR" smtClean="0"/>
-              <a:t>14/12/2015</a:t>
+              <a:t>15/12/2015</a:t>
             </a:fld>
             <a:endParaRPr lang="fr-FR"/>
           </a:p>
@@ -831,7 +831,7 @@
           <a:p>
             <a:fld id="{A5E0ADDB-E9AE-4727-B2BA-402541FB5743}" type="datetime1">
               <a:rPr lang="fr-FR" smtClean="0"/>
-              <a:t>14/12/2015</a:t>
+              <a:t>15/12/2015</a:t>
             </a:fld>
             <a:endParaRPr lang="fr-FR"/>
           </a:p>
@@ -1011,7 +1011,7 @@
           <a:p>
             <a:fld id="{7B686901-CD1E-4E11-84B0-BF2C2DD813E1}" type="datetime1">
               <a:rPr lang="fr-FR" smtClean="0"/>
-              <a:t>14/12/2015</a:t>
+              <a:t>15/12/2015</a:t>
             </a:fld>
             <a:endParaRPr lang="fr-FR"/>
           </a:p>
@@ -1181,7 +1181,7 @@
           <a:p>
             <a:fld id="{FEFBAE4E-1D81-4447-9A64-F24B325A9D7F}" type="datetime1">
               <a:rPr lang="fr-FR" smtClean="0"/>
-              <a:t>14/12/2015</a:t>
+              <a:t>15/12/2015</a:t>
             </a:fld>
             <a:endParaRPr lang="fr-FR"/>
           </a:p>
@@ -1427,7 +1427,7 @@
           <a:p>
             <a:fld id="{20BD622C-72BB-4882-A97C-EA176671B8BE}" type="datetime1">
               <a:rPr lang="fr-FR" smtClean="0"/>
-              <a:t>14/12/2015</a:t>
+              <a:t>15/12/2015</a:t>
             </a:fld>
             <a:endParaRPr lang="fr-FR"/>
           </a:p>
@@ -1715,7 +1715,7 @@
           <a:p>
             <a:fld id="{74D0000D-D934-48B2-A753-8A297A082B42}" type="datetime1">
               <a:rPr lang="fr-FR" smtClean="0"/>
-              <a:t>14/12/2015</a:t>
+              <a:t>15/12/2015</a:t>
             </a:fld>
             <a:endParaRPr lang="fr-FR"/>
           </a:p>
@@ -2137,7 +2137,7 @@
           <a:p>
             <a:fld id="{F12E21D9-60F1-4EBC-8DB0-7F419ADB1C95}" type="datetime1">
               <a:rPr lang="fr-FR" smtClean="0"/>
-              <a:t>14/12/2015</a:t>
+              <a:t>15/12/2015</a:t>
             </a:fld>
             <a:endParaRPr lang="fr-FR"/>
           </a:p>
@@ -2255,7 +2255,7 @@
           <a:p>
             <a:fld id="{BB288447-B225-4A16-BA59-2C72ED0EBCAE}" type="datetime1">
               <a:rPr lang="fr-FR" smtClean="0"/>
-              <a:t>14/12/2015</a:t>
+              <a:t>15/12/2015</a:t>
             </a:fld>
             <a:endParaRPr lang="fr-FR"/>
           </a:p>
@@ -2350,7 +2350,7 @@
           <a:p>
             <a:fld id="{84305473-3E58-48D5-BA36-032083606307}" type="datetime1">
               <a:rPr lang="fr-FR" smtClean="0"/>
-              <a:t>14/12/2015</a:t>
+              <a:t>15/12/2015</a:t>
             </a:fld>
             <a:endParaRPr lang="fr-FR"/>
           </a:p>
@@ -2627,7 +2627,7 @@
           <a:p>
             <a:fld id="{EC8C7F31-5019-485F-ABED-C3A5A2B6117C}" type="datetime1">
               <a:rPr lang="fr-FR" smtClean="0"/>
-              <a:t>14/12/2015</a:t>
+              <a:t>15/12/2015</a:t>
             </a:fld>
             <a:endParaRPr lang="fr-FR"/>
           </a:p>
@@ -2880,7 +2880,7 @@
           <a:p>
             <a:fld id="{1BECAF1B-7232-4FDE-9CDF-C2E81D65B361}" type="datetime1">
               <a:rPr lang="fr-FR" smtClean="0"/>
-              <a:t>14/12/2015</a:t>
+              <a:t>15/12/2015</a:t>
             </a:fld>
             <a:endParaRPr lang="fr-FR"/>
           </a:p>
@@ -3100,7 +3100,7 @@
           <a:p>
             <a:fld id="{8B939C87-4E06-497D-89D3-8E1A3EF57A13}" type="datetime1">
               <a:rPr lang="fr-FR" smtClean="0"/>
-              <a:t>14/12/2015</a:t>
+              <a:t>15/12/2015</a:t>
             </a:fld>
             <a:endParaRPr lang="fr-FR"/>
           </a:p>
@@ -8194,10 +8194,10 @@
         </p:nvGrpSpPr>
         <p:grpSpPr>
           <a:xfrm>
-            <a:off x="6459280" y="2833579"/>
-            <a:ext cx="2238113" cy="1140707"/>
-            <a:chOff x="6459280" y="2257515"/>
-            <a:chExt cx="2238113" cy="1140707"/>
+            <a:off x="6679533" y="2833579"/>
+            <a:ext cx="1797607" cy="1140707"/>
+            <a:chOff x="6679533" y="2257515"/>
+            <a:chExt cx="1797607" cy="1140707"/>
           </a:xfrm>
         </p:grpSpPr>
         <p:pic>
@@ -8249,8 +8249,8 @@
           </p:nvSpPr>
           <p:spPr>
             <a:xfrm>
-              <a:off x="6459280" y="3059668"/>
-              <a:ext cx="2238113" cy="338554"/>
+              <a:off x="6679533" y="3059668"/>
+              <a:ext cx="1797607" cy="338554"/>
             </a:xfrm>
             <a:prstGeom prst="rect">
               <a:avLst/>
@@ -8269,7 +8269,7 @@
                   <a:solidFill>
                     <a:srgbClr val="0563B8"/>
                   </a:solidFill>
-                  <a:latin typeface="Montserrat" panose="02000505000000020004" pitchFamily="2" charset="0"/>
+                  <a:latin typeface="Calibri Light" panose="020F0302020204030204" pitchFamily="34" charset="0"/>
                 </a:rPr>
                 <a:t>Interface graphique</a:t>
               </a:r>
@@ -8277,7 +8277,7 @@
                 <a:solidFill>
                   <a:srgbClr val="0563B8"/>
                 </a:solidFill>
-                <a:latin typeface="Montserrat" panose="02000505000000020004" pitchFamily="2" charset="0"/>
+                <a:latin typeface="Calibri Light" panose="020F0302020204030204" pitchFamily="34" charset="0"/>
               </a:endParaRPr>
             </a:p>
           </p:txBody>
@@ -8291,10 +8291,10 @@
         </p:nvGrpSpPr>
         <p:grpSpPr>
           <a:xfrm>
-            <a:off x="6557424" y="4221088"/>
-            <a:ext cx="2084225" cy="1377553"/>
-            <a:chOff x="6557424" y="3645024"/>
-            <a:chExt cx="2084225" cy="1377553"/>
+            <a:off x="6764628" y="4221088"/>
+            <a:ext cx="1669816" cy="1377553"/>
+            <a:chOff x="6764628" y="3645024"/>
+            <a:chExt cx="1669816" cy="1377553"/>
           </a:xfrm>
         </p:grpSpPr>
         <p:pic>
@@ -8346,8 +8346,8 @@
           </p:nvSpPr>
           <p:spPr>
             <a:xfrm>
-              <a:off x="6557424" y="4407024"/>
-              <a:ext cx="2084225" cy="615553"/>
+              <a:off x="6764628" y="4407024"/>
+              <a:ext cx="1669816" cy="615553"/>
             </a:xfrm>
             <a:prstGeom prst="rect">
               <a:avLst/>
@@ -8368,7 +8368,7 @@
                       <a:lumMod val="75000"/>
                     </a:schemeClr>
                   </a:solidFill>
-                  <a:latin typeface="Montserrat" panose="02000505000000020004" pitchFamily="2" charset="0"/>
+                  <a:latin typeface="Calibri Light" panose="020F0302020204030204" pitchFamily="34" charset="0"/>
                 </a:rPr>
                 <a:t>OpenSeadragon</a:t>
               </a:r>
@@ -8378,7 +8378,7 @@
                     <a:lumMod val="75000"/>
                   </a:schemeClr>
                 </a:solidFill>
-                <a:latin typeface="Montserrat" panose="02000505000000020004" pitchFamily="2" charset="0"/>
+                <a:latin typeface="Calibri Light" panose="020F0302020204030204" pitchFamily="34" charset="0"/>
               </a:endParaRPr>
             </a:p>
             <a:p>
@@ -8388,7 +8388,7 @@
                   <a:solidFill>
                     <a:srgbClr val="0563B8"/>
                   </a:solidFill>
-                  <a:latin typeface="Montserrat" panose="02000505000000020004" pitchFamily="2" charset="0"/>
+                  <a:latin typeface="Calibri Light" panose="020F0302020204030204" pitchFamily="34" charset="0"/>
                 </a:rPr>
                 <a:t>Visionneuse </a:t>
               </a:r>
@@ -8396,7 +8396,7 @@
                 <a:solidFill>
                   <a:srgbClr val="0563B8"/>
                 </a:solidFill>
-                <a:latin typeface="Montserrat" panose="02000505000000020004" pitchFamily="2" charset="0"/>
+                <a:latin typeface="Calibri Light" panose="020F0302020204030204" pitchFamily="34" charset="0"/>
               </a:endParaRPr>
             </a:p>
           </p:txBody>
@@ -8410,10 +8410,10 @@
         </p:nvGrpSpPr>
         <p:grpSpPr>
           <a:xfrm>
-            <a:off x="2789534" y="2353359"/>
-            <a:ext cx="2640466" cy="931625"/>
-            <a:chOff x="2765527" y="1417255"/>
-            <a:chExt cx="2640466" cy="931625"/>
+            <a:off x="2928022" y="2353359"/>
+            <a:ext cx="2363490" cy="931625"/>
+            <a:chOff x="2904015" y="1417255"/>
+            <a:chExt cx="2363490" cy="931625"/>
           </a:xfrm>
         </p:grpSpPr>
         <p:pic>
@@ -8465,8 +8465,8 @@
           </p:nvSpPr>
           <p:spPr>
             <a:xfrm>
-              <a:off x="2765527" y="1979548"/>
-              <a:ext cx="2640466" cy="369332"/>
+              <a:off x="3006490" y="1979548"/>
+              <a:ext cx="2158540" cy="369332"/>
             </a:xfrm>
             <a:prstGeom prst="rect">
               <a:avLst/>
@@ -8485,7 +8485,7 @@
                   <a:solidFill>
                     <a:srgbClr val="0563B8"/>
                   </a:solidFill>
-                  <a:latin typeface="Montserrat" panose="02000505000000020004" pitchFamily="2" charset="0"/>
+                  <a:latin typeface="Calibri Light" panose="020F0302020204030204" pitchFamily="34" charset="0"/>
                 </a:rPr>
                 <a:t>Moteur de recherche</a:t>
               </a:r>
@@ -8493,7 +8493,7 @@
                 <a:solidFill>
                   <a:srgbClr val="0563B8"/>
                 </a:solidFill>
-                <a:latin typeface="Montserrat" panose="02000505000000020004" pitchFamily="2" charset="0"/>
+                <a:latin typeface="Calibri Light" panose="020F0302020204030204" pitchFamily="34" charset="0"/>
               </a:endParaRPr>
             </a:p>
           </p:txBody>
@@ -8507,8 +8507,8 @@
         </p:nvSpPr>
         <p:spPr>
           <a:xfrm>
-            <a:off x="3793478" y="4463588"/>
-            <a:ext cx="1519968" cy="369332"/>
+            <a:off x="3939993" y="4463588"/>
+            <a:ext cx="1226938" cy="369332"/>
           </a:xfrm>
           <a:prstGeom prst="rect">
             <a:avLst/>
@@ -8527,7 +8527,7 @@
                 <a:solidFill>
                   <a:srgbClr val="0563B8"/>
                 </a:solidFill>
-                <a:latin typeface="Montserrat" panose="02000505000000020004" pitchFamily="2" charset="0"/>
+                <a:latin typeface="Calibri Light" panose="020F0302020204030204" pitchFamily="34" charset="0"/>
               </a:rPr>
               <a:t>Application</a:t>
             </a:r>
@@ -8535,7 +8535,7 @@
               <a:solidFill>
                 <a:srgbClr val="0563B8"/>
               </a:solidFill>
-              <a:latin typeface="Montserrat" panose="02000505000000020004" pitchFamily="2" charset="0"/>
+              <a:latin typeface="Calibri Light" panose="020F0302020204030204" pitchFamily="34" charset="0"/>
             </a:endParaRPr>
           </a:p>
         </p:txBody>
@@ -8548,8 +8548,8 @@
         </p:nvSpPr>
         <p:spPr>
           <a:xfrm>
-            <a:off x="615199" y="4139788"/>
-            <a:ext cx="2173993" cy="369332"/>
+            <a:off x="822788" y="4139788"/>
+            <a:ext cx="1758815" cy="369332"/>
           </a:xfrm>
           <a:prstGeom prst="rect">
             <a:avLst/>
@@ -8568,7 +8568,7 @@
                 <a:solidFill>
                   <a:srgbClr val="0563B8"/>
                 </a:solidFill>
-                <a:latin typeface="Montserrat" panose="02000505000000020004" pitchFamily="2" charset="0"/>
+                <a:latin typeface="Calibri Light" panose="020F0302020204030204" pitchFamily="34" charset="0"/>
               </a:rPr>
               <a:t>Base de données</a:t>
             </a:r>
@@ -8576,7 +8576,7 @@
               <a:solidFill>
                 <a:srgbClr val="0563B8"/>
               </a:solidFill>
-              <a:latin typeface="Montserrat" panose="02000505000000020004" pitchFamily="2" charset="0"/>
+              <a:latin typeface="Calibri Light" panose="020F0302020204030204" pitchFamily="34" charset="0"/>
             </a:endParaRPr>
           </a:p>
         </p:txBody>
@@ -8859,8 +8859,8 @@
         </p:nvSpPr>
         <p:spPr>
           <a:xfrm rot="20264977">
-            <a:off x="1598319" y="2783374"/>
-            <a:ext cx="1503938" cy="369332"/>
+            <a:off x="1745474" y="2783374"/>
+            <a:ext cx="1209627" cy="369332"/>
           </a:xfrm>
           <a:prstGeom prst="rect">
             <a:avLst/>
@@ -8878,7 +8878,7 @@
                 <a:solidFill>
                   <a:srgbClr val="0563B8"/>
                 </a:solidFill>
-                <a:latin typeface="Montserrat" panose="02000505000000020004" pitchFamily="2" charset="0"/>
+                <a:latin typeface="Calibri Light" panose="020F0302020204030204" pitchFamily="34" charset="0"/>
               </a:rPr>
               <a:t>Réplication</a:t>
             </a:r>
@@ -8886,7 +8886,7 @@
               <a:solidFill>
                 <a:srgbClr val="0563B8"/>
               </a:solidFill>
-              <a:latin typeface="Montserrat" panose="02000505000000020004" pitchFamily="2" charset="0"/>
+              <a:latin typeface="Calibri Light" panose="020F0302020204030204" pitchFamily="34" charset="0"/>
             </a:endParaRPr>
           </a:p>
         </p:txBody>
@@ -9089,11 +9089,20 @@
                 </a:solidFill>
                 <a:latin typeface="Calibri Light" panose="020F0302020204030204" pitchFamily="34" charset="0"/>
               </a:rPr>
-              <a:t>Partie 1 </a:t>
+              <a:t>Partie </a:t>
             </a:r>
             <a:r>
               <a:rPr lang="fr-FR" sz="2800" dirty="0" smtClean="0">
                 <a:solidFill>
+                  <a:srgbClr val="00A7AA"/>
+                </a:solidFill>
+                <a:latin typeface="Calibri Light" panose="020F0302020204030204" pitchFamily="34" charset="0"/>
+              </a:rPr>
+              <a:t>1</a:t>
+            </a:r>
+            <a:r>
+              <a:rPr lang="fr-FR" sz="2800" dirty="0" smtClean="0">
+                <a:solidFill>
                   <a:srgbClr val="0563B8"/>
                 </a:solidFill>
                 <a:latin typeface="Calibri Light" panose="020F0302020204030204" pitchFamily="34" charset="0"/>
@@ -9110,16 +9119,37 @@
                 </a:solidFill>
                 <a:latin typeface="Calibri Light" panose="020F0302020204030204" pitchFamily="34" charset="0"/>
               </a:rPr>
-              <a:t>Partie 2 </a:t>
+              <a:t>Partie </a:t>
             </a:r>
             <a:r>
               <a:rPr lang="fr-FR" sz="2800" dirty="0" smtClean="0">
                 <a:solidFill>
+                  <a:srgbClr val="00A7AA"/>
+                </a:solidFill>
+                <a:latin typeface="Calibri Light" panose="020F0302020204030204" pitchFamily="34" charset="0"/>
+              </a:rPr>
+              <a:t>2</a:t>
+            </a:r>
+            <a:r>
+              <a:rPr lang="fr-FR" sz="2800" dirty="0" smtClean="0">
+                <a:solidFill>
                   <a:srgbClr val="0563B8"/>
                 </a:solidFill>
                 <a:latin typeface="Calibri Light" panose="020F0302020204030204" pitchFamily="34" charset="0"/>
               </a:rPr>
-              <a:t>	Spécifications fonctionnelles</a:t>
+              <a:t>	Spécifications fonctionnelles	</a:t>
+            </a:r>
+          </a:p>
+          <a:p>
+            <a:pPr fontAlgn="base"/>
+            <a:r>
+              <a:rPr lang="fr-FR" sz="2800" dirty="0">
+                <a:solidFill>
+                  <a:srgbClr val="0563B8"/>
+                </a:solidFill>
+                <a:latin typeface="Calibri Light" panose="020F0302020204030204" pitchFamily="34" charset="0"/>
+              </a:rPr>
+              <a:t>	</a:t>
             </a:r>
             <a:r>
               <a:rPr lang="fr-FR" sz="2800" dirty="0" smtClean="0">
@@ -9128,8 +9158,29 @@
                 </a:solidFill>
                 <a:latin typeface="Calibri Light" panose="020F0302020204030204" pitchFamily="34" charset="0"/>
               </a:rPr>
+              <a:t>		2.1  Page d’accueil</a:t>
+            </a:r>
+          </a:p>
+          <a:p>
+            <a:pPr fontAlgn="base"/>
+            <a:r>
+              <a:rPr lang="fr-FR" sz="2800" dirty="0">
+                <a:solidFill>
+                  <a:srgbClr val="0563B8"/>
+                </a:solidFill>
+                <a:latin typeface="Calibri Light" panose="020F0302020204030204" pitchFamily="34" charset="0"/>
+              </a:rPr>
               <a:t>	</a:t>
             </a:r>
+            <a:r>
+              <a:rPr lang="fr-FR" sz="2800" dirty="0" smtClean="0">
+                <a:solidFill>
+                  <a:srgbClr val="0563B8"/>
+                </a:solidFill>
+                <a:latin typeface="Calibri Light" panose="020F0302020204030204" pitchFamily="34" charset="0"/>
+              </a:rPr>
+              <a:t>		        Recherche de document</a:t>
+            </a:r>
           </a:p>
           <a:p>
             <a:pPr fontAlgn="base"/>
@@ -9149,12 +9200,24 @@
                 </a:solidFill>
                 <a:latin typeface="Calibri Light" panose="020F0302020204030204" pitchFamily="34" charset="0"/>
               </a:rPr>
-              <a:t>		2.1  Page d’accueil</a:t>
+              <a:t>		2.2  Consultation de document</a:t>
             </a:r>
           </a:p>
           <a:p>
             <a:pPr fontAlgn="base"/>
             <a:r>
+              <a:rPr lang="fr-FR" sz="2800" dirty="0" smtClean="0">
+                <a:solidFill>
+                  <a:srgbClr val="0563B8"/>
+                </a:solidFill>
+                <a:latin typeface="Calibri Light" panose="020F0302020204030204" pitchFamily="34" charset="0"/>
+              </a:rPr>
+              <a:t>			2.3  Gestion des utilisateurs</a:t>
+            </a:r>
+          </a:p>
+          <a:p>
+            <a:pPr fontAlgn="base"/>
+            <a:r>
               <a:rPr lang="fr-FR" sz="2800" dirty="0">
                 <a:solidFill>
                   <a:srgbClr val="0563B8"/>
@@ -9170,97 +9233,7 @@
                 </a:solidFill>
                 <a:latin typeface="Calibri Light" panose="020F0302020204030204" pitchFamily="34" charset="0"/>
               </a:rPr>
-              <a:t>		        </a:t>
-            </a:r>
-            <a:r>
-              <a:rPr lang="fr-FR" sz="2800" dirty="0" smtClean="0">
-                <a:solidFill>
-                  <a:srgbClr val="0563B8"/>
-                </a:solidFill>
-                <a:latin typeface="Calibri Light" panose="020F0302020204030204" pitchFamily="34" charset="0"/>
-              </a:rPr>
-              <a:t>Recherche de document</a:t>
-            </a:r>
-          </a:p>
-          <a:p>
-            <a:pPr fontAlgn="base"/>
-            <a:r>
-              <a:rPr lang="fr-FR" sz="2800" dirty="0">
-                <a:solidFill>
-                  <a:srgbClr val="0563B8"/>
-                </a:solidFill>
-                <a:latin typeface="Calibri Light" panose="020F0302020204030204" pitchFamily="34" charset="0"/>
-              </a:rPr>
-              <a:t>	</a:t>
-            </a:r>
-            <a:r>
-              <a:rPr lang="fr-FR" sz="2800" dirty="0" smtClean="0">
-                <a:solidFill>
-                  <a:srgbClr val="0563B8"/>
-                </a:solidFill>
-                <a:latin typeface="Calibri Light" panose="020F0302020204030204" pitchFamily="34" charset="0"/>
-              </a:rPr>
-              <a:t>		2.2  Consultation </a:t>
-            </a:r>
-            <a:r>
-              <a:rPr lang="fr-FR" sz="2800" dirty="0" smtClean="0">
-                <a:solidFill>
-                  <a:srgbClr val="0563B8"/>
-                </a:solidFill>
-                <a:latin typeface="Calibri Light" panose="020F0302020204030204" pitchFamily="34" charset="0"/>
-              </a:rPr>
-              <a:t>de document</a:t>
-            </a:r>
-          </a:p>
-          <a:p>
-            <a:pPr fontAlgn="base"/>
-            <a:r>
-              <a:rPr lang="fr-FR" sz="2800" dirty="0" smtClean="0">
-                <a:solidFill>
-                  <a:srgbClr val="0563B8"/>
-                </a:solidFill>
-                <a:latin typeface="Calibri Light" panose="020F0302020204030204" pitchFamily="34" charset="0"/>
-              </a:rPr>
-              <a:t>			2.3  Gestion </a:t>
-            </a:r>
-            <a:r>
-              <a:rPr lang="fr-FR" sz="2800" dirty="0" smtClean="0">
-                <a:solidFill>
-                  <a:srgbClr val="0563B8"/>
-                </a:solidFill>
-                <a:latin typeface="Calibri Light" panose="020F0302020204030204" pitchFamily="34" charset="0"/>
-              </a:rPr>
-              <a:t>des utilisateurs</a:t>
-            </a:r>
-          </a:p>
-          <a:p>
-            <a:pPr fontAlgn="base"/>
-            <a:r>
-              <a:rPr lang="fr-FR" sz="2800" dirty="0">
-                <a:solidFill>
-                  <a:srgbClr val="0563B8"/>
-                </a:solidFill>
-                <a:latin typeface="Calibri Light" panose="020F0302020204030204" pitchFamily="34" charset="0"/>
-              </a:rPr>
-              <a:t>	</a:t>
-            </a:r>
-            <a:r>
-              <a:rPr lang="fr-FR" sz="2800" dirty="0" smtClean="0">
-                <a:solidFill>
-                  <a:srgbClr val="0563B8"/>
-                </a:solidFill>
-                <a:latin typeface="Calibri Light" panose="020F0302020204030204" pitchFamily="34" charset="0"/>
-              </a:rPr>
-              <a:t>		        R</a:t>
-            </a:r>
-            <a:r>
-              <a:rPr lang="fr-FR" sz="2800" dirty="0" smtClean="0">
-                <a:solidFill>
-                  <a:srgbClr val="0563B8"/>
-                </a:solidFill>
-                <a:latin typeface="Calibri Light" panose="020F0302020204030204" pitchFamily="34" charset="0"/>
-              </a:rPr>
-              <a:t>evue de presse</a:t>
+              <a:t>		        Revue de presse</a:t>
             </a:r>
           </a:p>
           <a:p>
@@ -9290,16 +9263,7 @@
                 </a:solidFill>
                 <a:latin typeface="Calibri Light" panose="020F0302020204030204" pitchFamily="34" charset="0"/>
               </a:rPr>
-              <a:t>	</a:t>
-            </a:r>
-            <a:r>
-              <a:rPr lang="fr-FR" sz="2800" dirty="0" smtClean="0">
-                <a:solidFill>
-                  <a:srgbClr val="0563B8"/>
-                </a:solidFill>
-                <a:latin typeface="Calibri Light" panose="020F0302020204030204" pitchFamily="34" charset="0"/>
-              </a:rPr>
-              <a:t>Architecture logicielle</a:t>
+              <a:t>	Architecture logicielle</a:t>
             </a:r>
           </a:p>
           <a:p>

--- a/defense/1_project/powerpoint.pptx
+++ b/defense/1_project/powerpoint.pptx
@@ -5,30 +5,32 @@
     <p:sldMasterId id="2147483648" r:id="rId1"/>
   </p:sldMasterIdLst>
   <p:notesMasterIdLst>
-    <p:notesMasterId r:id="rId23"/>
+    <p:notesMasterId r:id="rId25"/>
   </p:notesMasterIdLst>
   <p:sldIdLst>
     <p:sldId id="257" r:id="rId2"/>
-    <p:sldId id="262" r:id="rId3"/>
-    <p:sldId id="275" r:id="rId4"/>
-    <p:sldId id="263" r:id="rId5"/>
-    <p:sldId id="278" r:id="rId6"/>
-    <p:sldId id="279" r:id="rId7"/>
-    <p:sldId id="276" r:id="rId8"/>
-    <p:sldId id="277" r:id="rId9"/>
-    <p:sldId id="266" r:id="rId10"/>
-    <p:sldId id="265" r:id="rId11"/>
-    <p:sldId id="267" r:id="rId12"/>
-    <p:sldId id="268" r:id="rId13"/>
-    <p:sldId id="269" r:id="rId14"/>
-    <p:sldId id="259" r:id="rId15"/>
-    <p:sldId id="270" r:id="rId16"/>
-    <p:sldId id="271" r:id="rId17"/>
-    <p:sldId id="272" r:id="rId18"/>
-    <p:sldId id="273" r:id="rId19"/>
-    <p:sldId id="260" r:id="rId20"/>
-    <p:sldId id="274" r:id="rId21"/>
-    <p:sldId id="261" r:id="rId22"/>
+    <p:sldId id="280" r:id="rId3"/>
+    <p:sldId id="278" r:id="rId4"/>
+    <p:sldId id="279" r:id="rId5"/>
+    <p:sldId id="262" r:id="rId6"/>
+    <p:sldId id="276" r:id="rId7"/>
+    <p:sldId id="277" r:id="rId8"/>
+    <p:sldId id="281" r:id="rId9"/>
+    <p:sldId id="282" r:id="rId10"/>
+    <p:sldId id="266" r:id="rId11"/>
+    <p:sldId id="265" r:id="rId12"/>
+    <p:sldId id="283" r:id="rId13"/>
+    <p:sldId id="267" r:id="rId14"/>
+    <p:sldId id="268" r:id="rId15"/>
+    <p:sldId id="269" r:id="rId16"/>
+    <p:sldId id="259" r:id="rId17"/>
+    <p:sldId id="270" r:id="rId18"/>
+    <p:sldId id="271" r:id="rId19"/>
+    <p:sldId id="272" r:id="rId20"/>
+    <p:sldId id="273" r:id="rId21"/>
+    <p:sldId id="260" r:id="rId22"/>
+    <p:sldId id="274" r:id="rId23"/>
+    <p:sldId id="261" r:id="rId24"/>
   </p:sldIdLst>
   <p:sldSz cx="9144000" cy="6858000" type="screen4x3"/>
   <p:notesSz cx="6858000" cy="9144000"/>
@@ -212,7 +214,7 @@
           <a:p>
             <a:fld id="{62FEF452-64F2-4032-BAFC-630BB8978F7B}" type="datetimeFigureOut">
               <a:rPr lang="fr-FR" smtClean="0"/>
-              <a:t>15/12/2015</a:t>
+              <a:t>16/12/2015</a:t>
             </a:fld>
             <a:endParaRPr lang="fr-FR"/>
           </a:p>
@@ -661,7 +663,7 @@
           <a:p>
             <a:fld id="{78783D2A-B929-41C6-A895-0A9181421A26}" type="datetime1">
               <a:rPr lang="fr-FR" smtClean="0"/>
-              <a:t>15/12/2015</a:t>
+              <a:t>16/12/2015</a:t>
             </a:fld>
             <a:endParaRPr lang="fr-FR"/>
           </a:p>
@@ -831,7 +833,7 @@
           <a:p>
             <a:fld id="{A5E0ADDB-E9AE-4727-B2BA-402541FB5743}" type="datetime1">
               <a:rPr lang="fr-FR" smtClean="0"/>
-              <a:t>15/12/2015</a:t>
+              <a:t>16/12/2015</a:t>
             </a:fld>
             <a:endParaRPr lang="fr-FR"/>
           </a:p>
@@ -1011,7 +1013,7 @@
           <a:p>
             <a:fld id="{7B686901-CD1E-4E11-84B0-BF2C2DD813E1}" type="datetime1">
               <a:rPr lang="fr-FR" smtClean="0"/>
-              <a:t>15/12/2015</a:t>
+              <a:t>16/12/2015</a:t>
             </a:fld>
             <a:endParaRPr lang="fr-FR"/>
           </a:p>
@@ -1181,7 +1183,7 @@
           <a:p>
             <a:fld id="{FEFBAE4E-1D81-4447-9A64-F24B325A9D7F}" type="datetime1">
               <a:rPr lang="fr-FR" smtClean="0"/>
-              <a:t>15/12/2015</a:t>
+              <a:t>16/12/2015</a:t>
             </a:fld>
             <a:endParaRPr lang="fr-FR"/>
           </a:p>
@@ -1427,7 +1429,7 @@
           <a:p>
             <a:fld id="{20BD622C-72BB-4882-A97C-EA176671B8BE}" type="datetime1">
               <a:rPr lang="fr-FR" smtClean="0"/>
-              <a:t>15/12/2015</a:t>
+              <a:t>16/12/2015</a:t>
             </a:fld>
             <a:endParaRPr lang="fr-FR"/>
           </a:p>
@@ -1715,7 +1717,7 @@
           <a:p>
             <a:fld id="{74D0000D-D934-48B2-A753-8A297A082B42}" type="datetime1">
               <a:rPr lang="fr-FR" smtClean="0"/>
-              <a:t>15/12/2015</a:t>
+              <a:t>16/12/2015</a:t>
             </a:fld>
             <a:endParaRPr lang="fr-FR"/>
           </a:p>
@@ -2137,7 +2139,7 @@
           <a:p>
             <a:fld id="{F12E21D9-60F1-4EBC-8DB0-7F419ADB1C95}" type="datetime1">
               <a:rPr lang="fr-FR" smtClean="0"/>
-              <a:t>15/12/2015</a:t>
+              <a:t>16/12/2015</a:t>
             </a:fld>
             <a:endParaRPr lang="fr-FR"/>
           </a:p>
@@ -2255,7 +2257,7 @@
           <a:p>
             <a:fld id="{BB288447-B225-4A16-BA59-2C72ED0EBCAE}" type="datetime1">
               <a:rPr lang="fr-FR" smtClean="0"/>
-              <a:t>15/12/2015</a:t>
+              <a:t>16/12/2015</a:t>
             </a:fld>
             <a:endParaRPr lang="fr-FR"/>
           </a:p>
@@ -2350,7 +2352,7 @@
           <a:p>
             <a:fld id="{84305473-3E58-48D5-BA36-032083606307}" type="datetime1">
               <a:rPr lang="fr-FR" smtClean="0"/>
-              <a:t>15/12/2015</a:t>
+              <a:t>16/12/2015</a:t>
             </a:fld>
             <a:endParaRPr lang="fr-FR"/>
           </a:p>
@@ -2627,7 +2629,7 @@
           <a:p>
             <a:fld id="{EC8C7F31-5019-485F-ABED-C3A5A2B6117C}" type="datetime1">
               <a:rPr lang="fr-FR" smtClean="0"/>
-              <a:t>15/12/2015</a:t>
+              <a:t>16/12/2015</a:t>
             </a:fld>
             <a:endParaRPr lang="fr-FR"/>
           </a:p>
@@ -2880,7 +2882,7 @@
           <a:p>
             <a:fld id="{1BECAF1B-7232-4FDE-9CDF-C2E81D65B361}" type="datetime1">
               <a:rPr lang="fr-FR" smtClean="0"/>
-              <a:t>15/12/2015</a:t>
+              <a:t>16/12/2015</a:t>
             </a:fld>
             <a:endParaRPr lang="fr-FR"/>
           </a:p>
@@ -3100,7 +3102,7 @@
           <a:p>
             <a:fld id="{8B939C87-4E06-497D-89D3-8E1A3EF57A13}" type="datetime1">
               <a:rPr lang="fr-FR" smtClean="0"/>
-              <a:t>15/12/2015</a:t>
+              <a:t>16/12/2015</a:t>
             </a:fld>
             <a:endParaRPr lang="fr-FR"/>
           </a:p>
@@ -3831,44 +3833,139 @@
                 </a:solidFill>
                 <a:latin typeface="Calibri Light" panose="020F0302020204030204" pitchFamily="34" charset="0"/>
               </a:rPr>
-              <a:t>Bertrand COUASNON</a:t>
+              <a:t>Bertrand </a:t>
+            </a:r>
+            <a:r>
+              <a:rPr lang="fr-FR" dirty="0" smtClean="0">
+                <a:solidFill>
+                  <a:srgbClr val="00A7AA"/>
+                </a:solidFill>
+                <a:latin typeface="Calibri Light" panose="020F0302020204030204" pitchFamily="34" charset="0"/>
+              </a:rPr>
+              <a:t>COUASNON</a:t>
             </a:r>
           </a:p>
           <a:p>
             <a:pPr algn="ctr"/>
             <a:r>
+              <a:rPr lang="fr-FR" dirty="0">
+                <a:solidFill>
+                  <a:srgbClr val="00A7AA"/>
+                </a:solidFill>
+                <a:latin typeface="Calibri Light" panose="020F0302020204030204" pitchFamily="34" charset="0"/>
+              </a:rPr>
+              <a:t>Jean-Yves LE </a:t>
+            </a:r>
+            <a:r>
               <a:rPr lang="fr-FR" dirty="0" smtClean="0">
                 <a:solidFill>
                   <a:srgbClr val="00A7AA"/>
                 </a:solidFill>
                 <a:latin typeface="Calibri Light" panose="020F0302020204030204" pitchFamily="34" charset="0"/>
               </a:rPr>
-              <a:t>Yoan ROYER</a:t>
-            </a:r>
-          </a:p>
-          <a:p>
-            <a:pPr algn="ctr"/>
-            <a:r>
-              <a:rPr lang="fr-FR" dirty="0">
-                <a:solidFill>
-                  <a:srgbClr val="00A7AA"/>
-                </a:solidFill>
-                <a:latin typeface="Calibri Light" panose="020F0302020204030204" pitchFamily="34" charset="0"/>
-              </a:rPr>
-              <a:t>Jean-Yves </a:t>
-            </a:r>
-            <a:r>
-              <a:rPr lang="fr-FR" dirty="0" smtClean="0">
-                <a:solidFill>
-                  <a:srgbClr val="00A7AA"/>
-                </a:solidFill>
-                <a:latin typeface="Calibri Light" panose="020F0302020204030204" pitchFamily="34" charset="0"/>
-              </a:rPr>
-              <a:t>LE CLERC</a:t>
-            </a:r>
-            <a:endParaRPr lang="fr-FR" dirty="0">
+              <a:t>CLERC</a:t>
+            </a:r>
+            <a:endParaRPr lang="fr-FR" dirty="0" smtClean="0">
               <a:solidFill>
                 <a:srgbClr val="00A7AA"/>
+              </a:solidFill>
+              <a:latin typeface="Calibri Light" panose="020F0302020204030204" pitchFamily="34" charset="0"/>
+            </a:endParaRPr>
+          </a:p>
+          <a:p>
+            <a:pPr algn="ctr"/>
+            <a:r>
+              <a:rPr lang="fr-FR" dirty="0" smtClean="0">
+                <a:solidFill>
+                  <a:srgbClr val="00A7AA"/>
+                </a:solidFill>
+                <a:latin typeface="Calibri Light" panose="020F0302020204030204" pitchFamily="34" charset="0"/>
+              </a:rPr>
+              <a:t>Yoan </a:t>
+            </a:r>
+            <a:r>
+              <a:rPr lang="fr-FR" dirty="0" smtClean="0">
+                <a:solidFill>
+                  <a:srgbClr val="00A7AA"/>
+                </a:solidFill>
+                <a:latin typeface="Calibri Light" panose="020F0302020204030204" pitchFamily="34" charset="0"/>
+              </a:rPr>
+              <a:t>ROYER</a:t>
+            </a:r>
+            <a:endParaRPr lang="fr-FR" dirty="0" smtClean="0">
+              <a:solidFill>
+                <a:srgbClr val="00A7AA"/>
+              </a:solidFill>
+              <a:latin typeface="Calibri Light" panose="020F0302020204030204" pitchFamily="34" charset="0"/>
+            </a:endParaRPr>
+          </a:p>
+        </p:txBody>
+      </p:sp>
+      <p:sp>
+        <p:nvSpPr>
+          <p:cNvPr id="9" name="ZoneTexte 8"/>
+          <p:cNvSpPr txBox="1"/>
+          <p:nvPr/>
+        </p:nvSpPr>
+        <p:spPr>
+          <a:xfrm>
+            <a:off x="2942819" y="3789040"/>
+            <a:ext cx="3258362" cy="584775"/>
+          </a:xfrm>
+          <a:prstGeom prst="rect">
+            <a:avLst/>
+          </a:prstGeom>
+          <a:noFill/>
+        </p:spPr>
+        <p:txBody>
+          <a:bodyPr wrap="square" rtlCol="0">
+            <a:spAutoFit/>
+          </a:bodyPr>
+          <a:lstStyle/>
+          <a:p>
+            <a:pPr algn="ctr"/>
+            <a:r>
+              <a:rPr lang="fr-FR" sz="1600" dirty="0" smtClean="0">
+                <a:solidFill>
+                  <a:srgbClr val="0563B8"/>
+                </a:solidFill>
+                <a:latin typeface="Calibri Light" panose="020F0302020204030204" pitchFamily="34" charset="0"/>
+              </a:rPr>
+              <a:t>INSA RENNNES - 4</a:t>
+            </a:r>
+            <a:r>
+              <a:rPr lang="fr-FR" sz="1600" baseline="30000" dirty="0" smtClean="0">
+                <a:solidFill>
+                  <a:srgbClr val="0563B8"/>
+                </a:solidFill>
+                <a:latin typeface="Calibri Light" panose="020F0302020204030204" pitchFamily="34" charset="0"/>
+              </a:rPr>
+              <a:t>ème</a:t>
+            </a:r>
+            <a:r>
+              <a:rPr lang="fr-FR" sz="1600" dirty="0" smtClean="0">
+                <a:solidFill>
+                  <a:srgbClr val="0563B8"/>
+                </a:solidFill>
+                <a:latin typeface="Calibri Light" panose="020F0302020204030204" pitchFamily="34" charset="0"/>
+              </a:rPr>
+              <a:t> année INFO</a:t>
+            </a:r>
+          </a:p>
+          <a:p>
+            <a:pPr algn="ctr"/>
+            <a:r>
+              <a:rPr lang="fr-FR" sz="1600" dirty="0" smtClean="0">
+                <a:solidFill>
+                  <a:srgbClr val="0563B8"/>
+                </a:solidFill>
+                <a:latin typeface="Calibri Light" panose="020F0302020204030204" pitchFamily="34" charset="0"/>
+              </a:rPr>
+              <a:t>17 décembre 2015</a:t>
+            </a:r>
+            <a:endParaRPr lang="fr-FR" sz="1600" dirty="0">
+              <a:solidFill>
+                <a:srgbClr val="0563B8"/>
               </a:solidFill>
               <a:latin typeface="Calibri Light" panose="020F0302020204030204" pitchFamily="34" charset="0"/>
             </a:endParaRPr>
@@ -3914,25 +4011,41 @@
       </p:grpSpPr>
       <p:sp>
         <p:nvSpPr>
-          <p:cNvPr id="2" name="Titre 1"/>
-          <p:cNvSpPr>
-            <a:spLocks noGrp="1"/>
+          <p:cNvPr id="14" name="Titre 1"/>
+          <p:cNvSpPr txBox="1">
+            <a:spLocks/>
           </p:cNvSpPr>
-          <p:nvPr>
-            <p:ph type="title"/>
-          </p:nvPr>
+          <p:nvPr/>
         </p:nvSpPr>
         <p:spPr>
           <a:xfrm>
             <a:off x="251520" y="116632"/>
             <a:ext cx="6624736" cy="1080120"/>
           </a:xfrm>
-        </p:spPr>
-        <p:txBody>
-          <a:bodyPr>
+          <a:prstGeom prst="rect">
+            <a:avLst/>
+          </a:prstGeom>
+        </p:spPr>
+        <p:txBody>
+          <a:bodyPr vert="horz" lIns="91440" tIns="45720" rIns="91440" bIns="45720" rtlCol="0" anchor="ctr">
             <a:normAutofit/>
           </a:bodyPr>
-          <a:lstStyle/>
+          <a:lstStyle>
+            <a:lvl1pPr algn="ctr" defTabSz="914400" rtl="0" eaLnBrk="1" latinLnBrk="0" hangingPunct="1">
+              <a:spcBef>
+                <a:spcPct val="0"/>
+              </a:spcBef>
+              <a:buNone/>
+              <a:defRPr sz="4400" kern="1200">
+                <a:solidFill>
+                  <a:schemeClr val="tx1"/>
+                </a:solidFill>
+                <a:latin typeface="+mj-lt"/>
+                <a:ea typeface="+mj-ea"/>
+                <a:cs typeface="+mj-cs"/>
+              </a:defRPr>
+            </a:lvl1pPr>
+          </a:lstStyle>
           <a:p>
             <a:pPr algn="l"/>
             <a:r>
@@ -3942,7 +4055,7 @@
                 </a:solidFill>
                 <a:latin typeface="Montserrat" panose="02000505000000020004" pitchFamily="2" charset="0"/>
               </a:rPr>
-              <a:t>Consultation de </a:t>
+              <a:t>Recherche de </a:t>
             </a:r>
             <a:r>
               <a:rPr lang="fr-FR" sz="3200" dirty="0" smtClean="0">
@@ -3962,282 +4075,9 @@
           </a:p>
         </p:txBody>
       </p:sp>
-      <p:sp>
-        <p:nvSpPr>
-          <p:cNvPr id="3" name="AutoShape 2" descr="https://gitlab.insa-rennes.fr/francois-boschet/gutemberg/raw/master/report/2_spec/figures/consultation.png"/>
-          <p:cNvSpPr>
-            <a:spLocks noChangeAspect="1" noChangeArrowheads="1"/>
-          </p:cNvSpPr>
-          <p:nvPr/>
-        </p:nvSpPr>
-        <p:spPr bwMode="auto">
-          <a:xfrm>
-            <a:off x="155575" y="-144463"/>
-            <a:ext cx="304800" cy="304801"/>
-          </a:xfrm>
-          <a:prstGeom prst="rect">
-            <a:avLst/>
-          </a:prstGeom>
-          <a:noFill/>
-          <a:extLst>
-            <a:ext uri="{909E8E84-426E-40DD-AFC4-6F175D3DCCD1}">
-              <a14:hiddenFill xmlns:a14="http://schemas.microsoft.com/office/drawing/2010/main">
-                <a:solidFill>
-                  <a:srgbClr val="FFFFFF"/>
-                </a:solidFill>
-              </a14:hiddenFill>
-            </a:ext>
-          </a:extLst>
-        </p:spPr>
-        <p:txBody>
-          <a:bodyPr vert="horz" wrap="square" lIns="91440" tIns="45720" rIns="91440" bIns="45720" numCol="1" anchor="t" anchorCtr="0" compatLnSpc="1">
-            <a:prstTxWarp prst="textNoShape">
-              <a:avLst/>
-            </a:prstTxWarp>
-          </a:bodyPr>
-          <a:lstStyle/>
-          <a:p>
-            <a:endParaRPr lang="fr-FR"/>
-          </a:p>
-        </p:txBody>
-      </p:sp>
-      <p:sp>
-        <p:nvSpPr>
-          <p:cNvPr id="4" name="AutoShape 4" descr="https://gitlab.insa-rennes.fr/francois-boschet/gutemberg/raw/master/report/2_spec/figures/consultation.png"/>
-          <p:cNvSpPr>
-            <a:spLocks noChangeAspect="1" noChangeArrowheads="1"/>
-          </p:cNvSpPr>
-          <p:nvPr/>
-        </p:nvSpPr>
-        <p:spPr bwMode="auto">
-          <a:xfrm>
-            <a:off x="307975" y="7937"/>
-            <a:ext cx="304800" cy="304801"/>
-          </a:xfrm>
-          <a:prstGeom prst="rect">
-            <a:avLst/>
-          </a:prstGeom>
-          <a:noFill/>
-          <a:extLst>
-            <a:ext uri="{909E8E84-426E-40DD-AFC4-6F175D3DCCD1}">
-              <a14:hiddenFill xmlns:a14="http://schemas.microsoft.com/office/drawing/2010/main">
-                <a:solidFill>
-                  <a:srgbClr val="FFFFFF"/>
-                </a:solidFill>
-              </a14:hiddenFill>
-            </a:ext>
-          </a:extLst>
-        </p:spPr>
-        <p:txBody>
-          <a:bodyPr vert="horz" wrap="square" lIns="91440" tIns="45720" rIns="91440" bIns="45720" numCol="1" anchor="t" anchorCtr="0" compatLnSpc="1">
-            <a:prstTxWarp prst="textNoShape">
-              <a:avLst/>
-            </a:prstTxWarp>
-          </a:bodyPr>
-          <a:lstStyle/>
-          <a:p>
-            <a:endParaRPr lang="fr-FR"/>
-          </a:p>
-        </p:txBody>
-      </p:sp>
-      <p:sp>
-        <p:nvSpPr>
-          <p:cNvPr id="5" name="AutoShape 2" descr="https://projet4.mybalsamiq.com/projects/spec/Consultation%20de%20documents.jpeg?version=9&amp;etag=XHJ8gpGTqtyLpFShCJ6oeFfWCMF_NOhr"/>
-          <p:cNvSpPr>
-            <a:spLocks noChangeAspect="1" noChangeArrowheads="1"/>
-          </p:cNvSpPr>
-          <p:nvPr/>
-        </p:nvSpPr>
-        <p:spPr bwMode="auto">
-          <a:xfrm>
-            <a:off x="460375" y="160337"/>
-            <a:ext cx="304800" cy="304801"/>
-          </a:xfrm>
-          <a:prstGeom prst="rect">
-            <a:avLst/>
-          </a:prstGeom>
-          <a:noFill/>
-          <a:extLst>
-            <a:ext uri="{909E8E84-426E-40DD-AFC4-6F175D3DCCD1}">
-              <a14:hiddenFill xmlns:a14="http://schemas.microsoft.com/office/drawing/2010/main">
-                <a:solidFill>
-                  <a:srgbClr val="FFFFFF"/>
-                </a:solidFill>
-              </a14:hiddenFill>
-            </a:ext>
-          </a:extLst>
-        </p:spPr>
-        <p:txBody>
-          <a:bodyPr vert="horz" wrap="square" lIns="91440" tIns="45720" rIns="91440" bIns="45720" numCol="1" anchor="t" anchorCtr="0" compatLnSpc="1">
-            <a:prstTxWarp prst="textNoShape">
-              <a:avLst/>
-            </a:prstTxWarp>
-          </a:bodyPr>
-          <a:lstStyle/>
-          <a:p>
-            <a:endParaRPr lang="fr-FR"/>
-          </a:p>
-        </p:txBody>
-      </p:sp>
-      <p:sp>
-        <p:nvSpPr>
-          <p:cNvPr id="6" name="AutoShape 4" descr="https://projet4.mybalsamiq.com/projects/spec/Consultation%20de%20documents.jpeg?version=9&amp;etag=XHJ8gpGTqtyLpFShCJ6oeFfWCMF_NOhr"/>
-          <p:cNvSpPr>
-            <a:spLocks noChangeAspect="1" noChangeArrowheads="1"/>
-          </p:cNvSpPr>
-          <p:nvPr/>
-        </p:nvSpPr>
-        <p:spPr bwMode="auto">
-          <a:xfrm>
-            <a:off x="612775" y="312737"/>
-            <a:ext cx="304800" cy="304801"/>
-          </a:xfrm>
-          <a:prstGeom prst="rect">
-            <a:avLst/>
-          </a:prstGeom>
-          <a:noFill/>
-          <a:extLst>
-            <a:ext uri="{909E8E84-426E-40DD-AFC4-6F175D3DCCD1}">
-              <a14:hiddenFill xmlns:a14="http://schemas.microsoft.com/office/drawing/2010/main">
-                <a:solidFill>
-                  <a:srgbClr val="FFFFFF"/>
-                </a:solidFill>
-              </a14:hiddenFill>
-            </a:ext>
-          </a:extLst>
-        </p:spPr>
-        <p:txBody>
-          <a:bodyPr vert="horz" wrap="square" lIns="91440" tIns="45720" rIns="91440" bIns="45720" numCol="1" anchor="t" anchorCtr="0" compatLnSpc="1">
-            <a:prstTxWarp prst="textNoShape">
-              <a:avLst/>
-            </a:prstTxWarp>
-          </a:bodyPr>
-          <a:lstStyle/>
-          <a:p>
-            <a:endParaRPr lang="fr-FR"/>
-          </a:p>
-        </p:txBody>
-      </p:sp>
-      <p:sp>
-        <p:nvSpPr>
-          <p:cNvPr id="7" name="AutoShape 6" descr="https://projet4.mybalsamiq.com/projects/spec/Consultation%20de%20documents.jpeg?version=9&amp;etag=XHJ8gpGTqtyLpFShCJ6oeFfWCMF_NOhr"/>
-          <p:cNvSpPr>
-            <a:spLocks noChangeAspect="1" noChangeArrowheads="1"/>
-          </p:cNvSpPr>
-          <p:nvPr/>
-        </p:nvSpPr>
-        <p:spPr bwMode="auto">
-          <a:xfrm>
-            <a:off x="765175" y="465137"/>
-            <a:ext cx="304800" cy="304801"/>
-          </a:xfrm>
-          <a:prstGeom prst="rect">
-            <a:avLst/>
-          </a:prstGeom>
-          <a:noFill/>
-          <a:extLst>
-            <a:ext uri="{909E8E84-426E-40DD-AFC4-6F175D3DCCD1}">
-              <a14:hiddenFill xmlns:a14="http://schemas.microsoft.com/office/drawing/2010/main">
-                <a:solidFill>
-                  <a:srgbClr val="FFFFFF"/>
-                </a:solidFill>
-              </a14:hiddenFill>
-            </a:ext>
-          </a:extLst>
-        </p:spPr>
-        <p:txBody>
-          <a:bodyPr vert="horz" wrap="square" lIns="91440" tIns="45720" rIns="91440" bIns="45720" numCol="1" anchor="t" anchorCtr="0" compatLnSpc="1">
-            <a:prstTxWarp prst="textNoShape">
-              <a:avLst/>
-            </a:prstTxWarp>
-          </a:bodyPr>
-          <a:lstStyle/>
-          <a:p>
-            <a:endParaRPr lang="fr-FR"/>
-          </a:p>
-        </p:txBody>
-      </p:sp>
-      <p:sp>
-        <p:nvSpPr>
-          <p:cNvPr id="8" name="AutoShape 8" descr="https://projet4.mybalsamiq.com/projects/spec/Consultation%20de%20documents.jpeg?version=9&amp;etag=XHJ8gpGTqtyLpFShCJ6oeFfWCMF_NOhr"/>
-          <p:cNvSpPr>
-            <a:spLocks noChangeAspect="1" noChangeArrowheads="1"/>
-          </p:cNvSpPr>
-          <p:nvPr/>
-        </p:nvSpPr>
-        <p:spPr bwMode="auto">
-          <a:xfrm>
-            <a:off x="917575" y="617537"/>
-            <a:ext cx="304800" cy="304801"/>
-          </a:xfrm>
-          <a:prstGeom prst="rect">
-            <a:avLst/>
-          </a:prstGeom>
-          <a:noFill/>
-          <a:extLst>
-            <a:ext uri="{909E8E84-426E-40DD-AFC4-6F175D3DCCD1}">
-              <a14:hiddenFill xmlns:a14="http://schemas.microsoft.com/office/drawing/2010/main">
-                <a:solidFill>
-                  <a:srgbClr val="FFFFFF"/>
-                </a:solidFill>
-              </a14:hiddenFill>
-            </a:ext>
-          </a:extLst>
-        </p:spPr>
-        <p:txBody>
-          <a:bodyPr vert="horz" wrap="square" lIns="91440" tIns="45720" rIns="91440" bIns="45720" numCol="1" anchor="t" anchorCtr="0" compatLnSpc="1">
-            <a:prstTxWarp prst="textNoShape">
-              <a:avLst/>
-            </a:prstTxWarp>
-          </a:bodyPr>
-          <a:lstStyle/>
-          <a:p>
-            <a:endParaRPr lang="fr-FR"/>
-          </a:p>
-        </p:txBody>
-      </p:sp>
-      <p:sp>
-        <p:nvSpPr>
-          <p:cNvPr id="9" name="AutoShape 10" descr="https://projet4.mybalsamiq.com/projects/spec/Consultation%20de%20documents.jpeg?version=9&amp;etag=XHJ8gpGTqtyLpFShCJ6oeFfWCMF_NOhr"/>
-          <p:cNvSpPr>
-            <a:spLocks noChangeAspect="1" noChangeArrowheads="1"/>
-          </p:cNvSpPr>
-          <p:nvPr/>
-        </p:nvSpPr>
-        <p:spPr bwMode="auto">
-          <a:xfrm>
-            <a:off x="1069975" y="769937"/>
-            <a:ext cx="304800" cy="304801"/>
-          </a:xfrm>
-          <a:prstGeom prst="rect">
-            <a:avLst/>
-          </a:prstGeom>
-          <a:noFill/>
-          <a:extLst>
-            <a:ext uri="{909E8E84-426E-40DD-AFC4-6F175D3DCCD1}">
-              <a14:hiddenFill xmlns:a14="http://schemas.microsoft.com/office/drawing/2010/main">
-                <a:solidFill>
-                  <a:srgbClr val="FFFFFF"/>
-                </a:solidFill>
-              </a14:hiddenFill>
-            </a:ext>
-          </a:extLst>
-        </p:spPr>
-        <p:txBody>
-          <a:bodyPr vert="horz" wrap="square" lIns="91440" tIns="45720" rIns="91440" bIns="45720" numCol="1" anchor="t" anchorCtr="0" compatLnSpc="1">
-            <a:prstTxWarp prst="textNoShape">
-              <a:avLst/>
-            </a:prstTxWarp>
-          </a:bodyPr>
-          <a:lstStyle/>
-          <a:p>
-            <a:endParaRPr lang="fr-FR"/>
-          </a:p>
-        </p:txBody>
-      </p:sp>
       <p:pic>
         <p:nvPicPr>
-          <p:cNvPr id="1035" name="Picture 11"/>
+          <p:cNvPr id="15" name="Picture 2" descr="recherche.png"/>
           <p:cNvPicPr>
             <a:picLocks noChangeAspect="1" noChangeArrowheads="1"/>
           </p:cNvPicPr>
@@ -4258,64 +4098,28 @@
         </p:blipFill>
         <p:spPr bwMode="auto">
           <a:xfrm>
-            <a:off x="460375" y="1197880"/>
-            <a:ext cx="8288089" cy="5099090"/>
+            <a:off x="612775" y="1197880"/>
+            <a:ext cx="7919665" cy="5099090"/>
           </a:xfrm>
           <a:prstGeom prst="rect">
             <a:avLst/>
           </a:prstGeom>
           <a:noFill/>
-          <a:ln>
-            <a:noFill/>
-          </a:ln>
           <a:extLst>
             <a:ext uri="{909E8E84-426E-40DD-AFC4-6F175D3DCCD1}">
               <a14:hiddenFill xmlns:a14="http://schemas.microsoft.com/office/drawing/2010/main">
                 <a:solidFill>
-                  <a:schemeClr val="accent1"/>
+                  <a:srgbClr val="FFFFFF"/>
                 </a:solidFill>
               </a14:hiddenFill>
             </a:ext>
-            <a:ext uri="{91240B29-F687-4F45-9708-019B960494DF}">
-              <a14:hiddenLine xmlns:a14="http://schemas.microsoft.com/office/drawing/2010/main" w="9525">
-                <a:solidFill>
-                  <a:schemeClr val="tx1"/>
-                </a:solidFill>
-                <a:miter lim="800000"/>
-                <a:headEnd/>
-                <a:tailEnd/>
-              </a14:hiddenLine>
-            </a:ext>
           </a:extLst>
         </p:spPr>
       </p:pic>
-      <p:sp>
-        <p:nvSpPr>
-          <p:cNvPr id="10" name="Espace réservé du numéro de diapositive 9"/>
-          <p:cNvSpPr>
-            <a:spLocks noGrp="1"/>
-          </p:cNvSpPr>
-          <p:nvPr>
-            <p:ph type="sldNum" sz="quarter" idx="12"/>
-          </p:nvPr>
-        </p:nvSpPr>
-        <p:spPr/>
-        <p:txBody>
-          <a:bodyPr/>
-          <a:lstStyle/>
-          <a:p>
-            <a:fld id="{EDA4C233-F16D-4FA8-AC9B-61C6F55E69AB}" type="slidenum">
-              <a:rPr lang="fr-FR" smtClean="0"/>
-              <a:t>10</a:t>
-            </a:fld>
-            <a:endParaRPr lang="fr-FR"/>
-          </a:p>
-        </p:txBody>
-      </p:sp>
     </p:spTree>
     <p:extLst>
       <p:ext uri="{BB962C8B-B14F-4D97-AF65-F5344CB8AC3E}">
-        <p14:creationId xmlns:p14="http://schemas.microsoft.com/office/powerpoint/2010/main" val="3883016612"/>
+        <p14:creationId xmlns:p14="http://schemas.microsoft.com/office/powerpoint/2010/main" val="593129002"/>
       </p:ext>
     </p:extLst>
   </p:cSld>
@@ -4351,41 +4155,25 @@
       </p:grpSpPr>
       <p:sp>
         <p:nvSpPr>
-          <p:cNvPr id="14" name="Titre 1"/>
-          <p:cNvSpPr txBox="1">
-            <a:spLocks/>
+          <p:cNvPr id="2" name="Titre 1"/>
+          <p:cNvSpPr>
+            <a:spLocks noGrp="1"/>
           </p:cNvSpPr>
-          <p:nvPr/>
+          <p:nvPr>
+            <p:ph type="title"/>
+          </p:nvPr>
         </p:nvSpPr>
         <p:spPr>
           <a:xfrm>
             <a:off x="251520" y="116632"/>
             <a:ext cx="6624736" cy="1080120"/>
           </a:xfrm>
-          <a:prstGeom prst="rect">
-            <a:avLst/>
-          </a:prstGeom>
-        </p:spPr>
-        <p:txBody>
-          <a:bodyPr vert="horz" lIns="91440" tIns="45720" rIns="91440" bIns="45720" rtlCol="0" anchor="ctr">
+        </p:spPr>
+        <p:txBody>
+          <a:bodyPr>
             <a:normAutofit/>
           </a:bodyPr>
-          <a:lstStyle>
-            <a:lvl1pPr algn="ctr" defTabSz="914400" rtl="0" eaLnBrk="1" latinLnBrk="0" hangingPunct="1">
-              <a:spcBef>
-                <a:spcPct val="0"/>
-              </a:spcBef>
-              <a:buNone/>
-              <a:defRPr sz="4400" kern="1200">
-                <a:solidFill>
-                  <a:schemeClr val="tx1"/>
-                </a:solidFill>
-                <a:latin typeface="+mj-lt"/>
-                <a:ea typeface="+mj-ea"/>
-                <a:cs typeface="+mj-cs"/>
-              </a:defRPr>
-            </a:lvl1pPr>
-          </a:lstStyle>
+          <a:lstStyle/>
           <a:p>
             <a:pPr algn="l"/>
             <a:r>
@@ -4395,7 +4183,7 @@
                 </a:solidFill>
                 <a:latin typeface="Montserrat" panose="02000505000000020004" pitchFamily="2" charset="0"/>
               </a:rPr>
-              <a:t>Gestion des </a:t>
+              <a:t>Consultation de </a:t>
             </a:r>
             <a:r>
               <a:rPr lang="fr-FR" sz="3200" dirty="0" smtClean="0">
@@ -4404,7 +4192,7 @@
                 </a:solidFill>
                 <a:latin typeface="Montserrat" panose="02000505000000020004" pitchFamily="2" charset="0"/>
               </a:rPr>
-              <a:t>utilisateurs</a:t>
+              <a:t>documents</a:t>
             </a:r>
             <a:endParaRPr lang="fr-FR" sz="3200" dirty="0">
               <a:solidFill>
@@ -4415,31 +4203,18 @@
           </a:p>
         </p:txBody>
       </p:sp>
-      <p:pic>
-        <p:nvPicPr>
-          <p:cNvPr id="5124" name="Picture 4" descr="https://lh6.googleusercontent.com/OyiuKNnszS1nnTJUtECq5oCPOdPUJmOXPTWanCT7imk6bP3-gKRt1SonXahzmCVMfdOTOEn9BxsM0oaeWwwh1wh38D6Pn0ktsWVxplI-Hk2uhNcJ0EpQHeEtXZzDT49DFP25SHz-jA"/>
-          <p:cNvPicPr>
-            <a:picLocks noChangeAspect="1" noChangeArrowheads="1"/>
-          </p:cNvPicPr>
+      <p:sp>
+        <p:nvSpPr>
+          <p:cNvPr id="3" name="AutoShape 2" descr="https://gitlab.insa-rennes.fr/francois-boschet/gutemberg/raw/master/report/2_spec/figures/consultation.png"/>
+          <p:cNvSpPr>
+            <a:spLocks noChangeAspect="1" noChangeArrowheads="1"/>
+          </p:cNvSpPr>
           <p:nvPr/>
-        </p:nvPicPr>
-        <p:blipFill>
-          <a:blip r:embed="rId2">
-            <a:extLst>
-              <a:ext uri="{28A0092B-C50C-407E-A947-70E740481C1C}">
-                <a14:useLocalDpi xmlns:a14="http://schemas.microsoft.com/office/drawing/2010/main" val="0"/>
-              </a:ext>
-            </a:extLst>
-          </a:blip>
-          <a:srcRect/>
-          <a:stretch>
-            <a:fillRect/>
-          </a:stretch>
-        </p:blipFill>
+        </p:nvSpPr>
         <p:spPr bwMode="auto">
           <a:xfrm>
-            <a:off x="612775" y="1196752"/>
-            <a:ext cx="7919665" cy="5097192"/>
+            <a:off x="155575" y="-144463"/>
+            <a:ext cx="304800" cy="304801"/>
           </a:xfrm>
           <a:prstGeom prst="rect">
             <a:avLst/>
@@ -4455,11 +4230,895 @@
             </a:ext>
           </a:extLst>
         </p:spPr>
-      </p:pic>
+        <p:txBody>
+          <a:bodyPr vert="horz" wrap="square" lIns="91440" tIns="45720" rIns="91440" bIns="45720" numCol="1" anchor="t" anchorCtr="0" compatLnSpc="1">
+            <a:prstTxWarp prst="textNoShape">
+              <a:avLst/>
+            </a:prstTxWarp>
+          </a:bodyPr>
+          <a:lstStyle/>
+          <a:p>
+            <a:endParaRPr lang="fr-FR"/>
+          </a:p>
+        </p:txBody>
+      </p:sp>
+      <p:sp>
+        <p:nvSpPr>
+          <p:cNvPr id="4" name="AutoShape 4" descr="https://gitlab.insa-rennes.fr/francois-boschet/gutemberg/raw/master/report/2_spec/figures/consultation.png"/>
+          <p:cNvSpPr>
+            <a:spLocks noChangeAspect="1" noChangeArrowheads="1"/>
+          </p:cNvSpPr>
+          <p:nvPr/>
+        </p:nvSpPr>
+        <p:spPr bwMode="auto">
+          <a:xfrm>
+            <a:off x="307975" y="7937"/>
+            <a:ext cx="304800" cy="304801"/>
+          </a:xfrm>
+          <a:prstGeom prst="rect">
+            <a:avLst/>
+          </a:prstGeom>
+          <a:noFill/>
+          <a:extLst>
+            <a:ext uri="{909E8E84-426E-40DD-AFC4-6F175D3DCCD1}">
+              <a14:hiddenFill xmlns:a14="http://schemas.microsoft.com/office/drawing/2010/main">
+                <a:solidFill>
+                  <a:srgbClr val="FFFFFF"/>
+                </a:solidFill>
+              </a14:hiddenFill>
+            </a:ext>
+          </a:extLst>
+        </p:spPr>
+        <p:txBody>
+          <a:bodyPr vert="horz" wrap="square" lIns="91440" tIns="45720" rIns="91440" bIns="45720" numCol="1" anchor="t" anchorCtr="0" compatLnSpc="1">
+            <a:prstTxWarp prst="textNoShape">
+              <a:avLst/>
+            </a:prstTxWarp>
+          </a:bodyPr>
+          <a:lstStyle/>
+          <a:p>
+            <a:endParaRPr lang="fr-FR"/>
+          </a:p>
+        </p:txBody>
+      </p:sp>
+      <p:sp>
+        <p:nvSpPr>
+          <p:cNvPr id="5" name="AutoShape 2" descr="https://projet4.mybalsamiq.com/projects/spec/Consultation%20de%20documents.jpeg?version=9&amp;etag=XHJ8gpGTqtyLpFShCJ6oeFfWCMF_NOhr"/>
+          <p:cNvSpPr>
+            <a:spLocks noChangeAspect="1" noChangeArrowheads="1"/>
+          </p:cNvSpPr>
+          <p:nvPr/>
+        </p:nvSpPr>
+        <p:spPr bwMode="auto">
+          <a:xfrm>
+            <a:off x="460375" y="160337"/>
+            <a:ext cx="304800" cy="304801"/>
+          </a:xfrm>
+          <a:prstGeom prst="rect">
+            <a:avLst/>
+          </a:prstGeom>
+          <a:noFill/>
+          <a:extLst>
+            <a:ext uri="{909E8E84-426E-40DD-AFC4-6F175D3DCCD1}">
+              <a14:hiddenFill xmlns:a14="http://schemas.microsoft.com/office/drawing/2010/main">
+                <a:solidFill>
+                  <a:srgbClr val="FFFFFF"/>
+                </a:solidFill>
+              </a14:hiddenFill>
+            </a:ext>
+          </a:extLst>
+        </p:spPr>
+        <p:txBody>
+          <a:bodyPr vert="horz" wrap="square" lIns="91440" tIns="45720" rIns="91440" bIns="45720" numCol="1" anchor="t" anchorCtr="0" compatLnSpc="1">
+            <a:prstTxWarp prst="textNoShape">
+              <a:avLst/>
+            </a:prstTxWarp>
+          </a:bodyPr>
+          <a:lstStyle/>
+          <a:p>
+            <a:endParaRPr lang="fr-FR"/>
+          </a:p>
+        </p:txBody>
+      </p:sp>
+      <p:sp>
+        <p:nvSpPr>
+          <p:cNvPr id="6" name="AutoShape 4" descr="https://projet4.mybalsamiq.com/projects/spec/Consultation%20de%20documents.jpeg?version=9&amp;etag=XHJ8gpGTqtyLpFShCJ6oeFfWCMF_NOhr"/>
+          <p:cNvSpPr>
+            <a:spLocks noChangeAspect="1" noChangeArrowheads="1"/>
+          </p:cNvSpPr>
+          <p:nvPr/>
+        </p:nvSpPr>
+        <p:spPr bwMode="auto">
+          <a:xfrm>
+            <a:off x="612775" y="312737"/>
+            <a:ext cx="304800" cy="304801"/>
+          </a:xfrm>
+          <a:prstGeom prst="rect">
+            <a:avLst/>
+          </a:prstGeom>
+          <a:noFill/>
+          <a:extLst>
+            <a:ext uri="{909E8E84-426E-40DD-AFC4-6F175D3DCCD1}">
+              <a14:hiddenFill xmlns:a14="http://schemas.microsoft.com/office/drawing/2010/main">
+                <a:solidFill>
+                  <a:srgbClr val="FFFFFF"/>
+                </a:solidFill>
+              </a14:hiddenFill>
+            </a:ext>
+          </a:extLst>
+        </p:spPr>
+        <p:txBody>
+          <a:bodyPr vert="horz" wrap="square" lIns="91440" tIns="45720" rIns="91440" bIns="45720" numCol="1" anchor="t" anchorCtr="0" compatLnSpc="1">
+            <a:prstTxWarp prst="textNoShape">
+              <a:avLst/>
+            </a:prstTxWarp>
+          </a:bodyPr>
+          <a:lstStyle/>
+          <a:p>
+            <a:endParaRPr lang="fr-FR"/>
+          </a:p>
+        </p:txBody>
+      </p:sp>
+      <p:sp>
+        <p:nvSpPr>
+          <p:cNvPr id="7" name="AutoShape 6" descr="https://projet4.mybalsamiq.com/projects/spec/Consultation%20de%20documents.jpeg?version=9&amp;etag=XHJ8gpGTqtyLpFShCJ6oeFfWCMF_NOhr"/>
+          <p:cNvSpPr>
+            <a:spLocks noChangeAspect="1" noChangeArrowheads="1"/>
+          </p:cNvSpPr>
+          <p:nvPr/>
+        </p:nvSpPr>
+        <p:spPr bwMode="auto">
+          <a:xfrm>
+            <a:off x="765175" y="465137"/>
+            <a:ext cx="304800" cy="304801"/>
+          </a:xfrm>
+          <a:prstGeom prst="rect">
+            <a:avLst/>
+          </a:prstGeom>
+          <a:noFill/>
+          <a:extLst>
+            <a:ext uri="{909E8E84-426E-40DD-AFC4-6F175D3DCCD1}">
+              <a14:hiddenFill xmlns:a14="http://schemas.microsoft.com/office/drawing/2010/main">
+                <a:solidFill>
+                  <a:srgbClr val="FFFFFF"/>
+                </a:solidFill>
+              </a14:hiddenFill>
+            </a:ext>
+          </a:extLst>
+        </p:spPr>
+        <p:txBody>
+          <a:bodyPr vert="horz" wrap="square" lIns="91440" tIns="45720" rIns="91440" bIns="45720" numCol="1" anchor="t" anchorCtr="0" compatLnSpc="1">
+            <a:prstTxWarp prst="textNoShape">
+              <a:avLst/>
+            </a:prstTxWarp>
+          </a:bodyPr>
+          <a:lstStyle/>
+          <a:p>
+            <a:endParaRPr lang="fr-FR"/>
+          </a:p>
+        </p:txBody>
+      </p:sp>
+      <p:sp>
+        <p:nvSpPr>
+          <p:cNvPr id="8" name="AutoShape 8" descr="https://projet4.mybalsamiq.com/projects/spec/Consultation%20de%20documents.jpeg?version=9&amp;etag=XHJ8gpGTqtyLpFShCJ6oeFfWCMF_NOhr"/>
+          <p:cNvSpPr>
+            <a:spLocks noChangeAspect="1" noChangeArrowheads="1"/>
+          </p:cNvSpPr>
+          <p:nvPr/>
+        </p:nvSpPr>
+        <p:spPr bwMode="auto">
+          <a:xfrm>
+            <a:off x="917575" y="617537"/>
+            <a:ext cx="304800" cy="304801"/>
+          </a:xfrm>
+          <a:prstGeom prst="rect">
+            <a:avLst/>
+          </a:prstGeom>
+          <a:noFill/>
+          <a:extLst>
+            <a:ext uri="{909E8E84-426E-40DD-AFC4-6F175D3DCCD1}">
+              <a14:hiddenFill xmlns:a14="http://schemas.microsoft.com/office/drawing/2010/main">
+                <a:solidFill>
+                  <a:srgbClr val="FFFFFF"/>
+                </a:solidFill>
+              </a14:hiddenFill>
+            </a:ext>
+          </a:extLst>
+        </p:spPr>
+        <p:txBody>
+          <a:bodyPr vert="horz" wrap="square" lIns="91440" tIns="45720" rIns="91440" bIns="45720" numCol="1" anchor="t" anchorCtr="0" compatLnSpc="1">
+            <a:prstTxWarp prst="textNoShape">
+              <a:avLst/>
+            </a:prstTxWarp>
+          </a:bodyPr>
+          <a:lstStyle/>
+          <a:p>
+            <a:endParaRPr lang="fr-FR"/>
+          </a:p>
+        </p:txBody>
+      </p:sp>
+      <p:sp>
+        <p:nvSpPr>
+          <p:cNvPr id="9" name="AutoShape 10" descr="https://projet4.mybalsamiq.com/projects/spec/Consultation%20de%20documents.jpeg?version=9&amp;etag=XHJ8gpGTqtyLpFShCJ6oeFfWCMF_NOhr"/>
+          <p:cNvSpPr>
+            <a:spLocks noChangeAspect="1" noChangeArrowheads="1"/>
+          </p:cNvSpPr>
+          <p:nvPr/>
+        </p:nvSpPr>
+        <p:spPr bwMode="auto">
+          <a:xfrm>
+            <a:off x="1069975" y="769937"/>
+            <a:ext cx="304800" cy="304801"/>
+          </a:xfrm>
+          <a:prstGeom prst="rect">
+            <a:avLst/>
+          </a:prstGeom>
+          <a:noFill/>
+          <a:extLst>
+            <a:ext uri="{909E8E84-426E-40DD-AFC4-6F175D3DCCD1}">
+              <a14:hiddenFill xmlns:a14="http://schemas.microsoft.com/office/drawing/2010/main">
+                <a:solidFill>
+                  <a:srgbClr val="FFFFFF"/>
+                </a:solidFill>
+              </a14:hiddenFill>
+            </a:ext>
+          </a:extLst>
+        </p:spPr>
+        <p:txBody>
+          <a:bodyPr vert="horz" wrap="square" lIns="91440" tIns="45720" rIns="91440" bIns="45720" numCol="1" anchor="t" anchorCtr="0" compatLnSpc="1">
+            <a:prstTxWarp prst="textNoShape">
+              <a:avLst/>
+            </a:prstTxWarp>
+          </a:bodyPr>
+          <a:lstStyle/>
+          <a:p>
+            <a:endParaRPr lang="fr-FR"/>
+          </a:p>
+        </p:txBody>
+      </p:sp>
+      <p:sp>
+        <p:nvSpPr>
+          <p:cNvPr id="10" name="Espace réservé du numéro de diapositive 9"/>
+          <p:cNvSpPr>
+            <a:spLocks noGrp="1"/>
+          </p:cNvSpPr>
+          <p:nvPr>
+            <p:ph type="sldNum" sz="quarter" idx="12"/>
+          </p:nvPr>
+        </p:nvSpPr>
+        <p:spPr/>
+        <p:txBody>
+          <a:bodyPr/>
+          <a:lstStyle/>
+          <a:p>
+            <a:fld id="{EDA4C233-F16D-4FA8-AC9B-61C6F55E69AB}" type="slidenum">
+              <a:rPr lang="fr-FR" smtClean="0"/>
+              <a:t>11</a:t>
+            </a:fld>
+            <a:endParaRPr lang="fr-FR"/>
+          </a:p>
+        </p:txBody>
+      </p:sp>
+      <p:sp>
+        <p:nvSpPr>
+          <p:cNvPr id="13" name="Espace réservé du numéro de diapositive 9"/>
+          <p:cNvSpPr txBox="1">
+            <a:spLocks/>
+          </p:cNvSpPr>
+          <p:nvPr/>
+        </p:nvSpPr>
+        <p:spPr>
+          <a:xfrm>
+            <a:off x="6553200" y="6356350"/>
+            <a:ext cx="2133600" cy="365125"/>
+          </a:xfrm>
+          <a:prstGeom prst="rect">
+            <a:avLst/>
+          </a:prstGeom>
+        </p:spPr>
+        <p:txBody>
+          <a:bodyPr vert="horz" lIns="91440" tIns="45720" rIns="91440" bIns="45720" rtlCol="0" anchor="ctr"/>
+          <a:lstStyle>
+            <a:defPPr>
+              <a:defRPr lang="fr-FR"/>
+            </a:defPPr>
+            <a:lvl1pPr marL="0" algn="r" defTabSz="914400" rtl="0" eaLnBrk="1" latinLnBrk="0" hangingPunct="1">
+              <a:defRPr sz="1200" kern="1200">
+                <a:solidFill>
+                  <a:schemeClr val="tx1">
+                    <a:tint val="75000"/>
+                  </a:schemeClr>
+                </a:solidFill>
+                <a:latin typeface="+mn-lt"/>
+                <a:ea typeface="+mn-ea"/>
+                <a:cs typeface="+mn-cs"/>
+              </a:defRPr>
+            </a:lvl1pPr>
+            <a:lvl2pPr marL="457200" algn="l" defTabSz="914400" rtl="0" eaLnBrk="1" latinLnBrk="0" hangingPunct="1">
+              <a:defRPr sz="1800" kern="1200">
+                <a:solidFill>
+                  <a:schemeClr val="tx1"/>
+                </a:solidFill>
+                <a:latin typeface="+mn-lt"/>
+                <a:ea typeface="+mn-ea"/>
+                <a:cs typeface="+mn-cs"/>
+              </a:defRPr>
+            </a:lvl2pPr>
+            <a:lvl3pPr marL="914400" algn="l" defTabSz="914400" rtl="0" eaLnBrk="1" latinLnBrk="0" hangingPunct="1">
+              <a:defRPr sz="1800" kern="1200">
+                <a:solidFill>
+                  <a:schemeClr val="tx1"/>
+                </a:solidFill>
+                <a:latin typeface="+mn-lt"/>
+                <a:ea typeface="+mn-ea"/>
+                <a:cs typeface="+mn-cs"/>
+              </a:defRPr>
+            </a:lvl3pPr>
+            <a:lvl4pPr marL="1371600" algn="l" defTabSz="914400" rtl="0" eaLnBrk="1" latinLnBrk="0" hangingPunct="1">
+              <a:defRPr sz="1800" kern="1200">
+                <a:solidFill>
+                  <a:schemeClr val="tx1"/>
+                </a:solidFill>
+                <a:latin typeface="+mn-lt"/>
+                <a:ea typeface="+mn-ea"/>
+                <a:cs typeface="+mn-cs"/>
+              </a:defRPr>
+            </a:lvl4pPr>
+            <a:lvl5pPr marL="1828800" algn="l" defTabSz="914400" rtl="0" eaLnBrk="1" latinLnBrk="0" hangingPunct="1">
+              <a:defRPr sz="1800" kern="1200">
+                <a:solidFill>
+                  <a:schemeClr val="tx1"/>
+                </a:solidFill>
+                <a:latin typeface="+mn-lt"/>
+                <a:ea typeface="+mn-ea"/>
+                <a:cs typeface="+mn-cs"/>
+              </a:defRPr>
+            </a:lvl5pPr>
+            <a:lvl6pPr marL="2286000" algn="l" defTabSz="914400" rtl="0" eaLnBrk="1" latinLnBrk="0" hangingPunct="1">
+              <a:defRPr sz="1800" kern="1200">
+                <a:solidFill>
+                  <a:schemeClr val="tx1"/>
+                </a:solidFill>
+                <a:latin typeface="+mn-lt"/>
+                <a:ea typeface="+mn-ea"/>
+                <a:cs typeface="+mn-cs"/>
+              </a:defRPr>
+            </a:lvl6pPr>
+            <a:lvl7pPr marL="2743200" algn="l" defTabSz="914400" rtl="0" eaLnBrk="1" latinLnBrk="0" hangingPunct="1">
+              <a:defRPr sz="1800" kern="1200">
+                <a:solidFill>
+                  <a:schemeClr val="tx1"/>
+                </a:solidFill>
+                <a:latin typeface="+mn-lt"/>
+                <a:ea typeface="+mn-ea"/>
+                <a:cs typeface="+mn-cs"/>
+              </a:defRPr>
+            </a:lvl7pPr>
+            <a:lvl8pPr marL="3200400" algn="l" defTabSz="914400" rtl="0" eaLnBrk="1" latinLnBrk="0" hangingPunct="1">
+              <a:defRPr sz="1800" kern="1200">
+                <a:solidFill>
+                  <a:schemeClr val="tx1"/>
+                </a:solidFill>
+                <a:latin typeface="+mn-lt"/>
+                <a:ea typeface="+mn-ea"/>
+                <a:cs typeface="+mn-cs"/>
+              </a:defRPr>
+            </a:lvl8pPr>
+            <a:lvl9pPr marL="3657600" algn="l" defTabSz="914400" rtl="0" eaLnBrk="1" latinLnBrk="0" hangingPunct="1">
+              <a:defRPr sz="1800" kern="1200">
+                <a:solidFill>
+                  <a:schemeClr val="tx1"/>
+                </a:solidFill>
+                <a:latin typeface="+mn-lt"/>
+                <a:ea typeface="+mn-ea"/>
+                <a:cs typeface="+mn-cs"/>
+              </a:defRPr>
+            </a:lvl9pPr>
+          </a:lstStyle>
+          <a:p>
+            <a:fld id="{EDA4C233-F16D-4FA8-AC9B-61C6F55E69AB}" type="slidenum">
+              <a:rPr lang="fr-FR" smtClean="0"/>
+              <a:pPr/>
+              <a:t>11</a:t>
+            </a:fld>
+            <a:endParaRPr lang="fr-FR" dirty="0"/>
+          </a:p>
+        </p:txBody>
+      </p:sp>
+      <p:sp>
+        <p:nvSpPr>
+          <p:cNvPr id="14" name="ZoneTexte 13"/>
+          <p:cNvSpPr txBox="1"/>
+          <p:nvPr/>
+        </p:nvSpPr>
+        <p:spPr>
+          <a:xfrm>
+            <a:off x="404358" y="1848599"/>
+            <a:ext cx="3374776" cy="461665"/>
+          </a:xfrm>
+          <a:prstGeom prst="rect">
+            <a:avLst/>
+          </a:prstGeom>
+          <a:noFill/>
+        </p:spPr>
+        <p:txBody>
+          <a:bodyPr wrap="square" rtlCol="0">
+            <a:spAutoFit/>
+          </a:bodyPr>
+          <a:lstStyle/>
+          <a:p>
+            <a:pPr algn="r"/>
+            <a:r>
+              <a:rPr lang="fr-FR" sz="2400" dirty="0" smtClean="0">
+                <a:solidFill>
+                  <a:srgbClr val="00A7AA"/>
+                </a:solidFill>
+                <a:latin typeface="+mj-lt"/>
+              </a:rPr>
+              <a:t>Informer </a:t>
+            </a:r>
+            <a:r>
+              <a:rPr lang="fr-FR" sz="2400" dirty="0" smtClean="0">
+                <a:solidFill>
+                  <a:srgbClr val="0563B8"/>
+                </a:solidFill>
+                <a:latin typeface="+mj-lt"/>
+              </a:rPr>
+              <a:t>l’utilisateur</a:t>
+            </a:r>
+          </a:p>
+        </p:txBody>
+      </p:sp>
+      <p:cxnSp>
+        <p:nvCxnSpPr>
+          <p:cNvPr id="15" name="Connecteur droit avec flèche 14"/>
+          <p:cNvCxnSpPr/>
+          <p:nvPr/>
+        </p:nvCxnSpPr>
+        <p:spPr>
+          <a:xfrm>
+            <a:off x="3923928" y="2079432"/>
+            <a:ext cx="1152128" cy="0"/>
+          </a:xfrm>
+          <a:prstGeom prst="straightConnector1">
+            <a:avLst/>
+          </a:prstGeom>
+          <a:ln w="57150">
+            <a:solidFill>
+              <a:srgbClr val="00A7AA"/>
+            </a:solidFill>
+            <a:tailEnd type="arrow"/>
+          </a:ln>
+        </p:spPr>
+        <p:style>
+          <a:lnRef idx="1">
+            <a:schemeClr val="accent1"/>
+          </a:lnRef>
+          <a:fillRef idx="0">
+            <a:schemeClr val="accent1"/>
+          </a:fillRef>
+          <a:effectRef idx="0">
+            <a:schemeClr val="accent1"/>
+          </a:effectRef>
+          <a:fontRef idx="minor">
+            <a:schemeClr val="tx1"/>
+          </a:fontRef>
+        </p:style>
+      </p:cxnSp>
+      <p:cxnSp>
+        <p:nvCxnSpPr>
+          <p:cNvPr id="16" name="Connecteur droit avec flèche 15"/>
+          <p:cNvCxnSpPr/>
+          <p:nvPr/>
+        </p:nvCxnSpPr>
+        <p:spPr>
+          <a:xfrm>
+            <a:off x="4228728" y="5631631"/>
+            <a:ext cx="847328" cy="0"/>
+          </a:xfrm>
+          <a:prstGeom prst="straightConnector1">
+            <a:avLst/>
+          </a:prstGeom>
+          <a:ln w="57150">
+            <a:solidFill>
+              <a:srgbClr val="00A7AA"/>
+            </a:solidFill>
+            <a:tailEnd type="arrow"/>
+          </a:ln>
+        </p:spPr>
+        <p:style>
+          <a:lnRef idx="1">
+            <a:schemeClr val="accent1"/>
+          </a:lnRef>
+          <a:fillRef idx="0">
+            <a:schemeClr val="accent1"/>
+          </a:fillRef>
+          <a:effectRef idx="0">
+            <a:schemeClr val="accent1"/>
+          </a:effectRef>
+          <a:fontRef idx="minor">
+            <a:schemeClr val="tx1"/>
+          </a:fontRef>
+        </p:style>
+      </p:cxnSp>
+      <p:cxnSp>
+        <p:nvCxnSpPr>
+          <p:cNvPr id="17" name="Connecteur droit avec flèche 16"/>
+          <p:cNvCxnSpPr/>
+          <p:nvPr/>
+        </p:nvCxnSpPr>
+        <p:spPr>
+          <a:xfrm>
+            <a:off x="3923928" y="3903439"/>
+            <a:ext cx="1152128" cy="0"/>
+          </a:xfrm>
+          <a:prstGeom prst="straightConnector1">
+            <a:avLst/>
+          </a:prstGeom>
+          <a:ln w="57150">
+            <a:solidFill>
+              <a:srgbClr val="00A7AA"/>
+            </a:solidFill>
+            <a:tailEnd type="arrow"/>
+          </a:ln>
+        </p:spPr>
+        <p:style>
+          <a:lnRef idx="1">
+            <a:schemeClr val="accent1"/>
+          </a:lnRef>
+          <a:fillRef idx="0">
+            <a:schemeClr val="accent1"/>
+          </a:fillRef>
+          <a:effectRef idx="0">
+            <a:schemeClr val="accent1"/>
+          </a:effectRef>
+          <a:fontRef idx="minor">
+            <a:schemeClr val="tx1"/>
+          </a:fontRef>
+        </p:style>
+      </p:cxnSp>
+      <p:sp>
+        <p:nvSpPr>
+          <p:cNvPr id="18" name="ZoneTexte 17"/>
+          <p:cNvSpPr txBox="1"/>
+          <p:nvPr/>
+        </p:nvSpPr>
+        <p:spPr>
+          <a:xfrm>
+            <a:off x="5292080" y="1600924"/>
+            <a:ext cx="3672408" cy="1107996"/>
+          </a:xfrm>
+          <a:prstGeom prst="rect">
+            <a:avLst/>
+          </a:prstGeom>
+          <a:noFill/>
+        </p:spPr>
+        <p:txBody>
+          <a:bodyPr wrap="square" rtlCol="0">
+            <a:spAutoFit/>
+          </a:bodyPr>
+          <a:lstStyle/>
+          <a:p>
+            <a:pPr fontAlgn="base"/>
+            <a:r>
+              <a:rPr lang="fr-FR" dirty="0" smtClean="0">
+                <a:solidFill>
+                  <a:srgbClr val="0563B8"/>
+                </a:solidFill>
+              </a:rPr>
+              <a:t>Métadonnées sur le document</a:t>
+            </a:r>
+          </a:p>
+          <a:p>
+            <a:pPr marL="742950" lvl="1" indent="-285750" fontAlgn="base">
+              <a:buFont typeface="Arial" panose="020B0604020202020204" pitchFamily="34" charset="0"/>
+              <a:buChar char="•"/>
+            </a:pPr>
+            <a:r>
+              <a:rPr lang="fr-FR" sz="1600" dirty="0">
+                <a:solidFill>
+                  <a:srgbClr val="0563B8"/>
+                </a:solidFill>
+              </a:rPr>
+              <a:t>N</a:t>
+            </a:r>
+            <a:r>
+              <a:rPr lang="fr-FR" sz="1600" dirty="0" smtClean="0">
+                <a:solidFill>
+                  <a:srgbClr val="0563B8"/>
+                </a:solidFill>
+              </a:rPr>
+              <a:t>om de l’article, du journal</a:t>
+            </a:r>
+          </a:p>
+          <a:p>
+            <a:pPr marL="742950" lvl="1" indent="-285750" fontAlgn="base">
+              <a:buFont typeface="Arial" panose="020B0604020202020204" pitchFamily="34" charset="0"/>
+              <a:buChar char="•"/>
+            </a:pPr>
+            <a:r>
+              <a:rPr lang="fr-FR" sz="1600" dirty="0">
+                <a:solidFill>
+                  <a:srgbClr val="0563B8"/>
+                </a:solidFill>
+              </a:rPr>
+              <a:t>D</a:t>
+            </a:r>
+            <a:r>
+              <a:rPr lang="fr-FR" sz="1600" dirty="0" smtClean="0">
+                <a:solidFill>
+                  <a:srgbClr val="0563B8"/>
+                </a:solidFill>
+              </a:rPr>
+              <a:t>ate de parution,</a:t>
+            </a:r>
+          </a:p>
+          <a:p>
+            <a:pPr marL="742950" lvl="1" indent="-285750" fontAlgn="base">
+              <a:buFont typeface="Arial" panose="020B0604020202020204" pitchFamily="34" charset="0"/>
+              <a:buChar char="•"/>
+            </a:pPr>
+            <a:r>
+              <a:rPr lang="fr-FR" sz="1600" dirty="0" smtClean="0">
+                <a:solidFill>
+                  <a:srgbClr val="0563B8"/>
+                </a:solidFill>
+              </a:rPr>
+              <a:t>Tags associés</a:t>
+            </a:r>
+            <a:endParaRPr lang="fr-FR" sz="1600" dirty="0">
+              <a:solidFill>
+                <a:srgbClr val="0563B8"/>
+              </a:solidFill>
+            </a:endParaRPr>
+          </a:p>
+        </p:txBody>
+      </p:sp>
+      <p:sp>
+        <p:nvSpPr>
+          <p:cNvPr id="19" name="ZoneTexte 18"/>
+          <p:cNvSpPr txBox="1"/>
+          <p:nvPr/>
+        </p:nvSpPr>
+        <p:spPr>
+          <a:xfrm>
+            <a:off x="5292080" y="3573016"/>
+            <a:ext cx="3672408" cy="923330"/>
+          </a:xfrm>
+          <a:prstGeom prst="rect">
+            <a:avLst/>
+          </a:prstGeom>
+          <a:noFill/>
+        </p:spPr>
+        <p:txBody>
+          <a:bodyPr wrap="square" rtlCol="0">
+            <a:spAutoFit/>
+          </a:bodyPr>
+          <a:lstStyle/>
+          <a:p>
+            <a:pPr marL="285750" indent="-285750" fontAlgn="base">
+              <a:buFont typeface="Arial" panose="020B0604020202020204" pitchFamily="34" charset="0"/>
+              <a:buChar char="•"/>
+            </a:pPr>
+            <a:r>
+              <a:rPr lang="fr-FR" dirty="0" smtClean="0">
+                <a:solidFill>
+                  <a:srgbClr val="0563B8"/>
+                </a:solidFill>
+              </a:rPr>
+              <a:t>Visionneuse de documents</a:t>
+            </a:r>
+          </a:p>
+          <a:p>
+            <a:pPr marL="285750" indent="-285750" fontAlgn="base">
+              <a:buFont typeface="Arial" panose="020B0604020202020204" pitchFamily="34" charset="0"/>
+              <a:buChar char="•"/>
+            </a:pPr>
+            <a:r>
+              <a:rPr lang="fr-FR" dirty="0" smtClean="0">
+                <a:solidFill>
+                  <a:srgbClr val="0563B8"/>
+                </a:solidFill>
+              </a:rPr>
+              <a:t>Actions de navigation :</a:t>
+            </a:r>
+          </a:p>
+          <a:p>
+            <a:pPr fontAlgn="base"/>
+            <a:r>
+              <a:rPr lang="fr-FR" dirty="0" smtClean="0">
+                <a:solidFill>
+                  <a:srgbClr val="0563B8"/>
+                </a:solidFill>
+              </a:rPr>
+              <a:t>   </a:t>
+            </a:r>
+            <a:r>
+              <a:rPr lang="fr-FR" sz="1600" dirty="0" smtClean="0">
+                <a:solidFill>
+                  <a:srgbClr val="0563B8"/>
+                </a:solidFill>
+              </a:rPr>
+              <a:t>zoom, page suivante,  article suivant, </a:t>
+            </a:r>
+            <a:r>
+              <a:rPr lang="fr-FR" sz="1600" dirty="0" err="1" smtClean="0">
+                <a:solidFill>
+                  <a:srgbClr val="0563B8"/>
+                </a:solidFill>
+              </a:rPr>
+              <a:t>etc</a:t>
+            </a:r>
+            <a:endParaRPr lang="fr-FR" sz="1600" dirty="0" smtClean="0">
+              <a:solidFill>
+                <a:srgbClr val="0563B8"/>
+              </a:solidFill>
+            </a:endParaRPr>
+          </a:p>
+        </p:txBody>
+      </p:sp>
+      <p:sp>
+        <p:nvSpPr>
+          <p:cNvPr id="20" name="ZoneTexte 19"/>
+          <p:cNvSpPr txBox="1"/>
+          <p:nvPr/>
+        </p:nvSpPr>
+        <p:spPr>
+          <a:xfrm>
+            <a:off x="5292080" y="5169966"/>
+            <a:ext cx="3960440" cy="1200329"/>
+          </a:xfrm>
+          <a:prstGeom prst="rect">
+            <a:avLst/>
+          </a:prstGeom>
+          <a:noFill/>
+        </p:spPr>
+        <p:txBody>
+          <a:bodyPr wrap="square" rtlCol="0">
+            <a:spAutoFit/>
+          </a:bodyPr>
+          <a:lstStyle/>
+          <a:p>
+            <a:pPr marL="285750" indent="-285750" fontAlgn="base">
+              <a:buFont typeface="Arial" panose="020B0604020202020204" pitchFamily="34" charset="0"/>
+              <a:buChar char="•"/>
+            </a:pPr>
+            <a:r>
+              <a:rPr lang="fr-FR" dirty="0" smtClean="0">
+                <a:solidFill>
+                  <a:srgbClr val="0563B8"/>
+                </a:solidFill>
+              </a:rPr>
+              <a:t>Recommandations d’articles</a:t>
+            </a:r>
+          </a:p>
+          <a:p>
+            <a:pPr marL="285750" indent="-285750" fontAlgn="base">
+              <a:buFont typeface="Arial" panose="020B0604020202020204" pitchFamily="34" charset="0"/>
+              <a:buChar char="•"/>
+            </a:pPr>
+            <a:r>
+              <a:rPr lang="fr-FR" dirty="0" smtClean="0">
+                <a:solidFill>
+                  <a:srgbClr val="0563B8"/>
+                </a:solidFill>
+              </a:rPr>
+              <a:t>Articles de la revue de presse</a:t>
+            </a:r>
+          </a:p>
+          <a:p>
+            <a:pPr marL="285750" indent="-285750" fontAlgn="base">
+              <a:buFont typeface="Arial" panose="020B0604020202020204" pitchFamily="34" charset="0"/>
+              <a:buChar char="•"/>
+            </a:pPr>
+            <a:r>
+              <a:rPr lang="fr-FR" dirty="0" smtClean="0">
+                <a:solidFill>
+                  <a:srgbClr val="0563B8"/>
+                </a:solidFill>
+              </a:rPr>
+              <a:t>Revues de presse contenant l’article en cours de lecture</a:t>
+            </a:r>
+            <a:endParaRPr lang="fr-FR" sz="1200" i="1" dirty="0">
+              <a:solidFill>
+                <a:srgbClr val="0563B8"/>
+              </a:solidFill>
+            </a:endParaRPr>
+          </a:p>
+        </p:txBody>
+      </p:sp>
+      <p:sp>
+        <p:nvSpPr>
+          <p:cNvPr id="21" name="ZoneTexte 20"/>
+          <p:cNvSpPr txBox="1"/>
+          <p:nvPr/>
+        </p:nvSpPr>
+        <p:spPr>
+          <a:xfrm>
+            <a:off x="307976" y="3654747"/>
+            <a:ext cx="3471936" cy="461665"/>
+          </a:xfrm>
+          <a:prstGeom prst="rect">
+            <a:avLst/>
+          </a:prstGeom>
+          <a:noFill/>
+        </p:spPr>
+        <p:txBody>
+          <a:bodyPr wrap="square" rtlCol="0">
+            <a:spAutoFit/>
+          </a:bodyPr>
+          <a:lstStyle/>
+          <a:p>
+            <a:pPr algn="r"/>
+            <a:r>
+              <a:rPr lang="fr-FR" sz="2400" dirty="0" smtClean="0">
+                <a:solidFill>
+                  <a:srgbClr val="00A7AA"/>
+                </a:solidFill>
+                <a:latin typeface="+mj-lt"/>
+              </a:rPr>
+              <a:t>Visualiser</a:t>
+            </a:r>
+            <a:r>
+              <a:rPr lang="fr-FR" sz="2400" dirty="0" smtClean="0">
+                <a:solidFill>
+                  <a:srgbClr val="0563B8"/>
+                </a:solidFill>
+                <a:latin typeface="+mj-lt"/>
+              </a:rPr>
+              <a:t> des documents</a:t>
+            </a:r>
+          </a:p>
+        </p:txBody>
+      </p:sp>
+      <p:sp>
+        <p:nvSpPr>
+          <p:cNvPr id="22" name="ZoneTexte 21"/>
+          <p:cNvSpPr txBox="1"/>
+          <p:nvPr/>
+        </p:nvSpPr>
+        <p:spPr>
+          <a:xfrm>
+            <a:off x="35496" y="5400798"/>
+            <a:ext cx="3744415" cy="461665"/>
+          </a:xfrm>
+          <a:prstGeom prst="rect">
+            <a:avLst/>
+          </a:prstGeom>
+          <a:noFill/>
+        </p:spPr>
+        <p:txBody>
+          <a:bodyPr wrap="square" rtlCol="0">
+            <a:spAutoFit/>
+          </a:bodyPr>
+          <a:lstStyle/>
+          <a:p>
+            <a:pPr algn="r"/>
+            <a:r>
+              <a:rPr lang="fr-FR" sz="2400" dirty="0" smtClean="0">
+                <a:solidFill>
+                  <a:srgbClr val="00A7AA"/>
+                </a:solidFill>
+                <a:latin typeface="+mj-lt"/>
+              </a:rPr>
+              <a:t>Guider </a:t>
+            </a:r>
+            <a:r>
+              <a:rPr lang="fr-FR" sz="2400" dirty="0" smtClean="0">
+                <a:solidFill>
+                  <a:srgbClr val="0563B8"/>
+                </a:solidFill>
+                <a:latin typeface="+mj-lt"/>
+              </a:rPr>
+              <a:t>l’utilisateur</a:t>
+            </a:r>
+          </a:p>
+        </p:txBody>
+      </p:sp>
     </p:spTree>
     <p:extLst>
       <p:ext uri="{BB962C8B-B14F-4D97-AF65-F5344CB8AC3E}">
-        <p14:creationId xmlns:p14="http://schemas.microsoft.com/office/powerpoint/2010/main" val="1526066555"/>
+        <p14:creationId xmlns:p14="http://schemas.microsoft.com/office/powerpoint/2010/main" val="3883016612"/>
       </p:ext>
     </p:extLst>
   </p:cSld>
@@ -4495,41 +5154,25 @@
       </p:grpSpPr>
       <p:sp>
         <p:nvSpPr>
-          <p:cNvPr id="14" name="Titre 1"/>
-          <p:cNvSpPr txBox="1">
-            <a:spLocks/>
+          <p:cNvPr id="2" name="Titre 1"/>
+          <p:cNvSpPr>
+            <a:spLocks noGrp="1"/>
           </p:cNvSpPr>
-          <p:nvPr/>
+          <p:nvPr>
+            <p:ph type="title"/>
+          </p:nvPr>
         </p:nvSpPr>
         <p:spPr>
           <a:xfrm>
             <a:off x="251520" y="116632"/>
             <a:ext cx="6624736" cy="1080120"/>
           </a:xfrm>
-          <a:prstGeom prst="rect">
-            <a:avLst/>
-          </a:prstGeom>
-        </p:spPr>
-        <p:txBody>
-          <a:bodyPr vert="horz" lIns="91440" tIns="45720" rIns="91440" bIns="45720" rtlCol="0" anchor="ctr">
+        </p:spPr>
+        <p:txBody>
+          <a:bodyPr>
             <a:normAutofit/>
           </a:bodyPr>
-          <a:lstStyle>
-            <a:lvl1pPr algn="ctr" defTabSz="914400" rtl="0" eaLnBrk="1" latinLnBrk="0" hangingPunct="1">
-              <a:spcBef>
-                <a:spcPct val="0"/>
-              </a:spcBef>
-              <a:buNone/>
-              <a:defRPr sz="4400" kern="1200">
-                <a:solidFill>
-                  <a:schemeClr val="tx1"/>
-                </a:solidFill>
-                <a:latin typeface="+mj-lt"/>
-                <a:ea typeface="+mj-ea"/>
-                <a:cs typeface="+mj-cs"/>
-              </a:defRPr>
-            </a:lvl1pPr>
-          </a:lstStyle>
+          <a:lstStyle/>
           <a:p>
             <a:pPr algn="l"/>
             <a:r>
@@ -4539,7 +5182,7 @@
                 </a:solidFill>
                 <a:latin typeface="Montserrat" panose="02000505000000020004" pitchFamily="2" charset="0"/>
               </a:rPr>
-              <a:t>Gestion des </a:t>
+              <a:t>Consultation de </a:t>
             </a:r>
             <a:r>
               <a:rPr lang="fr-FR" sz="3200" dirty="0" smtClean="0">
@@ -4548,7 +5191,7 @@
                 </a:solidFill>
                 <a:latin typeface="Montserrat" panose="02000505000000020004" pitchFamily="2" charset="0"/>
               </a:rPr>
-              <a:t>utilisateurs</a:t>
+              <a:t>documents</a:t>
             </a:r>
             <a:endParaRPr lang="fr-FR" sz="3200" dirty="0">
               <a:solidFill>
@@ -4559,9 +5202,282 @@
           </a:p>
         </p:txBody>
       </p:sp>
+      <p:sp>
+        <p:nvSpPr>
+          <p:cNvPr id="3" name="AutoShape 2" descr="https://gitlab.insa-rennes.fr/francois-boschet/gutemberg/raw/master/report/2_spec/figures/consultation.png"/>
+          <p:cNvSpPr>
+            <a:spLocks noChangeAspect="1" noChangeArrowheads="1"/>
+          </p:cNvSpPr>
+          <p:nvPr/>
+        </p:nvSpPr>
+        <p:spPr bwMode="auto">
+          <a:xfrm>
+            <a:off x="155575" y="-144463"/>
+            <a:ext cx="304800" cy="304801"/>
+          </a:xfrm>
+          <a:prstGeom prst="rect">
+            <a:avLst/>
+          </a:prstGeom>
+          <a:noFill/>
+          <a:extLst>
+            <a:ext uri="{909E8E84-426E-40DD-AFC4-6F175D3DCCD1}">
+              <a14:hiddenFill xmlns:a14="http://schemas.microsoft.com/office/drawing/2010/main">
+                <a:solidFill>
+                  <a:srgbClr val="FFFFFF"/>
+                </a:solidFill>
+              </a14:hiddenFill>
+            </a:ext>
+          </a:extLst>
+        </p:spPr>
+        <p:txBody>
+          <a:bodyPr vert="horz" wrap="square" lIns="91440" tIns="45720" rIns="91440" bIns="45720" numCol="1" anchor="t" anchorCtr="0" compatLnSpc="1">
+            <a:prstTxWarp prst="textNoShape">
+              <a:avLst/>
+            </a:prstTxWarp>
+          </a:bodyPr>
+          <a:lstStyle/>
+          <a:p>
+            <a:endParaRPr lang="fr-FR"/>
+          </a:p>
+        </p:txBody>
+      </p:sp>
+      <p:sp>
+        <p:nvSpPr>
+          <p:cNvPr id="4" name="AutoShape 4" descr="https://gitlab.insa-rennes.fr/francois-boschet/gutemberg/raw/master/report/2_spec/figures/consultation.png"/>
+          <p:cNvSpPr>
+            <a:spLocks noChangeAspect="1" noChangeArrowheads="1"/>
+          </p:cNvSpPr>
+          <p:nvPr/>
+        </p:nvSpPr>
+        <p:spPr bwMode="auto">
+          <a:xfrm>
+            <a:off x="307975" y="7937"/>
+            <a:ext cx="304800" cy="304801"/>
+          </a:xfrm>
+          <a:prstGeom prst="rect">
+            <a:avLst/>
+          </a:prstGeom>
+          <a:noFill/>
+          <a:extLst>
+            <a:ext uri="{909E8E84-426E-40DD-AFC4-6F175D3DCCD1}">
+              <a14:hiddenFill xmlns:a14="http://schemas.microsoft.com/office/drawing/2010/main">
+                <a:solidFill>
+                  <a:srgbClr val="FFFFFF"/>
+                </a:solidFill>
+              </a14:hiddenFill>
+            </a:ext>
+          </a:extLst>
+        </p:spPr>
+        <p:txBody>
+          <a:bodyPr vert="horz" wrap="square" lIns="91440" tIns="45720" rIns="91440" bIns="45720" numCol="1" anchor="t" anchorCtr="0" compatLnSpc="1">
+            <a:prstTxWarp prst="textNoShape">
+              <a:avLst/>
+            </a:prstTxWarp>
+          </a:bodyPr>
+          <a:lstStyle/>
+          <a:p>
+            <a:endParaRPr lang="fr-FR"/>
+          </a:p>
+        </p:txBody>
+      </p:sp>
+      <p:sp>
+        <p:nvSpPr>
+          <p:cNvPr id="5" name="AutoShape 2" descr="https://projet4.mybalsamiq.com/projects/spec/Consultation%20de%20documents.jpeg?version=9&amp;etag=XHJ8gpGTqtyLpFShCJ6oeFfWCMF_NOhr"/>
+          <p:cNvSpPr>
+            <a:spLocks noChangeAspect="1" noChangeArrowheads="1"/>
+          </p:cNvSpPr>
+          <p:nvPr/>
+        </p:nvSpPr>
+        <p:spPr bwMode="auto">
+          <a:xfrm>
+            <a:off x="460375" y="160337"/>
+            <a:ext cx="304800" cy="304801"/>
+          </a:xfrm>
+          <a:prstGeom prst="rect">
+            <a:avLst/>
+          </a:prstGeom>
+          <a:noFill/>
+          <a:extLst>
+            <a:ext uri="{909E8E84-426E-40DD-AFC4-6F175D3DCCD1}">
+              <a14:hiddenFill xmlns:a14="http://schemas.microsoft.com/office/drawing/2010/main">
+                <a:solidFill>
+                  <a:srgbClr val="FFFFFF"/>
+                </a:solidFill>
+              </a14:hiddenFill>
+            </a:ext>
+          </a:extLst>
+        </p:spPr>
+        <p:txBody>
+          <a:bodyPr vert="horz" wrap="square" lIns="91440" tIns="45720" rIns="91440" bIns="45720" numCol="1" anchor="t" anchorCtr="0" compatLnSpc="1">
+            <a:prstTxWarp prst="textNoShape">
+              <a:avLst/>
+            </a:prstTxWarp>
+          </a:bodyPr>
+          <a:lstStyle/>
+          <a:p>
+            <a:endParaRPr lang="fr-FR"/>
+          </a:p>
+        </p:txBody>
+      </p:sp>
+      <p:sp>
+        <p:nvSpPr>
+          <p:cNvPr id="6" name="AutoShape 4" descr="https://projet4.mybalsamiq.com/projects/spec/Consultation%20de%20documents.jpeg?version=9&amp;etag=XHJ8gpGTqtyLpFShCJ6oeFfWCMF_NOhr"/>
+          <p:cNvSpPr>
+            <a:spLocks noChangeAspect="1" noChangeArrowheads="1"/>
+          </p:cNvSpPr>
+          <p:nvPr/>
+        </p:nvSpPr>
+        <p:spPr bwMode="auto">
+          <a:xfrm>
+            <a:off x="612775" y="312737"/>
+            <a:ext cx="304800" cy="304801"/>
+          </a:xfrm>
+          <a:prstGeom prst="rect">
+            <a:avLst/>
+          </a:prstGeom>
+          <a:noFill/>
+          <a:extLst>
+            <a:ext uri="{909E8E84-426E-40DD-AFC4-6F175D3DCCD1}">
+              <a14:hiddenFill xmlns:a14="http://schemas.microsoft.com/office/drawing/2010/main">
+                <a:solidFill>
+                  <a:srgbClr val="FFFFFF"/>
+                </a:solidFill>
+              </a14:hiddenFill>
+            </a:ext>
+          </a:extLst>
+        </p:spPr>
+        <p:txBody>
+          <a:bodyPr vert="horz" wrap="square" lIns="91440" tIns="45720" rIns="91440" bIns="45720" numCol="1" anchor="t" anchorCtr="0" compatLnSpc="1">
+            <a:prstTxWarp prst="textNoShape">
+              <a:avLst/>
+            </a:prstTxWarp>
+          </a:bodyPr>
+          <a:lstStyle/>
+          <a:p>
+            <a:endParaRPr lang="fr-FR"/>
+          </a:p>
+        </p:txBody>
+      </p:sp>
+      <p:sp>
+        <p:nvSpPr>
+          <p:cNvPr id="7" name="AutoShape 6" descr="https://projet4.mybalsamiq.com/projects/spec/Consultation%20de%20documents.jpeg?version=9&amp;etag=XHJ8gpGTqtyLpFShCJ6oeFfWCMF_NOhr"/>
+          <p:cNvSpPr>
+            <a:spLocks noChangeAspect="1" noChangeArrowheads="1"/>
+          </p:cNvSpPr>
+          <p:nvPr/>
+        </p:nvSpPr>
+        <p:spPr bwMode="auto">
+          <a:xfrm>
+            <a:off x="765175" y="465137"/>
+            <a:ext cx="304800" cy="304801"/>
+          </a:xfrm>
+          <a:prstGeom prst="rect">
+            <a:avLst/>
+          </a:prstGeom>
+          <a:noFill/>
+          <a:extLst>
+            <a:ext uri="{909E8E84-426E-40DD-AFC4-6F175D3DCCD1}">
+              <a14:hiddenFill xmlns:a14="http://schemas.microsoft.com/office/drawing/2010/main">
+                <a:solidFill>
+                  <a:srgbClr val="FFFFFF"/>
+                </a:solidFill>
+              </a14:hiddenFill>
+            </a:ext>
+          </a:extLst>
+        </p:spPr>
+        <p:txBody>
+          <a:bodyPr vert="horz" wrap="square" lIns="91440" tIns="45720" rIns="91440" bIns="45720" numCol="1" anchor="t" anchorCtr="0" compatLnSpc="1">
+            <a:prstTxWarp prst="textNoShape">
+              <a:avLst/>
+            </a:prstTxWarp>
+          </a:bodyPr>
+          <a:lstStyle/>
+          <a:p>
+            <a:endParaRPr lang="fr-FR"/>
+          </a:p>
+        </p:txBody>
+      </p:sp>
+      <p:sp>
+        <p:nvSpPr>
+          <p:cNvPr id="8" name="AutoShape 8" descr="https://projet4.mybalsamiq.com/projects/spec/Consultation%20de%20documents.jpeg?version=9&amp;etag=XHJ8gpGTqtyLpFShCJ6oeFfWCMF_NOhr"/>
+          <p:cNvSpPr>
+            <a:spLocks noChangeAspect="1" noChangeArrowheads="1"/>
+          </p:cNvSpPr>
+          <p:nvPr/>
+        </p:nvSpPr>
+        <p:spPr bwMode="auto">
+          <a:xfrm>
+            <a:off x="917575" y="617537"/>
+            <a:ext cx="304800" cy="304801"/>
+          </a:xfrm>
+          <a:prstGeom prst="rect">
+            <a:avLst/>
+          </a:prstGeom>
+          <a:noFill/>
+          <a:extLst>
+            <a:ext uri="{909E8E84-426E-40DD-AFC4-6F175D3DCCD1}">
+              <a14:hiddenFill xmlns:a14="http://schemas.microsoft.com/office/drawing/2010/main">
+                <a:solidFill>
+                  <a:srgbClr val="FFFFFF"/>
+                </a:solidFill>
+              </a14:hiddenFill>
+            </a:ext>
+          </a:extLst>
+        </p:spPr>
+        <p:txBody>
+          <a:bodyPr vert="horz" wrap="square" lIns="91440" tIns="45720" rIns="91440" bIns="45720" numCol="1" anchor="t" anchorCtr="0" compatLnSpc="1">
+            <a:prstTxWarp prst="textNoShape">
+              <a:avLst/>
+            </a:prstTxWarp>
+          </a:bodyPr>
+          <a:lstStyle/>
+          <a:p>
+            <a:endParaRPr lang="fr-FR"/>
+          </a:p>
+        </p:txBody>
+      </p:sp>
+      <p:sp>
+        <p:nvSpPr>
+          <p:cNvPr id="9" name="AutoShape 10" descr="https://projet4.mybalsamiq.com/projects/spec/Consultation%20de%20documents.jpeg?version=9&amp;etag=XHJ8gpGTqtyLpFShCJ6oeFfWCMF_NOhr"/>
+          <p:cNvSpPr>
+            <a:spLocks noChangeAspect="1" noChangeArrowheads="1"/>
+          </p:cNvSpPr>
+          <p:nvPr/>
+        </p:nvSpPr>
+        <p:spPr bwMode="auto">
+          <a:xfrm>
+            <a:off x="1069975" y="769937"/>
+            <a:ext cx="304800" cy="304801"/>
+          </a:xfrm>
+          <a:prstGeom prst="rect">
+            <a:avLst/>
+          </a:prstGeom>
+          <a:noFill/>
+          <a:extLst>
+            <a:ext uri="{909E8E84-426E-40DD-AFC4-6F175D3DCCD1}">
+              <a14:hiddenFill xmlns:a14="http://schemas.microsoft.com/office/drawing/2010/main">
+                <a:solidFill>
+                  <a:srgbClr val="FFFFFF"/>
+                </a:solidFill>
+              </a14:hiddenFill>
+            </a:ext>
+          </a:extLst>
+        </p:spPr>
+        <p:txBody>
+          <a:bodyPr vert="horz" wrap="square" lIns="91440" tIns="45720" rIns="91440" bIns="45720" numCol="1" anchor="t" anchorCtr="0" compatLnSpc="1">
+            <a:prstTxWarp prst="textNoShape">
+              <a:avLst/>
+            </a:prstTxWarp>
+          </a:bodyPr>
+          <a:lstStyle/>
+          <a:p>
+            <a:endParaRPr lang="fr-FR"/>
+          </a:p>
+        </p:txBody>
+      </p:sp>
       <p:pic>
         <p:nvPicPr>
-          <p:cNvPr id="6146" name="Picture 2" descr="https://lh4.googleusercontent.com/cjaxDN0_F1H6Dot-C_KBDT5dgApLN1o3Dxabh-OJEp5MI6uAG2uMjg-zpv8HAdHqt0aQ2RsWNuZpq39l2XcSuaMX7wP3EllNeNfihG92BT9nQuM6VbnFsQS0p8LzXnrtOE7sFGLnqA"/>
+          <p:cNvPr id="1035" name="Picture 11"/>
           <p:cNvPicPr>
             <a:picLocks noChangeAspect="1" noChangeArrowheads="1"/>
           </p:cNvPicPr>
@@ -4582,28 +5498,64 @@
         </p:blipFill>
         <p:spPr bwMode="auto">
           <a:xfrm>
-            <a:off x="612775" y="1196752"/>
-            <a:ext cx="7919665" cy="5097193"/>
+            <a:off x="460375" y="1197880"/>
+            <a:ext cx="8288089" cy="5099090"/>
           </a:xfrm>
           <a:prstGeom prst="rect">
             <a:avLst/>
           </a:prstGeom>
           <a:noFill/>
+          <a:ln>
+            <a:noFill/>
+          </a:ln>
           <a:extLst>
             <a:ext uri="{909E8E84-426E-40DD-AFC4-6F175D3DCCD1}">
               <a14:hiddenFill xmlns:a14="http://schemas.microsoft.com/office/drawing/2010/main">
                 <a:solidFill>
-                  <a:srgbClr val="FFFFFF"/>
+                  <a:schemeClr val="accent1"/>
                 </a:solidFill>
               </a14:hiddenFill>
             </a:ext>
+            <a:ext uri="{91240B29-F687-4F45-9708-019B960494DF}">
+              <a14:hiddenLine xmlns:a14="http://schemas.microsoft.com/office/drawing/2010/main" w="9525">
+                <a:solidFill>
+                  <a:schemeClr val="tx1"/>
+                </a:solidFill>
+                <a:miter lim="800000"/>
+                <a:headEnd/>
+                <a:tailEnd/>
+              </a14:hiddenLine>
+            </a:ext>
           </a:extLst>
         </p:spPr>
       </p:pic>
+      <p:sp>
+        <p:nvSpPr>
+          <p:cNvPr id="10" name="Espace réservé du numéro de diapositive 9"/>
+          <p:cNvSpPr>
+            <a:spLocks noGrp="1"/>
+          </p:cNvSpPr>
+          <p:nvPr>
+            <p:ph type="sldNum" sz="quarter" idx="12"/>
+          </p:nvPr>
+        </p:nvSpPr>
+        <p:spPr/>
+        <p:txBody>
+          <a:bodyPr/>
+          <a:lstStyle/>
+          <a:p>
+            <a:fld id="{EDA4C233-F16D-4FA8-AC9B-61C6F55E69AB}" type="slidenum">
+              <a:rPr lang="fr-FR" smtClean="0"/>
+              <a:t>12</a:t>
+            </a:fld>
+            <a:endParaRPr lang="fr-FR"/>
+          </a:p>
+        </p:txBody>
+      </p:sp>
     </p:spTree>
     <p:extLst>
       <p:ext uri="{BB962C8B-B14F-4D97-AF65-F5344CB8AC3E}">
-        <p14:creationId xmlns:p14="http://schemas.microsoft.com/office/powerpoint/2010/main" val="2845588243"/>
+        <p14:creationId xmlns:p14="http://schemas.microsoft.com/office/powerpoint/2010/main" val="480491315"/>
       </p:ext>
     </p:extLst>
   </p:cSld>
@@ -4703,51 +5655,253 @@
           </a:p>
         </p:txBody>
       </p:sp>
-      <p:pic>
-        <p:nvPicPr>
-          <p:cNvPr id="7170" name="Picture 2" descr="https://lh3.googleusercontent.com/Pb_I2s23j_EJ-viG59_necnpYO3z-GlQD7u33cNuKPuDcBvVZ43zfkolcwEQl_7W_7FJkthKsLalVCYVNAA4VDrR06mqjX-D5JflMpawS7inCppv37qZm2XJmnmWh1DyBne2t6gnNw"/>
-          <p:cNvPicPr>
-            <a:picLocks noChangeAspect="1" noChangeArrowheads="1"/>
-          </p:cNvPicPr>
+      <p:sp>
+        <p:nvSpPr>
+          <p:cNvPr id="2" name="Rectangle 1"/>
+          <p:cNvSpPr/>
           <p:nvPr/>
-        </p:nvPicPr>
-        <p:blipFill>
-          <a:blip r:embed="rId2">
-            <a:extLst>
-              <a:ext uri="{28A0092B-C50C-407E-A947-70E740481C1C}">
-                <a14:useLocalDpi xmlns:a14="http://schemas.microsoft.com/office/drawing/2010/main" val="0"/>
-              </a:ext>
-            </a:extLst>
-          </a:blip>
-          <a:srcRect/>
-          <a:stretch>
-            <a:fillRect/>
-          </a:stretch>
-        </p:blipFill>
-        <p:spPr bwMode="auto">
-          <a:xfrm>
-            <a:off x="611560" y="1556792"/>
-            <a:ext cx="7888754" cy="4608512"/>
+        </p:nvSpPr>
+        <p:spPr>
+          <a:xfrm>
+            <a:off x="1115616" y="1916832"/>
+            <a:ext cx="6858000" cy="3908762"/>
           </a:xfrm>
           <a:prstGeom prst="rect">
             <a:avLst/>
           </a:prstGeom>
-          <a:noFill/>
-          <a:extLst>
-            <a:ext uri="{909E8E84-426E-40DD-AFC4-6F175D3DCCD1}">
-              <a14:hiddenFill xmlns:a14="http://schemas.microsoft.com/office/drawing/2010/main">
-                <a:solidFill>
-                  <a:srgbClr val="FFFFFF"/>
-                </a:solidFill>
-              </a14:hiddenFill>
-            </a:ext>
-          </a:extLst>
-        </p:spPr>
-      </p:pic>
+        </p:spPr>
+        <p:txBody>
+          <a:bodyPr wrap="square">
+            <a:spAutoFit/>
+          </a:bodyPr>
+          <a:lstStyle/>
+          <a:p>
+            <a:pPr marL="285750" indent="-285750" fontAlgn="base">
+              <a:buFont typeface="Arial" panose="020B0604020202020204" pitchFamily="34" charset="0"/>
+              <a:buChar char="•"/>
+            </a:pPr>
+            <a:r>
+              <a:rPr lang="fr-FR" sz="2400" dirty="0">
+                <a:solidFill>
+                  <a:srgbClr val="0563B8"/>
+                </a:solidFill>
+              </a:rPr>
+              <a:t>Simple : </a:t>
+            </a:r>
+          </a:p>
+          <a:p>
+            <a:pPr marL="742950" lvl="1" indent="-285750" fontAlgn="base">
+              <a:buFont typeface="Arial" panose="020B0604020202020204" pitchFamily="34" charset="0"/>
+              <a:buChar char="•"/>
+            </a:pPr>
+            <a:r>
+              <a:rPr lang="fr-FR" sz="2000" dirty="0">
+                <a:solidFill>
+                  <a:srgbClr val="0563B8"/>
+                </a:solidFill>
+              </a:rPr>
+              <a:t>Gestion </a:t>
+            </a:r>
+            <a:r>
+              <a:rPr lang="fr-FR" sz="2000" dirty="0" smtClean="0">
+                <a:solidFill>
+                  <a:srgbClr val="0563B8"/>
+                </a:solidFill>
+              </a:rPr>
+              <a:t>informations personnelles</a:t>
+            </a:r>
+            <a:endParaRPr lang="fr-FR" sz="2000" dirty="0">
+              <a:solidFill>
+                <a:srgbClr val="0563B8"/>
+              </a:solidFill>
+            </a:endParaRPr>
+          </a:p>
+          <a:p>
+            <a:pPr marL="742950" lvl="1" indent="-285750" fontAlgn="base">
+              <a:buFont typeface="Arial" panose="020B0604020202020204" pitchFamily="34" charset="0"/>
+              <a:buChar char="•"/>
+            </a:pPr>
+            <a:r>
+              <a:rPr lang="fr-FR" sz="2000" dirty="0">
+                <a:solidFill>
+                  <a:srgbClr val="0563B8"/>
+                </a:solidFill>
+              </a:rPr>
+              <a:t>Gestion de </a:t>
+            </a:r>
+            <a:r>
+              <a:rPr lang="fr-FR" sz="2000" dirty="0" smtClean="0">
+                <a:solidFill>
+                  <a:srgbClr val="0563B8"/>
+                </a:solidFill>
+              </a:rPr>
+              <a:t>travail</a:t>
+            </a:r>
+          </a:p>
+          <a:p>
+            <a:pPr fontAlgn="base"/>
+            <a:endParaRPr lang="fr-FR" sz="2400" dirty="0">
+              <a:solidFill>
+                <a:srgbClr val="0563B8"/>
+              </a:solidFill>
+            </a:endParaRPr>
+          </a:p>
+          <a:p>
+            <a:pPr marL="285750" indent="-285750" fontAlgn="base">
+              <a:buFont typeface="Arial" panose="020B0604020202020204" pitchFamily="34" charset="0"/>
+              <a:buChar char="•"/>
+            </a:pPr>
+            <a:r>
+              <a:rPr lang="fr-FR" sz="2400" dirty="0">
+                <a:solidFill>
+                  <a:srgbClr val="0563B8"/>
+                </a:solidFill>
+              </a:rPr>
+              <a:t>Facile </a:t>
+            </a:r>
+            <a:r>
+              <a:rPr lang="fr-FR" sz="2400" dirty="0" smtClean="0">
+                <a:solidFill>
+                  <a:srgbClr val="0563B8"/>
+                </a:solidFill>
+              </a:rPr>
+              <a:t>à </a:t>
+            </a:r>
+            <a:r>
+              <a:rPr lang="fr-FR" sz="2400" dirty="0">
+                <a:solidFill>
+                  <a:srgbClr val="0563B8"/>
+                </a:solidFill>
+              </a:rPr>
+              <a:t>utiliser :</a:t>
+            </a:r>
+          </a:p>
+          <a:p>
+            <a:pPr marL="742950" lvl="1" indent="-285750" fontAlgn="base">
+              <a:buFont typeface="Arial" panose="020B0604020202020204" pitchFamily="34" charset="0"/>
+              <a:buChar char="•"/>
+            </a:pPr>
+            <a:r>
+              <a:rPr lang="fr-FR" sz="2000" dirty="0">
+                <a:solidFill>
+                  <a:srgbClr val="0563B8"/>
+                </a:solidFill>
+              </a:rPr>
+              <a:t>Créer des </a:t>
+            </a:r>
+            <a:r>
+              <a:rPr lang="fr-FR" sz="2000" dirty="0" smtClean="0">
+                <a:solidFill>
+                  <a:srgbClr val="0563B8"/>
+                </a:solidFill>
+              </a:rPr>
+              <a:t>revues de presse</a:t>
+            </a:r>
+            <a:endParaRPr lang="fr-FR" sz="2000" dirty="0">
+              <a:solidFill>
+                <a:srgbClr val="0563B8"/>
+              </a:solidFill>
+            </a:endParaRPr>
+          </a:p>
+          <a:p>
+            <a:pPr marL="742950" lvl="1" indent="-285750" fontAlgn="base">
+              <a:buFont typeface="Arial" panose="020B0604020202020204" pitchFamily="34" charset="0"/>
+              <a:buChar char="•"/>
+            </a:pPr>
+            <a:r>
+              <a:rPr lang="fr-FR" sz="2000" dirty="0">
+                <a:solidFill>
+                  <a:srgbClr val="0563B8"/>
+                </a:solidFill>
+              </a:rPr>
+              <a:t>Visualiser facilement par 3 </a:t>
+            </a:r>
+            <a:r>
+              <a:rPr lang="fr-FR" sz="2000" dirty="0" smtClean="0">
+                <a:solidFill>
+                  <a:srgbClr val="0563B8"/>
+                </a:solidFill>
+              </a:rPr>
+              <a:t>sections</a:t>
+            </a:r>
+          </a:p>
+          <a:p>
+            <a:pPr lvl="1" fontAlgn="base"/>
+            <a:endParaRPr lang="fr-FR" sz="2400" dirty="0">
+              <a:solidFill>
+                <a:srgbClr val="0563B8"/>
+              </a:solidFill>
+            </a:endParaRPr>
+          </a:p>
+          <a:p>
+            <a:pPr marL="285750" indent="-285750" fontAlgn="base">
+              <a:buFont typeface="Arial" panose="020B0604020202020204" pitchFamily="34" charset="0"/>
+              <a:buChar char="•"/>
+            </a:pPr>
+            <a:r>
+              <a:rPr lang="fr-FR" sz="2400" dirty="0" smtClean="0">
+                <a:solidFill>
+                  <a:srgbClr val="0563B8"/>
+                </a:solidFill>
+              </a:rPr>
+              <a:t>Adapté </a:t>
+            </a:r>
+            <a:r>
+              <a:rPr lang="fr-FR" sz="2400" dirty="0">
+                <a:solidFill>
+                  <a:srgbClr val="0563B8"/>
+                </a:solidFill>
+              </a:rPr>
+              <a:t>aux besoins de l’utilisateur :</a:t>
+            </a:r>
+          </a:p>
+          <a:p>
+            <a:pPr marL="742950" lvl="1" indent="-285750" fontAlgn="base">
+              <a:buFont typeface="Arial" panose="020B0604020202020204" pitchFamily="34" charset="0"/>
+              <a:buChar char="•"/>
+            </a:pPr>
+            <a:r>
+              <a:rPr lang="fr-FR" sz="2000" dirty="0">
+                <a:solidFill>
+                  <a:srgbClr val="0563B8"/>
+                </a:solidFill>
+              </a:rPr>
+              <a:t>Les articles sont bien stockes et protégés</a:t>
+            </a:r>
+          </a:p>
+          <a:p>
+            <a:pPr marL="742950" lvl="1" indent="-285750" fontAlgn="base">
+              <a:buFont typeface="Arial" panose="020B0604020202020204" pitchFamily="34" charset="0"/>
+              <a:buChar char="•"/>
+            </a:pPr>
+            <a:r>
+              <a:rPr lang="fr-FR" sz="2000" dirty="0">
+                <a:solidFill>
+                  <a:srgbClr val="0563B8"/>
+                </a:solidFill>
+              </a:rPr>
+              <a:t>Gestion de </a:t>
+            </a:r>
+            <a:r>
+              <a:rPr lang="fr-FR" sz="2000" dirty="0" smtClean="0">
+                <a:solidFill>
+                  <a:srgbClr val="0563B8"/>
+                </a:solidFill>
+              </a:rPr>
+              <a:t>ses propres revues de presse</a:t>
+            </a:r>
+            <a:endParaRPr lang="fr-FR" sz="2000" dirty="0">
+              <a:solidFill>
+                <a:srgbClr val="0563B8"/>
+              </a:solidFill>
+            </a:endParaRPr>
+          </a:p>
+        </p:txBody>
+      </p:sp>
     </p:spTree>
     <p:extLst>
       <p:ext uri="{BB962C8B-B14F-4D97-AF65-F5344CB8AC3E}">
-        <p14:creationId xmlns:p14="http://schemas.microsoft.com/office/powerpoint/2010/main" val="3434005107"/>
+        <p14:creationId xmlns:p14="http://schemas.microsoft.com/office/powerpoint/2010/main" val="1526066555"/>
       </p:ext>
     </p:extLst>
   </p:cSld>
@@ -4783,45 +5937,62 @@
       </p:grpSpPr>
       <p:sp>
         <p:nvSpPr>
-          <p:cNvPr id="2" name="Titre 1"/>
-          <p:cNvSpPr>
-            <a:spLocks noGrp="1"/>
+          <p:cNvPr id="14" name="Titre 1"/>
+          <p:cNvSpPr txBox="1">
+            <a:spLocks/>
           </p:cNvSpPr>
-          <p:nvPr>
-            <p:ph type="title"/>
-          </p:nvPr>
+          <p:nvPr/>
         </p:nvSpPr>
         <p:spPr>
           <a:xfrm>
-            <a:off x="457200" y="2857500"/>
-            <a:ext cx="8229600" cy="1143000"/>
-          </a:xfrm>
-        </p:spPr>
-        <p:txBody>
-          <a:bodyPr>
+            <a:off x="251520" y="116632"/>
+            <a:ext cx="6624736" cy="1080120"/>
+          </a:xfrm>
+          <a:prstGeom prst="rect">
+            <a:avLst/>
+          </a:prstGeom>
+        </p:spPr>
+        <p:txBody>
+          <a:bodyPr vert="horz" lIns="91440" tIns="45720" rIns="91440" bIns="45720" rtlCol="0" anchor="ctr">
             <a:normAutofit/>
           </a:bodyPr>
-          <a:lstStyle/>
-          <a:p>
-            <a:r>
-              <a:rPr lang="fr-FR" dirty="0" smtClean="0">
+          <a:lstStyle>
+            <a:lvl1pPr algn="ctr" defTabSz="914400" rtl="0" eaLnBrk="1" latinLnBrk="0" hangingPunct="1">
+              <a:spcBef>
+                <a:spcPct val="0"/>
+              </a:spcBef>
+              <a:buNone/>
+              <a:defRPr sz="4400" kern="1200">
+                <a:solidFill>
+                  <a:schemeClr val="tx1"/>
+                </a:solidFill>
+                <a:latin typeface="+mj-lt"/>
+                <a:ea typeface="+mj-ea"/>
+                <a:cs typeface="+mj-cs"/>
+              </a:defRPr>
+            </a:lvl1pPr>
+          </a:lstStyle>
+          <a:p>
+            <a:pPr algn="l"/>
+            <a:r>
+              <a:rPr lang="fr-FR" sz="3200" dirty="0" smtClean="0">
                 <a:solidFill>
                   <a:srgbClr val="0563B8"/>
                 </a:solidFill>
                 <a:latin typeface="Montserrat" panose="02000505000000020004" pitchFamily="2" charset="0"/>
               </a:rPr>
-              <a:t>Architecture </a:t>
-            </a:r>
-            <a:r>
-              <a:rPr lang="fr-FR" dirty="0" smtClean="0">
+              <a:t>Gestion des </a:t>
+            </a:r>
+            <a:r>
+              <a:rPr lang="fr-FR" sz="3200" dirty="0" smtClean="0">
                 <a:solidFill>
                   <a:srgbClr val="00A7AA"/>
                 </a:solidFill>
                 <a:latin typeface="Montserrat" panose="02000505000000020004" pitchFamily="2" charset="0"/>
               </a:rPr>
-              <a:t>logicielle</a:t>
-            </a:r>
-            <a:endParaRPr lang="fr-FR" dirty="0">
+              <a:t>utilisateurs</a:t>
+            </a:r>
+            <a:endParaRPr lang="fr-FR" sz="3200" dirty="0">
               <a:solidFill>
                 <a:srgbClr val="00A7AA"/>
               </a:solidFill>
@@ -4830,33 +6001,51 @@
           </a:p>
         </p:txBody>
       </p:sp>
-      <p:sp>
-        <p:nvSpPr>
-          <p:cNvPr id="3" name="Espace réservé du numéro de diapositive 2"/>
-          <p:cNvSpPr>
-            <a:spLocks noGrp="1"/>
-          </p:cNvSpPr>
-          <p:nvPr>
-            <p:ph type="sldNum" sz="quarter" idx="12"/>
-          </p:nvPr>
-        </p:nvSpPr>
-        <p:spPr/>
-        <p:txBody>
-          <a:bodyPr/>
-          <a:lstStyle/>
-          <a:p>
-            <a:fld id="{EDA4C233-F16D-4FA8-AC9B-61C6F55E69AB}" type="slidenum">
-              <a:rPr lang="fr-FR" smtClean="0"/>
-              <a:t>14</a:t>
-            </a:fld>
-            <a:endParaRPr lang="fr-FR"/>
-          </a:p>
-        </p:txBody>
-      </p:sp>
+      <p:pic>
+        <p:nvPicPr>
+          <p:cNvPr id="6146" name="Picture 2" descr="https://lh4.googleusercontent.com/cjaxDN0_F1H6Dot-C_KBDT5dgApLN1o3Dxabh-OJEp5MI6uAG2uMjg-zpv8HAdHqt0aQ2RsWNuZpq39l2XcSuaMX7wP3EllNeNfihG92BT9nQuM6VbnFsQS0p8LzXnrtOE7sFGLnqA"/>
+          <p:cNvPicPr>
+            <a:picLocks noChangeAspect="1" noChangeArrowheads="1"/>
+          </p:cNvPicPr>
+          <p:nvPr/>
+        </p:nvPicPr>
+        <p:blipFill>
+          <a:blip r:embed="rId2">
+            <a:extLst>
+              <a:ext uri="{28A0092B-C50C-407E-A947-70E740481C1C}">
+                <a14:useLocalDpi xmlns:a14="http://schemas.microsoft.com/office/drawing/2010/main" val="0"/>
+              </a:ext>
+            </a:extLst>
+          </a:blip>
+          <a:srcRect/>
+          <a:stretch>
+            <a:fillRect/>
+          </a:stretch>
+        </p:blipFill>
+        <p:spPr bwMode="auto">
+          <a:xfrm>
+            <a:off x="612775" y="1196752"/>
+            <a:ext cx="7919665" cy="5097193"/>
+          </a:xfrm>
+          <a:prstGeom prst="rect">
+            <a:avLst/>
+          </a:prstGeom>
+          <a:noFill/>
+          <a:extLst>
+            <a:ext uri="{909E8E84-426E-40DD-AFC4-6F175D3DCCD1}">
+              <a14:hiddenFill xmlns:a14="http://schemas.microsoft.com/office/drawing/2010/main">
+                <a:solidFill>
+                  <a:srgbClr val="FFFFFF"/>
+                </a:solidFill>
+              </a14:hiddenFill>
+            </a:ext>
+          </a:extLst>
+        </p:spPr>
+      </p:pic>
     </p:spTree>
     <p:extLst>
       <p:ext uri="{BB962C8B-B14F-4D97-AF65-F5344CB8AC3E}">
-        <p14:creationId xmlns:p14="http://schemas.microsoft.com/office/powerpoint/2010/main" val="95946503"/>
+        <p14:creationId xmlns:p14="http://schemas.microsoft.com/office/powerpoint/2010/main" val="2845588243"/>
       </p:ext>
     </p:extLst>
   </p:cSld>
@@ -4936,6 +6125,259 @@
                 </a:solidFill>
                 <a:latin typeface="Montserrat" panose="02000505000000020004" pitchFamily="2" charset="0"/>
               </a:rPr>
+              <a:t>Gestion des </a:t>
+            </a:r>
+            <a:r>
+              <a:rPr lang="fr-FR" sz="3200" dirty="0" smtClean="0">
+                <a:solidFill>
+                  <a:srgbClr val="00A7AA"/>
+                </a:solidFill>
+                <a:latin typeface="Montserrat" panose="02000505000000020004" pitchFamily="2" charset="0"/>
+              </a:rPr>
+              <a:t>utilisateurs</a:t>
+            </a:r>
+            <a:endParaRPr lang="fr-FR" sz="3200" dirty="0">
+              <a:solidFill>
+                <a:srgbClr val="00A7AA"/>
+              </a:solidFill>
+              <a:latin typeface="Montserrat" panose="02000505000000020004" pitchFamily="2" charset="0"/>
+            </a:endParaRPr>
+          </a:p>
+        </p:txBody>
+      </p:sp>
+      <p:pic>
+        <p:nvPicPr>
+          <p:cNvPr id="7170" name="Picture 2" descr="https://lh3.googleusercontent.com/Pb_I2s23j_EJ-viG59_necnpYO3z-GlQD7u33cNuKPuDcBvVZ43zfkolcwEQl_7W_7FJkthKsLalVCYVNAA4VDrR06mqjX-D5JflMpawS7inCppv37qZm2XJmnmWh1DyBne2t6gnNw"/>
+          <p:cNvPicPr>
+            <a:picLocks noChangeAspect="1" noChangeArrowheads="1"/>
+          </p:cNvPicPr>
+          <p:nvPr/>
+        </p:nvPicPr>
+        <p:blipFill>
+          <a:blip r:embed="rId2">
+            <a:extLst>
+              <a:ext uri="{28A0092B-C50C-407E-A947-70E740481C1C}">
+                <a14:useLocalDpi xmlns:a14="http://schemas.microsoft.com/office/drawing/2010/main" val="0"/>
+              </a:ext>
+            </a:extLst>
+          </a:blip>
+          <a:srcRect/>
+          <a:stretch>
+            <a:fillRect/>
+          </a:stretch>
+        </p:blipFill>
+        <p:spPr bwMode="auto">
+          <a:xfrm>
+            <a:off x="611560" y="1556792"/>
+            <a:ext cx="7888754" cy="4608512"/>
+          </a:xfrm>
+          <a:prstGeom prst="rect">
+            <a:avLst/>
+          </a:prstGeom>
+          <a:noFill/>
+          <a:extLst>
+            <a:ext uri="{909E8E84-426E-40DD-AFC4-6F175D3DCCD1}">
+              <a14:hiddenFill xmlns:a14="http://schemas.microsoft.com/office/drawing/2010/main">
+                <a:solidFill>
+                  <a:srgbClr val="FFFFFF"/>
+                </a:solidFill>
+              </a14:hiddenFill>
+            </a:ext>
+          </a:extLst>
+        </p:spPr>
+      </p:pic>
+    </p:spTree>
+    <p:extLst>
+      <p:ext uri="{BB962C8B-B14F-4D97-AF65-F5344CB8AC3E}">
+        <p14:creationId xmlns:p14="http://schemas.microsoft.com/office/powerpoint/2010/main" val="3434005107"/>
+      </p:ext>
+    </p:extLst>
+  </p:cSld>
+  <p:clrMapOvr>
+    <a:masterClrMapping/>
+  </p:clrMapOvr>
+  <p:timing>
+    <p:tnLst>
+      <p:par>
+        <p:cTn id="1" dur="indefinite" restart="never" nodeType="tmRoot"/>
+      </p:par>
+    </p:tnLst>
+  </p:timing>
+</p:sld>
+</file>
+
+<file path=ppt/slides/slide16.xml><?xml version="1.0" encoding="utf-8"?>
+<p:sld xmlns:a="http://schemas.openxmlformats.org/drawingml/2006/main" xmlns:r="http://schemas.openxmlformats.org/officeDocument/2006/relationships" xmlns:p="http://schemas.openxmlformats.org/presentationml/2006/main">
+  <p:cSld>
+    <p:spTree>
+      <p:nvGrpSpPr>
+        <p:cNvPr id="1" name=""/>
+        <p:cNvGrpSpPr/>
+        <p:nvPr/>
+      </p:nvGrpSpPr>
+      <p:grpSpPr>
+        <a:xfrm>
+          <a:off x="0" y="0"/>
+          <a:ext cx="0" cy="0"/>
+          <a:chOff x="0" y="0"/>
+          <a:chExt cx="0" cy="0"/>
+        </a:xfrm>
+      </p:grpSpPr>
+      <p:sp>
+        <p:nvSpPr>
+          <p:cNvPr id="2" name="Titre 1"/>
+          <p:cNvSpPr>
+            <a:spLocks noGrp="1"/>
+          </p:cNvSpPr>
+          <p:nvPr>
+            <p:ph type="title"/>
+          </p:nvPr>
+        </p:nvSpPr>
+        <p:spPr>
+          <a:xfrm>
+            <a:off x="457200" y="2857500"/>
+            <a:ext cx="8229600" cy="1143000"/>
+          </a:xfrm>
+        </p:spPr>
+        <p:txBody>
+          <a:bodyPr>
+            <a:normAutofit/>
+          </a:bodyPr>
+          <a:lstStyle/>
+          <a:p>
+            <a:r>
+              <a:rPr lang="fr-FR" dirty="0" smtClean="0">
+                <a:solidFill>
+                  <a:srgbClr val="0563B8"/>
+                </a:solidFill>
+                <a:latin typeface="Montserrat" panose="02000505000000020004" pitchFamily="2" charset="0"/>
+              </a:rPr>
+              <a:t>Architecture </a:t>
+            </a:r>
+            <a:r>
+              <a:rPr lang="fr-FR" dirty="0" smtClean="0">
+                <a:solidFill>
+                  <a:srgbClr val="00A7AA"/>
+                </a:solidFill>
+                <a:latin typeface="Montserrat" panose="02000505000000020004" pitchFamily="2" charset="0"/>
+              </a:rPr>
+              <a:t>logicielle</a:t>
+            </a:r>
+            <a:endParaRPr lang="fr-FR" dirty="0">
+              <a:solidFill>
+                <a:srgbClr val="00A7AA"/>
+              </a:solidFill>
+              <a:latin typeface="Montserrat" panose="02000505000000020004" pitchFamily="2" charset="0"/>
+            </a:endParaRPr>
+          </a:p>
+        </p:txBody>
+      </p:sp>
+      <p:sp>
+        <p:nvSpPr>
+          <p:cNvPr id="3" name="Espace réservé du numéro de diapositive 2"/>
+          <p:cNvSpPr>
+            <a:spLocks noGrp="1"/>
+          </p:cNvSpPr>
+          <p:nvPr>
+            <p:ph type="sldNum" sz="quarter" idx="12"/>
+          </p:nvPr>
+        </p:nvSpPr>
+        <p:spPr/>
+        <p:txBody>
+          <a:bodyPr/>
+          <a:lstStyle/>
+          <a:p>
+            <a:fld id="{EDA4C233-F16D-4FA8-AC9B-61C6F55E69AB}" type="slidenum">
+              <a:rPr lang="fr-FR" smtClean="0"/>
+              <a:t>16</a:t>
+            </a:fld>
+            <a:endParaRPr lang="fr-FR"/>
+          </a:p>
+        </p:txBody>
+      </p:sp>
+    </p:spTree>
+    <p:extLst>
+      <p:ext uri="{BB962C8B-B14F-4D97-AF65-F5344CB8AC3E}">
+        <p14:creationId xmlns:p14="http://schemas.microsoft.com/office/powerpoint/2010/main" val="95946503"/>
+      </p:ext>
+    </p:extLst>
+  </p:cSld>
+  <p:clrMapOvr>
+    <a:masterClrMapping/>
+  </p:clrMapOvr>
+  <p:timing>
+    <p:tnLst>
+      <p:par>
+        <p:cTn id="1" dur="indefinite" restart="never" nodeType="tmRoot"/>
+      </p:par>
+    </p:tnLst>
+  </p:timing>
+</p:sld>
+</file>
+
+<file path=ppt/slides/slide17.xml><?xml version="1.0" encoding="utf-8"?>
+<p:sld xmlns:a="http://schemas.openxmlformats.org/drawingml/2006/main" xmlns:r="http://schemas.openxmlformats.org/officeDocument/2006/relationships" xmlns:p="http://schemas.openxmlformats.org/presentationml/2006/main">
+  <p:cSld>
+    <p:spTree>
+      <p:nvGrpSpPr>
+        <p:cNvPr id="1" name=""/>
+        <p:cNvGrpSpPr/>
+        <p:nvPr/>
+      </p:nvGrpSpPr>
+      <p:grpSpPr>
+        <a:xfrm>
+          <a:off x="0" y="0"/>
+          <a:ext cx="0" cy="0"/>
+          <a:chOff x="0" y="0"/>
+          <a:chExt cx="0" cy="0"/>
+        </a:xfrm>
+      </p:grpSpPr>
+      <p:sp>
+        <p:nvSpPr>
+          <p:cNvPr id="14" name="Titre 1"/>
+          <p:cNvSpPr txBox="1">
+            <a:spLocks/>
+          </p:cNvSpPr>
+          <p:nvPr/>
+        </p:nvSpPr>
+        <p:spPr>
+          <a:xfrm>
+            <a:off x="251520" y="116632"/>
+            <a:ext cx="6624736" cy="1080120"/>
+          </a:xfrm>
+          <a:prstGeom prst="rect">
+            <a:avLst/>
+          </a:prstGeom>
+        </p:spPr>
+        <p:txBody>
+          <a:bodyPr vert="horz" lIns="91440" tIns="45720" rIns="91440" bIns="45720" rtlCol="0" anchor="ctr">
+            <a:normAutofit/>
+          </a:bodyPr>
+          <a:lstStyle>
+            <a:lvl1pPr algn="ctr" defTabSz="914400" rtl="0" eaLnBrk="1" latinLnBrk="0" hangingPunct="1">
+              <a:spcBef>
+                <a:spcPct val="0"/>
+              </a:spcBef>
+              <a:buNone/>
+              <a:defRPr sz="4400" kern="1200">
+                <a:solidFill>
+                  <a:schemeClr val="tx1"/>
+                </a:solidFill>
+                <a:latin typeface="+mj-lt"/>
+                <a:ea typeface="+mj-ea"/>
+                <a:cs typeface="+mj-cs"/>
+              </a:defRPr>
+            </a:lvl1pPr>
+          </a:lstStyle>
+          <a:p>
+            <a:pPr algn="l"/>
+            <a:r>
+              <a:rPr lang="fr-FR" sz="3200" dirty="0" smtClean="0">
+                <a:solidFill>
+                  <a:srgbClr val="0563B8"/>
+                </a:solidFill>
+                <a:latin typeface="Montserrat" panose="02000505000000020004" pitchFamily="2" charset="0"/>
+              </a:rPr>
               <a:t>Frame</a:t>
             </a:r>
             <a:r>
@@ -4965,7 +6407,7 @@
           <p:nvPr>
             <p:extLst>
               <p:ext uri="{D42A27DB-BD31-4B8C-83A1-F6EECF244321}">
-                <p14:modId xmlns:p14="http://schemas.microsoft.com/office/powerpoint/2010/main" val="2174747360"/>
+                <p14:modId xmlns:p14="http://schemas.microsoft.com/office/powerpoint/2010/main" val="1399940915"/>
               </p:ext>
             </p:extLst>
           </p:nvPr>
@@ -5201,6 +6643,84 @@
                       <a:r>
                         <a:rPr lang="fr-FR" sz="1800" b="0" i="0" u="none" strike="noStrike" kern="1200" dirty="0" smtClean="0">
                           <a:solidFill>
+                            <a:srgbClr val="00A7AA"/>
+                          </a:solidFill>
+                          <a:effectLst/>
+                          <a:latin typeface="+mn-lt"/>
+                          <a:ea typeface="+mn-ea"/>
+                          <a:cs typeface="+mn-cs"/>
+                        </a:rPr>
+                        <a:t>Facile à prendre en main</a:t>
+                      </a:r>
+                      <a:endParaRPr lang="fr-FR" dirty="0">
+                        <a:ln>
+                          <a:solidFill>
+                            <a:srgbClr val="66CCFF"/>
+                          </a:solidFill>
+                        </a:ln>
+                        <a:solidFill>
+                          <a:srgbClr val="00A7AA"/>
+                        </a:solidFill>
+                      </a:endParaRPr>
+                    </a:p>
+                  </a:txBody>
+                  <a:tcPr>
+                    <a:lnL w="28575" cap="flat" cmpd="sng" algn="ctr">
+                      <a:solidFill>
+                        <a:srgbClr val="0563B8"/>
+                      </a:solidFill>
+                      <a:prstDash val="solid"/>
+                      <a:round/>
+                      <a:headEnd type="none" w="med" len="med"/>
+                      <a:tailEnd type="none" w="med" len="med"/>
+                    </a:lnL>
+                    <a:lnR w="28575" cap="flat" cmpd="sng" algn="ctr">
+                      <a:solidFill>
+                        <a:srgbClr val="0563B8"/>
+                      </a:solidFill>
+                      <a:prstDash val="solid"/>
+                      <a:round/>
+                      <a:headEnd type="none" w="med" len="med"/>
+                      <a:tailEnd type="none" w="med" len="med"/>
+                    </a:lnR>
+                    <a:lnT w="28575" cap="flat" cmpd="sng" algn="ctr">
+                      <a:solidFill>
+                        <a:srgbClr val="0563B8"/>
+                      </a:solidFill>
+                      <a:prstDash val="solid"/>
+                      <a:round/>
+                      <a:headEnd type="none" w="med" len="med"/>
+                      <a:tailEnd type="none" w="med" len="med"/>
+                    </a:lnT>
+                    <a:lnB w="28575" cap="flat" cmpd="sng" algn="ctr">
+                      <a:solidFill>
+                        <a:srgbClr val="0563B8"/>
+                      </a:solidFill>
+                      <a:prstDash val="solid"/>
+                      <a:round/>
+                      <a:headEnd type="none" w="med" len="med"/>
+                      <a:tailEnd type="none" w="med" len="med"/>
+                    </a:lnB>
+                    <a:lnTlToBr w="12700" cmpd="sng">
+                      <a:noFill/>
+                      <a:prstDash val="solid"/>
+                    </a:lnTlToBr>
+                    <a:lnBlToTr w="12700" cmpd="sng">
+                      <a:noFill/>
+                      <a:prstDash val="solid"/>
+                    </a:lnBlToTr>
+                    <a:noFill/>
+                  </a:tcPr>
+                </a:tc>
+                <a:tc>
+                  <a:txBody>
+                    <a:bodyPr/>
+                    <a:lstStyle/>
+                    <a:p>
+                      <a:pPr algn="ctr"/>
+                      <a:r>
+                        <a:rPr lang="fr-FR" sz="1800" b="0" i="0" u="none" strike="noStrike" kern="1200" dirty="0" smtClean="0">
+                          <a:solidFill>
                             <a:srgbClr val="0563B8"/>
                           </a:solidFill>
                           <a:effectLst/>
@@ -5208,7 +6728,7 @@
                           <a:ea typeface="+mn-ea"/>
                           <a:cs typeface="+mn-cs"/>
                         </a:rPr>
-                        <a:t>Facile à prendre en main</a:t>
+                        <a:t>Apprentissage difficile</a:t>
                       </a:r>
                       <a:endParaRPr lang="fr-FR" dirty="0">
                         <a:ln>
@@ -5279,7 +6799,7 @@
                       <a:r>
                         <a:rPr lang="fr-FR" sz="1800" b="0" i="0" u="none" strike="noStrike" kern="1200" dirty="0" smtClean="0">
                           <a:solidFill>
-                            <a:srgbClr val="D24D57"/>
+                            <a:srgbClr val="0563B8"/>
                           </a:solidFill>
                           <a:effectLst/>
                           <a:latin typeface="+mn-lt"/>
@@ -5295,85 +6815,7 @@
                           </a:solidFill>
                         </a:ln>
                         <a:solidFill>
-                          <a:srgbClr val="D24D57"/>
-                        </a:solidFill>
-                      </a:endParaRPr>
-                    </a:p>
-                  </a:txBody>
-                  <a:tcPr>
-                    <a:lnL w="28575" cap="flat" cmpd="sng" algn="ctr">
-                      <a:solidFill>
-                        <a:srgbClr val="0563B8"/>
-                      </a:solidFill>
-                      <a:prstDash val="solid"/>
-                      <a:round/>
-                      <a:headEnd type="none" w="med" len="med"/>
-                      <a:tailEnd type="none" w="med" len="med"/>
-                    </a:lnL>
-                    <a:lnR w="28575" cap="flat" cmpd="sng" algn="ctr">
-                      <a:solidFill>
-                        <a:srgbClr val="0563B8"/>
-                      </a:solidFill>
-                      <a:prstDash val="solid"/>
-                      <a:round/>
-                      <a:headEnd type="none" w="med" len="med"/>
-                      <a:tailEnd type="none" w="med" len="med"/>
-                    </a:lnR>
-                    <a:lnT w="28575" cap="flat" cmpd="sng" algn="ctr">
-                      <a:solidFill>
-                        <a:srgbClr val="0563B8"/>
-                      </a:solidFill>
-                      <a:prstDash val="solid"/>
-                      <a:round/>
-                      <a:headEnd type="none" w="med" len="med"/>
-                      <a:tailEnd type="none" w="med" len="med"/>
-                    </a:lnT>
-                    <a:lnB w="28575" cap="flat" cmpd="sng" algn="ctr">
-                      <a:solidFill>
-                        <a:srgbClr val="0563B8"/>
-                      </a:solidFill>
-                      <a:prstDash val="solid"/>
-                      <a:round/>
-                      <a:headEnd type="none" w="med" len="med"/>
-                      <a:tailEnd type="none" w="med" len="med"/>
-                    </a:lnB>
-                    <a:lnTlToBr w="12700" cmpd="sng">
-                      <a:noFill/>
-                      <a:prstDash val="solid"/>
-                    </a:lnTlToBr>
-                    <a:lnBlToTr w="12700" cmpd="sng">
-                      <a:noFill/>
-                      <a:prstDash val="solid"/>
-                    </a:lnBlToTr>
-                    <a:noFill/>
-                  </a:tcPr>
-                </a:tc>
-                <a:tc>
-                  <a:txBody>
-                    <a:bodyPr/>
-                    <a:lstStyle/>
-                    <a:p>
-                      <a:pPr algn="ctr"/>
-                      <a:r>
-                        <a:rPr lang="fr-FR" sz="1800" b="0" i="0" u="none" strike="noStrike" kern="1200" dirty="0" smtClean="0">
-                          <a:solidFill>
-                            <a:srgbClr val="D24D57"/>
-                          </a:solidFill>
-                          <a:effectLst/>
-                          <a:latin typeface="+mn-lt"/>
-                          <a:ea typeface="+mn-ea"/>
-                          <a:cs typeface="+mn-cs"/>
-                        </a:rPr>
-                        <a:t>Apprentissage difficile</a:t>
-                      </a:r>
-                      <a:endParaRPr lang="fr-FR" dirty="0">
-                        <a:ln>
-                          <a:solidFill>
-                            <a:srgbClr val="66CCFF"/>
-                          </a:solidFill>
-                        </a:ln>
-                        <a:solidFill>
-                          <a:srgbClr val="D24D57"/>
+                          <a:srgbClr val="0563B8"/>
                         </a:solidFill>
                       </a:endParaRPr>
                     </a:p>
@@ -6109,7 +7551,7 @@
 </p:sld>
 </file>
 
-<file path=ppt/slides/slide16.xml><?xml version="1.0" encoding="utf-8"?>
+<file path=ppt/slides/slide18.xml><?xml version="1.0" encoding="utf-8"?>
 <p:sld xmlns:a="http://schemas.openxmlformats.org/drawingml/2006/main" xmlns:r="http://schemas.openxmlformats.org/officeDocument/2006/relationships" xmlns:p="http://schemas.openxmlformats.org/presentationml/2006/main">
   <p:cSld>
     <p:spTree>
@@ -6201,7 +7643,7 @@
           <p:nvPr>
             <p:extLst>
               <p:ext uri="{D42A27DB-BD31-4B8C-83A1-F6EECF244321}">
-                <p14:modId xmlns:p14="http://schemas.microsoft.com/office/powerpoint/2010/main" val="3200388977"/>
+                <p14:modId xmlns:p14="http://schemas.microsoft.com/office/powerpoint/2010/main" val="3991793013"/>
               </p:ext>
             </p:extLst>
           </p:nvPr>
@@ -6437,7 +7879,7 @@
                       <a:r>
                         <a:rPr lang="fr-FR" sz="1800" b="0" i="0" u="none" strike="noStrike" kern="1200" dirty="0" smtClean="0">
                           <a:solidFill>
-                            <a:srgbClr val="D24D57"/>
+                            <a:srgbClr val="0563B8"/>
                           </a:solidFill>
                           <a:effectLst/>
                           <a:latin typeface="+mn-lt"/>
@@ -6448,7 +7890,7 @@
                       </a:r>
                       <a:endParaRPr lang="fr-FR" sz="1800" b="0" i="0" u="none" strike="noStrike" kern="1200" dirty="0">
                         <a:solidFill>
-                          <a:srgbClr val="D24D57"/>
+                          <a:srgbClr val="0563B8"/>
                         </a:solidFill>
                         <a:effectLst/>
                         <a:latin typeface="+mn-lt"/>
@@ -6670,7 +8112,7 @@
                       <a:r>
                         <a:rPr lang="fr-FR" sz="1800" b="0" i="0" u="none" strike="noStrike" kern="1200" dirty="0" smtClean="0">
                           <a:solidFill>
-                            <a:srgbClr val="0563B8"/>
+                            <a:srgbClr val="00A7AA"/>
                           </a:solidFill>
                           <a:effectLst/>
                           <a:latin typeface="+mn-lt"/>
@@ -6681,7 +8123,7 @@
                       </a:r>
                       <a:endParaRPr lang="fr-FR" sz="1800" b="0" i="0" u="none" strike="noStrike" kern="1200" dirty="0">
                         <a:solidFill>
-                          <a:srgbClr val="0563B8"/>
+                          <a:srgbClr val="00A7AA"/>
                         </a:solidFill>
                         <a:effectLst/>
                         <a:latin typeface="+mn-lt"/>
@@ -6903,7 +8345,7 @@
                       <a:r>
                         <a:rPr lang="fr-FR" sz="1800" b="0" i="0" u="none" strike="noStrike" kern="1200" dirty="0" smtClean="0">
                           <a:solidFill>
-                            <a:srgbClr val="0563B8"/>
+                            <a:srgbClr val="00A7AA"/>
                           </a:solidFill>
                           <a:effectLst/>
                           <a:latin typeface="+mn-lt"/>
@@ -6919,7 +8361,7 @@
                           </a:solidFill>
                         </a:ln>
                         <a:solidFill>
-                          <a:srgbClr val="0563B8"/>
+                          <a:srgbClr val="00A7AA"/>
                         </a:solidFill>
                       </a:endParaRPr>
                     </a:p>
@@ -7341,6 +8783,37 @@
                     <a:bodyPr/>
                     <a:lstStyle/>
                     <a:p>
+                      <a:pPr marL="0" marR="0" indent="0" algn="ctr" defTabSz="914400" rtl="0" eaLnBrk="1" fontAlgn="auto" latinLnBrk="0" hangingPunct="1">
+                        <a:lnSpc>
+                          <a:spcPct val="100000"/>
+                        </a:lnSpc>
+                        <a:spcBef>
+                          <a:spcPts val="0"/>
+                        </a:spcBef>
+                        <a:spcAft>
+                          <a:spcPts val="0"/>
+                        </a:spcAft>
+                        <a:buClrTx/>
+                        <a:buSzTx/>
+                        <a:buFontTx/>
+                        <a:buNone/>
+                        <a:tabLst/>
+                        <a:defRPr/>
+                      </a:pPr>
+                      <a:r>
+                        <a:rPr lang="fr-FR" sz="1800" b="0" i="0" u="none" strike="noStrike" kern="1200" dirty="0" smtClean="0">
+                          <a:solidFill>
+                            <a:srgbClr val="0563B8"/>
+                          </a:solidFill>
+                          <a:effectLst/>
+                          <a:latin typeface="+mn-lt"/>
+                          <a:ea typeface="+mn-ea"/>
+                          <a:cs typeface="+mn-cs"/>
+                        </a:rPr>
+                        <a:t>Structure relationnelle</a:t>
+                      </a:r>
+                    </a:p>
+                    <a:p>
                       <a:pPr algn="ctr"/>
                       <a:endParaRPr lang="fr-FR" dirty="0">
                         <a:ln>
@@ -7639,7 +9112,7 @@
 </p:sld>
 </file>
 
-<file path=ppt/slides/slide17.xml><?xml version="1.0" encoding="utf-8"?>
+<file path=ppt/slides/slide19.xml><?xml version="1.0" encoding="utf-8"?>
 <p:sld xmlns:a="http://schemas.openxmlformats.org/drawingml/2006/main" xmlns:r="http://schemas.openxmlformats.org/officeDocument/2006/relationships" xmlns:p="http://schemas.openxmlformats.org/presentationml/2006/main">
   <p:cSld>
     <p:spTree>
@@ -7964,7 +9437,684 @@
 </p:sld>
 </file>
 
-<file path=ppt/slides/slide18.xml><?xml version="1.0" encoding="utf-8"?>
+<file path=ppt/slides/slide2.xml><?xml version="1.0" encoding="utf-8"?>
+<p:sld xmlns:a="http://schemas.openxmlformats.org/drawingml/2006/main" xmlns:r="http://schemas.openxmlformats.org/officeDocument/2006/relationships" xmlns:p="http://schemas.openxmlformats.org/presentationml/2006/main">
+  <p:cSld>
+    <p:spTree>
+      <p:nvGrpSpPr>
+        <p:cNvPr id="1" name=""/>
+        <p:cNvGrpSpPr/>
+        <p:nvPr/>
+      </p:nvGrpSpPr>
+      <p:grpSpPr>
+        <a:xfrm>
+          <a:off x="0" y="0"/>
+          <a:ext cx="0" cy="0"/>
+          <a:chOff x="0" y="0"/>
+          <a:chExt cx="0" cy="0"/>
+        </a:xfrm>
+      </p:grpSpPr>
+      <p:sp>
+        <p:nvSpPr>
+          <p:cNvPr id="3" name="AutoShape 2" descr="https://gitlab.insa-rennes.fr/francois-boschet/gutemberg/raw/master/report/2_spec/figures/consultation.png"/>
+          <p:cNvSpPr>
+            <a:spLocks noChangeAspect="1" noChangeArrowheads="1"/>
+          </p:cNvSpPr>
+          <p:nvPr/>
+        </p:nvSpPr>
+        <p:spPr bwMode="auto">
+          <a:xfrm>
+            <a:off x="155575" y="-144463"/>
+            <a:ext cx="304800" cy="304801"/>
+          </a:xfrm>
+          <a:prstGeom prst="rect">
+            <a:avLst/>
+          </a:prstGeom>
+          <a:noFill/>
+          <a:extLst>
+            <a:ext uri="{909E8E84-426E-40DD-AFC4-6F175D3DCCD1}">
+              <a14:hiddenFill xmlns:a14="http://schemas.microsoft.com/office/drawing/2010/main">
+                <a:solidFill>
+                  <a:srgbClr val="FFFFFF"/>
+                </a:solidFill>
+              </a14:hiddenFill>
+            </a:ext>
+          </a:extLst>
+        </p:spPr>
+        <p:txBody>
+          <a:bodyPr vert="horz" wrap="square" lIns="91440" tIns="45720" rIns="91440" bIns="45720" numCol="1" anchor="t" anchorCtr="0" compatLnSpc="1">
+            <a:prstTxWarp prst="textNoShape">
+              <a:avLst/>
+            </a:prstTxWarp>
+          </a:bodyPr>
+          <a:lstStyle/>
+          <a:p>
+            <a:endParaRPr lang="fr-FR"/>
+          </a:p>
+        </p:txBody>
+      </p:sp>
+      <p:sp>
+        <p:nvSpPr>
+          <p:cNvPr id="4" name="AutoShape 4" descr="https://gitlab.insa-rennes.fr/francois-boschet/gutemberg/raw/master/report/2_spec/figures/consultation.png"/>
+          <p:cNvSpPr>
+            <a:spLocks noChangeAspect="1" noChangeArrowheads="1"/>
+          </p:cNvSpPr>
+          <p:nvPr/>
+        </p:nvSpPr>
+        <p:spPr bwMode="auto">
+          <a:xfrm>
+            <a:off x="307975" y="7937"/>
+            <a:ext cx="304800" cy="304801"/>
+          </a:xfrm>
+          <a:prstGeom prst="rect">
+            <a:avLst/>
+          </a:prstGeom>
+          <a:noFill/>
+          <a:extLst>
+            <a:ext uri="{909E8E84-426E-40DD-AFC4-6F175D3DCCD1}">
+              <a14:hiddenFill xmlns:a14="http://schemas.microsoft.com/office/drawing/2010/main">
+                <a:solidFill>
+                  <a:srgbClr val="FFFFFF"/>
+                </a:solidFill>
+              </a14:hiddenFill>
+            </a:ext>
+          </a:extLst>
+        </p:spPr>
+        <p:txBody>
+          <a:bodyPr vert="horz" wrap="square" lIns="91440" tIns="45720" rIns="91440" bIns="45720" numCol="1" anchor="t" anchorCtr="0" compatLnSpc="1">
+            <a:prstTxWarp prst="textNoShape">
+              <a:avLst/>
+            </a:prstTxWarp>
+          </a:bodyPr>
+          <a:lstStyle/>
+          <a:p>
+            <a:endParaRPr lang="fr-FR"/>
+          </a:p>
+        </p:txBody>
+      </p:sp>
+      <p:sp>
+        <p:nvSpPr>
+          <p:cNvPr id="5" name="AutoShape 2" descr="https://projet4.mybalsamiq.com/projects/spec/Consultation%20de%20documents.jpeg?version=9&amp;etag=XHJ8gpGTqtyLpFShCJ6oeFfWCMF_NOhr"/>
+          <p:cNvSpPr>
+            <a:spLocks noChangeAspect="1" noChangeArrowheads="1"/>
+          </p:cNvSpPr>
+          <p:nvPr/>
+        </p:nvSpPr>
+        <p:spPr bwMode="auto">
+          <a:xfrm>
+            <a:off x="460375" y="160337"/>
+            <a:ext cx="304800" cy="304801"/>
+          </a:xfrm>
+          <a:prstGeom prst="rect">
+            <a:avLst/>
+          </a:prstGeom>
+          <a:noFill/>
+          <a:extLst>
+            <a:ext uri="{909E8E84-426E-40DD-AFC4-6F175D3DCCD1}">
+              <a14:hiddenFill xmlns:a14="http://schemas.microsoft.com/office/drawing/2010/main">
+                <a:solidFill>
+                  <a:srgbClr val="FFFFFF"/>
+                </a:solidFill>
+              </a14:hiddenFill>
+            </a:ext>
+          </a:extLst>
+        </p:spPr>
+        <p:txBody>
+          <a:bodyPr vert="horz" wrap="square" lIns="91440" tIns="45720" rIns="91440" bIns="45720" numCol="1" anchor="t" anchorCtr="0" compatLnSpc="1">
+            <a:prstTxWarp prst="textNoShape">
+              <a:avLst/>
+            </a:prstTxWarp>
+          </a:bodyPr>
+          <a:lstStyle/>
+          <a:p>
+            <a:endParaRPr lang="fr-FR"/>
+          </a:p>
+        </p:txBody>
+      </p:sp>
+      <p:sp>
+        <p:nvSpPr>
+          <p:cNvPr id="6" name="AutoShape 4" descr="https://projet4.mybalsamiq.com/projects/spec/Consultation%20de%20documents.jpeg?version=9&amp;etag=XHJ8gpGTqtyLpFShCJ6oeFfWCMF_NOhr"/>
+          <p:cNvSpPr>
+            <a:spLocks noChangeAspect="1" noChangeArrowheads="1"/>
+          </p:cNvSpPr>
+          <p:nvPr/>
+        </p:nvSpPr>
+        <p:spPr bwMode="auto">
+          <a:xfrm>
+            <a:off x="612775" y="312737"/>
+            <a:ext cx="304800" cy="304801"/>
+          </a:xfrm>
+          <a:prstGeom prst="rect">
+            <a:avLst/>
+          </a:prstGeom>
+          <a:noFill/>
+          <a:extLst>
+            <a:ext uri="{909E8E84-426E-40DD-AFC4-6F175D3DCCD1}">
+              <a14:hiddenFill xmlns:a14="http://schemas.microsoft.com/office/drawing/2010/main">
+                <a:solidFill>
+                  <a:srgbClr val="FFFFFF"/>
+                </a:solidFill>
+              </a14:hiddenFill>
+            </a:ext>
+          </a:extLst>
+        </p:spPr>
+        <p:txBody>
+          <a:bodyPr vert="horz" wrap="square" lIns="91440" tIns="45720" rIns="91440" bIns="45720" numCol="1" anchor="t" anchorCtr="0" compatLnSpc="1">
+            <a:prstTxWarp prst="textNoShape">
+              <a:avLst/>
+            </a:prstTxWarp>
+          </a:bodyPr>
+          <a:lstStyle/>
+          <a:p>
+            <a:endParaRPr lang="fr-FR"/>
+          </a:p>
+        </p:txBody>
+      </p:sp>
+      <p:sp>
+        <p:nvSpPr>
+          <p:cNvPr id="7" name="AutoShape 6" descr="https://projet4.mybalsamiq.com/projects/spec/Consultation%20de%20documents.jpeg?version=9&amp;etag=XHJ8gpGTqtyLpFShCJ6oeFfWCMF_NOhr"/>
+          <p:cNvSpPr>
+            <a:spLocks noChangeAspect="1" noChangeArrowheads="1"/>
+          </p:cNvSpPr>
+          <p:nvPr/>
+        </p:nvSpPr>
+        <p:spPr bwMode="auto">
+          <a:xfrm>
+            <a:off x="765175" y="465137"/>
+            <a:ext cx="304800" cy="304801"/>
+          </a:xfrm>
+          <a:prstGeom prst="rect">
+            <a:avLst/>
+          </a:prstGeom>
+          <a:noFill/>
+          <a:extLst>
+            <a:ext uri="{909E8E84-426E-40DD-AFC4-6F175D3DCCD1}">
+              <a14:hiddenFill xmlns:a14="http://schemas.microsoft.com/office/drawing/2010/main">
+                <a:solidFill>
+                  <a:srgbClr val="FFFFFF"/>
+                </a:solidFill>
+              </a14:hiddenFill>
+            </a:ext>
+          </a:extLst>
+        </p:spPr>
+        <p:txBody>
+          <a:bodyPr vert="horz" wrap="square" lIns="91440" tIns="45720" rIns="91440" bIns="45720" numCol="1" anchor="t" anchorCtr="0" compatLnSpc="1">
+            <a:prstTxWarp prst="textNoShape">
+              <a:avLst/>
+            </a:prstTxWarp>
+          </a:bodyPr>
+          <a:lstStyle/>
+          <a:p>
+            <a:endParaRPr lang="fr-FR"/>
+          </a:p>
+        </p:txBody>
+      </p:sp>
+      <p:sp>
+        <p:nvSpPr>
+          <p:cNvPr id="8" name="AutoShape 8" descr="https://projet4.mybalsamiq.com/projects/spec/Consultation%20de%20documents.jpeg?version=9&amp;etag=XHJ8gpGTqtyLpFShCJ6oeFfWCMF_NOhr"/>
+          <p:cNvSpPr>
+            <a:spLocks noChangeAspect="1" noChangeArrowheads="1"/>
+          </p:cNvSpPr>
+          <p:nvPr/>
+        </p:nvSpPr>
+        <p:spPr bwMode="auto">
+          <a:xfrm>
+            <a:off x="917575" y="617537"/>
+            <a:ext cx="304800" cy="304801"/>
+          </a:xfrm>
+          <a:prstGeom prst="rect">
+            <a:avLst/>
+          </a:prstGeom>
+          <a:noFill/>
+          <a:extLst>
+            <a:ext uri="{909E8E84-426E-40DD-AFC4-6F175D3DCCD1}">
+              <a14:hiddenFill xmlns:a14="http://schemas.microsoft.com/office/drawing/2010/main">
+                <a:solidFill>
+                  <a:srgbClr val="FFFFFF"/>
+                </a:solidFill>
+              </a14:hiddenFill>
+            </a:ext>
+          </a:extLst>
+        </p:spPr>
+        <p:txBody>
+          <a:bodyPr vert="horz" wrap="square" lIns="91440" tIns="45720" rIns="91440" bIns="45720" numCol="1" anchor="t" anchorCtr="0" compatLnSpc="1">
+            <a:prstTxWarp prst="textNoShape">
+              <a:avLst/>
+            </a:prstTxWarp>
+          </a:bodyPr>
+          <a:lstStyle/>
+          <a:p>
+            <a:endParaRPr lang="fr-FR"/>
+          </a:p>
+        </p:txBody>
+      </p:sp>
+      <p:sp>
+        <p:nvSpPr>
+          <p:cNvPr id="9" name="AutoShape 10" descr="https://projet4.mybalsamiq.com/projects/spec/Consultation%20de%20documents.jpeg?version=9&amp;etag=XHJ8gpGTqtyLpFShCJ6oeFfWCMF_NOhr"/>
+          <p:cNvSpPr>
+            <a:spLocks noChangeAspect="1" noChangeArrowheads="1"/>
+          </p:cNvSpPr>
+          <p:nvPr/>
+        </p:nvSpPr>
+        <p:spPr bwMode="auto">
+          <a:xfrm>
+            <a:off x="1069975" y="769937"/>
+            <a:ext cx="304800" cy="304801"/>
+          </a:xfrm>
+          <a:prstGeom prst="rect">
+            <a:avLst/>
+          </a:prstGeom>
+          <a:noFill/>
+          <a:extLst>
+            <a:ext uri="{909E8E84-426E-40DD-AFC4-6F175D3DCCD1}">
+              <a14:hiddenFill xmlns:a14="http://schemas.microsoft.com/office/drawing/2010/main">
+                <a:solidFill>
+                  <a:srgbClr val="FFFFFF"/>
+                </a:solidFill>
+              </a14:hiddenFill>
+            </a:ext>
+          </a:extLst>
+        </p:spPr>
+        <p:txBody>
+          <a:bodyPr vert="horz" wrap="square" lIns="91440" tIns="45720" rIns="91440" bIns="45720" numCol="1" anchor="t" anchorCtr="0" compatLnSpc="1">
+            <a:prstTxWarp prst="textNoShape">
+              <a:avLst/>
+            </a:prstTxWarp>
+          </a:bodyPr>
+          <a:lstStyle/>
+          <a:p>
+            <a:endParaRPr lang="fr-FR"/>
+          </a:p>
+        </p:txBody>
+      </p:sp>
+      <p:sp>
+        <p:nvSpPr>
+          <p:cNvPr id="10" name="Espace réservé du numéro de diapositive 9"/>
+          <p:cNvSpPr>
+            <a:spLocks noGrp="1"/>
+          </p:cNvSpPr>
+          <p:nvPr>
+            <p:ph type="sldNum" sz="quarter" idx="12"/>
+          </p:nvPr>
+        </p:nvSpPr>
+        <p:spPr/>
+        <p:txBody>
+          <a:bodyPr/>
+          <a:lstStyle/>
+          <a:p>
+            <a:fld id="{EDA4C233-F16D-4FA8-AC9B-61C6F55E69AB}" type="slidenum">
+              <a:rPr lang="fr-FR" smtClean="0"/>
+              <a:t>2</a:t>
+            </a:fld>
+            <a:endParaRPr lang="fr-FR"/>
+          </a:p>
+        </p:txBody>
+      </p:sp>
+      <p:sp>
+        <p:nvSpPr>
+          <p:cNvPr id="11" name="ZoneTexte 10"/>
+          <p:cNvSpPr txBox="1"/>
+          <p:nvPr/>
+        </p:nvSpPr>
+        <p:spPr>
+          <a:xfrm>
+            <a:off x="749490" y="1406327"/>
+            <a:ext cx="6734001" cy="1261884"/>
+          </a:xfrm>
+          <a:prstGeom prst="rect">
+            <a:avLst/>
+          </a:prstGeom>
+          <a:noFill/>
+        </p:spPr>
+        <p:txBody>
+          <a:bodyPr wrap="square" rtlCol="0">
+            <a:spAutoFit/>
+          </a:bodyPr>
+          <a:lstStyle/>
+          <a:p>
+            <a:pPr>
+              <a:lnSpc>
+                <a:spcPct val="200000"/>
+              </a:lnSpc>
+            </a:pPr>
+            <a:r>
+              <a:rPr lang="fr-FR" sz="2800" dirty="0" smtClean="0">
+                <a:solidFill>
+                  <a:srgbClr val="0563B8"/>
+                </a:solidFill>
+                <a:latin typeface="+mj-lt"/>
+              </a:rPr>
+              <a:t>Documents numérisés</a:t>
+            </a:r>
+          </a:p>
+          <a:p>
+            <a:pPr marL="742950" lvl="1" indent="-285750" fontAlgn="base">
+              <a:buFont typeface="Arial" panose="020B0604020202020204" pitchFamily="34" charset="0"/>
+              <a:buChar char="•"/>
+            </a:pPr>
+            <a:r>
+              <a:rPr lang="fr-FR" sz="2000" dirty="0" smtClean="0">
+                <a:solidFill>
+                  <a:srgbClr val="0563B8"/>
+                </a:solidFill>
+                <a:latin typeface="+mj-lt"/>
+              </a:rPr>
+              <a:t>Faciliter l’accès aux documents</a:t>
+            </a:r>
+          </a:p>
+        </p:txBody>
+      </p:sp>
+      <p:sp>
+        <p:nvSpPr>
+          <p:cNvPr id="13" name="ZoneTexte 12"/>
+          <p:cNvSpPr txBox="1"/>
+          <p:nvPr/>
+        </p:nvSpPr>
+        <p:spPr>
+          <a:xfrm>
+            <a:off x="749490" y="3645024"/>
+            <a:ext cx="8142990" cy="1877437"/>
+          </a:xfrm>
+          <a:prstGeom prst="rect">
+            <a:avLst/>
+          </a:prstGeom>
+          <a:noFill/>
+        </p:spPr>
+        <p:txBody>
+          <a:bodyPr wrap="square" rtlCol="0">
+            <a:spAutoFit/>
+          </a:bodyPr>
+          <a:lstStyle/>
+          <a:p>
+            <a:pPr>
+              <a:lnSpc>
+                <a:spcPct val="200000"/>
+              </a:lnSpc>
+            </a:pPr>
+            <a:r>
+              <a:rPr lang="fr-FR" sz="2800" dirty="0" smtClean="0">
+                <a:solidFill>
+                  <a:srgbClr val="0563B8"/>
+                </a:solidFill>
+                <a:latin typeface="+mj-lt"/>
+              </a:rPr>
+              <a:t>Cas de la </a:t>
+            </a:r>
+            <a:r>
+              <a:rPr lang="fr-FR" sz="2800" dirty="0" smtClean="0">
+                <a:solidFill>
+                  <a:srgbClr val="00A7AA"/>
+                </a:solidFill>
+              </a:rPr>
+              <a:t>presse ancienne</a:t>
+            </a:r>
+            <a:endParaRPr lang="fr-FR" sz="2800" dirty="0" smtClean="0">
+              <a:solidFill>
+                <a:srgbClr val="0563B8"/>
+              </a:solidFill>
+              <a:latin typeface="+mj-lt"/>
+            </a:endParaRPr>
+          </a:p>
+          <a:p>
+            <a:pPr marL="742950" lvl="1" indent="-285750" fontAlgn="base">
+              <a:buFont typeface="Arial" panose="020B0604020202020204" pitchFamily="34" charset="0"/>
+              <a:buChar char="•"/>
+            </a:pPr>
+            <a:r>
+              <a:rPr lang="fr-FR" sz="2000" dirty="0">
+                <a:solidFill>
+                  <a:srgbClr val="0563B8"/>
+                </a:solidFill>
+                <a:latin typeface="+mj-lt"/>
+              </a:rPr>
+              <a:t>Grandes quantités de documents avec un contenu riche</a:t>
+            </a:r>
+          </a:p>
+          <a:p>
+            <a:pPr marL="742950" lvl="1" indent="-285750" fontAlgn="base">
+              <a:buFont typeface="Arial" panose="020B0604020202020204" pitchFamily="34" charset="0"/>
+              <a:buChar char="•"/>
+            </a:pPr>
+            <a:r>
+              <a:rPr lang="fr-FR" sz="2000" dirty="0">
+                <a:solidFill>
+                  <a:srgbClr val="0563B8"/>
+                </a:solidFill>
+                <a:latin typeface="+mj-lt"/>
+              </a:rPr>
+              <a:t>Document volumineux</a:t>
+            </a:r>
+          </a:p>
+          <a:p>
+            <a:pPr marL="742950" lvl="1" indent="-285750" fontAlgn="base">
+              <a:buFont typeface="Arial" panose="020B0604020202020204" pitchFamily="34" charset="0"/>
+              <a:buChar char="•"/>
+            </a:pPr>
+            <a:r>
+              <a:rPr lang="fr-FR" sz="2000" dirty="0">
+                <a:solidFill>
+                  <a:srgbClr val="0563B8"/>
+                </a:solidFill>
+                <a:latin typeface="+mj-lt"/>
+              </a:rPr>
+              <a:t>Habitude de lecture particulière</a:t>
+            </a:r>
+          </a:p>
+        </p:txBody>
+      </p:sp>
+      <p:sp>
+        <p:nvSpPr>
+          <p:cNvPr id="14" name="ZoneTexte 13"/>
+          <p:cNvSpPr txBox="1"/>
+          <p:nvPr/>
+        </p:nvSpPr>
+        <p:spPr>
+          <a:xfrm>
+            <a:off x="899592" y="2708920"/>
+            <a:ext cx="6950027" cy="461665"/>
+          </a:xfrm>
+          <a:prstGeom prst="rect">
+            <a:avLst/>
+          </a:prstGeom>
+          <a:noFill/>
+        </p:spPr>
+        <p:txBody>
+          <a:bodyPr wrap="square" rtlCol="0">
+            <a:spAutoFit/>
+          </a:bodyPr>
+          <a:lstStyle/>
+          <a:p>
+            <a:r>
+              <a:rPr lang="fr-FR" sz="1200" i="1" dirty="0" smtClean="0">
+                <a:solidFill>
+                  <a:srgbClr val="0563B8"/>
+                </a:solidFill>
+                <a:latin typeface="+mj-lt"/>
+              </a:rPr>
+              <a:t>Plateformes </a:t>
+            </a:r>
+            <a:r>
+              <a:rPr lang="fr-FR" sz="1200" i="1" dirty="0">
+                <a:solidFill>
+                  <a:srgbClr val="0563B8"/>
+                </a:solidFill>
+                <a:latin typeface="+mj-lt"/>
+              </a:rPr>
+              <a:t>web déjà existantes pour la consultation de </a:t>
+            </a:r>
+            <a:r>
+              <a:rPr lang="fr-FR" sz="1200" i="1" dirty="0" smtClean="0">
+                <a:solidFill>
+                  <a:srgbClr val="0563B8"/>
+                </a:solidFill>
+                <a:latin typeface="+mj-lt"/>
+              </a:rPr>
+              <a:t>documents </a:t>
+            </a:r>
+            <a:r>
+              <a:rPr lang="fr-FR" sz="1200" i="1" dirty="0">
+                <a:solidFill>
+                  <a:srgbClr val="0563B8"/>
+                </a:solidFill>
+                <a:latin typeface="+mj-lt"/>
+              </a:rPr>
+              <a:t>:</a:t>
+            </a:r>
+          </a:p>
+          <a:p>
+            <a:r>
+              <a:rPr lang="fr-FR" sz="1200" i="1" dirty="0">
+                <a:solidFill>
+                  <a:srgbClr val="0563B8"/>
+                </a:solidFill>
+                <a:latin typeface="+mj-lt"/>
+              </a:rPr>
+              <a:t>	</a:t>
+            </a:r>
+            <a:r>
+              <a:rPr lang="fr-FR" sz="1200" i="1" dirty="0" smtClean="0">
+                <a:solidFill>
+                  <a:srgbClr val="0563B8"/>
+                </a:solidFill>
+                <a:latin typeface="+mj-lt"/>
+              </a:rPr>
+              <a:t>Archives </a:t>
+            </a:r>
+            <a:r>
+              <a:rPr lang="fr-FR" sz="1200" i="1" dirty="0">
+                <a:solidFill>
+                  <a:srgbClr val="0563B8"/>
+                </a:solidFill>
+                <a:latin typeface="+mj-lt"/>
+              </a:rPr>
+              <a:t>des Yvelines, Mémoire des hommes, </a:t>
+            </a:r>
+            <a:r>
+              <a:rPr lang="fr-FR" sz="1200" i="1" dirty="0" err="1">
+                <a:solidFill>
+                  <a:srgbClr val="0563B8"/>
+                </a:solidFill>
+                <a:latin typeface="+mj-lt"/>
+              </a:rPr>
+              <a:t>Gallica</a:t>
+            </a:r>
+            <a:r>
+              <a:rPr lang="fr-FR" sz="1200" i="1" dirty="0">
+                <a:solidFill>
+                  <a:srgbClr val="0563B8"/>
+                </a:solidFill>
+                <a:latin typeface="+mj-lt"/>
+              </a:rPr>
+              <a:t>...</a:t>
+            </a:r>
+          </a:p>
+        </p:txBody>
+      </p:sp>
+      <p:pic>
+        <p:nvPicPr>
+          <p:cNvPr id="1026" name="Picture 2" descr="BM78517_PER1100_000_1940012053_001.jpg"/>
+          <p:cNvPicPr>
+            <a:picLocks noChangeAspect="1" noChangeArrowheads="1"/>
+          </p:cNvPicPr>
+          <p:nvPr/>
+        </p:nvPicPr>
+        <p:blipFill rotWithShape="1">
+          <a:blip r:embed="rId2">
+            <a:extLst>
+              <a:ext uri="{28A0092B-C50C-407E-A947-70E740481C1C}">
+                <a14:useLocalDpi xmlns:a14="http://schemas.microsoft.com/office/drawing/2010/main" val="0"/>
+              </a:ext>
+            </a:extLst>
+          </a:blip>
+          <a:srcRect l="4670" t="3603" r="5502" b="6936"/>
+          <a:stretch/>
+        </p:blipFill>
+        <p:spPr bwMode="auto">
+          <a:xfrm>
+            <a:off x="6367626" y="922338"/>
+            <a:ext cx="2231729" cy="3191247"/>
+          </a:xfrm>
+          <a:prstGeom prst="rect">
+            <a:avLst/>
+          </a:prstGeom>
+          <a:noFill/>
+          <a:ln w="19050">
+            <a:solidFill>
+              <a:srgbClr val="0563B8"/>
+            </a:solidFill>
+          </a:ln>
+          <a:extLst>
+            <a:ext uri="{909E8E84-426E-40DD-AFC4-6F175D3DCCD1}">
+              <a14:hiddenFill xmlns:a14="http://schemas.microsoft.com/office/drawing/2010/main">
+                <a:solidFill>
+                  <a:srgbClr val="FFFFFF"/>
+                </a:solidFill>
+              </a14:hiddenFill>
+            </a:ext>
+          </a:extLst>
+        </p:spPr>
+      </p:pic>
+      <p:sp>
+        <p:nvSpPr>
+          <p:cNvPr id="2" name="Étoile à 5 branches 1"/>
+          <p:cNvSpPr/>
+          <p:nvPr/>
+        </p:nvSpPr>
+        <p:spPr>
+          <a:xfrm>
+            <a:off x="755576" y="2885752"/>
+            <a:ext cx="108000" cy="108000"/>
+          </a:xfrm>
+          <a:prstGeom prst="star5">
+            <a:avLst/>
+          </a:prstGeom>
+        </p:spPr>
+        <p:style>
+          <a:lnRef idx="2">
+            <a:schemeClr val="accent1">
+              <a:shade val="50000"/>
+            </a:schemeClr>
+          </a:lnRef>
+          <a:fillRef idx="1">
+            <a:schemeClr val="accent1"/>
+          </a:fillRef>
+          <a:effectRef idx="0">
+            <a:schemeClr val="accent1"/>
+          </a:effectRef>
+          <a:fontRef idx="minor">
+            <a:schemeClr val="lt1"/>
+          </a:fontRef>
+        </p:style>
+        <p:txBody>
+          <a:bodyPr rtlCol="0" anchor="ctr"/>
+          <a:lstStyle/>
+          <a:p>
+            <a:pPr algn="ctr"/>
+            <a:endParaRPr lang="fr-FR"/>
+          </a:p>
+        </p:txBody>
+      </p:sp>
+    </p:spTree>
+    <p:extLst>
+      <p:ext uri="{BB962C8B-B14F-4D97-AF65-F5344CB8AC3E}">
+        <p14:creationId xmlns:p14="http://schemas.microsoft.com/office/powerpoint/2010/main" val="4266983893"/>
+      </p:ext>
+    </p:extLst>
+  </p:cSld>
+  <p:clrMapOvr>
+    <a:masterClrMapping/>
+  </p:clrMapOvr>
+  <p:timing>
+    <p:tnLst>
+      <p:par>
+        <p:cTn id="1" dur="indefinite" restart="never" nodeType="tmRoot"/>
+      </p:par>
+    </p:tnLst>
+  </p:timing>
+</p:sld>
+</file>
+
+<file path=ppt/slides/slide20.xml><?xml version="1.0" encoding="utf-8"?>
 <p:sld xmlns:a="http://schemas.openxmlformats.org/drawingml/2006/main" xmlns:r="http://schemas.openxmlformats.org/officeDocument/2006/relationships" xmlns:p="http://schemas.openxmlformats.org/presentationml/2006/main">
   <p:cSld>
     <p:spTree>
@@ -8911,7 +11061,7 @@
 </p:sld>
 </file>
 
-<file path=ppt/slides/slide19.xml><?xml version="1.0" encoding="utf-8"?>
+<file path=ppt/slides/slide21.xml><?xml version="1.0" encoding="utf-8"?>
 <p:sld xmlns:a="http://schemas.openxmlformats.org/drawingml/2006/main" xmlns:r="http://schemas.openxmlformats.org/officeDocument/2006/relationships" xmlns:p="http://schemas.openxmlformats.org/presentationml/2006/main">
   <p:cSld>
     <p:spTree>
@@ -8994,7 +11144,7 @@
           <a:p>
             <a:fld id="{EDA4C233-F16D-4FA8-AC9B-61C6F55E69AB}" type="slidenum">
               <a:rPr lang="fr-FR" smtClean="0"/>
-              <a:t>19</a:t>
+              <a:t>21</a:t>
             </a:fld>
             <a:endParaRPr lang="fr-FR"/>
           </a:p>
@@ -9020,351 +11170,7 @@
 </p:sld>
 </file>
 
-<file path=ppt/slides/slide2.xml><?xml version="1.0" encoding="utf-8"?>
-<p:sld xmlns:a="http://schemas.openxmlformats.org/drawingml/2006/main" xmlns:r="http://schemas.openxmlformats.org/officeDocument/2006/relationships" xmlns:p="http://schemas.openxmlformats.org/presentationml/2006/main">
-  <p:cSld>
-    <p:spTree>
-      <p:nvGrpSpPr>
-        <p:cNvPr id="1" name=""/>
-        <p:cNvGrpSpPr/>
-        <p:nvPr/>
-      </p:nvGrpSpPr>
-      <p:grpSpPr>
-        <a:xfrm>
-          <a:off x="0" y="0"/>
-          <a:ext cx="0" cy="0"/>
-          <a:chOff x="0" y="0"/>
-          <a:chExt cx="0" cy="0"/>
-        </a:xfrm>
-      </p:grpSpPr>
-      <p:sp>
-        <p:nvSpPr>
-          <p:cNvPr id="3" name="Espace réservé du numéro de diapositive 2"/>
-          <p:cNvSpPr>
-            <a:spLocks noGrp="1"/>
-          </p:cNvSpPr>
-          <p:nvPr>
-            <p:ph type="sldNum" sz="quarter" idx="12"/>
-          </p:nvPr>
-        </p:nvSpPr>
-        <p:spPr/>
-        <p:txBody>
-          <a:bodyPr/>
-          <a:lstStyle/>
-          <a:p>
-            <a:fld id="{EDA4C233-F16D-4FA8-AC9B-61C6F55E69AB}" type="slidenum">
-              <a:rPr lang="fr-FR" smtClean="0"/>
-              <a:t>2</a:t>
-            </a:fld>
-            <a:endParaRPr lang="fr-FR"/>
-          </a:p>
-        </p:txBody>
-      </p:sp>
-      <p:sp>
-        <p:nvSpPr>
-          <p:cNvPr id="6" name="Rectangle 5"/>
-          <p:cNvSpPr/>
-          <p:nvPr/>
-        </p:nvSpPr>
-        <p:spPr>
-          <a:xfrm>
-            <a:off x="827584" y="1412776"/>
-            <a:ext cx="9001000" cy="4647426"/>
-          </a:xfrm>
-          <a:prstGeom prst="rect">
-            <a:avLst/>
-          </a:prstGeom>
-        </p:spPr>
-        <p:txBody>
-          <a:bodyPr wrap="square">
-            <a:spAutoFit/>
-          </a:bodyPr>
-          <a:lstStyle/>
-          <a:p>
-            <a:pPr fontAlgn="base"/>
-            <a:r>
-              <a:rPr lang="fr-FR" sz="2800" dirty="0" smtClean="0">
-                <a:solidFill>
-                  <a:srgbClr val="00A7AA"/>
-                </a:solidFill>
-                <a:latin typeface="Calibri Light" panose="020F0302020204030204" pitchFamily="34" charset="0"/>
-              </a:rPr>
-              <a:t>Partie </a:t>
-            </a:r>
-            <a:r>
-              <a:rPr lang="fr-FR" sz="2800" dirty="0" smtClean="0">
-                <a:solidFill>
-                  <a:srgbClr val="00A7AA"/>
-                </a:solidFill>
-                <a:latin typeface="Calibri Light" panose="020F0302020204030204" pitchFamily="34" charset="0"/>
-              </a:rPr>
-              <a:t>1</a:t>
-            </a:r>
-            <a:r>
-              <a:rPr lang="fr-FR" sz="2800" dirty="0" smtClean="0">
-                <a:solidFill>
-                  <a:srgbClr val="0563B8"/>
-                </a:solidFill>
-                <a:latin typeface="Calibri Light" panose="020F0302020204030204" pitchFamily="34" charset="0"/>
-              </a:rPr>
-              <a:t>	Problématiques du projet</a:t>
-            </a:r>
-          </a:p>
-          <a:p>
-            <a:pPr fontAlgn="base"/>
-            <a:r>
-              <a:rPr lang="fr-FR" sz="2800" dirty="0" smtClean="0">
-                <a:solidFill>
-                  <a:srgbClr val="00A7AA"/>
-                </a:solidFill>
-                <a:latin typeface="Calibri Light" panose="020F0302020204030204" pitchFamily="34" charset="0"/>
-              </a:rPr>
-              <a:t>Partie </a:t>
-            </a:r>
-            <a:r>
-              <a:rPr lang="fr-FR" sz="2800" dirty="0" smtClean="0">
-                <a:solidFill>
-                  <a:srgbClr val="00A7AA"/>
-                </a:solidFill>
-                <a:latin typeface="Calibri Light" panose="020F0302020204030204" pitchFamily="34" charset="0"/>
-              </a:rPr>
-              <a:t>2</a:t>
-            </a:r>
-            <a:r>
-              <a:rPr lang="fr-FR" sz="2800" dirty="0" smtClean="0">
-                <a:solidFill>
-                  <a:srgbClr val="0563B8"/>
-                </a:solidFill>
-                <a:latin typeface="Calibri Light" panose="020F0302020204030204" pitchFamily="34" charset="0"/>
-              </a:rPr>
-              <a:t>	Spécifications fonctionnelles	</a:t>
-            </a:r>
-          </a:p>
-          <a:p>
-            <a:pPr fontAlgn="base"/>
-            <a:r>
-              <a:rPr lang="fr-FR" sz="2800" dirty="0">
-                <a:solidFill>
-                  <a:srgbClr val="0563B8"/>
-                </a:solidFill>
-                <a:latin typeface="Calibri Light" panose="020F0302020204030204" pitchFamily="34" charset="0"/>
-              </a:rPr>
-              <a:t>	</a:t>
-            </a:r>
-            <a:r>
-              <a:rPr lang="fr-FR" sz="2800" dirty="0" smtClean="0">
-                <a:solidFill>
-                  <a:srgbClr val="0563B8"/>
-                </a:solidFill>
-                <a:latin typeface="Calibri Light" panose="020F0302020204030204" pitchFamily="34" charset="0"/>
-              </a:rPr>
-              <a:t>		2.1  Page d’accueil</a:t>
-            </a:r>
-          </a:p>
-          <a:p>
-            <a:pPr fontAlgn="base"/>
-            <a:r>
-              <a:rPr lang="fr-FR" sz="2800" dirty="0">
-                <a:solidFill>
-                  <a:srgbClr val="0563B8"/>
-                </a:solidFill>
-                <a:latin typeface="Calibri Light" panose="020F0302020204030204" pitchFamily="34" charset="0"/>
-              </a:rPr>
-              <a:t>	</a:t>
-            </a:r>
-            <a:r>
-              <a:rPr lang="fr-FR" sz="2800" dirty="0" smtClean="0">
-                <a:solidFill>
-                  <a:srgbClr val="0563B8"/>
-                </a:solidFill>
-                <a:latin typeface="Calibri Light" panose="020F0302020204030204" pitchFamily="34" charset="0"/>
-              </a:rPr>
-              <a:t>		        Recherche de document</a:t>
-            </a:r>
-          </a:p>
-          <a:p>
-            <a:pPr fontAlgn="base"/>
-            <a:r>
-              <a:rPr lang="fr-FR" sz="2800" dirty="0">
-                <a:solidFill>
-                  <a:srgbClr val="0563B8"/>
-                </a:solidFill>
-                <a:latin typeface="Calibri Light" panose="020F0302020204030204" pitchFamily="34" charset="0"/>
-              </a:rPr>
-              <a:t>	</a:t>
-            </a:r>
-            <a:r>
-              <a:rPr lang="fr-FR" sz="2800" dirty="0" smtClean="0">
-                <a:solidFill>
-                  <a:srgbClr val="0563B8"/>
-                </a:solidFill>
-                <a:latin typeface="Calibri Light" panose="020F0302020204030204" pitchFamily="34" charset="0"/>
-              </a:rPr>
-              <a:t>		2.2  Consultation de document</a:t>
-            </a:r>
-          </a:p>
-          <a:p>
-            <a:pPr fontAlgn="base"/>
-            <a:r>
-              <a:rPr lang="fr-FR" sz="2800" dirty="0" smtClean="0">
-                <a:solidFill>
-                  <a:srgbClr val="0563B8"/>
-                </a:solidFill>
-                <a:latin typeface="Calibri Light" panose="020F0302020204030204" pitchFamily="34" charset="0"/>
-              </a:rPr>
-              <a:t>			2.3  Gestion des utilisateurs</a:t>
-            </a:r>
-          </a:p>
-          <a:p>
-            <a:pPr fontAlgn="base"/>
-            <a:r>
-              <a:rPr lang="fr-FR" sz="2800" dirty="0">
-                <a:solidFill>
-                  <a:srgbClr val="0563B8"/>
-                </a:solidFill>
-                <a:latin typeface="Calibri Light" panose="020F0302020204030204" pitchFamily="34" charset="0"/>
-              </a:rPr>
-              <a:t>	</a:t>
-            </a:r>
-            <a:r>
-              <a:rPr lang="fr-FR" sz="2800" dirty="0" smtClean="0">
-                <a:solidFill>
-                  <a:srgbClr val="0563B8"/>
-                </a:solidFill>
-                <a:latin typeface="Calibri Light" panose="020F0302020204030204" pitchFamily="34" charset="0"/>
-              </a:rPr>
-              <a:t>		        Revue de presse</a:t>
-            </a:r>
-          </a:p>
-          <a:p>
-            <a:pPr fontAlgn="base"/>
-            <a:endParaRPr lang="fr-FR" sz="2800" dirty="0" smtClean="0">
-              <a:solidFill>
-                <a:srgbClr val="0563B8"/>
-              </a:solidFill>
-              <a:latin typeface="Calibri Light" panose="020F0302020204030204" pitchFamily="34" charset="0"/>
-            </a:endParaRPr>
-          </a:p>
-          <a:p>
-            <a:pPr fontAlgn="base"/>
-            <a:r>
-              <a:rPr lang="fr-FR" sz="2800" dirty="0" smtClean="0">
-                <a:solidFill>
-                  <a:srgbClr val="00A7AA"/>
-                </a:solidFill>
-                <a:latin typeface="Calibri Light" panose="020F0302020204030204" pitchFamily="34" charset="0"/>
-              </a:rPr>
-              <a:t>Partie 3</a:t>
-            </a:r>
-            <a:r>
-              <a:rPr lang="fr-FR" sz="2800" dirty="0" smtClean="0">
-                <a:solidFill>
-                  <a:srgbClr val="0563B8"/>
-                </a:solidFill>
-                <a:latin typeface="Calibri Light" panose="020F0302020204030204" pitchFamily="34" charset="0"/>
-              </a:rPr>
-              <a:t>	Architecture logicielle</a:t>
-            </a:r>
-          </a:p>
-          <a:p>
-            <a:pPr fontAlgn="base"/>
-            <a:r>
-              <a:rPr lang="fr-FR" sz="2800" dirty="0" smtClean="0">
-                <a:solidFill>
-                  <a:srgbClr val="00A7AA"/>
-                </a:solidFill>
-                <a:latin typeface="Calibri Light" panose="020F0302020204030204" pitchFamily="34" charset="0"/>
-              </a:rPr>
-              <a:t>Partie 4</a:t>
-            </a:r>
-            <a:r>
-              <a:rPr lang="fr-FR" sz="2800" dirty="0" smtClean="0">
-                <a:solidFill>
-                  <a:srgbClr val="0563B8"/>
-                </a:solidFill>
-                <a:latin typeface="Calibri Light" panose="020F0302020204030204" pitchFamily="34" charset="0"/>
-              </a:rPr>
-              <a:t>	Planification</a:t>
-            </a:r>
-            <a:r>
-              <a:rPr lang="fr-FR" sz="1600" dirty="0" smtClean="0">
-                <a:latin typeface="Calibri Light" panose="020F0302020204030204" pitchFamily="34" charset="0"/>
-              </a:rPr>
-              <a:t/>
-            </a:r>
-            <a:br>
-              <a:rPr lang="fr-FR" sz="1600" dirty="0" smtClean="0">
-                <a:latin typeface="Calibri Light" panose="020F0302020204030204" pitchFamily="34" charset="0"/>
-              </a:rPr>
-            </a:br>
-            <a:endParaRPr lang="fr-FR" sz="1600" dirty="0">
-              <a:latin typeface="Calibri Light" panose="020F0302020204030204" pitchFamily="34" charset="0"/>
-            </a:endParaRPr>
-          </a:p>
-        </p:txBody>
-      </p:sp>
-      <p:sp>
-        <p:nvSpPr>
-          <p:cNvPr id="5" name="Titre 1"/>
-          <p:cNvSpPr>
-            <a:spLocks noGrp="1"/>
-          </p:cNvSpPr>
-          <p:nvPr>
-            <p:ph type="title"/>
-          </p:nvPr>
-        </p:nvSpPr>
-        <p:spPr>
-          <a:xfrm>
-            <a:off x="251520" y="116632"/>
-            <a:ext cx="6624736" cy="1080120"/>
-          </a:xfrm>
-        </p:spPr>
-        <p:txBody>
-          <a:bodyPr>
-            <a:normAutofit/>
-          </a:bodyPr>
-          <a:lstStyle/>
-          <a:p>
-            <a:pPr algn="l"/>
-            <a:r>
-              <a:rPr lang="fr-FR" sz="3200" dirty="0" smtClean="0">
-                <a:solidFill>
-                  <a:srgbClr val="0563B8"/>
-                </a:solidFill>
-                <a:latin typeface="Montserrat" panose="02000505000000020004" pitchFamily="2" charset="0"/>
-              </a:rPr>
-              <a:t>Sommaire</a:t>
-            </a:r>
-            <a:endParaRPr lang="fr-FR" sz="3200" dirty="0">
-              <a:solidFill>
-                <a:srgbClr val="00A7AA"/>
-              </a:solidFill>
-              <a:latin typeface="Montserrat" panose="02000505000000020004" pitchFamily="2" charset="0"/>
-            </a:endParaRPr>
-          </a:p>
-        </p:txBody>
-      </p:sp>
-    </p:spTree>
-    <p:extLst>
-      <p:ext uri="{BB962C8B-B14F-4D97-AF65-F5344CB8AC3E}">
-        <p14:creationId xmlns:p14="http://schemas.microsoft.com/office/powerpoint/2010/main" val="1343765801"/>
-      </p:ext>
-    </p:extLst>
-  </p:cSld>
-  <p:clrMapOvr>
-    <a:masterClrMapping/>
-  </p:clrMapOvr>
-  <p:timing>
-    <p:tnLst>
-      <p:par>
-        <p:cTn id="1" dur="indefinite" restart="never" nodeType="tmRoot"/>
-      </p:par>
-    </p:tnLst>
-  </p:timing>
-</p:sld>
-</file>
-
-<file path=ppt/slides/slide20.xml><?xml version="1.0" encoding="utf-8"?>
+<file path=ppt/slides/slide22.xml><?xml version="1.0" encoding="utf-8"?>
 <p:sld xmlns:a="http://schemas.openxmlformats.org/drawingml/2006/main" xmlns:r="http://schemas.openxmlformats.org/officeDocument/2006/relationships" xmlns:p="http://schemas.openxmlformats.org/presentationml/2006/main">
   <p:cSld>
     <p:spTree>
@@ -9467,7 +11273,7 @@
 </p:sld>
 </file>
 
-<file path=ppt/slides/slide21.xml><?xml version="1.0" encoding="utf-8"?>
+<file path=ppt/slides/slide23.xml><?xml version="1.0" encoding="utf-8"?>
 <p:sld xmlns:a="http://schemas.openxmlformats.org/drawingml/2006/main" xmlns:r="http://schemas.openxmlformats.org/officeDocument/2006/relationships" xmlns:p="http://schemas.openxmlformats.org/presentationml/2006/main">
   <p:cSld>
     <p:spTree>
@@ -9550,7 +11356,7 @@
           <a:p>
             <a:fld id="{EDA4C233-F16D-4FA8-AC9B-61C6F55E69AB}" type="slidenum">
               <a:rPr lang="fr-FR" smtClean="0"/>
-              <a:t>21</a:t>
+              <a:t>23</a:t>
             </a:fld>
             <a:endParaRPr lang="fr-FR"/>
           </a:p>
@@ -9672,29 +11478,18 @@
               <a:buChar char="•"/>
             </a:pPr>
             <a:r>
-              <a:rPr lang="fr-FR" sz="2400" dirty="0">
-                <a:solidFill>
-                  <a:srgbClr val="0563B8"/>
-                </a:solidFill>
-              </a:rPr>
-              <a:t>“</a:t>
-            </a:r>
-            <a:r>
-              <a:rPr lang="fr-FR" sz="2400" dirty="0" err="1">
-                <a:solidFill>
-                  <a:srgbClr val="0563B8"/>
-                </a:solidFill>
-              </a:rPr>
-              <a:t>Collaborativité</a:t>
-            </a:r>
-            <a:r>
-              <a:rPr lang="fr-FR" sz="2400" dirty="0">
-                <a:solidFill>
-                  <a:srgbClr val="0563B8"/>
-                </a:solidFill>
-              </a:rPr>
-              <a:t>”</a:t>
-            </a:r>
+              <a:rPr lang="fr-FR" sz="2400" dirty="0" smtClean="0">
+                <a:solidFill>
+                  <a:srgbClr val="0563B8"/>
+                </a:solidFill>
+              </a:rPr>
+              <a:t>Possibilité de collaborer</a:t>
+            </a:r>
+            <a:endParaRPr lang="fr-FR" sz="2400" dirty="0">
+              <a:solidFill>
+                <a:srgbClr val="0563B8"/>
+              </a:solidFill>
+            </a:endParaRPr>
           </a:p>
           <a:p>
             <a:pPr marL="285750" indent="-285750" fontAlgn="base">
@@ -9767,52 +11562,36 @@
         </p:nvSpPr>
         <p:spPr>
           <a:xfrm>
-            <a:off x="457200" y="2857500"/>
-            <a:ext cx="8229600" cy="1143000"/>
+            <a:off x="251520" y="116632"/>
+            <a:ext cx="6624736" cy="1080120"/>
           </a:xfrm>
         </p:spPr>
         <p:txBody>
           <a:bodyPr>
-            <a:normAutofit fontScale="90000"/>
+            <a:normAutofit/>
           </a:bodyPr>
           <a:lstStyle/>
           <a:p>
-            <a:r>
-              <a:rPr lang="fr-FR" dirty="0" smtClean="0">
+            <a:pPr algn="l"/>
+            <a:r>
+              <a:rPr lang="fr-FR" sz="3200" dirty="0" smtClean="0">
                 <a:solidFill>
                   <a:srgbClr val="0563B8"/>
                 </a:solidFill>
                 <a:latin typeface="Montserrat" panose="02000505000000020004" pitchFamily="2" charset="0"/>
               </a:rPr>
-              <a:t>Problématiques</a:t>
-            </a:r>
-            <a:r>
-              <a:rPr lang="fr-FR" dirty="0" smtClean="0">
+              <a:t>Problématiques du</a:t>
+            </a:r>
+            <a:r>
+              <a:rPr lang="fr-FR" sz="3200" dirty="0" smtClean="0">
                 <a:solidFill>
                   <a:srgbClr val="00A7AA"/>
                 </a:solidFill>
                 <a:latin typeface="Montserrat" panose="02000505000000020004" pitchFamily="2" charset="0"/>
               </a:rPr>
-              <a:t/>
-            </a:r>
-            <a:br>
-              <a:rPr lang="fr-FR" dirty="0" smtClean="0">
-                <a:solidFill>
-                  <a:srgbClr val="00A7AA"/>
-                </a:solidFill>
-                <a:latin typeface="Montserrat" panose="02000505000000020004" pitchFamily="2" charset="0"/>
-              </a:rPr>
-            </a:br>
-            <a:r>
-              <a:rPr lang="fr-FR" dirty="0" smtClean="0">
-                <a:solidFill>
-                  <a:srgbClr val="00A7AA"/>
-                </a:solidFill>
-                <a:latin typeface="Montserrat" panose="02000505000000020004" pitchFamily="2" charset="0"/>
-              </a:rPr>
-              <a:t>du projet</a:t>
-            </a:r>
-            <a:endParaRPr lang="fr-FR" dirty="0">
+              <a:t> projet</a:t>
+            </a:r>
+            <a:endParaRPr lang="fr-FR" sz="3200" dirty="0">
               <a:solidFill>
                 <a:srgbClr val="00A7AA"/>
               </a:solidFill>
@@ -9823,7 +11602,280 @@
       </p:sp>
       <p:sp>
         <p:nvSpPr>
-          <p:cNvPr id="3" name="Espace réservé du numéro de diapositive 2"/>
+          <p:cNvPr id="3" name="AutoShape 2" descr="https://gitlab.insa-rennes.fr/francois-boschet/gutemberg/raw/master/report/2_spec/figures/consultation.png"/>
+          <p:cNvSpPr>
+            <a:spLocks noChangeAspect="1" noChangeArrowheads="1"/>
+          </p:cNvSpPr>
+          <p:nvPr/>
+        </p:nvSpPr>
+        <p:spPr bwMode="auto">
+          <a:xfrm>
+            <a:off x="155575" y="-144463"/>
+            <a:ext cx="304800" cy="304801"/>
+          </a:xfrm>
+          <a:prstGeom prst="rect">
+            <a:avLst/>
+          </a:prstGeom>
+          <a:noFill/>
+          <a:extLst>
+            <a:ext uri="{909E8E84-426E-40DD-AFC4-6F175D3DCCD1}">
+              <a14:hiddenFill xmlns:a14="http://schemas.microsoft.com/office/drawing/2010/main">
+                <a:solidFill>
+                  <a:srgbClr val="FFFFFF"/>
+                </a:solidFill>
+              </a14:hiddenFill>
+            </a:ext>
+          </a:extLst>
+        </p:spPr>
+        <p:txBody>
+          <a:bodyPr vert="horz" wrap="square" lIns="91440" tIns="45720" rIns="91440" bIns="45720" numCol="1" anchor="t" anchorCtr="0" compatLnSpc="1">
+            <a:prstTxWarp prst="textNoShape">
+              <a:avLst/>
+            </a:prstTxWarp>
+          </a:bodyPr>
+          <a:lstStyle/>
+          <a:p>
+            <a:endParaRPr lang="fr-FR"/>
+          </a:p>
+        </p:txBody>
+      </p:sp>
+      <p:sp>
+        <p:nvSpPr>
+          <p:cNvPr id="4" name="AutoShape 4" descr="https://gitlab.insa-rennes.fr/francois-boschet/gutemberg/raw/master/report/2_spec/figures/consultation.png"/>
+          <p:cNvSpPr>
+            <a:spLocks noChangeAspect="1" noChangeArrowheads="1"/>
+          </p:cNvSpPr>
+          <p:nvPr/>
+        </p:nvSpPr>
+        <p:spPr bwMode="auto">
+          <a:xfrm>
+            <a:off x="307975" y="7937"/>
+            <a:ext cx="304800" cy="304801"/>
+          </a:xfrm>
+          <a:prstGeom prst="rect">
+            <a:avLst/>
+          </a:prstGeom>
+          <a:noFill/>
+          <a:extLst>
+            <a:ext uri="{909E8E84-426E-40DD-AFC4-6F175D3DCCD1}">
+              <a14:hiddenFill xmlns:a14="http://schemas.microsoft.com/office/drawing/2010/main">
+                <a:solidFill>
+                  <a:srgbClr val="FFFFFF"/>
+                </a:solidFill>
+              </a14:hiddenFill>
+            </a:ext>
+          </a:extLst>
+        </p:spPr>
+        <p:txBody>
+          <a:bodyPr vert="horz" wrap="square" lIns="91440" tIns="45720" rIns="91440" bIns="45720" numCol="1" anchor="t" anchorCtr="0" compatLnSpc="1">
+            <a:prstTxWarp prst="textNoShape">
+              <a:avLst/>
+            </a:prstTxWarp>
+          </a:bodyPr>
+          <a:lstStyle/>
+          <a:p>
+            <a:endParaRPr lang="fr-FR"/>
+          </a:p>
+        </p:txBody>
+      </p:sp>
+      <p:sp>
+        <p:nvSpPr>
+          <p:cNvPr id="5" name="AutoShape 2" descr="https://projet4.mybalsamiq.com/projects/spec/Consultation%20de%20documents.jpeg?version=9&amp;etag=XHJ8gpGTqtyLpFShCJ6oeFfWCMF_NOhr"/>
+          <p:cNvSpPr>
+            <a:spLocks noChangeAspect="1" noChangeArrowheads="1"/>
+          </p:cNvSpPr>
+          <p:nvPr/>
+        </p:nvSpPr>
+        <p:spPr bwMode="auto">
+          <a:xfrm>
+            <a:off x="460375" y="160337"/>
+            <a:ext cx="304800" cy="304801"/>
+          </a:xfrm>
+          <a:prstGeom prst="rect">
+            <a:avLst/>
+          </a:prstGeom>
+          <a:noFill/>
+          <a:extLst>
+            <a:ext uri="{909E8E84-426E-40DD-AFC4-6F175D3DCCD1}">
+              <a14:hiddenFill xmlns:a14="http://schemas.microsoft.com/office/drawing/2010/main">
+                <a:solidFill>
+                  <a:srgbClr val="FFFFFF"/>
+                </a:solidFill>
+              </a14:hiddenFill>
+            </a:ext>
+          </a:extLst>
+        </p:spPr>
+        <p:txBody>
+          <a:bodyPr vert="horz" wrap="square" lIns="91440" tIns="45720" rIns="91440" bIns="45720" numCol="1" anchor="t" anchorCtr="0" compatLnSpc="1">
+            <a:prstTxWarp prst="textNoShape">
+              <a:avLst/>
+            </a:prstTxWarp>
+          </a:bodyPr>
+          <a:lstStyle/>
+          <a:p>
+            <a:endParaRPr lang="fr-FR"/>
+          </a:p>
+        </p:txBody>
+      </p:sp>
+      <p:sp>
+        <p:nvSpPr>
+          <p:cNvPr id="6" name="AutoShape 4" descr="https://projet4.mybalsamiq.com/projects/spec/Consultation%20de%20documents.jpeg?version=9&amp;etag=XHJ8gpGTqtyLpFShCJ6oeFfWCMF_NOhr"/>
+          <p:cNvSpPr>
+            <a:spLocks noChangeAspect="1" noChangeArrowheads="1"/>
+          </p:cNvSpPr>
+          <p:nvPr/>
+        </p:nvSpPr>
+        <p:spPr bwMode="auto">
+          <a:xfrm>
+            <a:off x="612775" y="312737"/>
+            <a:ext cx="304800" cy="304801"/>
+          </a:xfrm>
+          <a:prstGeom prst="rect">
+            <a:avLst/>
+          </a:prstGeom>
+          <a:noFill/>
+          <a:extLst>
+            <a:ext uri="{909E8E84-426E-40DD-AFC4-6F175D3DCCD1}">
+              <a14:hiddenFill xmlns:a14="http://schemas.microsoft.com/office/drawing/2010/main">
+                <a:solidFill>
+                  <a:srgbClr val="FFFFFF"/>
+                </a:solidFill>
+              </a14:hiddenFill>
+            </a:ext>
+          </a:extLst>
+        </p:spPr>
+        <p:txBody>
+          <a:bodyPr vert="horz" wrap="square" lIns="91440" tIns="45720" rIns="91440" bIns="45720" numCol="1" anchor="t" anchorCtr="0" compatLnSpc="1">
+            <a:prstTxWarp prst="textNoShape">
+              <a:avLst/>
+            </a:prstTxWarp>
+          </a:bodyPr>
+          <a:lstStyle/>
+          <a:p>
+            <a:endParaRPr lang="fr-FR"/>
+          </a:p>
+        </p:txBody>
+      </p:sp>
+      <p:sp>
+        <p:nvSpPr>
+          <p:cNvPr id="7" name="AutoShape 6" descr="https://projet4.mybalsamiq.com/projects/spec/Consultation%20de%20documents.jpeg?version=9&amp;etag=XHJ8gpGTqtyLpFShCJ6oeFfWCMF_NOhr"/>
+          <p:cNvSpPr>
+            <a:spLocks noChangeAspect="1" noChangeArrowheads="1"/>
+          </p:cNvSpPr>
+          <p:nvPr/>
+        </p:nvSpPr>
+        <p:spPr bwMode="auto">
+          <a:xfrm>
+            <a:off x="765175" y="465137"/>
+            <a:ext cx="304800" cy="304801"/>
+          </a:xfrm>
+          <a:prstGeom prst="rect">
+            <a:avLst/>
+          </a:prstGeom>
+          <a:noFill/>
+          <a:extLst>
+            <a:ext uri="{909E8E84-426E-40DD-AFC4-6F175D3DCCD1}">
+              <a14:hiddenFill xmlns:a14="http://schemas.microsoft.com/office/drawing/2010/main">
+                <a:solidFill>
+                  <a:srgbClr val="FFFFFF"/>
+                </a:solidFill>
+              </a14:hiddenFill>
+            </a:ext>
+          </a:extLst>
+        </p:spPr>
+        <p:txBody>
+          <a:bodyPr vert="horz" wrap="square" lIns="91440" tIns="45720" rIns="91440" bIns="45720" numCol="1" anchor="t" anchorCtr="0" compatLnSpc="1">
+            <a:prstTxWarp prst="textNoShape">
+              <a:avLst/>
+            </a:prstTxWarp>
+          </a:bodyPr>
+          <a:lstStyle/>
+          <a:p>
+            <a:endParaRPr lang="fr-FR"/>
+          </a:p>
+        </p:txBody>
+      </p:sp>
+      <p:sp>
+        <p:nvSpPr>
+          <p:cNvPr id="8" name="AutoShape 8" descr="https://projet4.mybalsamiq.com/projects/spec/Consultation%20de%20documents.jpeg?version=9&amp;etag=XHJ8gpGTqtyLpFShCJ6oeFfWCMF_NOhr"/>
+          <p:cNvSpPr>
+            <a:spLocks noChangeAspect="1" noChangeArrowheads="1"/>
+          </p:cNvSpPr>
+          <p:nvPr/>
+        </p:nvSpPr>
+        <p:spPr bwMode="auto">
+          <a:xfrm>
+            <a:off x="917575" y="617537"/>
+            <a:ext cx="304800" cy="304801"/>
+          </a:xfrm>
+          <a:prstGeom prst="rect">
+            <a:avLst/>
+          </a:prstGeom>
+          <a:noFill/>
+          <a:extLst>
+            <a:ext uri="{909E8E84-426E-40DD-AFC4-6F175D3DCCD1}">
+              <a14:hiddenFill xmlns:a14="http://schemas.microsoft.com/office/drawing/2010/main">
+                <a:solidFill>
+                  <a:srgbClr val="FFFFFF"/>
+                </a:solidFill>
+              </a14:hiddenFill>
+            </a:ext>
+          </a:extLst>
+        </p:spPr>
+        <p:txBody>
+          <a:bodyPr vert="horz" wrap="square" lIns="91440" tIns="45720" rIns="91440" bIns="45720" numCol="1" anchor="t" anchorCtr="0" compatLnSpc="1">
+            <a:prstTxWarp prst="textNoShape">
+              <a:avLst/>
+            </a:prstTxWarp>
+          </a:bodyPr>
+          <a:lstStyle/>
+          <a:p>
+            <a:endParaRPr lang="fr-FR"/>
+          </a:p>
+        </p:txBody>
+      </p:sp>
+      <p:sp>
+        <p:nvSpPr>
+          <p:cNvPr id="9" name="AutoShape 10" descr="https://projet4.mybalsamiq.com/projects/spec/Consultation%20de%20documents.jpeg?version=9&amp;etag=XHJ8gpGTqtyLpFShCJ6oeFfWCMF_NOhr"/>
+          <p:cNvSpPr>
+            <a:spLocks noChangeAspect="1" noChangeArrowheads="1"/>
+          </p:cNvSpPr>
+          <p:nvPr/>
+        </p:nvSpPr>
+        <p:spPr bwMode="auto">
+          <a:xfrm>
+            <a:off x="1069975" y="769937"/>
+            <a:ext cx="304800" cy="304801"/>
+          </a:xfrm>
+          <a:prstGeom prst="rect">
+            <a:avLst/>
+          </a:prstGeom>
+          <a:noFill/>
+          <a:extLst>
+            <a:ext uri="{909E8E84-426E-40DD-AFC4-6F175D3DCCD1}">
+              <a14:hiddenFill xmlns:a14="http://schemas.microsoft.com/office/drawing/2010/main">
+                <a:solidFill>
+                  <a:srgbClr val="FFFFFF"/>
+                </a:solidFill>
+              </a14:hiddenFill>
+            </a:ext>
+          </a:extLst>
+        </p:spPr>
+        <p:txBody>
+          <a:bodyPr vert="horz" wrap="square" lIns="91440" tIns="45720" rIns="91440" bIns="45720" numCol="1" anchor="t" anchorCtr="0" compatLnSpc="1">
+            <a:prstTxWarp prst="textNoShape">
+              <a:avLst/>
+            </a:prstTxWarp>
+          </a:bodyPr>
+          <a:lstStyle/>
+          <a:p>
+            <a:endParaRPr lang="fr-FR"/>
+          </a:p>
+        </p:txBody>
+      </p:sp>
+      <p:sp>
+        <p:nvSpPr>
+          <p:cNvPr id="10" name="Espace réservé du numéro de diapositive 9"/>
           <p:cNvSpPr>
             <a:spLocks noGrp="1"/>
           </p:cNvSpPr>
@@ -9840,14 +11892,780 @@
               <a:rPr lang="fr-FR" smtClean="0"/>
               <a:t>3</a:t>
             </a:fld>
-            <a:endParaRPr lang="fr-FR"/>
-          </a:p>
-        </p:txBody>
-      </p:sp>
+            <a:endParaRPr lang="fr-FR" dirty="0"/>
+          </a:p>
+        </p:txBody>
+      </p:sp>
+      <p:graphicFrame>
+        <p:nvGraphicFramePr>
+          <p:cNvPr id="12" name="Tableau 11"/>
+          <p:cNvGraphicFramePr>
+            <a:graphicFrameLocks noGrp="1"/>
+          </p:cNvGraphicFramePr>
+          <p:nvPr>
+            <p:extLst>
+              <p:ext uri="{D42A27DB-BD31-4B8C-83A1-F6EECF244321}">
+                <p14:modId xmlns:p14="http://schemas.microsoft.com/office/powerpoint/2010/main" val="3746182783"/>
+              </p:ext>
+            </p:extLst>
+          </p:nvPr>
+        </p:nvGraphicFramePr>
+        <p:xfrm>
+          <a:off x="107505" y="1910144"/>
+          <a:ext cx="9006187" cy="3719136"/>
+        </p:xfrm>
+        <a:graphic>
+          <a:graphicData uri="http://schemas.openxmlformats.org/drawingml/2006/table">
+            <a:tbl>
+              <a:tblPr firstRow="1" bandRow="1">
+                <a:tableStyleId>{5C22544A-7EE6-4342-B048-85BDC9FD1C3A}</a:tableStyleId>
+              </a:tblPr>
+              <a:tblGrid>
+                <a:gridCol w="2845245"/>
+                <a:gridCol w="208280"/>
+                <a:gridCol w="2976331"/>
+                <a:gridCol w="2976331"/>
+              </a:tblGrid>
+              <a:tr h="1158816">
+                <a:tc>
+                  <a:txBody>
+                    <a:bodyPr/>
+                    <a:lstStyle/>
+                    <a:p>
+                      <a:pPr marL="0" marR="0" indent="0" algn="ctr" defTabSz="914400" rtl="0" eaLnBrk="1" fontAlgn="auto" latinLnBrk="0" hangingPunct="1">
+                        <a:lnSpc>
+                          <a:spcPct val="100000"/>
+                        </a:lnSpc>
+                        <a:spcBef>
+                          <a:spcPts val="0"/>
+                        </a:spcBef>
+                        <a:spcAft>
+                          <a:spcPts val="0"/>
+                        </a:spcAft>
+                        <a:buClrTx/>
+                        <a:buSzTx/>
+                        <a:buFontTx/>
+                        <a:buNone/>
+                        <a:tabLst/>
+                        <a:defRPr/>
+                      </a:pPr>
+                      <a:r>
+                        <a:rPr lang="fr-FR" sz="2400" b="0" dirty="0" smtClean="0">
+                          <a:solidFill>
+                            <a:srgbClr val="00A7AA"/>
+                          </a:solidFill>
+                        </a:rPr>
+                        <a:t>Accéder</a:t>
+                      </a:r>
+                      <a:endParaRPr lang="fr-FR" sz="2400" b="0" dirty="0" smtClean="0">
+                        <a:solidFill>
+                          <a:srgbClr val="0563B8"/>
+                        </a:solidFill>
+                      </a:endParaRPr>
+                    </a:p>
+                    <a:p>
+                      <a:pPr marL="0" marR="0" indent="0" algn="ctr" defTabSz="914400" rtl="0" eaLnBrk="1" fontAlgn="auto" latinLnBrk="0" hangingPunct="1">
+                        <a:lnSpc>
+                          <a:spcPct val="100000"/>
+                        </a:lnSpc>
+                        <a:spcBef>
+                          <a:spcPts val="0"/>
+                        </a:spcBef>
+                        <a:spcAft>
+                          <a:spcPts val="0"/>
+                        </a:spcAft>
+                        <a:buClrTx/>
+                        <a:buSzTx/>
+                        <a:buFontTx/>
+                        <a:buNone/>
+                        <a:tabLst/>
+                        <a:defRPr/>
+                      </a:pPr>
+                      <a:r>
+                        <a:rPr lang="fr-FR" sz="2400" b="0" dirty="0" smtClean="0">
+                          <a:solidFill>
+                            <a:srgbClr val="0563B8"/>
+                          </a:solidFill>
+                        </a:rPr>
+                        <a:t>à l’information</a:t>
+                      </a:r>
+                    </a:p>
+                  </a:txBody>
+                  <a:tcPr>
+                    <a:lnL w="12700" cmpd="sng">
+                      <a:noFill/>
+                    </a:lnL>
+                    <a:lnR w="12700" cap="flat" cmpd="sng" algn="ctr">
+                      <a:solidFill>
+                        <a:schemeClr val="tx1"/>
+                      </a:solidFill>
+                      <a:prstDash val="solid"/>
+                      <a:round/>
+                      <a:headEnd type="none" w="med" len="med"/>
+                      <a:tailEnd type="none" w="med" len="med"/>
+                    </a:lnR>
+                    <a:lnT w="12700" cmpd="sng">
+                      <a:noFill/>
+                    </a:lnT>
+                    <a:lnB w="38100" cmpd="sng">
+                      <a:noFill/>
+                    </a:lnB>
+                    <a:lnTlToBr w="12700" cmpd="sng">
+                      <a:noFill/>
+                      <a:prstDash val="solid"/>
+                    </a:lnTlToBr>
+                    <a:lnBlToTr w="12700" cmpd="sng">
+                      <a:noFill/>
+                      <a:prstDash val="solid"/>
+                    </a:lnBlToTr>
+                    <a:noFill/>
+                  </a:tcPr>
+                </a:tc>
+                <a:tc>
+                  <a:txBody>
+                    <a:bodyPr/>
+                    <a:lstStyle/>
+                    <a:p>
+                      <a:pPr marL="0" marR="0" indent="0" algn="ctr" defTabSz="914400" rtl="0" eaLnBrk="1" fontAlgn="auto" latinLnBrk="0" hangingPunct="1">
+                        <a:lnSpc>
+                          <a:spcPct val="100000"/>
+                        </a:lnSpc>
+                        <a:spcBef>
+                          <a:spcPts val="0"/>
+                        </a:spcBef>
+                        <a:spcAft>
+                          <a:spcPts val="0"/>
+                        </a:spcAft>
+                        <a:buClrTx/>
+                        <a:buSzTx/>
+                        <a:buFontTx/>
+                        <a:buNone/>
+                        <a:tabLst/>
+                        <a:defRPr/>
+                      </a:pPr>
+                      <a:endParaRPr lang="fr-FR" sz="2400" b="0" dirty="0" smtClean="0">
+                        <a:solidFill>
+                          <a:srgbClr val="0563B8"/>
+                        </a:solidFill>
+                      </a:endParaRPr>
+                    </a:p>
+                  </a:txBody>
+                  <a:tcPr>
+                    <a:lnL w="12700" cap="flat" cmpd="sng" algn="ctr">
+                      <a:solidFill>
+                        <a:schemeClr val="tx1"/>
+                      </a:solidFill>
+                      <a:prstDash val="solid"/>
+                      <a:round/>
+                      <a:headEnd type="none" w="med" len="med"/>
+                      <a:tailEnd type="none" w="med" len="med"/>
+                    </a:lnL>
+                    <a:lnR w="12700" cmpd="sng">
+                      <a:noFill/>
+                    </a:lnR>
+                    <a:lnT w="12700" cmpd="sng">
+                      <a:noFill/>
+                    </a:lnT>
+                    <a:lnB w="38100" cmpd="sng">
+                      <a:noFill/>
+                    </a:lnB>
+                    <a:lnTlToBr w="12700" cmpd="sng">
+                      <a:noFill/>
+                      <a:prstDash val="solid"/>
+                    </a:lnTlToBr>
+                    <a:lnBlToTr w="12700" cmpd="sng">
+                      <a:noFill/>
+                      <a:prstDash val="solid"/>
+                    </a:lnBlToTr>
+                    <a:noFill/>
+                  </a:tcPr>
+                </a:tc>
+                <a:tc>
+                  <a:txBody>
+                    <a:bodyPr/>
+                    <a:lstStyle/>
+                    <a:p>
+                      <a:pPr marL="0" marR="0" indent="0" algn="ctr" defTabSz="914400" rtl="0" eaLnBrk="1" fontAlgn="auto" latinLnBrk="0" hangingPunct="1">
+                        <a:lnSpc>
+                          <a:spcPct val="100000"/>
+                        </a:lnSpc>
+                        <a:spcBef>
+                          <a:spcPts val="0"/>
+                        </a:spcBef>
+                        <a:spcAft>
+                          <a:spcPts val="0"/>
+                        </a:spcAft>
+                        <a:buClrTx/>
+                        <a:buSzTx/>
+                        <a:buFontTx/>
+                        <a:buNone/>
+                        <a:tabLst/>
+                        <a:defRPr/>
+                      </a:pPr>
+                      <a:r>
+                        <a:rPr lang="fr-FR" sz="2400" b="0" kern="1200" dirty="0" smtClean="0">
+                          <a:solidFill>
+                            <a:srgbClr val="00A7AA"/>
+                          </a:solidFill>
+                          <a:latin typeface="+mn-lt"/>
+                          <a:ea typeface="+mn-ea"/>
+                          <a:cs typeface="+mn-cs"/>
+                        </a:rPr>
+                        <a:t>Visualiser</a:t>
+                      </a:r>
+                      <a:endParaRPr lang="fr-FR" sz="2400" b="0" kern="1200" dirty="0" smtClean="0">
+                        <a:solidFill>
+                          <a:srgbClr val="0563B8"/>
+                        </a:solidFill>
+                        <a:latin typeface="+mn-lt"/>
+                        <a:ea typeface="+mn-ea"/>
+                        <a:cs typeface="+mn-cs"/>
+                      </a:endParaRPr>
+                    </a:p>
+                    <a:p>
+                      <a:pPr marL="0" marR="0" indent="0" algn="ctr" defTabSz="914400" rtl="0" eaLnBrk="1" fontAlgn="auto" latinLnBrk="0" hangingPunct="1">
+                        <a:lnSpc>
+                          <a:spcPct val="100000"/>
+                        </a:lnSpc>
+                        <a:spcBef>
+                          <a:spcPts val="0"/>
+                        </a:spcBef>
+                        <a:spcAft>
+                          <a:spcPts val="0"/>
+                        </a:spcAft>
+                        <a:buClrTx/>
+                        <a:buSzTx/>
+                        <a:buFontTx/>
+                        <a:buNone/>
+                        <a:tabLst/>
+                        <a:defRPr/>
+                      </a:pPr>
+                      <a:r>
+                        <a:rPr lang="fr-FR" sz="2400" b="0" kern="1200" dirty="0" smtClean="0">
+                          <a:solidFill>
+                            <a:srgbClr val="0563B8"/>
+                          </a:solidFill>
+                          <a:latin typeface="+mn-lt"/>
+                          <a:ea typeface="+mn-ea"/>
+                          <a:cs typeface="+mn-cs"/>
+                        </a:rPr>
+                        <a:t>les documents</a:t>
+                      </a:r>
+                    </a:p>
+                  </a:txBody>
+                  <a:tcPr>
+                    <a:lnL w="12700" cmpd="sng">
+                      <a:noFill/>
+                    </a:lnL>
+                    <a:lnR w="12700" cap="flat" cmpd="sng" algn="ctr">
+                      <a:solidFill>
+                        <a:schemeClr val="tx1"/>
+                      </a:solidFill>
+                      <a:prstDash val="solid"/>
+                      <a:round/>
+                      <a:headEnd type="none" w="med" len="med"/>
+                      <a:tailEnd type="none" w="med" len="med"/>
+                    </a:lnR>
+                    <a:lnT w="12700" cmpd="sng">
+                      <a:noFill/>
+                    </a:lnT>
+                    <a:lnB w="38100" cmpd="sng">
+                      <a:noFill/>
+                    </a:lnB>
+                    <a:lnTlToBr w="12700" cmpd="sng">
+                      <a:noFill/>
+                      <a:prstDash val="solid"/>
+                    </a:lnTlToBr>
+                    <a:lnBlToTr w="12700" cmpd="sng">
+                      <a:noFill/>
+                      <a:prstDash val="solid"/>
+                    </a:lnBlToTr>
+                    <a:noFill/>
+                  </a:tcPr>
+                </a:tc>
+                <a:tc>
+                  <a:txBody>
+                    <a:bodyPr/>
+                    <a:lstStyle/>
+                    <a:p>
+                      <a:pPr marL="0" marR="0" indent="0" algn="ctr" defTabSz="914400" rtl="0" eaLnBrk="1" fontAlgn="auto" latinLnBrk="0" hangingPunct="1">
+                        <a:lnSpc>
+                          <a:spcPct val="100000"/>
+                        </a:lnSpc>
+                        <a:spcBef>
+                          <a:spcPts val="0"/>
+                        </a:spcBef>
+                        <a:spcAft>
+                          <a:spcPts val="0"/>
+                        </a:spcAft>
+                        <a:buClrTx/>
+                        <a:buSzTx/>
+                        <a:buFontTx/>
+                        <a:buNone/>
+                        <a:tabLst/>
+                        <a:defRPr/>
+                      </a:pPr>
+                      <a:r>
+                        <a:rPr lang="fr-FR" sz="2400" b="0" dirty="0" smtClean="0">
+                          <a:solidFill>
+                            <a:srgbClr val="00A7AA"/>
+                          </a:solidFill>
+                        </a:rPr>
+                        <a:t>Promouvoir</a:t>
+                      </a:r>
+                      <a:endParaRPr lang="fr-FR" sz="2400" b="0" dirty="0" smtClean="0">
+                        <a:solidFill>
+                          <a:srgbClr val="0563B8"/>
+                        </a:solidFill>
+                      </a:endParaRPr>
+                    </a:p>
+                    <a:p>
+                      <a:pPr marL="0" marR="0" indent="0" algn="ctr" defTabSz="914400" rtl="0" eaLnBrk="1" fontAlgn="auto" latinLnBrk="0" hangingPunct="1">
+                        <a:lnSpc>
+                          <a:spcPct val="100000"/>
+                        </a:lnSpc>
+                        <a:spcBef>
+                          <a:spcPts val="0"/>
+                        </a:spcBef>
+                        <a:spcAft>
+                          <a:spcPts val="0"/>
+                        </a:spcAft>
+                        <a:buClrTx/>
+                        <a:buSzTx/>
+                        <a:buFontTx/>
+                        <a:buNone/>
+                        <a:tabLst/>
+                        <a:defRPr/>
+                      </a:pPr>
+                      <a:r>
+                        <a:rPr lang="fr-FR" sz="2400" b="0" dirty="0" smtClean="0">
+                          <a:solidFill>
+                            <a:srgbClr val="0563B8"/>
+                          </a:solidFill>
+                        </a:rPr>
+                        <a:t>les documents</a:t>
+                      </a:r>
+                    </a:p>
+                  </a:txBody>
+                  <a:tcPr>
+                    <a:lnL w="12700" cap="flat" cmpd="sng" algn="ctr">
+                      <a:solidFill>
+                        <a:schemeClr val="tx1"/>
+                      </a:solidFill>
+                      <a:prstDash val="solid"/>
+                      <a:round/>
+                      <a:headEnd type="none" w="med" len="med"/>
+                      <a:tailEnd type="none" w="med" len="med"/>
+                    </a:lnL>
+                    <a:lnR w="12700" cmpd="sng">
+                      <a:noFill/>
+                    </a:lnR>
+                    <a:lnT w="12700" cmpd="sng">
+                      <a:noFill/>
+                    </a:lnT>
+                    <a:lnB w="38100" cmpd="sng">
+                      <a:noFill/>
+                    </a:lnB>
+                    <a:lnTlToBr w="12700" cmpd="sng">
+                      <a:noFill/>
+                      <a:prstDash val="solid"/>
+                    </a:lnTlToBr>
+                    <a:lnBlToTr w="12700" cmpd="sng">
+                      <a:noFill/>
+                      <a:prstDash val="solid"/>
+                    </a:lnBlToTr>
+                    <a:noFill/>
+                  </a:tcPr>
+                </a:tc>
+              </a:tr>
+              <a:tr h="370840">
+                <a:tc>
+                  <a:txBody>
+                    <a:bodyPr/>
+                    <a:lstStyle/>
+                    <a:p>
+                      <a:pPr marL="285750" indent="-285750" fontAlgn="base">
+                        <a:buFont typeface="Arial" panose="020B0604020202020204" pitchFamily="34" charset="0"/>
+                        <a:buChar char="•"/>
+                      </a:pPr>
+                      <a:endParaRPr lang="fr-FR" sz="1800" dirty="0" smtClean="0">
+                        <a:solidFill>
+                          <a:srgbClr val="0563B8"/>
+                        </a:solidFill>
+                      </a:endParaRPr>
+                    </a:p>
+                    <a:p>
+                      <a:pPr marL="285750" indent="-285750" fontAlgn="base">
+                        <a:buFont typeface="Arial" panose="020B0604020202020204" pitchFamily="34" charset="0"/>
+                        <a:buChar char="•"/>
+                      </a:pPr>
+                      <a:r>
+                        <a:rPr lang="fr-FR" sz="1800" dirty="0" smtClean="0">
+                          <a:solidFill>
+                            <a:srgbClr val="0563B8"/>
+                          </a:solidFill>
+                        </a:rPr>
+                        <a:t>Rechercher parmi des milliers de documents</a:t>
+                      </a:r>
+                    </a:p>
+                    <a:p>
+                      <a:pPr marL="0" indent="0" fontAlgn="base">
+                        <a:buFont typeface="Arial" panose="020B0604020202020204" pitchFamily="34" charset="0"/>
+                        <a:buNone/>
+                      </a:pPr>
+                      <a:endParaRPr lang="fr-FR" sz="1800" dirty="0" smtClean="0">
+                        <a:solidFill>
+                          <a:srgbClr val="0563B8"/>
+                        </a:solidFill>
+                      </a:endParaRPr>
+                    </a:p>
+                    <a:p>
+                      <a:pPr marL="285750" indent="-285750" fontAlgn="base">
+                        <a:buFont typeface="Arial" panose="020B0604020202020204" pitchFamily="34" charset="0"/>
+                        <a:buChar char="•"/>
+                      </a:pPr>
+                      <a:r>
+                        <a:rPr lang="fr-FR" sz="1800" dirty="0" smtClean="0">
+                          <a:solidFill>
+                            <a:srgbClr val="0563B8"/>
+                          </a:solidFill>
+                        </a:rPr>
+                        <a:t>Trouver des informations sur un sujet particulier</a:t>
+                      </a:r>
+                      <a:endParaRPr lang="fr-FR" sz="2000" kern="1200" dirty="0" smtClean="0">
+                        <a:solidFill>
+                          <a:srgbClr val="00A7AA"/>
+                        </a:solidFill>
+                        <a:latin typeface="+mn-lt"/>
+                        <a:ea typeface="+mn-ea"/>
+                        <a:cs typeface="+mn-cs"/>
+                      </a:endParaRPr>
+                    </a:p>
+                    <a:p>
+                      <a:endParaRPr lang="fr-FR" dirty="0"/>
+                    </a:p>
+                  </a:txBody>
+                  <a:tcPr>
+                    <a:lnL w="12700" cmpd="sng">
+                      <a:noFill/>
+                    </a:lnL>
+                    <a:lnR w="12700" cap="flat" cmpd="sng" algn="ctr">
+                      <a:solidFill>
+                        <a:schemeClr val="tx1"/>
+                      </a:solidFill>
+                      <a:prstDash val="solid"/>
+                      <a:round/>
+                      <a:headEnd type="none" w="med" len="med"/>
+                      <a:tailEnd type="none" w="med" len="med"/>
+                    </a:lnR>
+                    <a:lnT w="38100" cmpd="sng">
+                      <a:noFill/>
+                    </a:lnT>
+                    <a:lnB w="12700" cmpd="sng">
+                      <a:noFill/>
+                    </a:lnB>
+                    <a:lnTlToBr w="12700" cmpd="sng">
+                      <a:noFill/>
+                      <a:prstDash val="solid"/>
+                    </a:lnTlToBr>
+                    <a:lnBlToTr w="12700" cmpd="sng">
+                      <a:noFill/>
+                      <a:prstDash val="solid"/>
+                    </a:lnBlToTr>
+                    <a:noFill/>
+                  </a:tcPr>
+                </a:tc>
+                <a:tc>
+                  <a:txBody>
+                    <a:bodyPr/>
+                    <a:lstStyle/>
+                    <a:p>
+                      <a:endParaRPr lang="fr-FR" dirty="0"/>
+                    </a:p>
+                  </a:txBody>
+                  <a:tcPr>
+                    <a:lnL w="12700" cap="flat" cmpd="sng" algn="ctr">
+                      <a:solidFill>
+                        <a:schemeClr val="tx1"/>
+                      </a:solidFill>
+                      <a:prstDash val="solid"/>
+                      <a:round/>
+                      <a:headEnd type="none" w="med" len="med"/>
+                      <a:tailEnd type="none" w="med" len="med"/>
+                    </a:lnL>
+                    <a:lnR w="12700" cmpd="sng">
+                      <a:noFill/>
+                    </a:lnR>
+                    <a:lnT w="38100" cmpd="sng">
+                      <a:noFill/>
+                    </a:lnT>
+                    <a:lnB w="12700" cmpd="sng">
+                      <a:noFill/>
+                    </a:lnB>
+                    <a:lnTlToBr w="12700" cmpd="sng">
+                      <a:noFill/>
+                      <a:prstDash val="solid"/>
+                    </a:lnTlToBr>
+                    <a:lnBlToTr w="12700" cmpd="sng">
+                      <a:noFill/>
+                      <a:prstDash val="solid"/>
+                    </a:lnBlToTr>
+                    <a:noFill/>
+                  </a:tcPr>
+                </a:tc>
+                <a:tc>
+                  <a:txBody>
+                    <a:bodyPr/>
+                    <a:lstStyle/>
+                    <a:p>
+                      <a:pPr marL="285750" indent="-285750" rtl="0" fontAlgn="base">
+                        <a:buFont typeface="Arial" panose="020B0604020202020204" pitchFamily="34" charset="0"/>
+                        <a:buChar char="•"/>
+                      </a:pPr>
+                      <a:r>
+                        <a:rPr lang="fr-FR" sz="1800" kern="1200" dirty="0" smtClean="0">
+                          <a:solidFill>
+                            <a:srgbClr val="0563B8"/>
+                          </a:solidFill>
+                          <a:latin typeface="+mn-lt"/>
+                          <a:ea typeface="+mn-ea"/>
+                          <a:cs typeface="+mn-cs"/>
+                        </a:rPr>
+                        <a:t>Afficher l’image du document</a:t>
+                      </a:r>
+                    </a:p>
+                    <a:p>
+                      <a:pPr marL="0" indent="0" rtl="0" fontAlgn="base">
+                        <a:buFont typeface="Arial" panose="020B0604020202020204" pitchFamily="34" charset="0"/>
+                        <a:buNone/>
+                      </a:pPr>
+                      <a:endParaRPr lang="fr-FR" sz="1800" kern="1200" dirty="0" smtClean="0">
+                        <a:solidFill>
+                          <a:srgbClr val="0563B8"/>
+                        </a:solidFill>
+                        <a:latin typeface="+mn-lt"/>
+                        <a:ea typeface="+mn-ea"/>
+                        <a:cs typeface="+mn-cs"/>
+                      </a:endParaRPr>
+                    </a:p>
+                    <a:p>
+                      <a:pPr marL="285750" indent="-285750" rtl="0" fontAlgn="base">
+                        <a:buFont typeface="Arial" panose="020B0604020202020204" pitchFamily="34" charset="0"/>
+                        <a:buChar char="•"/>
+                      </a:pPr>
+                      <a:r>
+                        <a:rPr lang="fr-FR" sz="1800" kern="1200" dirty="0" smtClean="0">
+                          <a:solidFill>
+                            <a:srgbClr val="0563B8"/>
+                          </a:solidFill>
+                          <a:latin typeface="+mn-lt"/>
+                          <a:ea typeface="+mn-ea"/>
+                          <a:cs typeface="+mn-cs"/>
+                        </a:rPr>
+                        <a:t>Rendre la structure des articles claire</a:t>
+                      </a:r>
+                    </a:p>
+                    <a:p>
+                      <a:pPr marL="0" indent="0" rtl="0" fontAlgn="base">
+                        <a:buFont typeface="Arial" panose="020B0604020202020204" pitchFamily="34" charset="0"/>
+                        <a:buNone/>
+                      </a:pPr>
+                      <a:endParaRPr lang="fr-FR" sz="1800" kern="1200" dirty="0" smtClean="0">
+                        <a:solidFill>
+                          <a:srgbClr val="0563B8"/>
+                        </a:solidFill>
+                        <a:latin typeface="+mn-lt"/>
+                        <a:ea typeface="+mn-ea"/>
+                        <a:cs typeface="+mn-cs"/>
+                      </a:endParaRPr>
+                    </a:p>
+                    <a:p>
+                      <a:pPr marL="285750" marR="0" indent="-285750" algn="l" defTabSz="914400" rtl="0" eaLnBrk="1" fontAlgn="auto" latinLnBrk="0" hangingPunct="1">
+                        <a:lnSpc>
+                          <a:spcPct val="100000"/>
+                        </a:lnSpc>
+                        <a:spcBef>
+                          <a:spcPts val="0"/>
+                        </a:spcBef>
+                        <a:spcAft>
+                          <a:spcPts val="0"/>
+                        </a:spcAft>
+                        <a:buClrTx/>
+                        <a:buSzTx/>
+                        <a:buFont typeface="Arial" panose="020B0604020202020204" pitchFamily="34" charset="0"/>
+                        <a:buChar char="•"/>
+                        <a:tabLst/>
+                        <a:defRPr/>
+                      </a:pPr>
+                      <a:r>
+                        <a:rPr lang="fr-FR" sz="1800" kern="1200" dirty="0" smtClean="0">
+                          <a:solidFill>
+                            <a:srgbClr val="0563B8"/>
+                          </a:solidFill>
+                          <a:latin typeface="+mn-lt"/>
+                          <a:ea typeface="+mn-ea"/>
+                          <a:cs typeface="+mn-cs"/>
+                        </a:rPr>
+                        <a:t>Parcourir le journal facilement</a:t>
+                      </a:r>
+                    </a:p>
+                    <a:p>
+                      <a:endParaRPr lang="fr-FR" sz="1800" kern="1200" dirty="0">
+                        <a:solidFill>
+                          <a:srgbClr val="0563B8"/>
+                        </a:solidFill>
+                        <a:latin typeface="+mn-lt"/>
+                        <a:ea typeface="+mn-ea"/>
+                        <a:cs typeface="+mn-cs"/>
+                      </a:endParaRPr>
+                    </a:p>
+                  </a:txBody>
+                  <a:tcPr>
+                    <a:lnL w="12700" cmpd="sng">
+                      <a:noFill/>
+                    </a:lnL>
+                    <a:lnR w="12700" cap="flat" cmpd="sng" algn="ctr">
+                      <a:solidFill>
+                        <a:schemeClr val="tx1"/>
+                      </a:solidFill>
+                      <a:prstDash val="solid"/>
+                      <a:round/>
+                      <a:headEnd type="none" w="med" len="med"/>
+                      <a:tailEnd type="none" w="med" len="med"/>
+                    </a:lnR>
+                    <a:lnT w="38100" cmpd="sng">
+                      <a:noFill/>
+                    </a:lnT>
+                    <a:lnB w="12700" cmpd="sng">
+                      <a:noFill/>
+                    </a:lnB>
+                    <a:lnTlToBr w="12700" cmpd="sng">
+                      <a:noFill/>
+                      <a:prstDash val="solid"/>
+                    </a:lnTlToBr>
+                    <a:lnBlToTr w="12700" cmpd="sng">
+                      <a:noFill/>
+                      <a:prstDash val="solid"/>
+                    </a:lnBlToTr>
+                    <a:noFill/>
+                  </a:tcPr>
+                </a:tc>
+                <a:tc>
+                  <a:txBody>
+                    <a:bodyPr/>
+                    <a:lstStyle/>
+                    <a:p>
+                      <a:pPr marL="285750" indent="-285750" fontAlgn="base">
+                        <a:buFont typeface="Arial" panose="020B0604020202020204" pitchFamily="34" charset="0"/>
+                        <a:buChar char="•"/>
+                      </a:pPr>
+                      <a:endParaRPr lang="fr-FR" sz="1800" kern="1200" dirty="0" smtClean="0">
+                        <a:solidFill>
+                          <a:srgbClr val="0563B8"/>
+                        </a:solidFill>
+                        <a:latin typeface="+mn-lt"/>
+                        <a:ea typeface="+mn-ea"/>
+                        <a:cs typeface="+mn-cs"/>
+                      </a:endParaRPr>
+                    </a:p>
+                    <a:p>
+                      <a:pPr marL="285750" indent="-285750" fontAlgn="base">
+                        <a:buFont typeface="Arial" panose="020B0604020202020204" pitchFamily="34" charset="0"/>
+                        <a:buChar char="•"/>
+                      </a:pPr>
+                      <a:r>
+                        <a:rPr lang="fr-FR" sz="1800" kern="1200" dirty="0" smtClean="0">
+                          <a:solidFill>
+                            <a:srgbClr val="0563B8"/>
+                          </a:solidFill>
+                          <a:latin typeface="+mn-lt"/>
+                          <a:ea typeface="+mn-ea"/>
+                          <a:cs typeface="+mn-cs"/>
+                        </a:rPr>
+                        <a:t>Mettre en avant la richesse de la presse ancienne</a:t>
+                      </a:r>
+                    </a:p>
+                    <a:p>
+                      <a:pPr marL="285750" indent="-285750" fontAlgn="base">
+                        <a:buFont typeface="Arial" panose="020B0604020202020204" pitchFamily="34" charset="0"/>
+                        <a:buChar char="•"/>
+                      </a:pPr>
+                      <a:endParaRPr lang="fr-FR" sz="1800" kern="1200" dirty="0" smtClean="0">
+                        <a:solidFill>
+                          <a:srgbClr val="0563B8"/>
+                        </a:solidFill>
+                        <a:latin typeface="+mn-lt"/>
+                        <a:ea typeface="+mn-ea"/>
+                        <a:cs typeface="+mn-cs"/>
+                      </a:endParaRPr>
+                    </a:p>
+                    <a:p>
+                      <a:pPr marL="285750" indent="-285750" fontAlgn="base">
+                        <a:buFont typeface="Arial" panose="020B0604020202020204" pitchFamily="34" charset="0"/>
+                        <a:buChar char="•"/>
+                      </a:pPr>
+                      <a:r>
+                        <a:rPr lang="fr-FR" sz="1800" kern="1200" dirty="0" smtClean="0">
+                          <a:solidFill>
+                            <a:srgbClr val="0563B8"/>
+                          </a:solidFill>
+                          <a:latin typeface="+mn-lt"/>
+                          <a:ea typeface="+mn-ea"/>
+                          <a:cs typeface="+mn-cs"/>
+                        </a:rPr>
+                        <a:t>Relier les articles qui portent le même sujet</a:t>
+                      </a:r>
+                    </a:p>
+                    <a:p>
+                      <a:endParaRPr lang="fr-FR" sz="1800" kern="1200" dirty="0">
+                        <a:solidFill>
+                          <a:srgbClr val="0563B8"/>
+                        </a:solidFill>
+                        <a:latin typeface="+mn-lt"/>
+                        <a:ea typeface="+mn-ea"/>
+                        <a:cs typeface="+mn-cs"/>
+                      </a:endParaRPr>
+                    </a:p>
+                  </a:txBody>
+                  <a:tcPr>
+                    <a:lnL w="12700" cap="flat" cmpd="sng" algn="ctr">
+                      <a:solidFill>
+                        <a:schemeClr val="tx1"/>
+                      </a:solidFill>
+                      <a:prstDash val="solid"/>
+                      <a:round/>
+                      <a:headEnd type="none" w="med" len="med"/>
+                      <a:tailEnd type="none" w="med" len="med"/>
+                    </a:lnL>
+                    <a:lnR w="12700" cmpd="sng">
+                      <a:noFill/>
+                    </a:lnR>
+                    <a:lnT w="38100" cmpd="sng">
+                      <a:noFill/>
+                    </a:lnT>
+                    <a:lnB w="12700" cmpd="sng">
+                      <a:noFill/>
+                    </a:lnB>
+                    <a:lnTlToBr w="12700" cmpd="sng">
+                      <a:noFill/>
+                      <a:prstDash val="solid"/>
+                    </a:lnTlToBr>
+                    <a:lnBlToTr w="12700" cmpd="sng">
+                      <a:noFill/>
+                      <a:prstDash val="solid"/>
+                    </a:lnBlToTr>
+                    <a:noFill/>
+                  </a:tcPr>
+                </a:tc>
+              </a:tr>
+            </a:tbl>
+          </a:graphicData>
+        </a:graphic>
+      </p:graphicFrame>
     </p:spTree>
     <p:extLst>
       <p:ext uri="{BB962C8B-B14F-4D97-AF65-F5344CB8AC3E}">
-        <p14:creationId xmlns:p14="http://schemas.microsoft.com/office/powerpoint/2010/main" val="2303032558"/>
+        <p14:creationId xmlns:p14="http://schemas.microsoft.com/office/powerpoint/2010/main" val="2390390179"/>
       </p:ext>
     </p:extLst>
   </p:cSld>
@@ -9911,7 +12729,7 @@
                 </a:solidFill>
                 <a:latin typeface="Montserrat" panose="02000505000000020004" pitchFamily="2" charset="0"/>
               </a:rPr>
-              <a:t>Problématiques du</a:t>
+              <a:t>Solution </a:t>
             </a:r>
             <a:r>
               <a:rPr lang="fr-FR" sz="3200" dirty="0" smtClean="0">
@@ -9920,7 +12738,7 @@
                 </a:solidFill>
                 <a:latin typeface="Montserrat" panose="02000505000000020004" pitchFamily="2" charset="0"/>
               </a:rPr>
-              <a:t> projet</a:t>
+              <a:t>proposée</a:t>
             </a:r>
             <a:endParaRPr lang="fr-FR" sz="3200" dirty="0">
               <a:solidFill>
@@ -9928,279 +12746,6 @@
               </a:solidFill>
               <a:latin typeface="Montserrat" panose="02000505000000020004" pitchFamily="2" charset="0"/>
             </a:endParaRPr>
-          </a:p>
-        </p:txBody>
-      </p:sp>
-      <p:sp>
-        <p:nvSpPr>
-          <p:cNvPr id="3" name="AutoShape 2" descr="https://gitlab.insa-rennes.fr/francois-boschet/gutemberg/raw/master/report/2_spec/figures/consultation.png"/>
-          <p:cNvSpPr>
-            <a:spLocks noChangeAspect="1" noChangeArrowheads="1"/>
-          </p:cNvSpPr>
-          <p:nvPr/>
-        </p:nvSpPr>
-        <p:spPr bwMode="auto">
-          <a:xfrm>
-            <a:off x="155575" y="-144463"/>
-            <a:ext cx="304800" cy="304801"/>
-          </a:xfrm>
-          <a:prstGeom prst="rect">
-            <a:avLst/>
-          </a:prstGeom>
-          <a:noFill/>
-          <a:extLst>
-            <a:ext uri="{909E8E84-426E-40DD-AFC4-6F175D3DCCD1}">
-              <a14:hiddenFill xmlns:a14="http://schemas.microsoft.com/office/drawing/2010/main">
-                <a:solidFill>
-                  <a:srgbClr val="FFFFFF"/>
-                </a:solidFill>
-              </a14:hiddenFill>
-            </a:ext>
-          </a:extLst>
-        </p:spPr>
-        <p:txBody>
-          <a:bodyPr vert="horz" wrap="square" lIns="91440" tIns="45720" rIns="91440" bIns="45720" numCol="1" anchor="t" anchorCtr="0" compatLnSpc="1">
-            <a:prstTxWarp prst="textNoShape">
-              <a:avLst/>
-            </a:prstTxWarp>
-          </a:bodyPr>
-          <a:lstStyle/>
-          <a:p>
-            <a:endParaRPr lang="fr-FR"/>
-          </a:p>
-        </p:txBody>
-      </p:sp>
-      <p:sp>
-        <p:nvSpPr>
-          <p:cNvPr id="4" name="AutoShape 4" descr="https://gitlab.insa-rennes.fr/francois-boschet/gutemberg/raw/master/report/2_spec/figures/consultation.png"/>
-          <p:cNvSpPr>
-            <a:spLocks noChangeAspect="1" noChangeArrowheads="1"/>
-          </p:cNvSpPr>
-          <p:nvPr/>
-        </p:nvSpPr>
-        <p:spPr bwMode="auto">
-          <a:xfrm>
-            <a:off x="307975" y="7937"/>
-            <a:ext cx="304800" cy="304801"/>
-          </a:xfrm>
-          <a:prstGeom prst="rect">
-            <a:avLst/>
-          </a:prstGeom>
-          <a:noFill/>
-          <a:extLst>
-            <a:ext uri="{909E8E84-426E-40DD-AFC4-6F175D3DCCD1}">
-              <a14:hiddenFill xmlns:a14="http://schemas.microsoft.com/office/drawing/2010/main">
-                <a:solidFill>
-                  <a:srgbClr val="FFFFFF"/>
-                </a:solidFill>
-              </a14:hiddenFill>
-            </a:ext>
-          </a:extLst>
-        </p:spPr>
-        <p:txBody>
-          <a:bodyPr vert="horz" wrap="square" lIns="91440" tIns="45720" rIns="91440" bIns="45720" numCol="1" anchor="t" anchorCtr="0" compatLnSpc="1">
-            <a:prstTxWarp prst="textNoShape">
-              <a:avLst/>
-            </a:prstTxWarp>
-          </a:bodyPr>
-          <a:lstStyle/>
-          <a:p>
-            <a:endParaRPr lang="fr-FR"/>
-          </a:p>
-        </p:txBody>
-      </p:sp>
-      <p:sp>
-        <p:nvSpPr>
-          <p:cNvPr id="5" name="AutoShape 2" descr="https://projet4.mybalsamiq.com/projects/spec/Consultation%20de%20documents.jpeg?version=9&amp;etag=XHJ8gpGTqtyLpFShCJ6oeFfWCMF_NOhr"/>
-          <p:cNvSpPr>
-            <a:spLocks noChangeAspect="1" noChangeArrowheads="1"/>
-          </p:cNvSpPr>
-          <p:nvPr/>
-        </p:nvSpPr>
-        <p:spPr bwMode="auto">
-          <a:xfrm>
-            <a:off x="460375" y="160337"/>
-            <a:ext cx="304800" cy="304801"/>
-          </a:xfrm>
-          <a:prstGeom prst="rect">
-            <a:avLst/>
-          </a:prstGeom>
-          <a:noFill/>
-          <a:extLst>
-            <a:ext uri="{909E8E84-426E-40DD-AFC4-6F175D3DCCD1}">
-              <a14:hiddenFill xmlns:a14="http://schemas.microsoft.com/office/drawing/2010/main">
-                <a:solidFill>
-                  <a:srgbClr val="FFFFFF"/>
-                </a:solidFill>
-              </a14:hiddenFill>
-            </a:ext>
-          </a:extLst>
-        </p:spPr>
-        <p:txBody>
-          <a:bodyPr vert="horz" wrap="square" lIns="91440" tIns="45720" rIns="91440" bIns="45720" numCol="1" anchor="t" anchorCtr="0" compatLnSpc="1">
-            <a:prstTxWarp prst="textNoShape">
-              <a:avLst/>
-            </a:prstTxWarp>
-          </a:bodyPr>
-          <a:lstStyle/>
-          <a:p>
-            <a:endParaRPr lang="fr-FR"/>
-          </a:p>
-        </p:txBody>
-      </p:sp>
-      <p:sp>
-        <p:nvSpPr>
-          <p:cNvPr id="6" name="AutoShape 4" descr="https://projet4.mybalsamiq.com/projects/spec/Consultation%20de%20documents.jpeg?version=9&amp;etag=XHJ8gpGTqtyLpFShCJ6oeFfWCMF_NOhr"/>
-          <p:cNvSpPr>
-            <a:spLocks noChangeAspect="1" noChangeArrowheads="1"/>
-          </p:cNvSpPr>
-          <p:nvPr/>
-        </p:nvSpPr>
-        <p:spPr bwMode="auto">
-          <a:xfrm>
-            <a:off x="612775" y="312737"/>
-            <a:ext cx="304800" cy="304801"/>
-          </a:xfrm>
-          <a:prstGeom prst="rect">
-            <a:avLst/>
-          </a:prstGeom>
-          <a:noFill/>
-          <a:extLst>
-            <a:ext uri="{909E8E84-426E-40DD-AFC4-6F175D3DCCD1}">
-              <a14:hiddenFill xmlns:a14="http://schemas.microsoft.com/office/drawing/2010/main">
-                <a:solidFill>
-                  <a:srgbClr val="FFFFFF"/>
-                </a:solidFill>
-              </a14:hiddenFill>
-            </a:ext>
-          </a:extLst>
-        </p:spPr>
-        <p:txBody>
-          <a:bodyPr vert="horz" wrap="square" lIns="91440" tIns="45720" rIns="91440" bIns="45720" numCol="1" anchor="t" anchorCtr="0" compatLnSpc="1">
-            <a:prstTxWarp prst="textNoShape">
-              <a:avLst/>
-            </a:prstTxWarp>
-          </a:bodyPr>
-          <a:lstStyle/>
-          <a:p>
-            <a:endParaRPr lang="fr-FR"/>
-          </a:p>
-        </p:txBody>
-      </p:sp>
-      <p:sp>
-        <p:nvSpPr>
-          <p:cNvPr id="7" name="AutoShape 6" descr="https://projet4.mybalsamiq.com/projects/spec/Consultation%20de%20documents.jpeg?version=9&amp;etag=XHJ8gpGTqtyLpFShCJ6oeFfWCMF_NOhr"/>
-          <p:cNvSpPr>
-            <a:spLocks noChangeAspect="1" noChangeArrowheads="1"/>
-          </p:cNvSpPr>
-          <p:nvPr/>
-        </p:nvSpPr>
-        <p:spPr bwMode="auto">
-          <a:xfrm>
-            <a:off x="765175" y="465137"/>
-            <a:ext cx="304800" cy="304801"/>
-          </a:xfrm>
-          <a:prstGeom prst="rect">
-            <a:avLst/>
-          </a:prstGeom>
-          <a:noFill/>
-          <a:extLst>
-            <a:ext uri="{909E8E84-426E-40DD-AFC4-6F175D3DCCD1}">
-              <a14:hiddenFill xmlns:a14="http://schemas.microsoft.com/office/drawing/2010/main">
-                <a:solidFill>
-                  <a:srgbClr val="FFFFFF"/>
-                </a:solidFill>
-              </a14:hiddenFill>
-            </a:ext>
-          </a:extLst>
-        </p:spPr>
-        <p:txBody>
-          <a:bodyPr vert="horz" wrap="square" lIns="91440" tIns="45720" rIns="91440" bIns="45720" numCol="1" anchor="t" anchorCtr="0" compatLnSpc="1">
-            <a:prstTxWarp prst="textNoShape">
-              <a:avLst/>
-            </a:prstTxWarp>
-          </a:bodyPr>
-          <a:lstStyle/>
-          <a:p>
-            <a:endParaRPr lang="fr-FR"/>
-          </a:p>
-        </p:txBody>
-      </p:sp>
-      <p:sp>
-        <p:nvSpPr>
-          <p:cNvPr id="8" name="AutoShape 8" descr="https://projet4.mybalsamiq.com/projects/spec/Consultation%20de%20documents.jpeg?version=9&amp;etag=XHJ8gpGTqtyLpFShCJ6oeFfWCMF_NOhr"/>
-          <p:cNvSpPr>
-            <a:spLocks noChangeAspect="1" noChangeArrowheads="1"/>
-          </p:cNvSpPr>
-          <p:nvPr/>
-        </p:nvSpPr>
-        <p:spPr bwMode="auto">
-          <a:xfrm>
-            <a:off x="917575" y="617537"/>
-            <a:ext cx="304800" cy="304801"/>
-          </a:xfrm>
-          <a:prstGeom prst="rect">
-            <a:avLst/>
-          </a:prstGeom>
-          <a:noFill/>
-          <a:extLst>
-            <a:ext uri="{909E8E84-426E-40DD-AFC4-6F175D3DCCD1}">
-              <a14:hiddenFill xmlns:a14="http://schemas.microsoft.com/office/drawing/2010/main">
-                <a:solidFill>
-                  <a:srgbClr val="FFFFFF"/>
-                </a:solidFill>
-              </a14:hiddenFill>
-            </a:ext>
-          </a:extLst>
-        </p:spPr>
-        <p:txBody>
-          <a:bodyPr vert="horz" wrap="square" lIns="91440" tIns="45720" rIns="91440" bIns="45720" numCol="1" anchor="t" anchorCtr="0" compatLnSpc="1">
-            <a:prstTxWarp prst="textNoShape">
-              <a:avLst/>
-            </a:prstTxWarp>
-          </a:bodyPr>
-          <a:lstStyle/>
-          <a:p>
-            <a:endParaRPr lang="fr-FR"/>
-          </a:p>
-        </p:txBody>
-      </p:sp>
-      <p:sp>
-        <p:nvSpPr>
-          <p:cNvPr id="9" name="AutoShape 10" descr="https://projet4.mybalsamiq.com/projects/spec/Consultation%20de%20documents.jpeg?version=9&amp;etag=XHJ8gpGTqtyLpFShCJ6oeFfWCMF_NOhr"/>
-          <p:cNvSpPr>
-            <a:spLocks noChangeAspect="1" noChangeArrowheads="1"/>
-          </p:cNvSpPr>
-          <p:nvPr/>
-        </p:nvSpPr>
-        <p:spPr bwMode="auto">
-          <a:xfrm>
-            <a:off x="1069975" y="769937"/>
-            <a:ext cx="304800" cy="304801"/>
-          </a:xfrm>
-          <a:prstGeom prst="rect">
-            <a:avLst/>
-          </a:prstGeom>
-          <a:noFill/>
-          <a:extLst>
-            <a:ext uri="{909E8E84-426E-40DD-AFC4-6F175D3DCCD1}">
-              <a14:hiddenFill xmlns:a14="http://schemas.microsoft.com/office/drawing/2010/main">
-                <a:solidFill>
-                  <a:srgbClr val="FFFFFF"/>
-                </a:solidFill>
-              </a14:hiddenFill>
-            </a:ext>
-          </a:extLst>
-        </p:spPr>
-        <p:txBody>
-          <a:bodyPr vert="horz" wrap="square" lIns="91440" tIns="45720" rIns="91440" bIns="45720" numCol="1" anchor="t" anchorCtr="0" compatLnSpc="1">
-            <a:prstTxWarp prst="textNoShape">
-              <a:avLst/>
-            </a:prstTxWarp>
-          </a:bodyPr>
-          <a:lstStyle/>
-          <a:p>
-            <a:endParaRPr lang="fr-FR"/>
           </a:p>
         </p:txBody>
       </p:sp>
@@ -10223,7 +12768,7 @@
               <a:rPr lang="fr-FR" smtClean="0"/>
               <a:t>4</a:t>
             </a:fld>
-            <a:endParaRPr lang="fr-FR"/>
+            <a:endParaRPr lang="fr-FR" dirty="0"/>
           </a:p>
         </p:txBody>
       </p:sp>
@@ -10235,8 +12780,8 @@
         </p:nvSpPr>
         <p:spPr>
           <a:xfrm>
-            <a:off x="1222375" y="1412776"/>
-            <a:ext cx="5365849" cy="1692771"/>
+            <a:off x="404358" y="1848599"/>
+            <a:ext cx="3374776" cy="461665"/>
           </a:xfrm>
           <a:prstGeom prst="rect">
             <a:avLst/>
@@ -10249,81 +12794,146 @@
           </a:bodyPr>
           <a:lstStyle/>
           <a:p>
-            <a:pPr>
-              <a:lnSpc>
-                <a:spcPct val="200000"/>
-              </a:lnSpc>
-            </a:pPr>
-            <a:r>
-              <a:rPr lang="fr-FR" sz="2800" dirty="0" smtClean="0">
-                <a:solidFill>
-                  <a:srgbClr val="0563B8"/>
+            <a:pPr algn="r"/>
+            <a:r>
+              <a:rPr lang="fr-FR" sz="2400" dirty="0" smtClean="0">
+                <a:solidFill>
+                  <a:srgbClr val="00A7AA"/>
                 </a:solidFill>
                 <a:latin typeface="+mj-lt"/>
               </a:rPr>
-              <a:t>Pourquoi </a:t>
-            </a:r>
-            <a:r>
-              <a:rPr lang="fr-FR" sz="2800" dirty="0" smtClean="0">
-                <a:solidFill>
-                  <a:srgbClr val="00A7AA"/>
+              <a:t>Accéder</a:t>
+            </a:r>
+            <a:r>
+              <a:rPr lang="fr-FR" sz="2400" dirty="0" smtClean="0">
+                <a:solidFill>
+                  <a:srgbClr val="0563B8"/>
                 </a:solidFill>
                 <a:latin typeface="+mj-lt"/>
               </a:rPr>
-              <a:t>numériser</a:t>
-            </a:r>
-            <a:r>
-              <a:rPr lang="fr-FR" sz="2800" dirty="0" smtClean="0">
-                <a:solidFill>
-                  <a:srgbClr val="0563B8"/>
-                </a:solidFill>
-                <a:latin typeface="+mj-lt"/>
-              </a:rPr>
-              <a:t> ?</a:t>
-            </a:r>
-          </a:p>
-          <a:p>
-            <a:pPr marL="742950" lvl="1" indent="-285750" fontAlgn="base">
-              <a:buFont typeface="Arial" panose="020B0604020202020204" pitchFamily="34" charset="0"/>
-              <a:buChar char="•"/>
-            </a:pPr>
-            <a:r>
-              <a:rPr lang="fr-FR" sz="2400" dirty="0" smtClean="0">
-                <a:solidFill>
-                  <a:srgbClr val="0563B8"/>
-                </a:solidFill>
-                <a:latin typeface="+mj-lt"/>
-              </a:rPr>
-              <a:t>Eviter la détérioration</a:t>
-            </a:r>
-          </a:p>
-          <a:p>
-            <a:pPr marL="742950" lvl="1" indent="-285750" fontAlgn="base">
-              <a:buFont typeface="Arial" panose="020B0604020202020204" pitchFamily="34" charset="0"/>
-              <a:buChar char="•"/>
-            </a:pPr>
-            <a:r>
-              <a:rPr lang="fr-FR" sz="2400" dirty="0" smtClean="0">
-                <a:solidFill>
-                  <a:srgbClr val="0563B8"/>
-                </a:solidFill>
-                <a:latin typeface="+mj-lt"/>
-              </a:rPr>
-              <a:t>Faciliter l’accès aux documents</a:t>
-            </a:r>
-          </a:p>
-        </p:txBody>
-      </p:sp>
-      <p:sp>
-        <p:nvSpPr>
-          <p:cNvPr id="13" name="ZoneTexte 12"/>
+              <a:t> à l’information ?</a:t>
+            </a:r>
+          </a:p>
+        </p:txBody>
+      </p:sp>
+      <p:cxnSp>
+        <p:nvCxnSpPr>
+          <p:cNvPr id="17" name="Connecteur droit avec flèche 16"/>
+          <p:cNvCxnSpPr/>
+          <p:nvPr/>
+        </p:nvCxnSpPr>
+        <p:spPr>
+          <a:xfrm>
+            <a:off x="3923928" y="2079432"/>
+            <a:ext cx="1152128" cy="0"/>
+          </a:xfrm>
+          <a:prstGeom prst="straightConnector1">
+            <a:avLst/>
+          </a:prstGeom>
+          <a:ln w="57150">
+            <a:solidFill>
+              <a:srgbClr val="00A7AA"/>
+            </a:solidFill>
+            <a:tailEnd type="arrow"/>
+          </a:ln>
+        </p:spPr>
+        <p:style>
+          <a:lnRef idx="1">
+            <a:schemeClr val="accent1"/>
+          </a:lnRef>
+          <a:fillRef idx="0">
+            <a:schemeClr val="accent1"/>
+          </a:fillRef>
+          <a:effectRef idx="0">
+            <a:schemeClr val="accent1"/>
+          </a:effectRef>
+          <a:fontRef idx="minor">
+            <a:schemeClr val="tx1"/>
+          </a:fontRef>
+        </p:style>
+      </p:cxnSp>
+      <p:cxnSp>
+        <p:nvCxnSpPr>
+          <p:cNvPr id="18" name="Connecteur droit avec flèche 17"/>
+          <p:cNvCxnSpPr/>
+          <p:nvPr/>
+        </p:nvCxnSpPr>
+        <p:spPr>
+          <a:xfrm>
+            <a:off x="4228728" y="5631631"/>
+            <a:ext cx="847328" cy="0"/>
+          </a:xfrm>
+          <a:prstGeom prst="straightConnector1">
+            <a:avLst/>
+          </a:prstGeom>
+          <a:ln w="57150">
+            <a:solidFill>
+              <a:srgbClr val="00A7AA"/>
+            </a:solidFill>
+            <a:tailEnd type="arrow"/>
+          </a:ln>
+        </p:spPr>
+        <p:style>
+          <a:lnRef idx="1">
+            <a:schemeClr val="accent1"/>
+          </a:lnRef>
+          <a:fillRef idx="0">
+            <a:schemeClr val="accent1"/>
+          </a:fillRef>
+          <a:effectRef idx="0">
+            <a:schemeClr val="accent1"/>
+          </a:effectRef>
+          <a:fontRef idx="minor">
+            <a:schemeClr val="tx1"/>
+          </a:fontRef>
+        </p:style>
+      </p:cxnSp>
+      <p:cxnSp>
+        <p:nvCxnSpPr>
+          <p:cNvPr id="19" name="Connecteur droit avec flèche 18"/>
+          <p:cNvCxnSpPr/>
+          <p:nvPr/>
+        </p:nvCxnSpPr>
+        <p:spPr>
+          <a:xfrm>
+            <a:off x="3923928" y="3903439"/>
+            <a:ext cx="1152128" cy="0"/>
+          </a:xfrm>
+          <a:prstGeom prst="straightConnector1">
+            <a:avLst/>
+          </a:prstGeom>
+          <a:ln w="57150">
+            <a:solidFill>
+              <a:srgbClr val="00A7AA"/>
+            </a:solidFill>
+            <a:tailEnd type="arrow"/>
+          </a:ln>
+        </p:spPr>
+        <p:style>
+          <a:lnRef idx="1">
+            <a:schemeClr val="accent1"/>
+          </a:lnRef>
+          <a:fillRef idx="0">
+            <a:schemeClr val="accent1"/>
+          </a:fillRef>
+          <a:effectRef idx="0">
+            <a:schemeClr val="accent1"/>
+          </a:effectRef>
+          <a:fontRef idx="minor">
+            <a:schemeClr val="tx1"/>
+          </a:fontRef>
+        </p:style>
+      </p:cxnSp>
+      <p:sp>
+        <p:nvSpPr>
+          <p:cNvPr id="12" name="ZoneTexte 11"/>
           <p:cNvSpPr txBox="1"/>
           <p:nvPr/>
         </p:nvSpPr>
         <p:spPr>
           <a:xfrm>
-            <a:off x="749490" y="3435178"/>
-            <a:ext cx="8142990" cy="2523768"/>
+            <a:off x="5364088" y="1340768"/>
+            <a:ext cx="3672408" cy="1477328"/>
           </a:xfrm>
           <a:prstGeom prst="rect">
             <a:avLst/>
@@ -10336,92 +12946,272 @@
           </a:bodyPr>
           <a:lstStyle/>
           <a:p>
-            <a:pPr>
-              <a:lnSpc>
-                <a:spcPct val="150000"/>
-              </a:lnSpc>
-            </a:pPr>
-            <a:r>
-              <a:rPr lang="fr-FR" sz="3600" dirty="0" smtClean="0">
-                <a:solidFill>
-                  <a:srgbClr val="0563B8"/>
-                </a:solidFill>
-                <a:latin typeface="+mj-lt"/>
-              </a:rPr>
-              <a:t>Problématiques</a:t>
-            </a:r>
-          </a:p>
-          <a:p>
-            <a:pPr>
-              <a:lnSpc>
-                <a:spcPct val="200000"/>
-              </a:lnSpc>
-            </a:pPr>
-            <a:r>
-              <a:rPr lang="fr-FR" sz="2800" dirty="0" smtClean="0">
-                <a:solidFill>
-                  <a:srgbClr val="0563B8"/>
-                </a:solidFill>
-                <a:latin typeface="+mj-lt"/>
-              </a:rPr>
-              <a:t>	</a:t>
-            </a:r>
-            <a:r>
-              <a:rPr lang="fr-FR" sz="2800" dirty="0" smtClean="0">
-                <a:solidFill>
-                  <a:srgbClr val="00A7AA"/>
-                </a:solidFill>
-                <a:latin typeface="+mj-lt"/>
-              </a:rPr>
-              <a:t>Accéder</a:t>
-            </a:r>
-            <a:r>
-              <a:rPr lang="fr-FR" sz="2800" dirty="0" smtClean="0">
-                <a:solidFill>
-                  <a:srgbClr val="0563B8"/>
-                </a:solidFill>
-                <a:latin typeface="+mj-lt"/>
-              </a:rPr>
-              <a:t> à l’information :</a:t>
-            </a:r>
-          </a:p>
-          <a:p>
-            <a:pPr marL="1200150" lvl="2" indent="-285750" fontAlgn="base">
+            <a:pPr marL="285750" indent="-285750" fontAlgn="base">
               <a:buFont typeface="Arial" panose="020B0604020202020204" pitchFamily="34" charset="0"/>
               <a:buChar char="•"/>
             </a:pPr>
             <a:r>
-              <a:rPr lang="fr-FR" sz="2400" dirty="0">
-                <a:solidFill>
-                  <a:srgbClr val="0563B8"/>
-                </a:solidFill>
-                <a:latin typeface="+mj-lt"/>
-              </a:rPr>
-              <a:t>R</a:t>
-            </a:r>
-            <a:r>
-              <a:rPr lang="fr-FR" sz="2400" dirty="0" smtClean="0">
-                <a:solidFill>
-                  <a:srgbClr val="0563B8"/>
-                </a:solidFill>
-                <a:latin typeface="+mj-lt"/>
-              </a:rPr>
-              <a:t>echercher parmi des milliers de documents</a:t>
-            </a:r>
-          </a:p>
-          <a:p>
-            <a:pPr marL="1200150" lvl="2" indent="-285750" fontAlgn="base">
+              <a:rPr lang="fr-FR" dirty="0">
+                <a:solidFill>
+                  <a:srgbClr val="0563B8"/>
+                </a:solidFill>
+              </a:rPr>
+              <a:t>Recherche dans le contenu des articles</a:t>
+            </a:r>
+          </a:p>
+          <a:p>
+            <a:pPr marL="285750" indent="-285750" fontAlgn="base">
               <a:buFont typeface="Arial" panose="020B0604020202020204" pitchFamily="34" charset="0"/>
               <a:buChar char="•"/>
             </a:pPr>
             <a:r>
+              <a:rPr lang="fr-FR" dirty="0">
+                <a:solidFill>
+                  <a:srgbClr val="0563B8"/>
+                </a:solidFill>
+              </a:rPr>
+              <a:t>Critères de recherche et filtres de résultats</a:t>
+            </a:r>
+          </a:p>
+          <a:p>
+            <a:pPr marL="285750" indent="-285750" fontAlgn="base">
+              <a:buFont typeface="Arial" panose="020B0604020202020204" pitchFamily="34" charset="0"/>
+              <a:buChar char="•"/>
+            </a:pPr>
+            <a:r>
+              <a:rPr lang="fr-FR" dirty="0">
+                <a:solidFill>
+                  <a:srgbClr val="0563B8"/>
+                </a:solidFill>
+              </a:rPr>
+              <a:t>Recherche de journaux</a:t>
+            </a:r>
+          </a:p>
+        </p:txBody>
+      </p:sp>
+      <p:sp>
+        <p:nvSpPr>
+          <p:cNvPr id="20" name="ZoneTexte 19"/>
+          <p:cNvSpPr txBox="1"/>
+          <p:nvPr/>
+        </p:nvSpPr>
+        <p:spPr>
+          <a:xfrm>
+            <a:off x="5364088" y="3441774"/>
+            <a:ext cx="3672408" cy="923330"/>
+          </a:xfrm>
+          <a:prstGeom prst="rect">
+            <a:avLst/>
+          </a:prstGeom>
+          <a:noFill/>
+        </p:spPr>
+        <p:txBody>
+          <a:bodyPr wrap="square" rtlCol="0">
+            <a:spAutoFit/>
+          </a:bodyPr>
+          <a:lstStyle/>
+          <a:p>
+            <a:pPr marL="285750" indent="-285750" fontAlgn="base">
+              <a:buFont typeface="Arial" panose="020B0604020202020204" pitchFamily="34" charset="0"/>
+              <a:buChar char="•"/>
+            </a:pPr>
+            <a:r>
+              <a:rPr lang="fr-FR" dirty="0">
+                <a:solidFill>
+                  <a:srgbClr val="0563B8"/>
+                </a:solidFill>
+              </a:rPr>
+              <a:t>Affichage du document adapté aux grandes images </a:t>
+            </a:r>
+          </a:p>
+          <a:p>
+            <a:pPr marL="285750" indent="-285750" fontAlgn="base">
+              <a:buFont typeface="Arial" panose="020B0604020202020204" pitchFamily="34" charset="0"/>
+              <a:buChar char="•"/>
+            </a:pPr>
+            <a:r>
+              <a:rPr lang="fr-FR" dirty="0">
+                <a:solidFill>
+                  <a:srgbClr val="0563B8"/>
+                </a:solidFill>
+              </a:rPr>
+              <a:t>Système de calques transparents</a:t>
+            </a:r>
+          </a:p>
+        </p:txBody>
+      </p:sp>
+      <p:sp>
+        <p:nvSpPr>
+          <p:cNvPr id="22" name="ZoneTexte 21"/>
+          <p:cNvSpPr txBox="1"/>
+          <p:nvPr/>
+        </p:nvSpPr>
+        <p:spPr>
+          <a:xfrm>
+            <a:off x="5364088" y="5169966"/>
+            <a:ext cx="3672408" cy="1107996"/>
+          </a:xfrm>
+          <a:prstGeom prst="rect">
+            <a:avLst/>
+          </a:prstGeom>
+          <a:noFill/>
+        </p:spPr>
+        <p:txBody>
+          <a:bodyPr wrap="square" rtlCol="0">
+            <a:spAutoFit/>
+          </a:bodyPr>
+          <a:lstStyle/>
+          <a:p>
+            <a:pPr marL="285750" indent="-285750" fontAlgn="base">
+              <a:buFont typeface="Arial" panose="020B0604020202020204" pitchFamily="34" charset="0"/>
+              <a:buChar char="•"/>
+            </a:pPr>
+            <a:r>
+              <a:rPr lang="fr-FR" dirty="0">
+                <a:solidFill>
+                  <a:srgbClr val="0563B8"/>
+                </a:solidFill>
+              </a:rPr>
+              <a:t>Proposition d’articles en rapport avec l’article lu</a:t>
+            </a:r>
+          </a:p>
+          <a:p>
+            <a:pPr marL="285750" indent="-285750" fontAlgn="base">
+              <a:buFont typeface="Arial" panose="020B0604020202020204" pitchFamily="34" charset="0"/>
+              <a:buChar char="•"/>
+            </a:pPr>
+            <a:r>
+              <a:rPr lang="fr-FR" dirty="0">
+                <a:solidFill>
+                  <a:srgbClr val="0563B8"/>
+                </a:solidFill>
+              </a:rPr>
+              <a:t>Revues de </a:t>
+            </a:r>
+            <a:r>
+              <a:rPr lang="fr-FR" dirty="0" smtClean="0">
+                <a:solidFill>
+                  <a:srgbClr val="0563B8"/>
+                </a:solidFill>
+              </a:rPr>
+              <a:t>presse : </a:t>
+            </a:r>
+            <a:r>
+              <a:rPr lang="fr-FR" sz="1200" i="1" dirty="0" smtClean="0">
+                <a:solidFill>
+                  <a:srgbClr val="0563B8"/>
+                </a:solidFill>
+              </a:rPr>
+              <a:t>Ensemble </a:t>
+            </a:r>
+            <a:r>
+              <a:rPr lang="fr-FR" sz="1200" i="1" dirty="0">
+                <a:solidFill>
+                  <a:srgbClr val="0563B8"/>
+                </a:solidFill>
+              </a:rPr>
+              <a:t>d’articles ayant un thème, une date, … en </a:t>
+            </a:r>
+            <a:r>
+              <a:rPr lang="fr-FR" sz="1200" i="1" dirty="0" smtClean="0">
+                <a:solidFill>
+                  <a:srgbClr val="0563B8"/>
+                </a:solidFill>
+              </a:rPr>
+              <a:t>commun</a:t>
+            </a:r>
+            <a:endParaRPr lang="fr-FR" sz="1200" i="1" dirty="0">
+              <a:solidFill>
+                <a:srgbClr val="0563B8"/>
+              </a:solidFill>
+            </a:endParaRPr>
+          </a:p>
+        </p:txBody>
+      </p:sp>
+      <p:sp>
+        <p:nvSpPr>
+          <p:cNvPr id="23" name="ZoneTexte 22"/>
+          <p:cNvSpPr txBox="1"/>
+          <p:nvPr/>
+        </p:nvSpPr>
+        <p:spPr>
+          <a:xfrm>
+            <a:off x="523560" y="3654747"/>
+            <a:ext cx="3256351" cy="461665"/>
+          </a:xfrm>
+          <a:prstGeom prst="rect">
+            <a:avLst/>
+          </a:prstGeom>
+          <a:noFill/>
+        </p:spPr>
+        <p:txBody>
+          <a:bodyPr wrap="square" rtlCol="0">
+            <a:spAutoFit/>
+          </a:bodyPr>
+          <a:lstStyle/>
+          <a:p>
+            <a:pPr algn="r"/>
+            <a:r>
               <a:rPr lang="fr-FR" sz="2400" dirty="0" smtClean="0">
                 <a:solidFill>
-                  <a:srgbClr val="0563B8"/>
+                  <a:srgbClr val="00A7AA"/>
                 </a:solidFill>
                 <a:latin typeface="+mj-lt"/>
               </a:rPr>
-              <a:t>Trouver des informations sur un sujet particulier</a:t>
+              <a:t>Visualiser</a:t>
+            </a:r>
+            <a:r>
+              <a:rPr lang="fr-FR" sz="2400" dirty="0" smtClean="0">
+                <a:solidFill>
+                  <a:srgbClr val="0563B8"/>
+                </a:solidFill>
+                <a:latin typeface="+mj-lt"/>
+              </a:rPr>
+              <a:t> le document ?</a:t>
+            </a:r>
+          </a:p>
+        </p:txBody>
+      </p:sp>
+      <p:sp>
+        <p:nvSpPr>
+          <p:cNvPr id="24" name="ZoneTexte 23"/>
+          <p:cNvSpPr txBox="1"/>
+          <p:nvPr/>
+        </p:nvSpPr>
+        <p:spPr>
+          <a:xfrm>
+            <a:off x="35496" y="5400798"/>
+            <a:ext cx="3744415" cy="461665"/>
+          </a:xfrm>
+          <a:prstGeom prst="rect">
+            <a:avLst/>
+          </a:prstGeom>
+          <a:noFill/>
+        </p:spPr>
+        <p:txBody>
+          <a:bodyPr wrap="square" rtlCol="0">
+            <a:spAutoFit/>
+          </a:bodyPr>
+          <a:lstStyle/>
+          <a:p>
+            <a:pPr algn="r"/>
+            <a:r>
+              <a:rPr lang="fr-FR" sz="2400" dirty="0" smtClean="0">
+                <a:solidFill>
+                  <a:srgbClr val="00A7AA"/>
+                </a:solidFill>
+                <a:latin typeface="+mj-lt"/>
+              </a:rPr>
+              <a:t>Promouvoir</a:t>
+            </a:r>
+            <a:r>
+              <a:rPr lang="fr-FR" sz="2400" dirty="0" smtClean="0">
+                <a:solidFill>
+                  <a:srgbClr val="0563B8"/>
+                </a:solidFill>
+                <a:latin typeface="+mj-lt"/>
+              </a:rPr>
+              <a:t> les documents ?</a:t>
             </a:r>
           </a:p>
         </p:txBody>
@@ -10429,7 +13219,7 @@
     </p:spTree>
     <p:extLst>
       <p:ext uri="{BB962C8B-B14F-4D97-AF65-F5344CB8AC3E}">
-        <p14:creationId xmlns:p14="http://schemas.microsoft.com/office/powerpoint/2010/main" val="4162643856"/>
+        <p14:creationId xmlns:p14="http://schemas.microsoft.com/office/powerpoint/2010/main" val="1983093185"/>
       </p:ext>
     </p:extLst>
   </p:cSld>
@@ -10465,7 +13255,270 @@
       </p:grpSpPr>
       <p:sp>
         <p:nvSpPr>
-          <p:cNvPr id="2" name="Titre 1"/>
+          <p:cNvPr id="3" name="Espace réservé du numéro de diapositive 2"/>
+          <p:cNvSpPr>
+            <a:spLocks noGrp="1"/>
+          </p:cNvSpPr>
+          <p:nvPr>
+            <p:ph type="sldNum" sz="quarter" idx="12"/>
+          </p:nvPr>
+        </p:nvSpPr>
+        <p:spPr/>
+        <p:txBody>
+          <a:bodyPr/>
+          <a:lstStyle/>
+          <a:p>
+            <a:fld id="{EDA4C233-F16D-4FA8-AC9B-61C6F55E69AB}" type="slidenum">
+              <a:rPr lang="fr-FR" smtClean="0"/>
+              <a:t>5</a:t>
+            </a:fld>
+            <a:endParaRPr lang="fr-FR"/>
+          </a:p>
+        </p:txBody>
+      </p:sp>
+      <p:sp>
+        <p:nvSpPr>
+          <p:cNvPr id="6" name="Rectangle 5"/>
+          <p:cNvSpPr/>
+          <p:nvPr/>
+        </p:nvSpPr>
+        <p:spPr>
+          <a:xfrm>
+            <a:off x="539552" y="1412776"/>
+            <a:ext cx="9505056" cy="4647426"/>
+          </a:xfrm>
+          <a:prstGeom prst="rect">
+            <a:avLst/>
+          </a:prstGeom>
+        </p:spPr>
+        <p:txBody>
+          <a:bodyPr wrap="square">
+            <a:spAutoFit/>
+          </a:bodyPr>
+          <a:lstStyle/>
+          <a:p>
+            <a:pPr fontAlgn="base"/>
+            <a:r>
+              <a:rPr lang="fr-FR" sz="2800" dirty="0" smtClean="0">
+                <a:solidFill>
+                  <a:srgbClr val="00A7AA"/>
+                </a:solidFill>
+                <a:latin typeface="Calibri Light" panose="020F0302020204030204" pitchFamily="34" charset="0"/>
+              </a:rPr>
+              <a:t>Partie 1</a:t>
+            </a:r>
+            <a:r>
+              <a:rPr lang="fr-FR" sz="2800" dirty="0" smtClean="0">
+                <a:solidFill>
+                  <a:srgbClr val="0563B8"/>
+                </a:solidFill>
+                <a:latin typeface="Calibri Light" panose="020F0302020204030204" pitchFamily="34" charset="0"/>
+              </a:rPr>
+              <a:t>	Spécifications fonctionnelles	</a:t>
+            </a:r>
+          </a:p>
+          <a:p>
+            <a:pPr fontAlgn="base"/>
+            <a:r>
+              <a:rPr lang="fr-FR" sz="2800" dirty="0">
+                <a:solidFill>
+                  <a:srgbClr val="0563B8"/>
+                </a:solidFill>
+                <a:latin typeface="Calibri Light" panose="020F0302020204030204" pitchFamily="34" charset="0"/>
+              </a:rPr>
+              <a:t>	</a:t>
+            </a:r>
+            <a:r>
+              <a:rPr lang="fr-FR" sz="2800" dirty="0" smtClean="0">
+                <a:solidFill>
+                  <a:srgbClr val="0563B8"/>
+                </a:solidFill>
+                <a:latin typeface="Calibri Light" panose="020F0302020204030204" pitchFamily="34" charset="0"/>
+              </a:rPr>
+              <a:t>	</a:t>
+            </a:r>
+            <a:r>
+              <a:rPr lang="fr-FR" sz="2800" dirty="0">
+                <a:solidFill>
+                  <a:srgbClr val="0563B8"/>
+                </a:solidFill>
+                <a:latin typeface="Calibri Light" panose="020F0302020204030204" pitchFamily="34" charset="0"/>
+              </a:rPr>
+              <a:t>	</a:t>
+            </a:r>
+            <a:r>
+              <a:rPr lang="fr-FR" sz="2800" dirty="0" smtClean="0">
+                <a:solidFill>
+                  <a:srgbClr val="0563B8"/>
+                </a:solidFill>
+                <a:latin typeface="Calibri Light" panose="020F0302020204030204" pitchFamily="34" charset="0"/>
+              </a:rPr>
+              <a:t>a.  Page d’accueil</a:t>
+            </a:r>
+          </a:p>
+          <a:p>
+            <a:pPr fontAlgn="base"/>
+            <a:r>
+              <a:rPr lang="fr-FR" sz="2800" dirty="0">
+                <a:solidFill>
+                  <a:srgbClr val="0563B8"/>
+                </a:solidFill>
+                <a:latin typeface="Calibri Light" panose="020F0302020204030204" pitchFamily="34" charset="0"/>
+              </a:rPr>
+              <a:t>	</a:t>
+            </a:r>
+            <a:r>
+              <a:rPr lang="fr-FR" sz="2800" dirty="0" smtClean="0">
+                <a:solidFill>
+                  <a:srgbClr val="0563B8"/>
+                </a:solidFill>
+                <a:latin typeface="Calibri Light" panose="020F0302020204030204" pitchFamily="34" charset="0"/>
+              </a:rPr>
+              <a:t>			et Recherche de document</a:t>
+            </a:r>
+          </a:p>
+          <a:p>
+            <a:pPr fontAlgn="base"/>
+            <a:r>
+              <a:rPr lang="fr-FR" sz="2800" dirty="0">
+                <a:solidFill>
+                  <a:srgbClr val="0563B8"/>
+                </a:solidFill>
+                <a:latin typeface="Calibri Light" panose="020F0302020204030204" pitchFamily="34" charset="0"/>
+              </a:rPr>
+              <a:t>	</a:t>
+            </a:r>
+            <a:r>
+              <a:rPr lang="fr-FR" sz="2800" dirty="0" smtClean="0">
+                <a:solidFill>
+                  <a:srgbClr val="0563B8"/>
+                </a:solidFill>
+                <a:latin typeface="Calibri Light" panose="020F0302020204030204" pitchFamily="34" charset="0"/>
+              </a:rPr>
+              <a:t>		b.  Consultation de document</a:t>
+            </a:r>
+          </a:p>
+          <a:p>
+            <a:pPr fontAlgn="base"/>
+            <a:r>
+              <a:rPr lang="fr-FR" sz="2800" dirty="0" smtClean="0">
+                <a:solidFill>
+                  <a:srgbClr val="0563B8"/>
+                </a:solidFill>
+                <a:latin typeface="Calibri Light" panose="020F0302020204030204" pitchFamily="34" charset="0"/>
+              </a:rPr>
+              <a:t>			c.  Gestion des utilisateurs</a:t>
+            </a:r>
+          </a:p>
+          <a:p>
+            <a:pPr fontAlgn="base"/>
+            <a:r>
+              <a:rPr lang="fr-FR" sz="2800" dirty="0">
+                <a:solidFill>
+                  <a:srgbClr val="0563B8"/>
+                </a:solidFill>
+                <a:latin typeface="Calibri Light" panose="020F0302020204030204" pitchFamily="34" charset="0"/>
+              </a:rPr>
+              <a:t>		</a:t>
+            </a:r>
+            <a:r>
+              <a:rPr lang="fr-FR" sz="2800" dirty="0" smtClean="0">
+                <a:solidFill>
+                  <a:srgbClr val="0563B8"/>
+                </a:solidFill>
+                <a:latin typeface="Calibri Light" panose="020F0302020204030204" pitchFamily="34" charset="0"/>
+              </a:rPr>
+              <a:t>		et Revue de presse</a:t>
+            </a:r>
+          </a:p>
+          <a:p>
+            <a:pPr fontAlgn="base"/>
+            <a:endParaRPr lang="fr-FR" sz="2800" dirty="0" smtClean="0">
+              <a:solidFill>
+                <a:srgbClr val="0563B8"/>
+              </a:solidFill>
+              <a:latin typeface="Calibri Light" panose="020F0302020204030204" pitchFamily="34" charset="0"/>
+            </a:endParaRPr>
+          </a:p>
+          <a:p>
+            <a:pPr fontAlgn="base"/>
+            <a:r>
+              <a:rPr lang="fr-FR" sz="2800" dirty="0" smtClean="0">
+                <a:solidFill>
+                  <a:srgbClr val="00A7AA"/>
+                </a:solidFill>
+                <a:latin typeface="Calibri Light" panose="020F0302020204030204" pitchFamily="34" charset="0"/>
+              </a:rPr>
+              <a:t>Partie 2</a:t>
+            </a:r>
+            <a:r>
+              <a:rPr lang="fr-FR" sz="2800" dirty="0" smtClean="0">
+                <a:solidFill>
+                  <a:srgbClr val="0563B8"/>
+                </a:solidFill>
+                <a:latin typeface="Calibri Light" panose="020F0302020204030204" pitchFamily="34" charset="0"/>
+              </a:rPr>
+              <a:t>	Architecture logicielle</a:t>
+            </a:r>
+          </a:p>
+          <a:p>
+            <a:pPr fontAlgn="base"/>
+            <a:endParaRPr lang="fr-FR" sz="2800" dirty="0" smtClean="0">
+              <a:solidFill>
+                <a:srgbClr val="0563B8"/>
+              </a:solidFill>
+              <a:latin typeface="Calibri Light" panose="020F0302020204030204" pitchFamily="34" charset="0"/>
+            </a:endParaRPr>
+          </a:p>
+          <a:p>
+            <a:pPr fontAlgn="base"/>
+            <a:r>
+              <a:rPr lang="fr-FR" sz="2800" dirty="0" smtClean="0">
+                <a:solidFill>
+                  <a:srgbClr val="00A7AA"/>
+                </a:solidFill>
+                <a:latin typeface="Calibri Light" panose="020F0302020204030204" pitchFamily="34" charset="0"/>
+              </a:rPr>
+              <a:t>Partie </a:t>
+            </a:r>
+            <a:r>
+              <a:rPr lang="fr-FR" sz="2800" dirty="0">
+                <a:solidFill>
+                  <a:srgbClr val="00A7AA"/>
+                </a:solidFill>
+                <a:latin typeface="Calibri Light" panose="020F0302020204030204" pitchFamily="34" charset="0"/>
+              </a:rPr>
+              <a:t>3</a:t>
+            </a:r>
+            <a:r>
+              <a:rPr lang="fr-FR" sz="2800" dirty="0" smtClean="0">
+                <a:solidFill>
+                  <a:srgbClr val="0563B8"/>
+                </a:solidFill>
+                <a:latin typeface="Calibri Light" panose="020F0302020204030204" pitchFamily="34" charset="0"/>
+              </a:rPr>
+              <a:t>	Planification</a:t>
+            </a:r>
+            <a:r>
+              <a:rPr lang="fr-FR" sz="1600" dirty="0" smtClean="0">
+                <a:latin typeface="Calibri Light" panose="020F0302020204030204" pitchFamily="34" charset="0"/>
+              </a:rPr>
+              <a:t/>
+            </a:r>
+            <a:br>
+              <a:rPr lang="fr-FR" sz="1600" dirty="0" smtClean="0">
+                <a:latin typeface="Calibri Light" panose="020F0302020204030204" pitchFamily="34" charset="0"/>
+              </a:rPr>
+            </a:br>
+            <a:endParaRPr lang="fr-FR" sz="1600" dirty="0">
+              <a:latin typeface="Calibri Light" panose="020F0302020204030204" pitchFamily="34" charset="0"/>
+            </a:endParaRPr>
+          </a:p>
+        </p:txBody>
+      </p:sp>
+      <p:sp>
+        <p:nvSpPr>
+          <p:cNvPr id="5" name="Titre 1"/>
           <p:cNvSpPr>
             <a:spLocks noGrp="1"/>
           </p:cNvSpPr>
@@ -10493,16 +13546,7 @@
                 </a:solidFill>
                 <a:latin typeface="Montserrat" panose="02000505000000020004" pitchFamily="2" charset="0"/>
               </a:rPr>
-              <a:t>Problématiques du</a:t>
-            </a:r>
-            <a:r>
-              <a:rPr lang="fr-FR" sz="3200" dirty="0" smtClean="0">
-                <a:solidFill>
-                  <a:srgbClr val="00A7AA"/>
-                </a:solidFill>
-                <a:latin typeface="Montserrat" panose="02000505000000020004" pitchFamily="2" charset="0"/>
-              </a:rPr>
-              <a:t> projet</a:t>
+              <a:t>Sommaire</a:t>
             </a:r>
             <a:endParaRPr lang="fr-FR" sz="3200" dirty="0">
               <a:solidFill>
@@ -10513,648 +13557,10 @@
           </a:p>
         </p:txBody>
       </p:sp>
-      <p:sp>
-        <p:nvSpPr>
-          <p:cNvPr id="3" name="AutoShape 2" descr="https://gitlab.insa-rennes.fr/francois-boschet/gutemberg/raw/master/report/2_spec/figures/consultation.png"/>
-          <p:cNvSpPr>
-            <a:spLocks noChangeAspect="1" noChangeArrowheads="1"/>
-          </p:cNvSpPr>
-          <p:nvPr/>
-        </p:nvSpPr>
-        <p:spPr bwMode="auto">
-          <a:xfrm>
-            <a:off x="155575" y="-144463"/>
-            <a:ext cx="304800" cy="304801"/>
-          </a:xfrm>
-          <a:prstGeom prst="rect">
-            <a:avLst/>
-          </a:prstGeom>
-          <a:noFill/>
-          <a:extLst>
-            <a:ext uri="{909E8E84-426E-40DD-AFC4-6F175D3DCCD1}">
-              <a14:hiddenFill xmlns:a14="http://schemas.microsoft.com/office/drawing/2010/main">
-                <a:solidFill>
-                  <a:srgbClr val="FFFFFF"/>
-                </a:solidFill>
-              </a14:hiddenFill>
-            </a:ext>
-          </a:extLst>
-        </p:spPr>
-        <p:txBody>
-          <a:bodyPr vert="horz" wrap="square" lIns="91440" tIns="45720" rIns="91440" bIns="45720" numCol="1" anchor="t" anchorCtr="0" compatLnSpc="1">
-            <a:prstTxWarp prst="textNoShape">
-              <a:avLst/>
-            </a:prstTxWarp>
-          </a:bodyPr>
-          <a:lstStyle/>
-          <a:p>
-            <a:endParaRPr lang="fr-FR"/>
-          </a:p>
-        </p:txBody>
-      </p:sp>
-      <p:sp>
-        <p:nvSpPr>
-          <p:cNvPr id="4" name="AutoShape 4" descr="https://gitlab.insa-rennes.fr/francois-boschet/gutemberg/raw/master/report/2_spec/figures/consultation.png"/>
-          <p:cNvSpPr>
-            <a:spLocks noChangeAspect="1" noChangeArrowheads="1"/>
-          </p:cNvSpPr>
-          <p:nvPr/>
-        </p:nvSpPr>
-        <p:spPr bwMode="auto">
-          <a:xfrm>
-            <a:off x="307975" y="7937"/>
-            <a:ext cx="304800" cy="304801"/>
-          </a:xfrm>
-          <a:prstGeom prst="rect">
-            <a:avLst/>
-          </a:prstGeom>
-          <a:noFill/>
-          <a:extLst>
-            <a:ext uri="{909E8E84-426E-40DD-AFC4-6F175D3DCCD1}">
-              <a14:hiddenFill xmlns:a14="http://schemas.microsoft.com/office/drawing/2010/main">
-                <a:solidFill>
-                  <a:srgbClr val="FFFFFF"/>
-                </a:solidFill>
-              </a14:hiddenFill>
-            </a:ext>
-          </a:extLst>
-        </p:spPr>
-        <p:txBody>
-          <a:bodyPr vert="horz" wrap="square" lIns="91440" tIns="45720" rIns="91440" bIns="45720" numCol="1" anchor="t" anchorCtr="0" compatLnSpc="1">
-            <a:prstTxWarp prst="textNoShape">
-              <a:avLst/>
-            </a:prstTxWarp>
-          </a:bodyPr>
-          <a:lstStyle/>
-          <a:p>
-            <a:endParaRPr lang="fr-FR"/>
-          </a:p>
-        </p:txBody>
-      </p:sp>
-      <p:sp>
-        <p:nvSpPr>
-          <p:cNvPr id="5" name="AutoShape 2" descr="https://projet4.mybalsamiq.com/projects/spec/Consultation%20de%20documents.jpeg?version=9&amp;etag=XHJ8gpGTqtyLpFShCJ6oeFfWCMF_NOhr"/>
-          <p:cNvSpPr>
-            <a:spLocks noChangeAspect="1" noChangeArrowheads="1"/>
-          </p:cNvSpPr>
-          <p:nvPr/>
-        </p:nvSpPr>
-        <p:spPr bwMode="auto">
-          <a:xfrm>
-            <a:off x="460375" y="160337"/>
-            <a:ext cx="304800" cy="304801"/>
-          </a:xfrm>
-          <a:prstGeom prst="rect">
-            <a:avLst/>
-          </a:prstGeom>
-          <a:noFill/>
-          <a:extLst>
-            <a:ext uri="{909E8E84-426E-40DD-AFC4-6F175D3DCCD1}">
-              <a14:hiddenFill xmlns:a14="http://schemas.microsoft.com/office/drawing/2010/main">
-                <a:solidFill>
-                  <a:srgbClr val="FFFFFF"/>
-                </a:solidFill>
-              </a14:hiddenFill>
-            </a:ext>
-          </a:extLst>
-        </p:spPr>
-        <p:txBody>
-          <a:bodyPr vert="horz" wrap="square" lIns="91440" tIns="45720" rIns="91440" bIns="45720" numCol="1" anchor="t" anchorCtr="0" compatLnSpc="1">
-            <a:prstTxWarp prst="textNoShape">
-              <a:avLst/>
-            </a:prstTxWarp>
-          </a:bodyPr>
-          <a:lstStyle/>
-          <a:p>
-            <a:endParaRPr lang="fr-FR"/>
-          </a:p>
-        </p:txBody>
-      </p:sp>
-      <p:sp>
-        <p:nvSpPr>
-          <p:cNvPr id="6" name="AutoShape 4" descr="https://projet4.mybalsamiq.com/projects/spec/Consultation%20de%20documents.jpeg?version=9&amp;etag=XHJ8gpGTqtyLpFShCJ6oeFfWCMF_NOhr"/>
-          <p:cNvSpPr>
-            <a:spLocks noChangeAspect="1" noChangeArrowheads="1"/>
-          </p:cNvSpPr>
-          <p:nvPr/>
-        </p:nvSpPr>
-        <p:spPr bwMode="auto">
-          <a:xfrm>
-            <a:off x="612775" y="312737"/>
-            <a:ext cx="304800" cy="304801"/>
-          </a:xfrm>
-          <a:prstGeom prst="rect">
-            <a:avLst/>
-          </a:prstGeom>
-          <a:noFill/>
-          <a:extLst>
-            <a:ext uri="{909E8E84-426E-40DD-AFC4-6F175D3DCCD1}">
-              <a14:hiddenFill xmlns:a14="http://schemas.microsoft.com/office/drawing/2010/main">
-                <a:solidFill>
-                  <a:srgbClr val="FFFFFF"/>
-                </a:solidFill>
-              </a14:hiddenFill>
-            </a:ext>
-          </a:extLst>
-        </p:spPr>
-        <p:txBody>
-          <a:bodyPr vert="horz" wrap="square" lIns="91440" tIns="45720" rIns="91440" bIns="45720" numCol="1" anchor="t" anchorCtr="0" compatLnSpc="1">
-            <a:prstTxWarp prst="textNoShape">
-              <a:avLst/>
-            </a:prstTxWarp>
-          </a:bodyPr>
-          <a:lstStyle/>
-          <a:p>
-            <a:endParaRPr lang="fr-FR"/>
-          </a:p>
-        </p:txBody>
-      </p:sp>
-      <p:sp>
-        <p:nvSpPr>
-          <p:cNvPr id="7" name="AutoShape 6" descr="https://projet4.mybalsamiq.com/projects/spec/Consultation%20de%20documents.jpeg?version=9&amp;etag=XHJ8gpGTqtyLpFShCJ6oeFfWCMF_NOhr"/>
-          <p:cNvSpPr>
-            <a:spLocks noChangeAspect="1" noChangeArrowheads="1"/>
-          </p:cNvSpPr>
-          <p:nvPr/>
-        </p:nvSpPr>
-        <p:spPr bwMode="auto">
-          <a:xfrm>
-            <a:off x="765175" y="465137"/>
-            <a:ext cx="304800" cy="304801"/>
-          </a:xfrm>
-          <a:prstGeom prst="rect">
-            <a:avLst/>
-          </a:prstGeom>
-          <a:noFill/>
-          <a:extLst>
-            <a:ext uri="{909E8E84-426E-40DD-AFC4-6F175D3DCCD1}">
-              <a14:hiddenFill xmlns:a14="http://schemas.microsoft.com/office/drawing/2010/main">
-                <a:solidFill>
-                  <a:srgbClr val="FFFFFF"/>
-                </a:solidFill>
-              </a14:hiddenFill>
-            </a:ext>
-          </a:extLst>
-        </p:spPr>
-        <p:txBody>
-          <a:bodyPr vert="horz" wrap="square" lIns="91440" tIns="45720" rIns="91440" bIns="45720" numCol="1" anchor="t" anchorCtr="0" compatLnSpc="1">
-            <a:prstTxWarp prst="textNoShape">
-              <a:avLst/>
-            </a:prstTxWarp>
-          </a:bodyPr>
-          <a:lstStyle/>
-          <a:p>
-            <a:endParaRPr lang="fr-FR"/>
-          </a:p>
-        </p:txBody>
-      </p:sp>
-      <p:sp>
-        <p:nvSpPr>
-          <p:cNvPr id="8" name="AutoShape 8" descr="https://projet4.mybalsamiq.com/projects/spec/Consultation%20de%20documents.jpeg?version=9&amp;etag=XHJ8gpGTqtyLpFShCJ6oeFfWCMF_NOhr"/>
-          <p:cNvSpPr>
-            <a:spLocks noChangeAspect="1" noChangeArrowheads="1"/>
-          </p:cNvSpPr>
-          <p:nvPr/>
-        </p:nvSpPr>
-        <p:spPr bwMode="auto">
-          <a:xfrm>
-            <a:off x="917575" y="617537"/>
-            <a:ext cx="304800" cy="304801"/>
-          </a:xfrm>
-          <a:prstGeom prst="rect">
-            <a:avLst/>
-          </a:prstGeom>
-          <a:noFill/>
-          <a:extLst>
-            <a:ext uri="{909E8E84-426E-40DD-AFC4-6F175D3DCCD1}">
-              <a14:hiddenFill xmlns:a14="http://schemas.microsoft.com/office/drawing/2010/main">
-                <a:solidFill>
-                  <a:srgbClr val="FFFFFF"/>
-                </a:solidFill>
-              </a14:hiddenFill>
-            </a:ext>
-          </a:extLst>
-        </p:spPr>
-        <p:txBody>
-          <a:bodyPr vert="horz" wrap="square" lIns="91440" tIns="45720" rIns="91440" bIns="45720" numCol="1" anchor="t" anchorCtr="0" compatLnSpc="1">
-            <a:prstTxWarp prst="textNoShape">
-              <a:avLst/>
-            </a:prstTxWarp>
-          </a:bodyPr>
-          <a:lstStyle/>
-          <a:p>
-            <a:endParaRPr lang="fr-FR"/>
-          </a:p>
-        </p:txBody>
-      </p:sp>
-      <p:sp>
-        <p:nvSpPr>
-          <p:cNvPr id="9" name="AutoShape 10" descr="https://projet4.mybalsamiq.com/projects/spec/Consultation%20de%20documents.jpeg?version=9&amp;etag=XHJ8gpGTqtyLpFShCJ6oeFfWCMF_NOhr"/>
-          <p:cNvSpPr>
-            <a:spLocks noChangeAspect="1" noChangeArrowheads="1"/>
-          </p:cNvSpPr>
-          <p:nvPr/>
-        </p:nvSpPr>
-        <p:spPr bwMode="auto">
-          <a:xfrm>
-            <a:off x="1069975" y="769937"/>
-            <a:ext cx="304800" cy="304801"/>
-          </a:xfrm>
-          <a:prstGeom prst="rect">
-            <a:avLst/>
-          </a:prstGeom>
-          <a:noFill/>
-          <a:extLst>
-            <a:ext uri="{909E8E84-426E-40DD-AFC4-6F175D3DCCD1}">
-              <a14:hiddenFill xmlns:a14="http://schemas.microsoft.com/office/drawing/2010/main">
-                <a:solidFill>
-                  <a:srgbClr val="FFFFFF"/>
-                </a:solidFill>
-              </a14:hiddenFill>
-            </a:ext>
-          </a:extLst>
-        </p:spPr>
-        <p:txBody>
-          <a:bodyPr vert="horz" wrap="square" lIns="91440" tIns="45720" rIns="91440" bIns="45720" numCol="1" anchor="t" anchorCtr="0" compatLnSpc="1">
-            <a:prstTxWarp prst="textNoShape">
-              <a:avLst/>
-            </a:prstTxWarp>
-          </a:bodyPr>
-          <a:lstStyle/>
-          <a:p>
-            <a:endParaRPr lang="fr-FR"/>
-          </a:p>
-        </p:txBody>
-      </p:sp>
-      <p:sp>
-        <p:nvSpPr>
-          <p:cNvPr id="10" name="Espace réservé du numéro de diapositive 9"/>
-          <p:cNvSpPr>
-            <a:spLocks noGrp="1"/>
-          </p:cNvSpPr>
-          <p:nvPr>
-            <p:ph type="sldNum" sz="quarter" idx="12"/>
-          </p:nvPr>
-        </p:nvSpPr>
-        <p:spPr/>
-        <p:txBody>
-          <a:bodyPr/>
-          <a:lstStyle/>
-          <a:p>
-            <a:fld id="{EDA4C233-F16D-4FA8-AC9B-61C6F55E69AB}" type="slidenum">
-              <a:rPr lang="fr-FR" smtClean="0"/>
-              <a:t>5</a:t>
-            </a:fld>
-            <a:endParaRPr lang="fr-FR" dirty="0"/>
-          </a:p>
-        </p:txBody>
-      </p:sp>
-      <p:sp>
-        <p:nvSpPr>
-          <p:cNvPr id="11" name="ZoneTexte 10"/>
-          <p:cNvSpPr txBox="1"/>
-          <p:nvPr/>
-        </p:nvSpPr>
-        <p:spPr>
-          <a:xfrm>
-            <a:off x="1222375" y="1268760"/>
-            <a:ext cx="7310065" cy="2062103"/>
-          </a:xfrm>
-          <a:prstGeom prst="rect">
-            <a:avLst/>
-          </a:prstGeom>
-          <a:noFill/>
-        </p:spPr>
-        <p:txBody>
-          <a:bodyPr wrap="square" rtlCol="0">
-            <a:spAutoFit/>
-          </a:bodyPr>
-          <a:lstStyle/>
-          <a:p>
-            <a:pPr>
-              <a:lnSpc>
-                <a:spcPct val="200000"/>
-              </a:lnSpc>
-            </a:pPr>
-            <a:r>
-              <a:rPr lang="fr-FR" sz="2800" dirty="0" smtClean="0">
-                <a:solidFill>
-                  <a:srgbClr val="00A7AA"/>
-                </a:solidFill>
-                <a:latin typeface="+mj-lt"/>
-              </a:rPr>
-              <a:t>Visualiser</a:t>
-            </a:r>
-            <a:r>
-              <a:rPr lang="fr-FR" sz="2800" dirty="0" smtClean="0">
-                <a:solidFill>
-                  <a:srgbClr val="0563B8"/>
-                </a:solidFill>
-                <a:latin typeface="+mj-lt"/>
-              </a:rPr>
-              <a:t> les documents</a:t>
-            </a:r>
-          </a:p>
-          <a:p>
-            <a:pPr marL="742950" lvl="1" indent="-285750" fontAlgn="base">
-              <a:buFont typeface="Arial" panose="020B0604020202020204" pitchFamily="34" charset="0"/>
-              <a:buChar char="•"/>
-            </a:pPr>
-            <a:r>
-              <a:rPr lang="fr-FR" sz="2400" dirty="0" smtClean="0">
-                <a:solidFill>
-                  <a:srgbClr val="0563B8"/>
-                </a:solidFill>
-                <a:latin typeface="+mj-lt"/>
-              </a:rPr>
-              <a:t>Lire avec la même faciliter qu’en ayant</a:t>
-            </a:r>
-          </a:p>
-          <a:p>
-            <a:pPr fontAlgn="base"/>
-            <a:r>
-              <a:rPr lang="fr-FR" sz="2400" dirty="0">
-                <a:solidFill>
-                  <a:srgbClr val="0563B8"/>
-                </a:solidFill>
-                <a:latin typeface="+mj-lt"/>
-              </a:rPr>
-              <a:t> </a:t>
-            </a:r>
-            <a:r>
-              <a:rPr lang="fr-FR" sz="2400" dirty="0" smtClean="0">
-                <a:solidFill>
-                  <a:srgbClr val="0563B8"/>
-                </a:solidFill>
-                <a:latin typeface="+mj-lt"/>
-              </a:rPr>
-              <a:t>          le document d’origine</a:t>
-            </a:r>
-          </a:p>
-          <a:p>
-            <a:pPr marL="742950" lvl="1" indent="-285750" fontAlgn="base">
-              <a:buFont typeface="Arial" panose="020B0604020202020204" pitchFamily="34" charset="0"/>
-              <a:buChar char="•"/>
-            </a:pPr>
-            <a:r>
-              <a:rPr lang="fr-FR" sz="2400" dirty="0" smtClean="0">
-                <a:solidFill>
-                  <a:srgbClr val="0563B8"/>
-                </a:solidFill>
-                <a:latin typeface="+mj-lt"/>
-              </a:rPr>
-              <a:t>Faciliter l’accès aux documents</a:t>
-            </a:r>
-          </a:p>
-        </p:txBody>
-      </p:sp>
-      <p:sp>
-        <p:nvSpPr>
-          <p:cNvPr id="13" name="ZoneTexte 12"/>
-          <p:cNvSpPr txBox="1"/>
-          <p:nvPr/>
-        </p:nvSpPr>
-        <p:spPr>
-          <a:xfrm>
-            <a:off x="1222373" y="4103201"/>
-            <a:ext cx="6950027" cy="2062103"/>
-          </a:xfrm>
-          <a:prstGeom prst="rect">
-            <a:avLst/>
-          </a:prstGeom>
-          <a:noFill/>
-        </p:spPr>
-        <p:txBody>
-          <a:bodyPr wrap="square" rtlCol="0">
-            <a:spAutoFit/>
-          </a:bodyPr>
-          <a:lstStyle/>
-          <a:p>
-            <a:pPr>
-              <a:lnSpc>
-                <a:spcPct val="200000"/>
-              </a:lnSpc>
-            </a:pPr>
-            <a:r>
-              <a:rPr lang="fr-FR" sz="2800" dirty="0" smtClean="0">
-                <a:solidFill>
-                  <a:srgbClr val="00A7AA"/>
-                </a:solidFill>
-                <a:latin typeface="+mj-lt"/>
-              </a:rPr>
-              <a:t>Promouvoir</a:t>
-            </a:r>
-            <a:r>
-              <a:rPr lang="fr-FR" sz="2800" dirty="0" smtClean="0">
-                <a:solidFill>
-                  <a:srgbClr val="0563B8"/>
-                </a:solidFill>
-                <a:latin typeface="+mj-lt"/>
-              </a:rPr>
-              <a:t> les documents</a:t>
-            </a:r>
-          </a:p>
-          <a:p>
-            <a:pPr marL="742950" lvl="1" indent="-285750" fontAlgn="base">
-              <a:buFont typeface="Arial" panose="020B0604020202020204" pitchFamily="34" charset="0"/>
-              <a:buChar char="•"/>
-            </a:pPr>
-            <a:r>
-              <a:rPr lang="fr-FR" sz="2400" dirty="0">
-                <a:solidFill>
-                  <a:srgbClr val="0563B8"/>
-                </a:solidFill>
-                <a:latin typeface="+mj-lt"/>
-              </a:rPr>
-              <a:t>R</a:t>
-            </a:r>
-            <a:r>
-              <a:rPr lang="fr-FR" sz="2400" dirty="0" smtClean="0">
-                <a:solidFill>
-                  <a:srgbClr val="0563B8"/>
-                </a:solidFill>
-                <a:latin typeface="+mj-lt"/>
-              </a:rPr>
-              <a:t>echercher parmi des milliers de documents</a:t>
-            </a:r>
-          </a:p>
-          <a:p>
-            <a:pPr marL="742950" lvl="1" indent="-285750" fontAlgn="base">
-              <a:buFont typeface="Arial" panose="020B0604020202020204" pitchFamily="34" charset="0"/>
-              <a:buChar char="•"/>
-            </a:pPr>
-            <a:r>
-              <a:rPr lang="fr-FR" sz="2400" dirty="0" smtClean="0">
-                <a:solidFill>
-                  <a:srgbClr val="0563B8"/>
-                </a:solidFill>
-                <a:latin typeface="+mj-lt"/>
-              </a:rPr>
-              <a:t>Permettre à l’utilisateur de participer à cette mise en avant</a:t>
-            </a:r>
-          </a:p>
-        </p:txBody>
-      </p:sp>
-      <p:sp>
-        <p:nvSpPr>
-          <p:cNvPr id="14" name="ZoneTexte 13"/>
-          <p:cNvSpPr txBox="1"/>
-          <p:nvPr/>
-        </p:nvSpPr>
-        <p:spPr>
-          <a:xfrm>
-            <a:off x="1222375" y="3430741"/>
-            <a:ext cx="6950027" cy="646331"/>
-          </a:xfrm>
-          <a:prstGeom prst="rect">
-            <a:avLst/>
-          </a:prstGeom>
-          <a:noFill/>
-        </p:spPr>
-        <p:txBody>
-          <a:bodyPr wrap="square" rtlCol="0">
-            <a:spAutoFit/>
-          </a:bodyPr>
-          <a:lstStyle/>
-          <a:p>
-            <a:r>
-              <a:rPr lang="fr-FR" dirty="0" smtClean="0">
-                <a:solidFill>
-                  <a:srgbClr val="0563B8"/>
-                </a:solidFill>
-                <a:latin typeface="+mj-lt"/>
-              </a:rPr>
-              <a:t>Plateformes </a:t>
-            </a:r>
-            <a:r>
-              <a:rPr lang="fr-FR" dirty="0">
-                <a:solidFill>
-                  <a:srgbClr val="0563B8"/>
-                </a:solidFill>
-                <a:latin typeface="+mj-lt"/>
-              </a:rPr>
-              <a:t>web déjà existantes pour la consultation de </a:t>
-            </a:r>
-            <a:r>
-              <a:rPr lang="fr-FR" dirty="0" smtClean="0">
-                <a:solidFill>
-                  <a:srgbClr val="0563B8"/>
-                </a:solidFill>
-                <a:latin typeface="+mj-lt"/>
-              </a:rPr>
-              <a:t>documents </a:t>
-            </a:r>
-            <a:r>
-              <a:rPr lang="fr-FR" dirty="0">
-                <a:solidFill>
-                  <a:srgbClr val="0563B8"/>
-                </a:solidFill>
-                <a:latin typeface="+mj-lt"/>
-              </a:rPr>
-              <a:t>:</a:t>
-            </a:r>
-          </a:p>
-          <a:p>
-            <a:r>
-              <a:rPr lang="fr-FR" dirty="0">
-                <a:solidFill>
-                  <a:srgbClr val="0563B8"/>
-                </a:solidFill>
-                <a:latin typeface="+mj-lt"/>
-              </a:rPr>
-              <a:t>	</a:t>
-            </a:r>
-            <a:r>
-              <a:rPr lang="fr-FR" dirty="0" smtClean="0">
-                <a:solidFill>
-                  <a:srgbClr val="0563B8"/>
-                </a:solidFill>
-                <a:latin typeface="+mj-lt"/>
-              </a:rPr>
-              <a:t>Archives </a:t>
-            </a:r>
-            <a:r>
-              <a:rPr lang="fr-FR" dirty="0">
-                <a:solidFill>
-                  <a:srgbClr val="0563B8"/>
-                </a:solidFill>
-                <a:latin typeface="+mj-lt"/>
-              </a:rPr>
-              <a:t>des Yvelines, Mémoire des hommes, </a:t>
-            </a:r>
-            <a:r>
-              <a:rPr lang="fr-FR" dirty="0" err="1">
-                <a:solidFill>
-                  <a:srgbClr val="0563B8"/>
-                </a:solidFill>
-                <a:latin typeface="+mj-lt"/>
-              </a:rPr>
-              <a:t>Gallica</a:t>
-            </a:r>
-            <a:r>
-              <a:rPr lang="fr-FR" dirty="0">
-                <a:solidFill>
-                  <a:srgbClr val="0563B8"/>
-                </a:solidFill>
-                <a:latin typeface="+mj-lt"/>
-              </a:rPr>
-              <a:t>...</a:t>
-            </a:r>
-          </a:p>
-        </p:txBody>
-      </p:sp>
-      <p:sp>
-        <p:nvSpPr>
-          <p:cNvPr id="15" name="Ellipse 14"/>
-          <p:cNvSpPr/>
-          <p:nvPr/>
-        </p:nvSpPr>
-        <p:spPr>
-          <a:xfrm>
-            <a:off x="1079624" y="3574757"/>
-            <a:ext cx="108000" cy="108000"/>
-          </a:xfrm>
-          <a:prstGeom prst="ellipse">
-            <a:avLst/>
-          </a:prstGeom>
-          <a:solidFill>
-            <a:srgbClr val="0563B8"/>
-          </a:solidFill>
-          <a:ln>
-            <a:solidFill>
-              <a:srgbClr val="0563B8"/>
-            </a:solidFill>
-          </a:ln>
-        </p:spPr>
-        <p:style>
-          <a:lnRef idx="2">
-            <a:schemeClr val="accent1">
-              <a:shade val="50000"/>
-            </a:schemeClr>
-          </a:lnRef>
-          <a:fillRef idx="1">
-            <a:schemeClr val="accent1"/>
-          </a:fillRef>
-          <a:effectRef idx="0">
-            <a:schemeClr val="accent1"/>
-          </a:effectRef>
-          <a:fontRef idx="minor">
-            <a:schemeClr val="lt1"/>
-          </a:fontRef>
-        </p:style>
-        <p:txBody>
-          <a:bodyPr rtlCol="0" anchor="ctr"/>
-          <a:lstStyle/>
-          <a:p>
-            <a:pPr algn="ctr"/>
-            <a:endParaRPr lang="fr-FR"/>
-          </a:p>
-        </p:txBody>
-      </p:sp>
     </p:spTree>
     <p:extLst>
       <p:ext uri="{BB962C8B-B14F-4D97-AF65-F5344CB8AC3E}">
-        <p14:creationId xmlns:p14="http://schemas.microsoft.com/office/powerpoint/2010/main" val="2390390179"/>
+        <p14:creationId xmlns:p14="http://schemas.microsoft.com/office/powerpoint/2010/main" val="1343765801"/>
       </p:ext>
     </p:extLst>
   </p:cSld>
@@ -11200,36 +13606,35 @@
         </p:nvSpPr>
         <p:spPr>
           <a:xfrm>
-            <a:off x="251520" y="116632"/>
-            <a:ext cx="6624736" cy="1080120"/>
+            <a:off x="457200" y="2857500"/>
+            <a:ext cx="8229600" cy="1143000"/>
           </a:xfrm>
         </p:spPr>
         <p:txBody>
           <a:bodyPr>
-            <a:normAutofit/>
+            <a:normAutofit fontScale="90000"/>
           </a:bodyPr>
           <a:lstStyle/>
           <a:p>
-            <a:pPr algn="l"/>
-            <a:r>
-              <a:rPr lang="fr-FR" sz="3200" dirty="0" smtClean="0">
+            <a:r>
+              <a:rPr lang="fr-FR" dirty="0" smtClean="0">
                 <a:solidFill>
                   <a:srgbClr val="0563B8"/>
                 </a:solidFill>
                 <a:latin typeface="Montserrat" panose="02000505000000020004" pitchFamily="2" charset="0"/>
               </a:rPr>
-              <a:t>Solution </a:t>
-            </a:r>
-            <a:r>
-              <a:rPr lang="fr-FR" sz="3200" dirty="0" smtClean="0">
+              <a:t>Spécifications </a:t>
+            </a:r>
+            <a:r>
+              <a:rPr lang="fr-FR" dirty="0" smtClean="0">
                 <a:solidFill>
                   <a:srgbClr val="00A7AA"/>
                 </a:solidFill>
                 <a:latin typeface="Montserrat" panose="02000505000000020004" pitchFamily="2" charset="0"/>
               </a:rPr>
-              <a:t>proposée</a:t>
-            </a:r>
-            <a:endParaRPr lang="fr-FR" sz="3200" dirty="0">
+              <a:t>fonctionnelles</a:t>
+            </a:r>
+            <a:endParaRPr lang="fr-FR" dirty="0">
               <a:solidFill>
                 <a:srgbClr val="00A7AA"/>
               </a:solidFill>
@@ -11240,280 +13645,7 @@
       </p:sp>
       <p:sp>
         <p:nvSpPr>
-          <p:cNvPr id="3" name="AutoShape 2" descr="https://gitlab.insa-rennes.fr/francois-boschet/gutemberg/raw/master/report/2_spec/figures/consultation.png"/>
-          <p:cNvSpPr>
-            <a:spLocks noChangeAspect="1" noChangeArrowheads="1"/>
-          </p:cNvSpPr>
-          <p:nvPr/>
-        </p:nvSpPr>
-        <p:spPr bwMode="auto">
-          <a:xfrm>
-            <a:off x="155575" y="-144463"/>
-            <a:ext cx="304800" cy="304801"/>
-          </a:xfrm>
-          <a:prstGeom prst="rect">
-            <a:avLst/>
-          </a:prstGeom>
-          <a:noFill/>
-          <a:extLst>
-            <a:ext uri="{909E8E84-426E-40DD-AFC4-6F175D3DCCD1}">
-              <a14:hiddenFill xmlns:a14="http://schemas.microsoft.com/office/drawing/2010/main">
-                <a:solidFill>
-                  <a:srgbClr val="FFFFFF"/>
-                </a:solidFill>
-              </a14:hiddenFill>
-            </a:ext>
-          </a:extLst>
-        </p:spPr>
-        <p:txBody>
-          <a:bodyPr vert="horz" wrap="square" lIns="91440" tIns="45720" rIns="91440" bIns="45720" numCol="1" anchor="t" anchorCtr="0" compatLnSpc="1">
-            <a:prstTxWarp prst="textNoShape">
-              <a:avLst/>
-            </a:prstTxWarp>
-          </a:bodyPr>
-          <a:lstStyle/>
-          <a:p>
-            <a:endParaRPr lang="fr-FR"/>
-          </a:p>
-        </p:txBody>
-      </p:sp>
-      <p:sp>
-        <p:nvSpPr>
-          <p:cNvPr id="4" name="AutoShape 4" descr="https://gitlab.insa-rennes.fr/francois-boschet/gutemberg/raw/master/report/2_spec/figures/consultation.png"/>
-          <p:cNvSpPr>
-            <a:spLocks noChangeAspect="1" noChangeArrowheads="1"/>
-          </p:cNvSpPr>
-          <p:nvPr/>
-        </p:nvSpPr>
-        <p:spPr bwMode="auto">
-          <a:xfrm>
-            <a:off x="307975" y="7937"/>
-            <a:ext cx="304800" cy="304801"/>
-          </a:xfrm>
-          <a:prstGeom prst="rect">
-            <a:avLst/>
-          </a:prstGeom>
-          <a:noFill/>
-          <a:extLst>
-            <a:ext uri="{909E8E84-426E-40DD-AFC4-6F175D3DCCD1}">
-              <a14:hiddenFill xmlns:a14="http://schemas.microsoft.com/office/drawing/2010/main">
-                <a:solidFill>
-                  <a:srgbClr val="FFFFFF"/>
-                </a:solidFill>
-              </a14:hiddenFill>
-            </a:ext>
-          </a:extLst>
-        </p:spPr>
-        <p:txBody>
-          <a:bodyPr vert="horz" wrap="square" lIns="91440" tIns="45720" rIns="91440" bIns="45720" numCol="1" anchor="t" anchorCtr="0" compatLnSpc="1">
-            <a:prstTxWarp prst="textNoShape">
-              <a:avLst/>
-            </a:prstTxWarp>
-          </a:bodyPr>
-          <a:lstStyle/>
-          <a:p>
-            <a:endParaRPr lang="fr-FR"/>
-          </a:p>
-        </p:txBody>
-      </p:sp>
-      <p:sp>
-        <p:nvSpPr>
-          <p:cNvPr id="5" name="AutoShape 2" descr="https://projet4.mybalsamiq.com/projects/spec/Consultation%20de%20documents.jpeg?version=9&amp;etag=XHJ8gpGTqtyLpFShCJ6oeFfWCMF_NOhr"/>
-          <p:cNvSpPr>
-            <a:spLocks noChangeAspect="1" noChangeArrowheads="1"/>
-          </p:cNvSpPr>
-          <p:nvPr/>
-        </p:nvSpPr>
-        <p:spPr bwMode="auto">
-          <a:xfrm>
-            <a:off x="460375" y="160337"/>
-            <a:ext cx="304800" cy="304801"/>
-          </a:xfrm>
-          <a:prstGeom prst="rect">
-            <a:avLst/>
-          </a:prstGeom>
-          <a:noFill/>
-          <a:extLst>
-            <a:ext uri="{909E8E84-426E-40DD-AFC4-6F175D3DCCD1}">
-              <a14:hiddenFill xmlns:a14="http://schemas.microsoft.com/office/drawing/2010/main">
-                <a:solidFill>
-                  <a:srgbClr val="FFFFFF"/>
-                </a:solidFill>
-              </a14:hiddenFill>
-            </a:ext>
-          </a:extLst>
-        </p:spPr>
-        <p:txBody>
-          <a:bodyPr vert="horz" wrap="square" lIns="91440" tIns="45720" rIns="91440" bIns="45720" numCol="1" anchor="t" anchorCtr="0" compatLnSpc="1">
-            <a:prstTxWarp prst="textNoShape">
-              <a:avLst/>
-            </a:prstTxWarp>
-          </a:bodyPr>
-          <a:lstStyle/>
-          <a:p>
-            <a:endParaRPr lang="fr-FR"/>
-          </a:p>
-        </p:txBody>
-      </p:sp>
-      <p:sp>
-        <p:nvSpPr>
-          <p:cNvPr id="6" name="AutoShape 4" descr="https://projet4.mybalsamiq.com/projects/spec/Consultation%20de%20documents.jpeg?version=9&amp;etag=XHJ8gpGTqtyLpFShCJ6oeFfWCMF_NOhr"/>
-          <p:cNvSpPr>
-            <a:spLocks noChangeAspect="1" noChangeArrowheads="1"/>
-          </p:cNvSpPr>
-          <p:nvPr/>
-        </p:nvSpPr>
-        <p:spPr bwMode="auto">
-          <a:xfrm>
-            <a:off x="612775" y="312737"/>
-            <a:ext cx="304800" cy="304801"/>
-          </a:xfrm>
-          <a:prstGeom prst="rect">
-            <a:avLst/>
-          </a:prstGeom>
-          <a:noFill/>
-          <a:extLst>
-            <a:ext uri="{909E8E84-426E-40DD-AFC4-6F175D3DCCD1}">
-              <a14:hiddenFill xmlns:a14="http://schemas.microsoft.com/office/drawing/2010/main">
-                <a:solidFill>
-                  <a:srgbClr val="FFFFFF"/>
-                </a:solidFill>
-              </a14:hiddenFill>
-            </a:ext>
-          </a:extLst>
-        </p:spPr>
-        <p:txBody>
-          <a:bodyPr vert="horz" wrap="square" lIns="91440" tIns="45720" rIns="91440" bIns="45720" numCol="1" anchor="t" anchorCtr="0" compatLnSpc="1">
-            <a:prstTxWarp prst="textNoShape">
-              <a:avLst/>
-            </a:prstTxWarp>
-          </a:bodyPr>
-          <a:lstStyle/>
-          <a:p>
-            <a:endParaRPr lang="fr-FR"/>
-          </a:p>
-        </p:txBody>
-      </p:sp>
-      <p:sp>
-        <p:nvSpPr>
-          <p:cNvPr id="7" name="AutoShape 6" descr="https://projet4.mybalsamiq.com/projects/spec/Consultation%20de%20documents.jpeg?version=9&amp;etag=XHJ8gpGTqtyLpFShCJ6oeFfWCMF_NOhr"/>
-          <p:cNvSpPr>
-            <a:spLocks noChangeAspect="1" noChangeArrowheads="1"/>
-          </p:cNvSpPr>
-          <p:nvPr/>
-        </p:nvSpPr>
-        <p:spPr bwMode="auto">
-          <a:xfrm>
-            <a:off x="765175" y="465137"/>
-            <a:ext cx="304800" cy="304801"/>
-          </a:xfrm>
-          <a:prstGeom prst="rect">
-            <a:avLst/>
-          </a:prstGeom>
-          <a:noFill/>
-          <a:extLst>
-            <a:ext uri="{909E8E84-426E-40DD-AFC4-6F175D3DCCD1}">
-              <a14:hiddenFill xmlns:a14="http://schemas.microsoft.com/office/drawing/2010/main">
-                <a:solidFill>
-                  <a:srgbClr val="FFFFFF"/>
-                </a:solidFill>
-              </a14:hiddenFill>
-            </a:ext>
-          </a:extLst>
-        </p:spPr>
-        <p:txBody>
-          <a:bodyPr vert="horz" wrap="square" lIns="91440" tIns="45720" rIns="91440" bIns="45720" numCol="1" anchor="t" anchorCtr="0" compatLnSpc="1">
-            <a:prstTxWarp prst="textNoShape">
-              <a:avLst/>
-            </a:prstTxWarp>
-          </a:bodyPr>
-          <a:lstStyle/>
-          <a:p>
-            <a:endParaRPr lang="fr-FR"/>
-          </a:p>
-        </p:txBody>
-      </p:sp>
-      <p:sp>
-        <p:nvSpPr>
-          <p:cNvPr id="8" name="AutoShape 8" descr="https://projet4.mybalsamiq.com/projects/spec/Consultation%20de%20documents.jpeg?version=9&amp;etag=XHJ8gpGTqtyLpFShCJ6oeFfWCMF_NOhr"/>
-          <p:cNvSpPr>
-            <a:spLocks noChangeAspect="1" noChangeArrowheads="1"/>
-          </p:cNvSpPr>
-          <p:nvPr/>
-        </p:nvSpPr>
-        <p:spPr bwMode="auto">
-          <a:xfrm>
-            <a:off x="917575" y="617537"/>
-            <a:ext cx="304800" cy="304801"/>
-          </a:xfrm>
-          <a:prstGeom prst="rect">
-            <a:avLst/>
-          </a:prstGeom>
-          <a:noFill/>
-          <a:extLst>
-            <a:ext uri="{909E8E84-426E-40DD-AFC4-6F175D3DCCD1}">
-              <a14:hiddenFill xmlns:a14="http://schemas.microsoft.com/office/drawing/2010/main">
-                <a:solidFill>
-                  <a:srgbClr val="FFFFFF"/>
-                </a:solidFill>
-              </a14:hiddenFill>
-            </a:ext>
-          </a:extLst>
-        </p:spPr>
-        <p:txBody>
-          <a:bodyPr vert="horz" wrap="square" lIns="91440" tIns="45720" rIns="91440" bIns="45720" numCol="1" anchor="t" anchorCtr="0" compatLnSpc="1">
-            <a:prstTxWarp prst="textNoShape">
-              <a:avLst/>
-            </a:prstTxWarp>
-          </a:bodyPr>
-          <a:lstStyle/>
-          <a:p>
-            <a:endParaRPr lang="fr-FR"/>
-          </a:p>
-        </p:txBody>
-      </p:sp>
-      <p:sp>
-        <p:nvSpPr>
-          <p:cNvPr id="9" name="AutoShape 10" descr="https://projet4.mybalsamiq.com/projects/spec/Consultation%20de%20documents.jpeg?version=9&amp;etag=XHJ8gpGTqtyLpFShCJ6oeFfWCMF_NOhr"/>
-          <p:cNvSpPr>
-            <a:spLocks noChangeAspect="1" noChangeArrowheads="1"/>
-          </p:cNvSpPr>
-          <p:nvPr/>
-        </p:nvSpPr>
-        <p:spPr bwMode="auto">
-          <a:xfrm>
-            <a:off x="1069975" y="769937"/>
-            <a:ext cx="304800" cy="304801"/>
-          </a:xfrm>
-          <a:prstGeom prst="rect">
-            <a:avLst/>
-          </a:prstGeom>
-          <a:noFill/>
-          <a:extLst>
-            <a:ext uri="{909E8E84-426E-40DD-AFC4-6F175D3DCCD1}">
-              <a14:hiddenFill xmlns:a14="http://schemas.microsoft.com/office/drawing/2010/main">
-                <a:solidFill>
-                  <a:srgbClr val="FFFFFF"/>
-                </a:solidFill>
-              </a14:hiddenFill>
-            </a:ext>
-          </a:extLst>
-        </p:spPr>
-        <p:txBody>
-          <a:bodyPr vert="horz" wrap="square" lIns="91440" tIns="45720" rIns="91440" bIns="45720" numCol="1" anchor="t" anchorCtr="0" compatLnSpc="1">
-            <a:prstTxWarp prst="textNoShape">
-              <a:avLst/>
-            </a:prstTxWarp>
-          </a:bodyPr>
-          <a:lstStyle/>
-          <a:p>
-            <a:endParaRPr lang="fr-FR"/>
-          </a:p>
-        </p:txBody>
-      </p:sp>
-      <p:sp>
-        <p:nvSpPr>
-          <p:cNvPr id="10" name="Espace réservé du numéro de diapositive 9"/>
+          <p:cNvPr id="3" name="Espace réservé du numéro de diapositive 2"/>
           <p:cNvSpPr>
             <a:spLocks noGrp="1"/>
           </p:cNvSpPr>
@@ -11530,327 +13662,14 @@
               <a:rPr lang="fr-FR" smtClean="0"/>
               <a:t>6</a:t>
             </a:fld>
-            <a:endParaRPr lang="fr-FR" dirty="0"/>
-          </a:p>
-        </p:txBody>
-      </p:sp>
-      <p:sp>
-        <p:nvSpPr>
-          <p:cNvPr id="11" name="ZoneTexte 10"/>
-          <p:cNvSpPr txBox="1"/>
-          <p:nvPr/>
-        </p:nvSpPr>
-        <p:spPr>
-          <a:xfrm>
-            <a:off x="395536" y="1556792"/>
-            <a:ext cx="3744415" cy="3416320"/>
-          </a:xfrm>
-          <a:prstGeom prst="rect">
-            <a:avLst/>
-          </a:prstGeom>
-          <a:noFill/>
-        </p:spPr>
-        <p:txBody>
-          <a:bodyPr wrap="square" rtlCol="0">
-            <a:spAutoFit/>
-          </a:bodyPr>
-          <a:lstStyle/>
-          <a:p>
-            <a:pPr>
-              <a:lnSpc>
-                <a:spcPct val="300000"/>
-              </a:lnSpc>
-            </a:pPr>
-            <a:r>
-              <a:rPr lang="fr-FR" sz="2400" dirty="0" smtClean="0">
-                <a:solidFill>
-                  <a:srgbClr val="00A7AA"/>
-                </a:solidFill>
-                <a:latin typeface="+mj-lt"/>
-              </a:rPr>
-              <a:t>Accéder</a:t>
-            </a:r>
-            <a:r>
-              <a:rPr lang="fr-FR" sz="2400" dirty="0" smtClean="0">
-                <a:solidFill>
-                  <a:srgbClr val="0563B8"/>
-                </a:solidFill>
-                <a:latin typeface="+mj-lt"/>
-              </a:rPr>
-              <a:t> à l’information ?</a:t>
-            </a:r>
-          </a:p>
-          <a:p>
-            <a:pPr>
-              <a:lnSpc>
-                <a:spcPct val="300000"/>
-              </a:lnSpc>
-            </a:pPr>
-            <a:r>
-              <a:rPr lang="fr-FR" sz="2400" dirty="0" smtClean="0">
-                <a:solidFill>
-                  <a:srgbClr val="00A7AA"/>
-                </a:solidFill>
-                <a:latin typeface="+mj-lt"/>
-              </a:rPr>
-              <a:t>Visualiser</a:t>
-            </a:r>
-            <a:r>
-              <a:rPr lang="fr-FR" sz="2400" dirty="0" smtClean="0">
-                <a:solidFill>
-                  <a:srgbClr val="0563B8"/>
-                </a:solidFill>
-                <a:latin typeface="+mj-lt"/>
-              </a:rPr>
-              <a:t> le document ?</a:t>
-            </a:r>
-          </a:p>
-          <a:p>
-            <a:pPr>
-              <a:lnSpc>
-                <a:spcPct val="300000"/>
-              </a:lnSpc>
-            </a:pPr>
-            <a:r>
-              <a:rPr lang="fr-FR" sz="2400" dirty="0" smtClean="0">
-                <a:solidFill>
-                  <a:srgbClr val="00A7AA"/>
-                </a:solidFill>
-                <a:latin typeface="+mj-lt"/>
-              </a:rPr>
-              <a:t>Promouvoir</a:t>
-            </a:r>
-            <a:r>
-              <a:rPr lang="fr-FR" sz="2400" dirty="0" smtClean="0">
-                <a:solidFill>
-                  <a:srgbClr val="0563B8"/>
-                </a:solidFill>
-                <a:latin typeface="+mj-lt"/>
-              </a:rPr>
-              <a:t> les documents ?</a:t>
-            </a:r>
-          </a:p>
-        </p:txBody>
-      </p:sp>
-      <p:sp>
-        <p:nvSpPr>
-          <p:cNvPr id="16" name="ZoneTexte 15"/>
-          <p:cNvSpPr txBox="1"/>
-          <p:nvPr/>
-        </p:nvSpPr>
-        <p:spPr>
-          <a:xfrm>
-            <a:off x="5292080" y="1556792"/>
-            <a:ext cx="3960440" cy="3416320"/>
-          </a:xfrm>
-          <a:prstGeom prst="rect">
-            <a:avLst/>
-          </a:prstGeom>
-          <a:noFill/>
-        </p:spPr>
-        <p:txBody>
-          <a:bodyPr wrap="square" rtlCol="0">
-            <a:spAutoFit/>
-          </a:bodyPr>
-          <a:lstStyle/>
-          <a:p>
-            <a:pPr>
-              <a:lnSpc>
-                <a:spcPct val="300000"/>
-              </a:lnSpc>
-            </a:pPr>
-            <a:r>
-              <a:rPr lang="fr-FR" sz="2400" dirty="0" smtClean="0">
-                <a:solidFill>
-                  <a:srgbClr val="0563B8"/>
-                </a:solidFill>
-                <a:latin typeface="+mj-lt"/>
-              </a:rPr>
-              <a:t>Moteur de recherche</a:t>
-            </a:r>
-          </a:p>
-          <a:p>
-            <a:pPr>
-              <a:lnSpc>
-                <a:spcPct val="300000"/>
-              </a:lnSpc>
-            </a:pPr>
-            <a:r>
-              <a:rPr lang="fr-FR" sz="2400" dirty="0" smtClean="0">
-                <a:solidFill>
-                  <a:srgbClr val="0563B8"/>
-                </a:solidFill>
-                <a:latin typeface="+mj-lt"/>
-              </a:rPr>
-              <a:t>Visionneuse de documents</a:t>
-            </a:r>
-          </a:p>
-          <a:p>
-            <a:pPr>
-              <a:lnSpc>
-                <a:spcPct val="300000"/>
-              </a:lnSpc>
-            </a:pPr>
-            <a:r>
-              <a:rPr lang="fr-FR" sz="2400" dirty="0" smtClean="0">
-                <a:solidFill>
-                  <a:srgbClr val="0563B8"/>
-                </a:solidFill>
-                <a:latin typeface="+mj-lt"/>
-              </a:rPr>
-              <a:t>Revues de presses</a:t>
-            </a:r>
-          </a:p>
-        </p:txBody>
-      </p:sp>
-      <p:cxnSp>
-        <p:nvCxnSpPr>
-          <p:cNvPr id="17" name="Connecteur droit avec flèche 16"/>
-          <p:cNvCxnSpPr/>
-          <p:nvPr/>
-        </p:nvCxnSpPr>
-        <p:spPr>
-          <a:xfrm>
-            <a:off x="3923928" y="2348880"/>
-            <a:ext cx="1152128" cy="0"/>
-          </a:xfrm>
-          <a:prstGeom prst="straightConnector1">
-            <a:avLst/>
-          </a:prstGeom>
-          <a:ln w="57150">
-            <a:tailEnd type="arrow"/>
-          </a:ln>
-        </p:spPr>
-        <p:style>
-          <a:lnRef idx="1">
-            <a:schemeClr val="accent1"/>
-          </a:lnRef>
-          <a:fillRef idx="0">
-            <a:schemeClr val="accent1"/>
-          </a:fillRef>
-          <a:effectRef idx="0">
-            <a:schemeClr val="accent1"/>
-          </a:effectRef>
-          <a:fontRef idx="minor">
-            <a:schemeClr val="tx1"/>
-          </a:fontRef>
-        </p:style>
-      </p:cxnSp>
-      <p:cxnSp>
-        <p:nvCxnSpPr>
-          <p:cNvPr id="18" name="Connecteur droit avec flèche 17"/>
-          <p:cNvCxnSpPr/>
-          <p:nvPr/>
-        </p:nvCxnSpPr>
-        <p:spPr>
-          <a:xfrm>
-            <a:off x="4228728" y="4509120"/>
-            <a:ext cx="847328" cy="0"/>
-          </a:xfrm>
-          <a:prstGeom prst="straightConnector1">
-            <a:avLst/>
-          </a:prstGeom>
-          <a:ln w="57150">
-            <a:tailEnd type="arrow"/>
-          </a:ln>
-        </p:spPr>
-        <p:style>
-          <a:lnRef idx="1">
-            <a:schemeClr val="accent1"/>
-          </a:lnRef>
-          <a:fillRef idx="0">
-            <a:schemeClr val="accent1"/>
-          </a:fillRef>
-          <a:effectRef idx="0">
-            <a:schemeClr val="accent1"/>
-          </a:effectRef>
-          <a:fontRef idx="minor">
-            <a:schemeClr val="tx1"/>
-          </a:fontRef>
-        </p:style>
-      </p:cxnSp>
-      <p:cxnSp>
-        <p:nvCxnSpPr>
-          <p:cNvPr id="19" name="Connecteur droit avec flèche 18"/>
-          <p:cNvCxnSpPr/>
-          <p:nvPr/>
-        </p:nvCxnSpPr>
-        <p:spPr>
-          <a:xfrm>
-            <a:off x="3923928" y="3429000"/>
-            <a:ext cx="1152128" cy="0"/>
-          </a:xfrm>
-          <a:prstGeom prst="straightConnector1">
-            <a:avLst/>
-          </a:prstGeom>
-          <a:ln w="57150">
-            <a:tailEnd type="arrow"/>
-          </a:ln>
-        </p:spPr>
-        <p:style>
-          <a:lnRef idx="1">
-            <a:schemeClr val="accent1"/>
-          </a:lnRef>
-          <a:fillRef idx="0">
-            <a:schemeClr val="accent1"/>
-          </a:fillRef>
-          <a:effectRef idx="0">
-            <a:schemeClr val="accent1"/>
-          </a:effectRef>
-          <a:fontRef idx="minor">
-            <a:schemeClr val="tx1"/>
-          </a:fontRef>
-        </p:style>
-      </p:cxnSp>
-      <p:sp>
-        <p:nvSpPr>
-          <p:cNvPr id="21" name="Rectangle 20"/>
-          <p:cNvSpPr/>
-          <p:nvPr/>
-        </p:nvSpPr>
-        <p:spPr>
-          <a:xfrm>
-            <a:off x="5324064" y="4725144"/>
-            <a:ext cx="3856448" cy="584775"/>
-          </a:xfrm>
-          <a:prstGeom prst="rect">
-            <a:avLst/>
-          </a:prstGeom>
-        </p:spPr>
-        <p:txBody>
-          <a:bodyPr wrap="square">
-            <a:spAutoFit/>
-          </a:bodyPr>
-          <a:lstStyle/>
-          <a:p>
-            <a:r>
-              <a:rPr lang="fr-FR" sz="1600" dirty="0">
-                <a:solidFill>
-                  <a:srgbClr val="0563B8"/>
-                </a:solidFill>
-              </a:rPr>
-              <a:t>Ensemble d’articles ayant un thème, une date, … en </a:t>
-            </a:r>
-            <a:r>
-              <a:rPr lang="fr-FR" sz="1600" dirty="0" smtClean="0">
-                <a:solidFill>
-                  <a:srgbClr val="0563B8"/>
-                </a:solidFill>
-              </a:rPr>
-              <a:t>commun</a:t>
-            </a:r>
-            <a:endParaRPr lang="fr-FR" sz="1600" dirty="0">
-              <a:solidFill>
-                <a:srgbClr val="0563B8"/>
-              </a:solidFill>
-            </a:endParaRPr>
+            <a:endParaRPr lang="fr-FR"/>
           </a:p>
         </p:txBody>
       </p:sp>
     </p:spTree>
     <p:extLst>
       <p:ext uri="{BB962C8B-B14F-4D97-AF65-F5344CB8AC3E}">
-        <p14:creationId xmlns:p14="http://schemas.microsoft.com/office/powerpoint/2010/main" val="1983093185"/>
+        <p14:creationId xmlns:p14="http://schemas.microsoft.com/office/powerpoint/2010/main" val="2828518651"/>
       </p:ext>
     </p:extLst>
   </p:cSld>
@@ -11896,35 +13715,36 @@
         </p:nvSpPr>
         <p:spPr>
           <a:xfrm>
-            <a:off x="457200" y="2857500"/>
-            <a:ext cx="8229600" cy="1143000"/>
+            <a:off x="251520" y="116632"/>
+            <a:ext cx="6624736" cy="1080120"/>
           </a:xfrm>
         </p:spPr>
         <p:txBody>
           <a:bodyPr>
-            <a:normAutofit fontScale="90000"/>
+            <a:normAutofit/>
           </a:bodyPr>
           <a:lstStyle/>
           <a:p>
-            <a:r>
-              <a:rPr lang="fr-FR" dirty="0" smtClean="0">
+            <a:pPr algn="l"/>
+            <a:r>
+              <a:rPr lang="fr-FR" sz="3200" dirty="0" smtClean="0">
                 <a:solidFill>
                   <a:srgbClr val="0563B8"/>
                 </a:solidFill>
                 <a:latin typeface="Montserrat" panose="02000505000000020004" pitchFamily="2" charset="0"/>
               </a:rPr>
-              <a:t>Spécifications </a:t>
-            </a:r>
-            <a:r>
-              <a:rPr lang="fr-FR" dirty="0" smtClean="0">
+              <a:t>Page </a:t>
+            </a:r>
+            <a:r>
+              <a:rPr lang="fr-FR" sz="3200" dirty="0" smtClean="0">
                 <a:solidFill>
                   <a:srgbClr val="00A7AA"/>
                 </a:solidFill>
                 <a:latin typeface="Montserrat" panose="02000505000000020004" pitchFamily="2" charset="0"/>
               </a:rPr>
-              <a:t>fonctionnelles</a:t>
-            </a:r>
-            <a:endParaRPr lang="fr-FR" dirty="0">
+              <a:t>d’Accueil</a:t>
+            </a:r>
+            <a:endParaRPr lang="fr-FR" sz="3200" dirty="0">
               <a:solidFill>
                 <a:srgbClr val="00A7AA"/>
               </a:solidFill>
@@ -11935,31 +13755,899 @@
       </p:sp>
       <p:sp>
         <p:nvSpPr>
-          <p:cNvPr id="3" name="Espace réservé du numéro de diapositive 2"/>
+          <p:cNvPr id="3" name="AutoShape 2" descr="https://gitlab.insa-rennes.fr/francois-boschet/gutemberg/raw/master/report/2_spec/figures/consultation.png"/>
           <p:cNvSpPr>
-            <a:spLocks noGrp="1"/>
+            <a:spLocks noChangeAspect="1" noChangeArrowheads="1"/>
           </p:cNvSpPr>
-          <p:nvPr>
-            <p:ph type="sldNum" sz="quarter" idx="12"/>
-          </p:nvPr>
-        </p:nvSpPr>
-        <p:spPr/>
-        <p:txBody>
-          <a:bodyPr/>
+          <p:nvPr/>
+        </p:nvSpPr>
+        <p:spPr bwMode="auto">
+          <a:xfrm>
+            <a:off x="155575" y="-144463"/>
+            <a:ext cx="304800" cy="304801"/>
+          </a:xfrm>
+          <a:prstGeom prst="rect">
+            <a:avLst/>
+          </a:prstGeom>
+          <a:noFill/>
+          <a:extLst>
+            <a:ext uri="{909E8E84-426E-40DD-AFC4-6F175D3DCCD1}">
+              <a14:hiddenFill xmlns:a14="http://schemas.microsoft.com/office/drawing/2010/main">
+                <a:solidFill>
+                  <a:srgbClr val="FFFFFF"/>
+                </a:solidFill>
+              </a14:hiddenFill>
+            </a:ext>
+          </a:extLst>
+        </p:spPr>
+        <p:txBody>
+          <a:bodyPr vert="horz" wrap="square" lIns="91440" tIns="45720" rIns="91440" bIns="45720" numCol="1" anchor="t" anchorCtr="0" compatLnSpc="1">
+            <a:prstTxWarp prst="textNoShape">
+              <a:avLst/>
+            </a:prstTxWarp>
+          </a:bodyPr>
           <a:lstStyle/>
+          <a:p>
+            <a:endParaRPr lang="fr-FR"/>
+          </a:p>
+        </p:txBody>
+      </p:sp>
+      <p:sp>
+        <p:nvSpPr>
+          <p:cNvPr id="4" name="AutoShape 4" descr="https://gitlab.insa-rennes.fr/francois-boschet/gutemberg/raw/master/report/2_spec/figures/consultation.png"/>
+          <p:cNvSpPr>
+            <a:spLocks noChangeAspect="1" noChangeArrowheads="1"/>
+          </p:cNvSpPr>
+          <p:nvPr/>
+        </p:nvSpPr>
+        <p:spPr bwMode="auto">
+          <a:xfrm>
+            <a:off x="307975" y="7937"/>
+            <a:ext cx="304800" cy="304801"/>
+          </a:xfrm>
+          <a:prstGeom prst="rect">
+            <a:avLst/>
+          </a:prstGeom>
+          <a:noFill/>
+          <a:extLst>
+            <a:ext uri="{909E8E84-426E-40DD-AFC4-6F175D3DCCD1}">
+              <a14:hiddenFill xmlns:a14="http://schemas.microsoft.com/office/drawing/2010/main">
+                <a:solidFill>
+                  <a:srgbClr val="FFFFFF"/>
+                </a:solidFill>
+              </a14:hiddenFill>
+            </a:ext>
+          </a:extLst>
+        </p:spPr>
+        <p:txBody>
+          <a:bodyPr vert="horz" wrap="square" lIns="91440" tIns="45720" rIns="91440" bIns="45720" numCol="1" anchor="t" anchorCtr="0" compatLnSpc="1">
+            <a:prstTxWarp prst="textNoShape">
+              <a:avLst/>
+            </a:prstTxWarp>
+          </a:bodyPr>
+          <a:lstStyle/>
+          <a:p>
+            <a:endParaRPr lang="fr-FR"/>
+          </a:p>
+        </p:txBody>
+      </p:sp>
+      <p:sp>
+        <p:nvSpPr>
+          <p:cNvPr id="5" name="AutoShape 2" descr="https://projet4.mybalsamiq.com/projects/spec/Consultation%20de%20documents.jpeg?version=9&amp;etag=XHJ8gpGTqtyLpFShCJ6oeFfWCMF_NOhr"/>
+          <p:cNvSpPr>
+            <a:spLocks noChangeAspect="1" noChangeArrowheads="1"/>
+          </p:cNvSpPr>
+          <p:nvPr/>
+        </p:nvSpPr>
+        <p:spPr bwMode="auto">
+          <a:xfrm>
+            <a:off x="460375" y="160337"/>
+            <a:ext cx="304800" cy="304801"/>
+          </a:xfrm>
+          <a:prstGeom prst="rect">
+            <a:avLst/>
+          </a:prstGeom>
+          <a:noFill/>
+          <a:extLst>
+            <a:ext uri="{909E8E84-426E-40DD-AFC4-6F175D3DCCD1}">
+              <a14:hiddenFill xmlns:a14="http://schemas.microsoft.com/office/drawing/2010/main">
+                <a:solidFill>
+                  <a:srgbClr val="FFFFFF"/>
+                </a:solidFill>
+              </a14:hiddenFill>
+            </a:ext>
+          </a:extLst>
+        </p:spPr>
+        <p:txBody>
+          <a:bodyPr vert="horz" wrap="square" lIns="91440" tIns="45720" rIns="91440" bIns="45720" numCol="1" anchor="t" anchorCtr="0" compatLnSpc="1">
+            <a:prstTxWarp prst="textNoShape">
+              <a:avLst/>
+            </a:prstTxWarp>
+          </a:bodyPr>
+          <a:lstStyle/>
+          <a:p>
+            <a:endParaRPr lang="fr-FR"/>
+          </a:p>
+        </p:txBody>
+      </p:sp>
+      <p:sp>
+        <p:nvSpPr>
+          <p:cNvPr id="6" name="AutoShape 4" descr="https://projet4.mybalsamiq.com/projects/spec/Consultation%20de%20documents.jpeg?version=9&amp;etag=XHJ8gpGTqtyLpFShCJ6oeFfWCMF_NOhr"/>
+          <p:cNvSpPr>
+            <a:spLocks noChangeAspect="1" noChangeArrowheads="1"/>
+          </p:cNvSpPr>
+          <p:nvPr/>
+        </p:nvSpPr>
+        <p:spPr bwMode="auto">
+          <a:xfrm>
+            <a:off x="612775" y="312737"/>
+            <a:ext cx="304800" cy="304801"/>
+          </a:xfrm>
+          <a:prstGeom prst="rect">
+            <a:avLst/>
+          </a:prstGeom>
+          <a:noFill/>
+          <a:extLst>
+            <a:ext uri="{909E8E84-426E-40DD-AFC4-6F175D3DCCD1}">
+              <a14:hiddenFill xmlns:a14="http://schemas.microsoft.com/office/drawing/2010/main">
+                <a:solidFill>
+                  <a:srgbClr val="FFFFFF"/>
+                </a:solidFill>
+              </a14:hiddenFill>
+            </a:ext>
+          </a:extLst>
+        </p:spPr>
+        <p:txBody>
+          <a:bodyPr vert="horz" wrap="square" lIns="91440" tIns="45720" rIns="91440" bIns="45720" numCol="1" anchor="t" anchorCtr="0" compatLnSpc="1">
+            <a:prstTxWarp prst="textNoShape">
+              <a:avLst/>
+            </a:prstTxWarp>
+          </a:bodyPr>
+          <a:lstStyle/>
+          <a:p>
+            <a:endParaRPr lang="fr-FR"/>
+          </a:p>
+        </p:txBody>
+      </p:sp>
+      <p:sp>
+        <p:nvSpPr>
+          <p:cNvPr id="7" name="AutoShape 6" descr="https://projet4.mybalsamiq.com/projects/spec/Consultation%20de%20documents.jpeg?version=9&amp;etag=XHJ8gpGTqtyLpFShCJ6oeFfWCMF_NOhr"/>
+          <p:cNvSpPr>
+            <a:spLocks noChangeAspect="1" noChangeArrowheads="1"/>
+          </p:cNvSpPr>
+          <p:nvPr/>
+        </p:nvSpPr>
+        <p:spPr bwMode="auto">
+          <a:xfrm>
+            <a:off x="765175" y="465137"/>
+            <a:ext cx="304800" cy="304801"/>
+          </a:xfrm>
+          <a:prstGeom prst="rect">
+            <a:avLst/>
+          </a:prstGeom>
+          <a:noFill/>
+          <a:extLst>
+            <a:ext uri="{909E8E84-426E-40DD-AFC4-6F175D3DCCD1}">
+              <a14:hiddenFill xmlns:a14="http://schemas.microsoft.com/office/drawing/2010/main">
+                <a:solidFill>
+                  <a:srgbClr val="FFFFFF"/>
+                </a:solidFill>
+              </a14:hiddenFill>
+            </a:ext>
+          </a:extLst>
+        </p:spPr>
+        <p:txBody>
+          <a:bodyPr vert="horz" wrap="square" lIns="91440" tIns="45720" rIns="91440" bIns="45720" numCol="1" anchor="t" anchorCtr="0" compatLnSpc="1">
+            <a:prstTxWarp prst="textNoShape">
+              <a:avLst/>
+            </a:prstTxWarp>
+          </a:bodyPr>
+          <a:lstStyle/>
+          <a:p>
+            <a:endParaRPr lang="fr-FR"/>
+          </a:p>
+        </p:txBody>
+      </p:sp>
+      <p:sp>
+        <p:nvSpPr>
+          <p:cNvPr id="8" name="AutoShape 8" descr="https://projet4.mybalsamiq.com/projects/spec/Consultation%20de%20documents.jpeg?version=9&amp;etag=XHJ8gpGTqtyLpFShCJ6oeFfWCMF_NOhr"/>
+          <p:cNvSpPr>
+            <a:spLocks noChangeAspect="1" noChangeArrowheads="1"/>
+          </p:cNvSpPr>
+          <p:nvPr/>
+        </p:nvSpPr>
+        <p:spPr bwMode="auto">
+          <a:xfrm>
+            <a:off x="917575" y="617537"/>
+            <a:ext cx="304800" cy="304801"/>
+          </a:xfrm>
+          <a:prstGeom prst="rect">
+            <a:avLst/>
+          </a:prstGeom>
+          <a:noFill/>
+          <a:extLst>
+            <a:ext uri="{909E8E84-426E-40DD-AFC4-6F175D3DCCD1}">
+              <a14:hiddenFill xmlns:a14="http://schemas.microsoft.com/office/drawing/2010/main">
+                <a:solidFill>
+                  <a:srgbClr val="FFFFFF"/>
+                </a:solidFill>
+              </a14:hiddenFill>
+            </a:ext>
+          </a:extLst>
+        </p:spPr>
+        <p:txBody>
+          <a:bodyPr vert="horz" wrap="square" lIns="91440" tIns="45720" rIns="91440" bIns="45720" numCol="1" anchor="t" anchorCtr="0" compatLnSpc="1">
+            <a:prstTxWarp prst="textNoShape">
+              <a:avLst/>
+            </a:prstTxWarp>
+          </a:bodyPr>
+          <a:lstStyle/>
+          <a:p>
+            <a:endParaRPr lang="fr-FR"/>
+          </a:p>
+        </p:txBody>
+      </p:sp>
+      <p:sp>
+        <p:nvSpPr>
+          <p:cNvPr id="9" name="AutoShape 10" descr="https://projet4.mybalsamiq.com/projects/spec/Consultation%20de%20documents.jpeg?version=9&amp;etag=XHJ8gpGTqtyLpFShCJ6oeFfWCMF_NOhr"/>
+          <p:cNvSpPr>
+            <a:spLocks noChangeAspect="1" noChangeArrowheads="1"/>
+          </p:cNvSpPr>
+          <p:nvPr/>
+        </p:nvSpPr>
+        <p:spPr bwMode="auto">
+          <a:xfrm>
+            <a:off x="1069975" y="769937"/>
+            <a:ext cx="304800" cy="304801"/>
+          </a:xfrm>
+          <a:prstGeom prst="rect">
+            <a:avLst/>
+          </a:prstGeom>
+          <a:noFill/>
+          <a:extLst>
+            <a:ext uri="{909E8E84-426E-40DD-AFC4-6F175D3DCCD1}">
+              <a14:hiddenFill xmlns:a14="http://schemas.microsoft.com/office/drawing/2010/main">
+                <a:solidFill>
+                  <a:srgbClr val="FFFFFF"/>
+                </a:solidFill>
+              </a14:hiddenFill>
+            </a:ext>
+          </a:extLst>
+        </p:spPr>
+        <p:txBody>
+          <a:bodyPr vert="horz" wrap="square" lIns="91440" tIns="45720" rIns="91440" bIns="45720" numCol="1" anchor="t" anchorCtr="0" compatLnSpc="1">
+            <a:prstTxWarp prst="textNoShape">
+              <a:avLst/>
+            </a:prstTxWarp>
+          </a:bodyPr>
+          <a:lstStyle/>
+          <a:p>
+            <a:endParaRPr lang="fr-FR"/>
+          </a:p>
+        </p:txBody>
+      </p:sp>
+      <p:sp>
+        <p:nvSpPr>
+          <p:cNvPr id="13" name="Espace réservé du numéro de diapositive 9"/>
+          <p:cNvSpPr txBox="1">
+            <a:spLocks/>
+          </p:cNvSpPr>
+          <p:nvPr/>
+        </p:nvSpPr>
+        <p:spPr>
+          <a:xfrm>
+            <a:off x="6553200" y="6356350"/>
+            <a:ext cx="2133600" cy="365125"/>
+          </a:xfrm>
+          <a:prstGeom prst="rect">
+            <a:avLst/>
+          </a:prstGeom>
+        </p:spPr>
+        <p:txBody>
+          <a:bodyPr vert="horz" lIns="91440" tIns="45720" rIns="91440" bIns="45720" rtlCol="0" anchor="ctr"/>
+          <a:lstStyle>
+            <a:defPPr>
+              <a:defRPr lang="fr-FR"/>
+            </a:defPPr>
+            <a:lvl1pPr marL="0" algn="r" defTabSz="914400" rtl="0" eaLnBrk="1" latinLnBrk="0" hangingPunct="1">
+              <a:defRPr sz="1200" kern="1200">
+                <a:solidFill>
+                  <a:schemeClr val="tx1">
+                    <a:tint val="75000"/>
+                  </a:schemeClr>
+                </a:solidFill>
+                <a:latin typeface="+mn-lt"/>
+                <a:ea typeface="+mn-ea"/>
+                <a:cs typeface="+mn-cs"/>
+              </a:defRPr>
+            </a:lvl1pPr>
+            <a:lvl2pPr marL="457200" algn="l" defTabSz="914400" rtl="0" eaLnBrk="1" latinLnBrk="0" hangingPunct="1">
+              <a:defRPr sz="1800" kern="1200">
+                <a:solidFill>
+                  <a:schemeClr val="tx1"/>
+                </a:solidFill>
+                <a:latin typeface="+mn-lt"/>
+                <a:ea typeface="+mn-ea"/>
+                <a:cs typeface="+mn-cs"/>
+              </a:defRPr>
+            </a:lvl2pPr>
+            <a:lvl3pPr marL="914400" algn="l" defTabSz="914400" rtl="0" eaLnBrk="1" latinLnBrk="0" hangingPunct="1">
+              <a:defRPr sz="1800" kern="1200">
+                <a:solidFill>
+                  <a:schemeClr val="tx1"/>
+                </a:solidFill>
+                <a:latin typeface="+mn-lt"/>
+                <a:ea typeface="+mn-ea"/>
+                <a:cs typeface="+mn-cs"/>
+              </a:defRPr>
+            </a:lvl3pPr>
+            <a:lvl4pPr marL="1371600" algn="l" defTabSz="914400" rtl="0" eaLnBrk="1" latinLnBrk="0" hangingPunct="1">
+              <a:defRPr sz="1800" kern="1200">
+                <a:solidFill>
+                  <a:schemeClr val="tx1"/>
+                </a:solidFill>
+                <a:latin typeface="+mn-lt"/>
+                <a:ea typeface="+mn-ea"/>
+                <a:cs typeface="+mn-cs"/>
+              </a:defRPr>
+            </a:lvl4pPr>
+            <a:lvl5pPr marL="1828800" algn="l" defTabSz="914400" rtl="0" eaLnBrk="1" latinLnBrk="0" hangingPunct="1">
+              <a:defRPr sz="1800" kern="1200">
+                <a:solidFill>
+                  <a:schemeClr val="tx1"/>
+                </a:solidFill>
+                <a:latin typeface="+mn-lt"/>
+                <a:ea typeface="+mn-ea"/>
+                <a:cs typeface="+mn-cs"/>
+              </a:defRPr>
+            </a:lvl5pPr>
+            <a:lvl6pPr marL="2286000" algn="l" defTabSz="914400" rtl="0" eaLnBrk="1" latinLnBrk="0" hangingPunct="1">
+              <a:defRPr sz="1800" kern="1200">
+                <a:solidFill>
+                  <a:schemeClr val="tx1"/>
+                </a:solidFill>
+                <a:latin typeface="+mn-lt"/>
+                <a:ea typeface="+mn-ea"/>
+                <a:cs typeface="+mn-cs"/>
+              </a:defRPr>
+            </a:lvl6pPr>
+            <a:lvl7pPr marL="2743200" algn="l" defTabSz="914400" rtl="0" eaLnBrk="1" latinLnBrk="0" hangingPunct="1">
+              <a:defRPr sz="1800" kern="1200">
+                <a:solidFill>
+                  <a:schemeClr val="tx1"/>
+                </a:solidFill>
+                <a:latin typeface="+mn-lt"/>
+                <a:ea typeface="+mn-ea"/>
+                <a:cs typeface="+mn-cs"/>
+              </a:defRPr>
+            </a:lvl7pPr>
+            <a:lvl8pPr marL="3200400" algn="l" defTabSz="914400" rtl="0" eaLnBrk="1" latinLnBrk="0" hangingPunct="1">
+              <a:defRPr sz="1800" kern="1200">
+                <a:solidFill>
+                  <a:schemeClr val="tx1"/>
+                </a:solidFill>
+                <a:latin typeface="+mn-lt"/>
+                <a:ea typeface="+mn-ea"/>
+                <a:cs typeface="+mn-cs"/>
+              </a:defRPr>
+            </a:lvl8pPr>
+            <a:lvl9pPr marL="3657600" algn="l" defTabSz="914400" rtl="0" eaLnBrk="1" latinLnBrk="0" hangingPunct="1">
+              <a:defRPr sz="1800" kern="1200">
+                <a:solidFill>
+                  <a:schemeClr val="tx1"/>
+                </a:solidFill>
+                <a:latin typeface="+mn-lt"/>
+                <a:ea typeface="+mn-ea"/>
+                <a:cs typeface="+mn-cs"/>
+              </a:defRPr>
+            </a:lvl9pPr>
+          </a:lstStyle>
           <a:p>
             <a:fld id="{EDA4C233-F16D-4FA8-AC9B-61C6F55E69AB}" type="slidenum">
               <a:rPr lang="fr-FR" smtClean="0"/>
+              <a:pPr/>
               <a:t>7</a:t>
             </a:fld>
-            <a:endParaRPr lang="fr-FR"/>
+            <a:endParaRPr lang="fr-FR" dirty="0"/>
+          </a:p>
+        </p:txBody>
+      </p:sp>
+      <p:sp>
+        <p:nvSpPr>
+          <p:cNvPr id="14" name="ZoneTexte 13"/>
+          <p:cNvSpPr txBox="1"/>
+          <p:nvPr/>
+        </p:nvSpPr>
+        <p:spPr>
+          <a:xfrm>
+            <a:off x="460375" y="1413759"/>
+            <a:ext cx="3374776" cy="1661993"/>
+          </a:xfrm>
+          <a:prstGeom prst="rect">
+            <a:avLst/>
+          </a:prstGeom>
+          <a:noFill/>
+        </p:spPr>
+        <p:txBody>
+          <a:bodyPr wrap="square" rtlCol="0">
+            <a:spAutoFit/>
+          </a:bodyPr>
+          <a:lstStyle/>
+          <a:p>
+            <a:r>
+              <a:rPr lang="fr-FR" sz="2400" dirty="0">
+                <a:solidFill>
+                  <a:srgbClr val="0563B8"/>
+                </a:solidFill>
+                <a:latin typeface="+mj-lt"/>
+              </a:rPr>
+              <a:t>Recherche par titre dans la base </a:t>
+            </a:r>
+          </a:p>
+          <a:p>
+            <a:pPr marL="800100" lvl="1" indent="-342900">
+              <a:buFont typeface="Arial" panose="020B0604020202020204" pitchFamily="34" charset="0"/>
+              <a:buChar char="•"/>
+            </a:pPr>
+            <a:r>
+              <a:rPr lang="fr-FR" dirty="0">
+                <a:solidFill>
+                  <a:srgbClr val="0563B8"/>
+                </a:solidFill>
+                <a:latin typeface="+mj-lt"/>
+              </a:rPr>
+              <a:t>Articles</a:t>
+            </a:r>
+          </a:p>
+          <a:p>
+            <a:pPr marL="800100" lvl="1" indent="-342900">
+              <a:buFont typeface="Arial" panose="020B0604020202020204" pitchFamily="34" charset="0"/>
+              <a:buChar char="•"/>
+            </a:pPr>
+            <a:r>
+              <a:rPr lang="fr-FR" dirty="0" smtClean="0">
+                <a:solidFill>
+                  <a:srgbClr val="0563B8"/>
+                </a:solidFill>
+                <a:latin typeface="+mj-lt"/>
+              </a:rPr>
+              <a:t>Journaux</a:t>
+            </a:r>
+          </a:p>
+          <a:p>
+            <a:pPr marL="800100" lvl="1" indent="-342900">
+              <a:buFont typeface="Arial" panose="020B0604020202020204" pitchFamily="34" charset="0"/>
+              <a:buChar char="•"/>
+            </a:pPr>
+            <a:r>
+              <a:rPr lang="fr-FR" dirty="0" smtClean="0">
+                <a:solidFill>
+                  <a:srgbClr val="0563B8"/>
+                </a:solidFill>
+                <a:latin typeface="+mj-lt"/>
+              </a:rPr>
+              <a:t>Revues </a:t>
+            </a:r>
+            <a:r>
+              <a:rPr lang="fr-FR" dirty="0">
+                <a:solidFill>
+                  <a:srgbClr val="0563B8"/>
+                </a:solidFill>
+                <a:latin typeface="+mj-lt"/>
+              </a:rPr>
+              <a:t>de </a:t>
+            </a:r>
+            <a:r>
+              <a:rPr lang="fr-FR" dirty="0" smtClean="0">
+                <a:solidFill>
+                  <a:srgbClr val="0563B8"/>
+                </a:solidFill>
+                <a:latin typeface="+mj-lt"/>
+              </a:rPr>
+              <a:t>presse</a:t>
+            </a:r>
+            <a:endParaRPr lang="fr-FR" dirty="0">
+              <a:solidFill>
+                <a:srgbClr val="0563B8"/>
+              </a:solidFill>
+              <a:latin typeface="+mj-lt"/>
+            </a:endParaRPr>
+          </a:p>
+        </p:txBody>
+      </p:sp>
+      <p:cxnSp>
+        <p:nvCxnSpPr>
+          <p:cNvPr id="15" name="Connecteur droit avec flèche 14"/>
+          <p:cNvCxnSpPr/>
+          <p:nvPr/>
+        </p:nvCxnSpPr>
+        <p:spPr>
+          <a:xfrm>
+            <a:off x="3923928" y="2079432"/>
+            <a:ext cx="1152128" cy="0"/>
+          </a:xfrm>
+          <a:prstGeom prst="straightConnector1">
+            <a:avLst/>
+          </a:prstGeom>
+          <a:ln w="57150">
+            <a:solidFill>
+              <a:srgbClr val="00A7AA"/>
+            </a:solidFill>
+            <a:tailEnd type="arrow"/>
+          </a:ln>
+        </p:spPr>
+        <p:style>
+          <a:lnRef idx="1">
+            <a:schemeClr val="accent1"/>
+          </a:lnRef>
+          <a:fillRef idx="0">
+            <a:schemeClr val="accent1"/>
+          </a:fillRef>
+          <a:effectRef idx="0">
+            <a:schemeClr val="accent1"/>
+          </a:effectRef>
+          <a:fontRef idx="minor">
+            <a:schemeClr val="tx1"/>
+          </a:fontRef>
+        </p:style>
+      </p:cxnSp>
+      <p:cxnSp>
+        <p:nvCxnSpPr>
+          <p:cNvPr id="16" name="Connecteur droit avec flèche 15"/>
+          <p:cNvCxnSpPr/>
+          <p:nvPr/>
+        </p:nvCxnSpPr>
+        <p:spPr>
+          <a:xfrm>
+            <a:off x="4228728" y="5631631"/>
+            <a:ext cx="847328" cy="0"/>
+          </a:xfrm>
+          <a:prstGeom prst="straightConnector1">
+            <a:avLst/>
+          </a:prstGeom>
+          <a:ln w="57150">
+            <a:solidFill>
+              <a:srgbClr val="00A7AA"/>
+            </a:solidFill>
+            <a:tailEnd type="arrow"/>
+          </a:ln>
+        </p:spPr>
+        <p:style>
+          <a:lnRef idx="1">
+            <a:schemeClr val="accent1"/>
+          </a:lnRef>
+          <a:fillRef idx="0">
+            <a:schemeClr val="accent1"/>
+          </a:fillRef>
+          <a:effectRef idx="0">
+            <a:schemeClr val="accent1"/>
+          </a:effectRef>
+          <a:fontRef idx="minor">
+            <a:schemeClr val="tx1"/>
+          </a:fontRef>
+        </p:style>
+      </p:cxnSp>
+      <p:cxnSp>
+        <p:nvCxnSpPr>
+          <p:cNvPr id="17" name="Connecteur droit avec flèche 16"/>
+          <p:cNvCxnSpPr/>
+          <p:nvPr/>
+        </p:nvCxnSpPr>
+        <p:spPr>
+          <a:xfrm>
+            <a:off x="3923928" y="3903439"/>
+            <a:ext cx="1152128" cy="0"/>
+          </a:xfrm>
+          <a:prstGeom prst="straightConnector1">
+            <a:avLst/>
+          </a:prstGeom>
+          <a:ln w="57150">
+            <a:solidFill>
+              <a:srgbClr val="00A7AA"/>
+            </a:solidFill>
+            <a:tailEnd type="arrow"/>
+          </a:ln>
+        </p:spPr>
+        <p:style>
+          <a:lnRef idx="1">
+            <a:schemeClr val="accent1"/>
+          </a:lnRef>
+          <a:fillRef idx="0">
+            <a:schemeClr val="accent1"/>
+          </a:fillRef>
+          <a:effectRef idx="0">
+            <a:schemeClr val="accent1"/>
+          </a:effectRef>
+          <a:fontRef idx="minor">
+            <a:schemeClr val="tx1"/>
+          </a:fontRef>
+        </p:style>
+      </p:cxnSp>
+      <p:sp>
+        <p:nvSpPr>
+          <p:cNvPr id="18" name="ZoneTexte 17"/>
+          <p:cNvSpPr txBox="1"/>
+          <p:nvPr/>
+        </p:nvSpPr>
+        <p:spPr>
+          <a:xfrm>
+            <a:off x="5364088" y="1848599"/>
+            <a:ext cx="3672408" cy="461665"/>
+          </a:xfrm>
+          <a:prstGeom prst="rect">
+            <a:avLst/>
+          </a:prstGeom>
+          <a:noFill/>
+        </p:spPr>
+        <p:txBody>
+          <a:bodyPr wrap="square" rtlCol="0">
+            <a:spAutoFit/>
+          </a:bodyPr>
+          <a:lstStyle/>
+          <a:p>
+            <a:pPr fontAlgn="base"/>
+            <a:r>
+              <a:rPr lang="fr-FR" sz="2400" dirty="0" smtClean="0">
+                <a:solidFill>
+                  <a:srgbClr val="0563B8"/>
+                </a:solidFill>
+                <a:latin typeface="+mj-lt"/>
+              </a:rPr>
+              <a:t>Accès à l’information</a:t>
+            </a:r>
+            <a:endParaRPr lang="fr-FR" sz="2400" dirty="0">
+              <a:solidFill>
+                <a:srgbClr val="0563B8"/>
+              </a:solidFill>
+              <a:latin typeface="+mj-lt"/>
+            </a:endParaRPr>
+          </a:p>
+        </p:txBody>
+      </p:sp>
+      <p:sp>
+        <p:nvSpPr>
+          <p:cNvPr id="19" name="ZoneTexte 18"/>
+          <p:cNvSpPr txBox="1"/>
+          <p:nvPr/>
+        </p:nvSpPr>
+        <p:spPr>
+          <a:xfrm>
+            <a:off x="5364088" y="3672605"/>
+            <a:ext cx="4308140" cy="461665"/>
+          </a:xfrm>
+          <a:prstGeom prst="rect">
+            <a:avLst/>
+          </a:prstGeom>
+          <a:noFill/>
+        </p:spPr>
+        <p:txBody>
+          <a:bodyPr wrap="square" rtlCol="0">
+            <a:spAutoFit/>
+          </a:bodyPr>
+          <a:lstStyle/>
+          <a:p>
+            <a:pPr fontAlgn="base"/>
+            <a:r>
+              <a:rPr lang="fr-FR" sz="2400" dirty="0">
+                <a:solidFill>
+                  <a:srgbClr val="0563B8"/>
+                </a:solidFill>
+                <a:latin typeface="+mj-lt"/>
+              </a:rPr>
+              <a:t>Mise en avant de documents</a:t>
+            </a:r>
+          </a:p>
+        </p:txBody>
+      </p:sp>
+      <p:sp>
+        <p:nvSpPr>
+          <p:cNvPr id="20" name="ZoneTexte 19"/>
+          <p:cNvSpPr txBox="1"/>
+          <p:nvPr/>
+        </p:nvSpPr>
+        <p:spPr>
+          <a:xfrm>
+            <a:off x="5458222" y="5400798"/>
+            <a:ext cx="3672408" cy="461665"/>
+          </a:xfrm>
+          <a:prstGeom prst="rect">
+            <a:avLst/>
+          </a:prstGeom>
+          <a:noFill/>
+        </p:spPr>
+        <p:txBody>
+          <a:bodyPr wrap="square" rtlCol="0">
+            <a:spAutoFit/>
+          </a:bodyPr>
+          <a:lstStyle/>
+          <a:p>
+            <a:pPr fontAlgn="base"/>
+            <a:r>
+              <a:rPr lang="fr-FR" sz="2400" dirty="0">
+                <a:solidFill>
+                  <a:srgbClr val="0563B8"/>
+                </a:solidFill>
+                <a:latin typeface="+mj-lt"/>
+              </a:rPr>
+              <a:t>Collaboration</a:t>
+            </a:r>
+          </a:p>
+        </p:txBody>
+      </p:sp>
+      <p:sp>
+        <p:nvSpPr>
+          <p:cNvPr id="21" name="ZoneTexte 20"/>
+          <p:cNvSpPr txBox="1"/>
+          <p:nvPr/>
+        </p:nvSpPr>
+        <p:spPr>
+          <a:xfrm>
+            <a:off x="316358" y="3576498"/>
+            <a:ext cx="3607570" cy="1292662"/>
+          </a:xfrm>
+          <a:prstGeom prst="rect">
+            <a:avLst/>
+          </a:prstGeom>
+          <a:noFill/>
+        </p:spPr>
+        <p:txBody>
+          <a:bodyPr wrap="square" rtlCol="0">
+            <a:spAutoFit/>
+          </a:bodyPr>
+          <a:lstStyle/>
+          <a:p>
+            <a:r>
+              <a:rPr lang="fr-FR" sz="2400" dirty="0">
+                <a:solidFill>
+                  <a:srgbClr val="0563B8"/>
+                </a:solidFill>
+                <a:latin typeface="+mj-lt"/>
+              </a:rPr>
+              <a:t>Proposition d’articles </a:t>
+            </a:r>
+          </a:p>
+          <a:p>
+            <a:pPr marL="800100" lvl="1" indent="-342900">
+              <a:buFont typeface="Arial" panose="020B0604020202020204" pitchFamily="34" charset="0"/>
+              <a:buChar char="•"/>
+            </a:pPr>
+            <a:r>
+              <a:rPr lang="fr-FR" dirty="0">
+                <a:solidFill>
+                  <a:srgbClr val="0563B8"/>
+                </a:solidFill>
+                <a:latin typeface="+mj-lt"/>
+              </a:rPr>
+              <a:t>Popularité</a:t>
+            </a:r>
+          </a:p>
+          <a:p>
+            <a:pPr marL="800100" lvl="1" indent="-342900">
+              <a:buFont typeface="Arial" panose="020B0604020202020204" pitchFamily="34" charset="0"/>
+              <a:buChar char="•"/>
+            </a:pPr>
+            <a:r>
+              <a:rPr lang="fr-FR" dirty="0">
+                <a:solidFill>
+                  <a:srgbClr val="0563B8"/>
+                </a:solidFill>
+                <a:latin typeface="+mj-lt"/>
+              </a:rPr>
+              <a:t>Revues de presse </a:t>
+            </a:r>
+            <a:r>
+              <a:rPr lang="fr-FR" dirty="0" smtClean="0">
+                <a:solidFill>
+                  <a:srgbClr val="0563B8"/>
+                </a:solidFill>
+                <a:latin typeface="+mj-lt"/>
+              </a:rPr>
+              <a:t>créées</a:t>
+            </a:r>
+          </a:p>
+          <a:p>
+            <a:pPr marL="800100" lvl="1" indent="-342900">
+              <a:buFont typeface="Arial" panose="020B0604020202020204" pitchFamily="34" charset="0"/>
+              <a:buChar char="•"/>
+            </a:pPr>
+            <a:r>
+              <a:rPr lang="fr-FR" dirty="0" smtClean="0">
+                <a:solidFill>
+                  <a:srgbClr val="0563B8"/>
+                </a:solidFill>
+                <a:latin typeface="+mj-lt"/>
+              </a:rPr>
+              <a:t>Revues </a:t>
+            </a:r>
+            <a:r>
+              <a:rPr lang="fr-FR" dirty="0">
+                <a:solidFill>
+                  <a:srgbClr val="0563B8"/>
+                </a:solidFill>
+                <a:latin typeface="+mj-lt"/>
+              </a:rPr>
+              <a:t>de presse </a:t>
+            </a:r>
+            <a:r>
+              <a:rPr lang="fr-FR" dirty="0" smtClean="0">
+                <a:solidFill>
+                  <a:srgbClr val="0563B8"/>
+                </a:solidFill>
+                <a:latin typeface="+mj-lt"/>
+              </a:rPr>
+              <a:t>modifiées</a:t>
+            </a:r>
+            <a:endParaRPr lang="fr-FR" dirty="0">
+              <a:solidFill>
+                <a:srgbClr val="0563B8"/>
+              </a:solidFill>
+              <a:latin typeface="+mj-lt"/>
+            </a:endParaRPr>
+          </a:p>
+        </p:txBody>
+      </p:sp>
+      <p:sp>
+        <p:nvSpPr>
+          <p:cNvPr id="22" name="ZoneTexte 21"/>
+          <p:cNvSpPr txBox="1"/>
+          <p:nvPr/>
+        </p:nvSpPr>
+        <p:spPr>
+          <a:xfrm>
+            <a:off x="316358" y="5308465"/>
+            <a:ext cx="3803627" cy="830997"/>
+          </a:xfrm>
+          <a:prstGeom prst="rect">
+            <a:avLst/>
+          </a:prstGeom>
+          <a:noFill/>
+        </p:spPr>
+        <p:txBody>
+          <a:bodyPr wrap="square" rtlCol="0">
+            <a:spAutoFit/>
+          </a:bodyPr>
+          <a:lstStyle/>
+          <a:p>
+            <a:r>
+              <a:rPr lang="fr-FR" sz="2400" dirty="0">
+                <a:solidFill>
+                  <a:srgbClr val="0563B8"/>
+                </a:solidFill>
+                <a:latin typeface="+mj-lt"/>
+              </a:rPr>
+              <a:t>Connexion/création </a:t>
+            </a:r>
+            <a:r>
+              <a:rPr lang="fr-FR" sz="2400" dirty="0" smtClean="0">
+                <a:solidFill>
+                  <a:srgbClr val="0563B8"/>
+                </a:solidFill>
+                <a:latin typeface="+mj-lt"/>
+              </a:rPr>
+              <a:t>de compte </a:t>
+            </a:r>
+            <a:r>
+              <a:rPr lang="fr-FR" sz="2400" dirty="0">
+                <a:solidFill>
+                  <a:srgbClr val="0563B8"/>
+                </a:solidFill>
+                <a:latin typeface="+mj-lt"/>
+              </a:rPr>
+              <a:t>utilisateur </a:t>
+            </a:r>
+            <a:endParaRPr lang="fr-FR" sz="2400" dirty="0" smtClean="0">
+              <a:solidFill>
+                <a:srgbClr val="0563B8"/>
+              </a:solidFill>
+              <a:latin typeface="+mj-lt"/>
+            </a:endParaRPr>
           </a:p>
         </p:txBody>
       </p:sp>
     </p:spTree>
     <p:extLst>
       <p:ext uri="{BB962C8B-B14F-4D97-AF65-F5344CB8AC3E}">
-        <p14:creationId xmlns:p14="http://schemas.microsoft.com/office/powerpoint/2010/main" val="2828518651"/>
+        <p14:creationId xmlns:p14="http://schemas.microsoft.com/office/powerpoint/2010/main" val="1855085124"/>
       </p:ext>
     </p:extLst>
   </p:cSld>
@@ -12383,7 +15071,7 @@
     </p:spTree>
     <p:extLst>
       <p:ext uri="{BB962C8B-B14F-4D97-AF65-F5344CB8AC3E}">
-        <p14:creationId xmlns:p14="http://schemas.microsoft.com/office/powerpoint/2010/main" val="1855085124"/>
+        <p14:creationId xmlns:p14="http://schemas.microsoft.com/office/powerpoint/2010/main" val="3459079441"/>
       </p:ext>
     </p:extLst>
   </p:cSld>
@@ -12419,41 +15107,25 @@
       </p:grpSpPr>
       <p:sp>
         <p:nvSpPr>
-          <p:cNvPr id="14" name="Titre 1"/>
-          <p:cNvSpPr txBox="1">
-            <a:spLocks/>
+          <p:cNvPr id="2" name="Titre 1"/>
+          <p:cNvSpPr>
+            <a:spLocks noGrp="1"/>
           </p:cNvSpPr>
-          <p:nvPr/>
+          <p:nvPr>
+            <p:ph type="title"/>
+          </p:nvPr>
         </p:nvSpPr>
         <p:spPr>
           <a:xfrm>
             <a:off x="251520" y="116632"/>
             <a:ext cx="6624736" cy="1080120"/>
           </a:xfrm>
-          <a:prstGeom prst="rect">
-            <a:avLst/>
-          </a:prstGeom>
-        </p:spPr>
-        <p:txBody>
-          <a:bodyPr vert="horz" lIns="91440" tIns="45720" rIns="91440" bIns="45720" rtlCol="0" anchor="ctr">
+        </p:spPr>
+        <p:txBody>
+          <a:bodyPr>
             <a:normAutofit/>
           </a:bodyPr>
-          <a:lstStyle>
-            <a:lvl1pPr algn="ctr" defTabSz="914400" rtl="0" eaLnBrk="1" latinLnBrk="0" hangingPunct="1">
-              <a:spcBef>
-                <a:spcPct val="0"/>
-              </a:spcBef>
-              <a:buNone/>
-              <a:defRPr sz="4400" kern="1200">
-                <a:solidFill>
-                  <a:schemeClr val="tx1"/>
-                </a:solidFill>
-                <a:latin typeface="+mj-lt"/>
-                <a:ea typeface="+mj-ea"/>
-                <a:cs typeface="+mj-cs"/>
-              </a:defRPr>
-            </a:lvl1pPr>
-          </a:lstStyle>
+          <a:lstStyle/>
           <a:p>
             <a:pPr algn="l"/>
             <a:r>
@@ -12483,31 +15155,18 @@
           </a:p>
         </p:txBody>
       </p:sp>
-      <p:pic>
-        <p:nvPicPr>
-          <p:cNvPr id="15" name="Picture 2" descr="recherche.png"/>
-          <p:cNvPicPr>
-            <a:picLocks noChangeAspect="1" noChangeArrowheads="1"/>
-          </p:cNvPicPr>
+      <p:sp>
+        <p:nvSpPr>
+          <p:cNvPr id="3" name="AutoShape 2" descr="https://gitlab.insa-rennes.fr/francois-boschet/gutemberg/raw/master/report/2_spec/figures/consultation.png"/>
+          <p:cNvSpPr>
+            <a:spLocks noChangeAspect="1" noChangeArrowheads="1"/>
+          </p:cNvSpPr>
           <p:nvPr/>
-        </p:nvPicPr>
-        <p:blipFill>
-          <a:blip r:embed="rId2">
-            <a:extLst>
-              <a:ext uri="{28A0092B-C50C-407E-A947-70E740481C1C}">
-                <a14:useLocalDpi xmlns:a14="http://schemas.microsoft.com/office/drawing/2010/main" val="0"/>
-              </a:ext>
-            </a:extLst>
-          </a:blip>
-          <a:srcRect/>
-          <a:stretch>
-            <a:fillRect/>
-          </a:stretch>
-        </p:blipFill>
+        </p:nvSpPr>
         <p:spPr bwMode="auto">
           <a:xfrm>
-            <a:off x="612775" y="1197880"/>
-            <a:ext cx="7919665" cy="5099090"/>
+            <a:off x="155575" y="-144463"/>
+            <a:ext cx="304800" cy="304801"/>
           </a:xfrm>
           <a:prstGeom prst="rect">
             <a:avLst/>
@@ -12523,11 +15182,825 @@
             </a:ext>
           </a:extLst>
         </p:spPr>
-      </p:pic>
+        <p:txBody>
+          <a:bodyPr vert="horz" wrap="square" lIns="91440" tIns="45720" rIns="91440" bIns="45720" numCol="1" anchor="t" anchorCtr="0" compatLnSpc="1">
+            <a:prstTxWarp prst="textNoShape">
+              <a:avLst/>
+            </a:prstTxWarp>
+          </a:bodyPr>
+          <a:lstStyle/>
+          <a:p>
+            <a:endParaRPr lang="fr-FR"/>
+          </a:p>
+        </p:txBody>
+      </p:sp>
+      <p:sp>
+        <p:nvSpPr>
+          <p:cNvPr id="4" name="AutoShape 4" descr="https://gitlab.insa-rennes.fr/francois-boschet/gutemberg/raw/master/report/2_spec/figures/consultation.png"/>
+          <p:cNvSpPr>
+            <a:spLocks noChangeAspect="1" noChangeArrowheads="1"/>
+          </p:cNvSpPr>
+          <p:nvPr/>
+        </p:nvSpPr>
+        <p:spPr bwMode="auto">
+          <a:xfrm>
+            <a:off x="307975" y="7937"/>
+            <a:ext cx="304800" cy="304801"/>
+          </a:xfrm>
+          <a:prstGeom prst="rect">
+            <a:avLst/>
+          </a:prstGeom>
+          <a:noFill/>
+          <a:extLst>
+            <a:ext uri="{909E8E84-426E-40DD-AFC4-6F175D3DCCD1}">
+              <a14:hiddenFill xmlns:a14="http://schemas.microsoft.com/office/drawing/2010/main">
+                <a:solidFill>
+                  <a:srgbClr val="FFFFFF"/>
+                </a:solidFill>
+              </a14:hiddenFill>
+            </a:ext>
+          </a:extLst>
+        </p:spPr>
+        <p:txBody>
+          <a:bodyPr vert="horz" wrap="square" lIns="91440" tIns="45720" rIns="91440" bIns="45720" numCol="1" anchor="t" anchorCtr="0" compatLnSpc="1">
+            <a:prstTxWarp prst="textNoShape">
+              <a:avLst/>
+            </a:prstTxWarp>
+          </a:bodyPr>
+          <a:lstStyle/>
+          <a:p>
+            <a:endParaRPr lang="fr-FR"/>
+          </a:p>
+        </p:txBody>
+      </p:sp>
+      <p:sp>
+        <p:nvSpPr>
+          <p:cNvPr id="5" name="AutoShape 2" descr="https://projet4.mybalsamiq.com/projects/spec/Consultation%20de%20documents.jpeg?version=9&amp;etag=XHJ8gpGTqtyLpFShCJ6oeFfWCMF_NOhr"/>
+          <p:cNvSpPr>
+            <a:spLocks noChangeAspect="1" noChangeArrowheads="1"/>
+          </p:cNvSpPr>
+          <p:nvPr/>
+        </p:nvSpPr>
+        <p:spPr bwMode="auto">
+          <a:xfrm>
+            <a:off x="460375" y="160337"/>
+            <a:ext cx="304800" cy="304801"/>
+          </a:xfrm>
+          <a:prstGeom prst="rect">
+            <a:avLst/>
+          </a:prstGeom>
+          <a:noFill/>
+          <a:extLst>
+            <a:ext uri="{909E8E84-426E-40DD-AFC4-6F175D3DCCD1}">
+              <a14:hiddenFill xmlns:a14="http://schemas.microsoft.com/office/drawing/2010/main">
+                <a:solidFill>
+                  <a:srgbClr val="FFFFFF"/>
+                </a:solidFill>
+              </a14:hiddenFill>
+            </a:ext>
+          </a:extLst>
+        </p:spPr>
+        <p:txBody>
+          <a:bodyPr vert="horz" wrap="square" lIns="91440" tIns="45720" rIns="91440" bIns="45720" numCol="1" anchor="t" anchorCtr="0" compatLnSpc="1">
+            <a:prstTxWarp prst="textNoShape">
+              <a:avLst/>
+            </a:prstTxWarp>
+          </a:bodyPr>
+          <a:lstStyle/>
+          <a:p>
+            <a:endParaRPr lang="fr-FR"/>
+          </a:p>
+        </p:txBody>
+      </p:sp>
+      <p:sp>
+        <p:nvSpPr>
+          <p:cNvPr id="6" name="AutoShape 4" descr="https://projet4.mybalsamiq.com/projects/spec/Consultation%20de%20documents.jpeg?version=9&amp;etag=XHJ8gpGTqtyLpFShCJ6oeFfWCMF_NOhr"/>
+          <p:cNvSpPr>
+            <a:spLocks noChangeAspect="1" noChangeArrowheads="1"/>
+          </p:cNvSpPr>
+          <p:nvPr/>
+        </p:nvSpPr>
+        <p:spPr bwMode="auto">
+          <a:xfrm>
+            <a:off x="612775" y="312737"/>
+            <a:ext cx="304800" cy="304801"/>
+          </a:xfrm>
+          <a:prstGeom prst="rect">
+            <a:avLst/>
+          </a:prstGeom>
+          <a:noFill/>
+          <a:extLst>
+            <a:ext uri="{909E8E84-426E-40DD-AFC4-6F175D3DCCD1}">
+              <a14:hiddenFill xmlns:a14="http://schemas.microsoft.com/office/drawing/2010/main">
+                <a:solidFill>
+                  <a:srgbClr val="FFFFFF"/>
+                </a:solidFill>
+              </a14:hiddenFill>
+            </a:ext>
+          </a:extLst>
+        </p:spPr>
+        <p:txBody>
+          <a:bodyPr vert="horz" wrap="square" lIns="91440" tIns="45720" rIns="91440" bIns="45720" numCol="1" anchor="t" anchorCtr="0" compatLnSpc="1">
+            <a:prstTxWarp prst="textNoShape">
+              <a:avLst/>
+            </a:prstTxWarp>
+          </a:bodyPr>
+          <a:lstStyle/>
+          <a:p>
+            <a:endParaRPr lang="fr-FR"/>
+          </a:p>
+        </p:txBody>
+      </p:sp>
+      <p:sp>
+        <p:nvSpPr>
+          <p:cNvPr id="7" name="AutoShape 6" descr="https://projet4.mybalsamiq.com/projects/spec/Consultation%20de%20documents.jpeg?version=9&amp;etag=XHJ8gpGTqtyLpFShCJ6oeFfWCMF_NOhr"/>
+          <p:cNvSpPr>
+            <a:spLocks noChangeAspect="1" noChangeArrowheads="1"/>
+          </p:cNvSpPr>
+          <p:nvPr/>
+        </p:nvSpPr>
+        <p:spPr bwMode="auto">
+          <a:xfrm>
+            <a:off x="765175" y="465137"/>
+            <a:ext cx="304800" cy="304801"/>
+          </a:xfrm>
+          <a:prstGeom prst="rect">
+            <a:avLst/>
+          </a:prstGeom>
+          <a:noFill/>
+          <a:extLst>
+            <a:ext uri="{909E8E84-426E-40DD-AFC4-6F175D3DCCD1}">
+              <a14:hiddenFill xmlns:a14="http://schemas.microsoft.com/office/drawing/2010/main">
+                <a:solidFill>
+                  <a:srgbClr val="FFFFFF"/>
+                </a:solidFill>
+              </a14:hiddenFill>
+            </a:ext>
+          </a:extLst>
+        </p:spPr>
+        <p:txBody>
+          <a:bodyPr vert="horz" wrap="square" lIns="91440" tIns="45720" rIns="91440" bIns="45720" numCol="1" anchor="t" anchorCtr="0" compatLnSpc="1">
+            <a:prstTxWarp prst="textNoShape">
+              <a:avLst/>
+            </a:prstTxWarp>
+          </a:bodyPr>
+          <a:lstStyle/>
+          <a:p>
+            <a:endParaRPr lang="fr-FR"/>
+          </a:p>
+        </p:txBody>
+      </p:sp>
+      <p:sp>
+        <p:nvSpPr>
+          <p:cNvPr id="8" name="AutoShape 8" descr="https://projet4.mybalsamiq.com/projects/spec/Consultation%20de%20documents.jpeg?version=9&amp;etag=XHJ8gpGTqtyLpFShCJ6oeFfWCMF_NOhr"/>
+          <p:cNvSpPr>
+            <a:spLocks noChangeAspect="1" noChangeArrowheads="1"/>
+          </p:cNvSpPr>
+          <p:nvPr/>
+        </p:nvSpPr>
+        <p:spPr bwMode="auto">
+          <a:xfrm>
+            <a:off x="917575" y="617537"/>
+            <a:ext cx="304800" cy="304801"/>
+          </a:xfrm>
+          <a:prstGeom prst="rect">
+            <a:avLst/>
+          </a:prstGeom>
+          <a:noFill/>
+          <a:extLst>
+            <a:ext uri="{909E8E84-426E-40DD-AFC4-6F175D3DCCD1}">
+              <a14:hiddenFill xmlns:a14="http://schemas.microsoft.com/office/drawing/2010/main">
+                <a:solidFill>
+                  <a:srgbClr val="FFFFFF"/>
+                </a:solidFill>
+              </a14:hiddenFill>
+            </a:ext>
+          </a:extLst>
+        </p:spPr>
+        <p:txBody>
+          <a:bodyPr vert="horz" wrap="square" lIns="91440" tIns="45720" rIns="91440" bIns="45720" numCol="1" anchor="t" anchorCtr="0" compatLnSpc="1">
+            <a:prstTxWarp prst="textNoShape">
+              <a:avLst/>
+            </a:prstTxWarp>
+          </a:bodyPr>
+          <a:lstStyle/>
+          <a:p>
+            <a:endParaRPr lang="fr-FR"/>
+          </a:p>
+        </p:txBody>
+      </p:sp>
+      <p:sp>
+        <p:nvSpPr>
+          <p:cNvPr id="9" name="AutoShape 10" descr="https://projet4.mybalsamiq.com/projects/spec/Consultation%20de%20documents.jpeg?version=9&amp;etag=XHJ8gpGTqtyLpFShCJ6oeFfWCMF_NOhr"/>
+          <p:cNvSpPr>
+            <a:spLocks noChangeAspect="1" noChangeArrowheads="1"/>
+          </p:cNvSpPr>
+          <p:nvPr/>
+        </p:nvSpPr>
+        <p:spPr bwMode="auto">
+          <a:xfrm>
+            <a:off x="1069975" y="769937"/>
+            <a:ext cx="304800" cy="304801"/>
+          </a:xfrm>
+          <a:prstGeom prst="rect">
+            <a:avLst/>
+          </a:prstGeom>
+          <a:noFill/>
+          <a:extLst>
+            <a:ext uri="{909E8E84-426E-40DD-AFC4-6F175D3DCCD1}">
+              <a14:hiddenFill xmlns:a14="http://schemas.microsoft.com/office/drawing/2010/main">
+                <a:solidFill>
+                  <a:srgbClr val="FFFFFF"/>
+                </a:solidFill>
+              </a14:hiddenFill>
+            </a:ext>
+          </a:extLst>
+        </p:spPr>
+        <p:txBody>
+          <a:bodyPr vert="horz" wrap="square" lIns="91440" tIns="45720" rIns="91440" bIns="45720" numCol="1" anchor="t" anchorCtr="0" compatLnSpc="1">
+            <a:prstTxWarp prst="textNoShape">
+              <a:avLst/>
+            </a:prstTxWarp>
+          </a:bodyPr>
+          <a:lstStyle/>
+          <a:p>
+            <a:endParaRPr lang="fr-FR"/>
+          </a:p>
+        </p:txBody>
+      </p:sp>
+      <p:sp>
+        <p:nvSpPr>
+          <p:cNvPr id="13" name="Espace réservé du numéro de diapositive 9"/>
+          <p:cNvSpPr txBox="1">
+            <a:spLocks/>
+          </p:cNvSpPr>
+          <p:nvPr/>
+        </p:nvSpPr>
+        <p:spPr>
+          <a:xfrm>
+            <a:off x="6553200" y="6356350"/>
+            <a:ext cx="2133600" cy="365125"/>
+          </a:xfrm>
+          <a:prstGeom prst="rect">
+            <a:avLst/>
+          </a:prstGeom>
+        </p:spPr>
+        <p:txBody>
+          <a:bodyPr vert="horz" lIns="91440" tIns="45720" rIns="91440" bIns="45720" rtlCol="0" anchor="ctr"/>
+          <a:lstStyle>
+            <a:defPPr>
+              <a:defRPr lang="fr-FR"/>
+            </a:defPPr>
+            <a:lvl1pPr marL="0" algn="r" defTabSz="914400" rtl="0" eaLnBrk="1" latinLnBrk="0" hangingPunct="1">
+              <a:defRPr sz="1200" kern="1200">
+                <a:solidFill>
+                  <a:schemeClr val="tx1">
+                    <a:tint val="75000"/>
+                  </a:schemeClr>
+                </a:solidFill>
+                <a:latin typeface="+mn-lt"/>
+                <a:ea typeface="+mn-ea"/>
+                <a:cs typeface="+mn-cs"/>
+              </a:defRPr>
+            </a:lvl1pPr>
+            <a:lvl2pPr marL="457200" algn="l" defTabSz="914400" rtl="0" eaLnBrk="1" latinLnBrk="0" hangingPunct="1">
+              <a:defRPr sz="1800" kern="1200">
+                <a:solidFill>
+                  <a:schemeClr val="tx1"/>
+                </a:solidFill>
+                <a:latin typeface="+mn-lt"/>
+                <a:ea typeface="+mn-ea"/>
+                <a:cs typeface="+mn-cs"/>
+              </a:defRPr>
+            </a:lvl2pPr>
+            <a:lvl3pPr marL="914400" algn="l" defTabSz="914400" rtl="0" eaLnBrk="1" latinLnBrk="0" hangingPunct="1">
+              <a:defRPr sz="1800" kern="1200">
+                <a:solidFill>
+                  <a:schemeClr val="tx1"/>
+                </a:solidFill>
+                <a:latin typeface="+mn-lt"/>
+                <a:ea typeface="+mn-ea"/>
+                <a:cs typeface="+mn-cs"/>
+              </a:defRPr>
+            </a:lvl3pPr>
+            <a:lvl4pPr marL="1371600" algn="l" defTabSz="914400" rtl="0" eaLnBrk="1" latinLnBrk="0" hangingPunct="1">
+              <a:defRPr sz="1800" kern="1200">
+                <a:solidFill>
+                  <a:schemeClr val="tx1"/>
+                </a:solidFill>
+                <a:latin typeface="+mn-lt"/>
+                <a:ea typeface="+mn-ea"/>
+                <a:cs typeface="+mn-cs"/>
+              </a:defRPr>
+            </a:lvl4pPr>
+            <a:lvl5pPr marL="1828800" algn="l" defTabSz="914400" rtl="0" eaLnBrk="1" latinLnBrk="0" hangingPunct="1">
+              <a:defRPr sz="1800" kern="1200">
+                <a:solidFill>
+                  <a:schemeClr val="tx1"/>
+                </a:solidFill>
+                <a:latin typeface="+mn-lt"/>
+                <a:ea typeface="+mn-ea"/>
+                <a:cs typeface="+mn-cs"/>
+              </a:defRPr>
+            </a:lvl5pPr>
+            <a:lvl6pPr marL="2286000" algn="l" defTabSz="914400" rtl="0" eaLnBrk="1" latinLnBrk="0" hangingPunct="1">
+              <a:defRPr sz="1800" kern="1200">
+                <a:solidFill>
+                  <a:schemeClr val="tx1"/>
+                </a:solidFill>
+                <a:latin typeface="+mn-lt"/>
+                <a:ea typeface="+mn-ea"/>
+                <a:cs typeface="+mn-cs"/>
+              </a:defRPr>
+            </a:lvl6pPr>
+            <a:lvl7pPr marL="2743200" algn="l" defTabSz="914400" rtl="0" eaLnBrk="1" latinLnBrk="0" hangingPunct="1">
+              <a:defRPr sz="1800" kern="1200">
+                <a:solidFill>
+                  <a:schemeClr val="tx1"/>
+                </a:solidFill>
+                <a:latin typeface="+mn-lt"/>
+                <a:ea typeface="+mn-ea"/>
+                <a:cs typeface="+mn-cs"/>
+              </a:defRPr>
+            </a:lvl7pPr>
+            <a:lvl8pPr marL="3200400" algn="l" defTabSz="914400" rtl="0" eaLnBrk="1" latinLnBrk="0" hangingPunct="1">
+              <a:defRPr sz="1800" kern="1200">
+                <a:solidFill>
+                  <a:schemeClr val="tx1"/>
+                </a:solidFill>
+                <a:latin typeface="+mn-lt"/>
+                <a:ea typeface="+mn-ea"/>
+                <a:cs typeface="+mn-cs"/>
+              </a:defRPr>
+            </a:lvl8pPr>
+            <a:lvl9pPr marL="3657600" algn="l" defTabSz="914400" rtl="0" eaLnBrk="1" latinLnBrk="0" hangingPunct="1">
+              <a:defRPr sz="1800" kern="1200">
+                <a:solidFill>
+                  <a:schemeClr val="tx1"/>
+                </a:solidFill>
+                <a:latin typeface="+mn-lt"/>
+                <a:ea typeface="+mn-ea"/>
+                <a:cs typeface="+mn-cs"/>
+              </a:defRPr>
+            </a:lvl9pPr>
+          </a:lstStyle>
+          <a:p>
+            <a:fld id="{EDA4C233-F16D-4FA8-AC9B-61C6F55E69AB}" type="slidenum">
+              <a:rPr lang="fr-FR" smtClean="0"/>
+              <a:pPr/>
+              <a:t>9</a:t>
+            </a:fld>
+            <a:endParaRPr lang="fr-FR" dirty="0"/>
+          </a:p>
+        </p:txBody>
+      </p:sp>
+      <p:sp>
+        <p:nvSpPr>
+          <p:cNvPr id="14" name="ZoneTexte 13"/>
+          <p:cNvSpPr txBox="1"/>
+          <p:nvPr/>
+        </p:nvSpPr>
+        <p:spPr>
+          <a:xfrm>
+            <a:off x="748406" y="1413758"/>
+            <a:ext cx="3374776" cy="1015663"/>
+          </a:xfrm>
+          <a:prstGeom prst="rect">
+            <a:avLst/>
+          </a:prstGeom>
+          <a:noFill/>
+        </p:spPr>
+        <p:txBody>
+          <a:bodyPr wrap="square" rtlCol="0">
+            <a:spAutoFit/>
+          </a:bodyPr>
+          <a:lstStyle/>
+          <a:p>
+            <a:r>
+              <a:rPr lang="fr-FR" sz="2400" dirty="0">
+                <a:solidFill>
+                  <a:srgbClr val="0563B8"/>
+                </a:solidFill>
+                <a:latin typeface="+mj-lt"/>
+              </a:rPr>
+              <a:t>Recherche </a:t>
+            </a:r>
+            <a:r>
+              <a:rPr lang="fr-FR" sz="2400" dirty="0" smtClean="0">
+                <a:solidFill>
+                  <a:srgbClr val="0563B8"/>
+                </a:solidFill>
+                <a:latin typeface="+mj-lt"/>
+              </a:rPr>
+              <a:t>de journaux</a:t>
+            </a:r>
+            <a:endParaRPr lang="fr-FR" sz="2400" dirty="0">
+              <a:solidFill>
+                <a:srgbClr val="0563B8"/>
+              </a:solidFill>
+              <a:latin typeface="+mj-lt"/>
+            </a:endParaRPr>
+          </a:p>
+          <a:p>
+            <a:pPr marL="800100" lvl="1" indent="-342900">
+              <a:buFont typeface="Arial" panose="020B0604020202020204" pitchFamily="34" charset="0"/>
+              <a:buChar char="•"/>
+            </a:pPr>
+            <a:r>
+              <a:rPr lang="fr-FR" dirty="0" smtClean="0">
+                <a:solidFill>
+                  <a:srgbClr val="0563B8"/>
+                </a:solidFill>
+                <a:latin typeface="+mj-lt"/>
+              </a:rPr>
+              <a:t>Date</a:t>
+            </a:r>
+          </a:p>
+          <a:p>
+            <a:pPr marL="800100" lvl="1" indent="-342900">
+              <a:buFont typeface="Arial" panose="020B0604020202020204" pitchFamily="34" charset="0"/>
+              <a:buChar char="•"/>
+            </a:pPr>
+            <a:r>
+              <a:rPr lang="fr-FR" dirty="0" smtClean="0">
+                <a:solidFill>
+                  <a:srgbClr val="0563B8"/>
+                </a:solidFill>
+                <a:latin typeface="+mj-lt"/>
+              </a:rPr>
+              <a:t>Nom</a:t>
+            </a:r>
+            <a:endParaRPr lang="fr-FR" dirty="0">
+              <a:solidFill>
+                <a:srgbClr val="0563B8"/>
+              </a:solidFill>
+              <a:latin typeface="+mj-lt"/>
+            </a:endParaRPr>
+          </a:p>
+        </p:txBody>
+      </p:sp>
+      <p:cxnSp>
+        <p:nvCxnSpPr>
+          <p:cNvPr id="15" name="Connecteur droit avec flèche 14"/>
+          <p:cNvCxnSpPr/>
+          <p:nvPr/>
+        </p:nvCxnSpPr>
+        <p:spPr>
+          <a:xfrm>
+            <a:off x="4067944" y="2079432"/>
+            <a:ext cx="1224136" cy="845512"/>
+          </a:xfrm>
+          <a:prstGeom prst="straightConnector1">
+            <a:avLst/>
+          </a:prstGeom>
+          <a:ln w="57150">
+            <a:solidFill>
+              <a:srgbClr val="00A7AA"/>
+            </a:solidFill>
+            <a:tailEnd type="arrow"/>
+          </a:ln>
+        </p:spPr>
+        <p:style>
+          <a:lnRef idx="1">
+            <a:schemeClr val="accent1"/>
+          </a:lnRef>
+          <a:fillRef idx="0">
+            <a:schemeClr val="accent1"/>
+          </a:fillRef>
+          <a:effectRef idx="0">
+            <a:schemeClr val="accent1"/>
+          </a:effectRef>
+          <a:fontRef idx="minor">
+            <a:schemeClr val="tx1"/>
+          </a:fontRef>
+        </p:style>
+      </p:cxnSp>
+      <p:cxnSp>
+        <p:nvCxnSpPr>
+          <p:cNvPr id="16" name="Connecteur droit avec flèche 15"/>
+          <p:cNvCxnSpPr/>
+          <p:nvPr/>
+        </p:nvCxnSpPr>
+        <p:spPr>
+          <a:xfrm flipV="1">
+            <a:off x="4264001" y="4869161"/>
+            <a:ext cx="1028079" cy="692497"/>
+          </a:xfrm>
+          <a:prstGeom prst="straightConnector1">
+            <a:avLst/>
+          </a:prstGeom>
+          <a:ln w="57150">
+            <a:solidFill>
+              <a:srgbClr val="00A7AA"/>
+            </a:solidFill>
+            <a:tailEnd type="arrow"/>
+          </a:ln>
+        </p:spPr>
+        <p:style>
+          <a:lnRef idx="1">
+            <a:schemeClr val="accent1"/>
+          </a:lnRef>
+          <a:fillRef idx="0">
+            <a:schemeClr val="accent1"/>
+          </a:fillRef>
+          <a:effectRef idx="0">
+            <a:schemeClr val="accent1"/>
+          </a:effectRef>
+          <a:fontRef idx="minor">
+            <a:schemeClr val="tx1"/>
+          </a:fontRef>
+        </p:style>
+      </p:cxnSp>
+      <p:cxnSp>
+        <p:nvCxnSpPr>
+          <p:cNvPr id="17" name="Connecteur droit avec flèche 16"/>
+          <p:cNvCxnSpPr/>
+          <p:nvPr/>
+        </p:nvCxnSpPr>
+        <p:spPr>
+          <a:xfrm>
+            <a:off x="3851920" y="3903439"/>
+            <a:ext cx="1152128" cy="0"/>
+          </a:xfrm>
+          <a:prstGeom prst="straightConnector1">
+            <a:avLst/>
+          </a:prstGeom>
+          <a:ln w="57150">
+            <a:solidFill>
+              <a:srgbClr val="00A7AA"/>
+            </a:solidFill>
+            <a:tailEnd type="arrow"/>
+          </a:ln>
+        </p:spPr>
+        <p:style>
+          <a:lnRef idx="1">
+            <a:schemeClr val="accent1"/>
+          </a:lnRef>
+          <a:fillRef idx="0">
+            <a:schemeClr val="accent1"/>
+          </a:fillRef>
+          <a:effectRef idx="0">
+            <a:schemeClr val="accent1"/>
+          </a:effectRef>
+          <a:fontRef idx="minor">
+            <a:schemeClr val="tx1"/>
+          </a:fontRef>
+        </p:style>
+      </p:cxnSp>
+      <p:sp>
+        <p:nvSpPr>
+          <p:cNvPr id="19" name="ZoneTexte 18"/>
+          <p:cNvSpPr txBox="1"/>
+          <p:nvPr/>
+        </p:nvSpPr>
+        <p:spPr>
+          <a:xfrm>
+            <a:off x="5580112" y="3462099"/>
+            <a:ext cx="4308140" cy="830997"/>
+          </a:xfrm>
+          <a:prstGeom prst="rect">
+            <a:avLst/>
+          </a:prstGeom>
+          <a:noFill/>
+        </p:spPr>
+        <p:txBody>
+          <a:bodyPr wrap="square" rtlCol="0">
+            <a:spAutoFit/>
+          </a:bodyPr>
+          <a:lstStyle/>
+          <a:p>
+            <a:pPr fontAlgn="base"/>
+            <a:r>
+              <a:rPr lang="fr-FR" sz="2400" dirty="0" smtClean="0">
+                <a:solidFill>
+                  <a:srgbClr val="0563B8"/>
+                </a:solidFill>
+                <a:latin typeface="+mj-lt"/>
+              </a:rPr>
+              <a:t>Accès à l’information</a:t>
+            </a:r>
+          </a:p>
+          <a:p>
+            <a:pPr fontAlgn="base"/>
+            <a:r>
+              <a:rPr lang="fr-FR" sz="2400" dirty="0" smtClean="0">
+                <a:solidFill>
+                  <a:srgbClr val="0563B8"/>
+                </a:solidFill>
+                <a:latin typeface="+mj-lt"/>
+              </a:rPr>
+              <a:t>Efficacité de la recherche</a:t>
+            </a:r>
+            <a:endParaRPr lang="fr-FR" sz="2400" dirty="0">
+              <a:solidFill>
+                <a:srgbClr val="0563B8"/>
+              </a:solidFill>
+              <a:latin typeface="+mj-lt"/>
+            </a:endParaRPr>
+          </a:p>
+        </p:txBody>
+      </p:sp>
+      <p:sp>
+        <p:nvSpPr>
+          <p:cNvPr id="21" name="ZoneTexte 20"/>
+          <p:cNvSpPr txBox="1"/>
+          <p:nvPr/>
+        </p:nvSpPr>
+        <p:spPr>
+          <a:xfrm>
+            <a:off x="748406" y="2636912"/>
+            <a:ext cx="3607570" cy="2123658"/>
+          </a:xfrm>
+          <a:prstGeom prst="rect">
+            <a:avLst/>
+          </a:prstGeom>
+          <a:noFill/>
+        </p:spPr>
+        <p:txBody>
+          <a:bodyPr wrap="square" rtlCol="0">
+            <a:spAutoFit/>
+          </a:bodyPr>
+          <a:lstStyle/>
+          <a:p>
+            <a:r>
+              <a:rPr lang="fr-FR" sz="2400" dirty="0" smtClean="0">
+                <a:solidFill>
+                  <a:srgbClr val="0563B8"/>
+                </a:solidFill>
+                <a:latin typeface="+mj-lt"/>
+              </a:rPr>
+              <a:t>Recherche d’articles</a:t>
+            </a:r>
+            <a:endParaRPr lang="fr-FR" sz="2400" dirty="0">
+              <a:solidFill>
+                <a:srgbClr val="0563B8"/>
+              </a:solidFill>
+              <a:latin typeface="+mj-lt"/>
+            </a:endParaRPr>
+          </a:p>
+          <a:p>
+            <a:pPr marL="800100" lvl="1" indent="-342900">
+              <a:buFont typeface="Arial" panose="020B0604020202020204" pitchFamily="34" charset="0"/>
+              <a:buChar char="•"/>
+            </a:pPr>
+            <a:r>
+              <a:rPr lang="fr-FR" dirty="0" smtClean="0">
+                <a:solidFill>
+                  <a:srgbClr val="0563B8"/>
+                </a:solidFill>
+                <a:latin typeface="+mj-lt"/>
+              </a:rPr>
+              <a:t>Journal</a:t>
+            </a:r>
+          </a:p>
+          <a:p>
+            <a:pPr marL="800100" lvl="1" indent="-342900">
+              <a:buFont typeface="Arial" panose="020B0604020202020204" pitchFamily="34" charset="0"/>
+              <a:buChar char="•"/>
+            </a:pPr>
+            <a:r>
+              <a:rPr lang="fr-FR" dirty="0" smtClean="0">
+                <a:solidFill>
+                  <a:srgbClr val="0563B8"/>
+                </a:solidFill>
+                <a:latin typeface="+mj-lt"/>
+              </a:rPr>
+              <a:t>Date</a:t>
+            </a:r>
+          </a:p>
+          <a:p>
+            <a:pPr marL="800100" lvl="1" indent="-342900">
+              <a:buFont typeface="Arial" panose="020B0604020202020204" pitchFamily="34" charset="0"/>
+              <a:buChar char="•"/>
+            </a:pPr>
+            <a:r>
+              <a:rPr lang="fr-FR" dirty="0" smtClean="0">
+                <a:solidFill>
+                  <a:srgbClr val="0563B8"/>
+                </a:solidFill>
+                <a:latin typeface="+mj-lt"/>
+              </a:rPr>
+              <a:t>Titre</a:t>
+            </a:r>
+          </a:p>
+          <a:p>
+            <a:pPr marL="800100" lvl="1" indent="-342900">
+              <a:buFont typeface="Arial" panose="020B0604020202020204" pitchFamily="34" charset="0"/>
+              <a:buChar char="•"/>
+            </a:pPr>
+            <a:r>
+              <a:rPr lang="fr-FR" dirty="0" smtClean="0">
+                <a:solidFill>
+                  <a:srgbClr val="0563B8"/>
+                </a:solidFill>
+                <a:latin typeface="+mj-lt"/>
+              </a:rPr>
+              <a:t>Tags</a:t>
+            </a:r>
+          </a:p>
+          <a:p>
+            <a:pPr marL="800100" lvl="1" indent="-342900">
+              <a:buFont typeface="Arial" panose="020B0604020202020204" pitchFamily="34" charset="0"/>
+              <a:buChar char="•"/>
+            </a:pPr>
+            <a:r>
+              <a:rPr lang="fr-FR" dirty="0" smtClean="0">
+                <a:solidFill>
+                  <a:srgbClr val="0563B8"/>
+                </a:solidFill>
+                <a:latin typeface="+mj-lt"/>
+              </a:rPr>
+              <a:t>Contenu</a:t>
+            </a:r>
+          </a:p>
+          <a:p>
+            <a:pPr marL="800100" lvl="1" indent="-342900">
+              <a:buFont typeface="Arial" panose="020B0604020202020204" pitchFamily="34" charset="0"/>
+              <a:buChar char="•"/>
+            </a:pPr>
+            <a:r>
+              <a:rPr lang="fr-FR" dirty="0" smtClean="0">
+                <a:solidFill>
+                  <a:srgbClr val="0563B8"/>
+                </a:solidFill>
+                <a:latin typeface="+mj-lt"/>
+              </a:rPr>
+              <a:t>Auteur</a:t>
+            </a:r>
+          </a:p>
+        </p:txBody>
+      </p:sp>
+      <p:sp>
+        <p:nvSpPr>
+          <p:cNvPr id="22" name="ZoneTexte 21"/>
+          <p:cNvSpPr txBox="1"/>
+          <p:nvPr/>
+        </p:nvSpPr>
+        <p:spPr>
+          <a:xfrm>
+            <a:off x="748406" y="4869160"/>
+            <a:ext cx="3803627" cy="1384995"/>
+          </a:xfrm>
+          <a:prstGeom prst="rect">
+            <a:avLst/>
+          </a:prstGeom>
+          <a:noFill/>
+        </p:spPr>
+        <p:txBody>
+          <a:bodyPr wrap="square" rtlCol="0">
+            <a:spAutoFit/>
+          </a:bodyPr>
+          <a:lstStyle/>
+          <a:p>
+            <a:r>
+              <a:rPr lang="fr-FR" sz="2400" dirty="0" smtClean="0">
+                <a:solidFill>
+                  <a:srgbClr val="0563B8"/>
+                </a:solidFill>
+                <a:latin typeface="+mj-lt"/>
+              </a:rPr>
+              <a:t>Recherche de revues de presse</a:t>
+            </a:r>
+          </a:p>
+          <a:p>
+            <a:pPr marL="800100" lvl="1" indent="-342900">
+              <a:buFont typeface="Arial" panose="020B0604020202020204" pitchFamily="34" charset="0"/>
+              <a:buChar char="•"/>
+            </a:pPr>
+            <a:r>
+              <a:rPr lang="fr-FR" dirty="0" smtClean="0">
+                <a:solidFill>
+                  <a:srgbClr val="0563B8"/>
+                </a:solidFill>
+              </a:rPr>
+              <a:t>Nom</a:t>
+            </a:r>
+          </a:p>
+          <a:p>
+            <a:pPr marL="800100" lvl="1" indent="-342900">
+              <a:buFont typeface="Arial" panose="020B0604020202020204" pitchFamily="34" charset="0"/>
+              <a:buChar char="•"/>
+            </a:pPr>
+            <a:r>
+              <a:rPr lang="fr-FR" dirty="0" smtClean="0">
+                <a:solidFill>
+                  <a:srgbClr val="0563B8"/>
+                </a:solidFill>
+              </a:rPr>
+              <a:t>Description</a:t>
+            </a:r>
+            <a:endParaRPr lang="fr-FR" dirty="0">
+              <a:solidFill>
+                <a:srgbClr val="0563B8"/>
+              </a:solidFill>
+            </a:endParaRPr>
+          </a:p>
+        </p:txBody>
+      </p:sp>
     </p:spTree>
     <p:extLst>
       <p:ext uri="{BB962C8B-B14F-4D97-AF65-F5344CB8AC3E}">
-        <p14:creationId xmlns:p14="http://schemas.microsoft.com/office/powerpoint/2010/main" val="593129002"/>
+        <p14:creationId xmlns:p14="http://schemas.microsoft.com/office/powerpoint/2010/main" val="1309462672"/>
       </p:ext>
     </p:extLst>
   </p:cSld>

--- a/defense/1_project/powerpoint.pptx
+++ b/defense/1_project/powerpoint.pptx
@@ -3641,31 +3641,307 @@
           </a:extLst>
         </p:spPr>
       </p:pic>
+      <p:sp>
+        <p:nvSpPr>
+          <p:cNvPr id="4" name="ZoneTexte 3"/>
+          <p:cNvSpPr txBox="1"/>
+          <p:nvPr/>
+        </p:nvSpPr>
+        <p:spPr>
+          <a:xfrm>
+            <a:off x="272144" y="4566027"/>
+            <a:ext cx="2520280" cy="2031325"/>
+          </a:xfrm>
+          <a:prstGeom prst="rect">
+            <a:avLst/>
+          </a:prstGeom>
+          <a:noFill/>
+        </p:spPr>
+        <p:txBody>
+          <a:bodyPr wrap="square" rtlCol="0">
+            <a:spAutoFit/>
+          </a:bodyPr>
+          <a:lstStyle/>
+          <a:p>
+            <a:r>
+              <a:rPr lang="fr-FR" dirty="0">
+                <a:solidFill>
+                  <a:srgbClr val="0563B8"/>
+                </a:solidFill>
+                <a:latin typeface="Calibri Light" panose="020F0302020204030204" pitchFamily="34" charset="0"/>
+              </a:rPr>
+              <a:t>François BOSCHET</a:t>
+            </a:r>
+          </a:p>
+          <a:p>
+            <a:r>
+              <a:rPr lang="fr-FR" dirty="0">
+                <a:solidFill>
+                  <a:srgbClr val="0563B8"/>
+                </a:solidFill>
+                <a:latin typeface="Calibri Light" panose="020F0302020204030204" pitchFamily="34" charset="0"/>
+              </a:rPr>
+              <a:t>Alexandre BOUCHET</a:t>
+            </a:r>
+          </a:p>
+          <a:p>
+            <a:r>
+              <a:rPr lang="fr-FR" dirty="0">
+                <a:solidFill>
+                  <a:srgbClr val="0563B8"/>
+                </a:solidFill>
+                <a:latin typeface="Calibri Light" panose="020F0302020204030204" pitchFamily="34" charset="0"/>
+              </a:rPr>
+              <a:t>Romain COLOMBAT</a:t>
+            </a:r>
+          </a:p>
+          <a:p>
+            <a:r>
+              <a:rPr lang="fr-FR" dirty="0">
+                <a:solidFill>
+                  <a:srgbClr val="0563B8"/>
+                </a:solidFill>
+                <a:latin typeface="Calibri Light" panose="020F0302020204030204" pitchFamily="34" charset="0"/>
+              </a:rPr>
+              <a:t>Arnaud LODS</a:t>
+            </a:r>
+          </a:p>
+          <a:p>
+            <a:r>
+              <a:rPr lang="fr-FR" dirty="0">
+                <a:solidFill>
+                  <a:srgbClr val="0563B8"/>
+                </a:solidFill>
+                <a:latin typeface="Calibri Light" panose="020F0302020204030204" pitchFamily="34" charset="0"/>
+              </a:rPr>
+              <a:t>Song Hai NGUYEN</a:t>
+            </a:r>
+          </a:p>
+          <a:p>
+            <a:r>
+              <a:rPr lang="fr-FR" dirty="0">
+                <a:solidFill>
+                  <a:srgbClr val="0563B8"/>
+                </a:solidFill>
+                <a:latin typeface="Calibri Light" panose="020F0302020204030204" pitchFamily="34" charset="0"/>
+              </a:rPr>
+              <a:t>Guillaume PERRUDIN</a:t>
+            </a:r>
+          </a:p>
+          <a:p>
+            <a:r>
+              <a:rPr lang="fr-FR" dirty="0">
+                <a:solidFill>
+                  <a:srgbClr val="0563B8"/>
+                </a:solidFill>
+                <a:latin typeface="Calibri Light" panose="020F0302020204030204" pitchFamily="34" charset="0"/>
+              </a:rPr>
+              <a:t>Marlène TUEKAM</a:t>
+            </a:r>
+          </a:p>
+        </p:txBody>
+      </p:sp>
+      <p:sp>
+        <p:nvSpPr>
+          <p:cNvPr id="11" name="ZoneTexte 10"/>
+          <p:cNvSpPr txBox="1"/>
+          <p:nvPr/>
+        </p:nvSpPr>
+        <p:spPr>
+          <a:xfrm>
+            <a:off x="6228184" y="4869160"/>
+            <a:ext cx="2520280" cy="1569660"/>
+          </a:xfrm>
+          <a:prstGeom prst="rect">
+            <a:avLst/>
+          </a:prstGeom>
+          <a:noFill/>
+        </p:spPr>
+        <p:txBody>
+          <a:bodyPr wrap="square" rtlCol="0">
+            <a:spAutoFit/>
+          </a:bodyPr>
+          <a:lstStyle/>
+          <a:p>
+            <a:pPr algn="ctr"/>
+            <a:r>
+              <a:rPr lang="fr-FR" sz="2400" dirty="0" smtClean="0">
+                <a:solidFill>
+                  <a:srgbClr val="0563B8"/>
+                </a:solidFill>
+                <a:latin typeface="Calibri Light" panose="020F0302020204030204" pitchFamily="34" charset="0"/>
+              </a:rPr>
+              <a:t>Encadrants</a:t>
+            </a:r>
+          </a:p>
+          <a:p>
+            <a:pPr algn="ctr"/>
+            <a:endParaRPr lang="fr-FR" dirty="0" smtClean="0">
+              <a:solidFill>
+                <a:srgbClr val="00A7AA"/>
+              </a:solidFill>
+              <a:latin typeface="Calibri Light" panose="020F0302020204030204" pitchFamily="34" charset="0"/>
+            </a:endParaRPr>
+          </a:p>
+          <a:p>
+            <a:pPr algn="ctr"/>
+            <a:r>
+              <a:rPr lang="fr-FR" dirty="0" smtClean="0">
+                <a:solidFill>
+                  <a:srgbClr val="00A7AA"/>
+                </a:solidFill>
+                <a:latin typeface="Calibri Light" panose="020F0302020204030204" pitchFamily="34" charset="0"/>
+              </a:rPr>
+              <a:t>Bertrand COUASNON</a:t>
+            </a:r>
+          </a:p>
+          <a:p>
+            <a:pPr algn="ctr"/>
+            <a:r>
+              <a:rPr lang="fr-FR" dirty="0">
+                <a:solidFill>
+                  <a:srgbClr val="00A7AA"/>
+                </a:solidFill>
+                <a:latin typeface="Calibri Light" panose="020F0302020204030204" pitchFamily="34" charset="0"/>
+              </a:rPr>
+              <a:t>Jean-Yves LE </a:t>
+            </a:r>
+            <a:r>
+              <a:rPr lang="fr-FR" dirty="0" smtClean="0">
+                <a:solidFill>
+                  <a:srgbClr val="00A7AA"/>
+                </a:solidFill>
+                <a:latin typeface="Calibri Light" panose="020F0302020204030204" pitchFamily="34" charset="0"/>
+              </a:rPr>
+              <a:t>CLERC</a:t>
+            </a:r>
+          </a:p>
+          <a:p>
+            <a:pPr algn="ctr"/>
+            <a:r>
+              <a:rPr lang="fr-FR" dirty="0" smtClean="0">
+                <a:solidFill>
+                  <a:srgbClr val="00A7AA"/>
+                </a:solidFill>
+                <a:latin typeface="Calibri Light" panose="020F0302020204030204" pitchFamily="34" charset="0"/>
+              </a:rPr>
+              <a:t>Yoan ROYER</a:t>
+            </a:r>
+          </a:p>
+        </p:txBody>
+      </p:sp>
+      <p:sp>
+        <p:nvSpPr>
+          <p:cNvPr id="9" name="ZoneTexte 8"/>
+          <p:cNvSpPr txBox="1"/>
+          <p:nvPr/>
+        </p:nvSpPr>
+        <p:spPr>
+          <a:xfrm>
+            <a:off x="2942819" y="3789040"/>
+            <a:ext cx="3258362" cy="584775"/>
+          </a:xfrm>
+          <a:prstGeom prst="rect">
+            <a:avLst/>
+          </a:prstGeom>
+          <a:noFill/>
+        </p:spPr>
+        <p:txBody>
+          <a:bodyPr wrap="square" rtlCol="0">
+            <a:spAutoFit/>
+          </a:bodyPr>
+          <a:lstStyle/>
+          <a:p>
+            <a:pPr algn="ctr"/>
+            <a:r>
+              <a:rPr lang="fr-FR" sz="1600" dirty="0" smtClean="0">
+                <a:solidFill>
+                  <a:srgbClr val="0563B8"/>
+                </a:solidFill>
+                <a:latin typeface="Calibri Light" panose="020F0302020204030204" pitchFamily="34" charset="0"/>
+              </a:rPr>
+              <a:t>INSA </a:t>
+            </a:r>
+            <a:r>
+              <a:rPr lang="fr-FR" sz="1600" dirty="0" smtClean="0">
+                <a:solidFill>
+                  <a:srgbClr val="0563B8"/>
+                </a:solidFill>
+                <a:latin typeface="Calibri Light" panose="020F0302020204030204" pitchFamily="34" charset="0"/>
+              </a:rPr>
+              <a:t>RENNES </a:t>
+            </a:r>
+            <a:r>
+              <a:rPr lang="fr-FR" sz="1600" dirty="0" smtClean="0">
+                <a:solidFill>
+                  <a:srgbClr val="0563B8"/>
+                </a:solidFill>
+                <a:latin typeface="Calibri Light" panose="020F0302020204030204" pitchFamily="34" charset="0"/>
+              </a:rPr>
+              <a:t>- 4</a:t>
+            </a:r>
+            <a:r>
+              <a:rPr lang="fr-FR" sz="1600" baseline="30000" dirty="0" smtClean="0">
+                <a:solidFill>
+                  <a:srgbClr val="0563B8"/>
+                </a:solidFill>
+                <a:latin typeface="Calibri Light" panose="020F0302020204030204" pitchFamily="34" charset="0"/>
+              </a:rPr>
+              <a:t>ème</a:t>
+            </a:r>
+            <a:r>
+              <a:rPr lang="fr-FR" sz="1600" dirty="0" smtClean="0">
+                <a:solidFill>
+                  <a:srgbClr val="0563B8"/>
+                </a:solidFill>
+                <a:latin typeface="Calibri Light" panose="020F0302020204030204" pitchFamily="34" charset="0"/>
+              </a:rPr>
+              <a:t> année INFO</a:t>
+            </a:r>
+          </a:p>
+          <a:p>
+            <a:pPr algn="ctr"/>
+            <a:r>
+              <a:rPr lang="fr-FR" sz="1600" dirty="0" smtClean="0">
+                <a:solidFill>
+                  <a:srgbClr val="0563B8"/>
+                </a:solidFill>
+                <a:latin typeface="Calibri Light" panose="020F0302020204030204" pitchFamily="34" charset="0"/>
+              </a:rPr>
+              <a:t>17 décembre 2015</a:t>
+            </a:r>
+            <a:endParaRPr lang="fr-FR" sz="1600" dirty="0">
+              <a:solidFill>
+                <a:srgbClr val="0563B8"/>
+              </a:solidFill>
+              <a:latin typeface="Calibri Light" panose="020F0302020204030204" pitchFamily="34" charset="0"/>
+            </a:endParaRPr>
+          </a:p>
+        </p:txBody>
+      </p:sp>
       <p:pic>
         <p:nvPicPr>
-          <p:cNvPr id="1035" name="Picture 11" descr="Irisa"/>
+          <p:cNvPr id="1026" name="Picture 2" descr="https://www-intuidoc.irisa.fr/files/2015/11/cropped-logo3.png"/>
           <p:cNvPicPr>
             <a:picLocks noChangeAspect="1" noChangeArrowheads="1"/>
           </p:cNvPicPr>
           <p:nvPr/>
         </p:nvPicPr>
-        <p:blipFill>
-          <a:blip r:embed="rId4" cstate="print">
+        <p:blipFill rotWithShape="1">
+          <a:blip r:embed="rId4">
             <a:extLst>
               <a:ext uri="{28A0092B-C50C-407E-A947-70E740481C1C}">
                 <a14:useLocalDpi xmlns:a14="http://schemas.microsoft.com/office/drawing/2010/main" val="0"/>
               </a:ext>
             </a:extLst>
           </a:blip>
-          <a:srcRect/>
-          <a:stretch>
-            <a:fillRect/>
-          </a:stretch>
+          <a:srcRect r="55076"/>
+          <a:stretch/>
         </p:blipFill>
         <p:spPr bwMode="auto">
           <a:xfrm>
-            <a:off x="6808784" y="234405"/>
-            <a:ext cx="2099632" cy="530645"/>
+            <a:off x="6804248" y="103729"/>
+            <a:ext cx="2189499" cy="791994"/>
           </a:xfrm>
           <a:prstGeom prst="rect">
             <a:avLst/>
@@ -3682,296 +3958,6 @@
           </a:extLst>
         </p:spPr>
       </p:pic>
-      <p:sp>
-        <p:nvSpPr>
-          <p:cNvPr id="4" name="ZoneTexte 3"/>
-          <p:cNvSpPr txBox="1"/>
-          <p:nvPr/>
-        </p:nvSpPr>
-        <p:spPr>
-          <a:xfrm>
-            <a:off x="272144" y="4566027"/>
-            <a:ext cx="2520280" cy="2031325"/>
-          </a:xfrm>
-          <a:prstGeom prst="rect">
-            <a:avLst/>
-          </a:prstGeom>
-          <a:noFill/>
-        </p:spPr>
-        <p:txBody>
-          <a:bodyPr wrap="square" rtlCol="0">
-            <a:spAutoFit/>
-          </a:bodyPr>
-          <a:lstStyle/>
-          <a:p>
-            <a:r>
-              <a:rPr lang="fr-FR" dirty="0">
-                <a:solidFill>
-                  <a:srgbClr val="0563B8"/>
-                </a:solidFill>
-                <a:latin typeface="Calibri Light" panose="020F0302020204030204" pitchFamily="34" charset="0"/>
-              </a:rPr>
-              <a:t>François BOSCHET</a:t>
-            </a:r>
-          </a:p>
-          <a:p>
-            <a:r>
-              <a:rPr lang="fr-FR" dirty="0">
-                <a:solidFill>
-                  <a:srgbClr val="0563B8"/>
-                </a:solidFill>
-                <a:latin typeface="Calibri Light" panose="020F0302020204030204" pitchFamily="34" charset="0"/>
-              </a:rPr>
-              <a:t>Alexandre BOUCHET</a:t>
-            </a:r>
-          </a:p>
-          <a:p>
-            <a:r>
-              <a:rPr lang="fr-FR" dirty="0">
-                <a:solidFill>
-                  <a:srgbClr val="0563B8"/>
-                </a:solidFill>
-                <a:latin typeface="Calibri Light" panose="020F0302020204030204" pitchFamily="34" charset="0"/>
-              </a:rPr>
-              <a:t>Romain COLOMBAT</a:t>
-            </a:r>
-          </a:p>
-          <a:p>
-            <a:r>
-              <a:rPr lang="fr-FR" dirty="0">
-                <a:solidFill>
-                  <a:srgbClr val="0563B8"/>
-                </a:solidFill>
-                <a:latin typeface="Calibri Light" panose="020F0302020204030204" pitchFamily="34" charset="0"/>
-              </a:rPr>
-              <a:t>Arnaud LODS</a:t>
-            </a:r>
-          </a:p>
-          <a:p>
-            <a:r>
-              <a:rPr lang="fr-FR" dirty="0">
-                <a:solidFill>
-                  <a:srgbClr val="0563B8"/>
-                </a:solidFill>
-                <a:latin typeface="Calibri Light" panose="020F0302020204030204" pitchFamily="34" charset="0"/>
-              </a:rPr>
-              <a:t>Song Hai NGUYEN</a:t>
-            </a:r>
-          </a:p>
-          <a:p>
-            <a:r>
-              <a:rPr lang="fr-FR" dirty="0">
-                <a:solidFill>
-                  <a:srgbClr val="0563B8"/>
-                </a:solidFill>
-                <a:latin typeface="Calibri Light" panose="020F0302020204030204" pitchFamily="34" charset="0"/>
-              </a:rPr>
-              <a:t>Guillaume PERRUDIN</a:t>
-            </a:r>
-          </a:p>
-          <a:p>
-            <a:r>
-              <a:rPr lang="fr-FR" dirty="0">
-                <a:solidFill>
-                  <a:srgbClr val="0563B8"/>
-                </a:solidFill>
-                <a:latin typeface="Calibri Light" panose="020F0302020204030204" pitchFamily="34" charset="0"/>
-              </a:rPr>
-              <a:t>Marlène TUEKAM</a:t>
-            </a:r>
-          </a:p>
-        </p:txBody>
-      </p:sp>
-      <p:sp>
-        <p:nvSpPr>
-          <p:cNvPr id="11" name="ZoneTexte 10"/>
-          <p:cNvSpPr txBox="1"/>
-          <p:nvPr/>
-        </p:nvSpPr>
-        <p:spPr>
-          <a:xfrm>
-            <a:off x="6228184" y="4869160"/>
-            <a:ext cx="2520280" cy="1569660"/>
-          </a:xfrm>
-          <a:prstGeom prst="rect">
-            <a:avLst/>
-          </a:prstGeom>
-          <a:noFill/>
-        </p:spPr>
-        <p:txBody>
-          <a:bodyPr wrap="square" rtlCol="0">
-            <a:spAutoFit/>
-          </a:bodyPr>
-          <a:lstStyle/>
-          <a:p>
-            <a:pPr algn="ctr"/>
-            <a:r>
-              <a:rPr lang="fr-FR" sz="2400" dirty="0" smtClean="0">
-                <a:solidFill>
-                  <a:srgbClr val="0563B8"/>
-                </a:solidFill>
-                <a:latin typeface="Calibri Light" panose="020F0302020204030204" pitchFamily="34" charset="0"/>
-              </a:rPr>
-              <a:t>Encadrants</a:t>
-            </a:r>
-          </a:p>
-          <a:p>
-            <a:pPr algn="ctr"/>
-            <a:endParaRPr lang="fr-FR" dirty="0" smtClean="0">
-              <a:solidFill>
-                <a:srgbClr val="00A7AA"/>
-              </a:solidFill>
-              <a:latin typeface="Calibri Light" panose="020F0302020204030204" pitchFamily="34" charset="0"/>
-            </a:endParaRPr>
-          </a:p>
-          <a:p>
-            <a:pPr algn="ctr"/>
-            <a:r>
-              <a:rPr lang="fr-FR" dirty="0" smtClean="0">
-                <a:solidFill>
-                  <a:srgbClr val="00A7AA"/>
-                </a:solidFill>
-                <a:latin typeface="Calibri Light" panose="020F0302020204030204" pitchFamily="34" charset="0"/>
-              </a:rPr>
-              <a:t>Bertrand </a:t>
-            </a:r>
-            <a:r>
-              <a:rPr lang="fr-FR" dirty="0" smtClean="0">
-                <a:solidFill>
-                  <a:srgbClr val="00A7AA"/>
-                </a:solidFill>
-                <a:latin typeface="Calibri Light" panose="020F0302020204030204" pitchFamily="34" charset="0"/>
-              </a:rPr>
-              <a:t>COUASNON</a:t>
-            </a:r>
-          </a:p>
-          <a:p>
-            <a:pPr algn="ctr"/>
-            <a:r>
-              <a:rPr lang="fr-FR" dirty="0">
-                <a:solidFill>
-                  <a:srgbClr val="00A7AA"/>
-                </a:solidFill>
-                <a:latin typeface="Calibri Light" panose="020F0302020204030204" pitchFamily="34" charset="0"/>
-              </a:rPr>
-              <a:t>Jean-Yves LE </a:t>
-            </a:r>
-            <a:r>
-              <a:rPr lang="fr-FR" dirty="0" smtClean="0">
-                <a:solidFill>
-                  <a:srgbClr val="00A7AA"/>
-                </a:solidFill>
-                <a:latin typeface="Calibri Light" panose="020F0302020204030204" pitchFamily="34" charset="0"/>
-              </a:rPr>
-              <a:t>CLERC</a:t>
-            </a:r>
-            <a:endParaRPr lang="fr-FR" dirty="0" smtClean="0">
-              <a:solidFill>
-                <a:srgbClr val="00A7AA"/>
-              </a:solidFill>
-              <a:latin typeface="Calibri Light" panose="020F0302020204030204" pitchFamily="34" charset="0"/>
-            </a:endParaRPr>
-          </a:p>
-          <a:p>
-            <a:pPr algn="ctr"/>
-            <a:r>
-              <a:rPr lang="fr-FR" dirty="0" smtClean="0">
-                <a:solidFill>
-                  <a:srgbClr val="00A7AA"/>
-                </a:solidFill>
-                <a:latin typeface="Calibri Light" panose="020F0302020204030204" pitchFamily="34" charset="0"/>
-              </a:rPr>
-              <a:t>Yoan </a:t>
-            </a:r>
-            <a:r>
-              <a:rPr lang="fr-FR" dirty="0" smtClean="0">
-                <a:solidFill>
-                  <a:srgbClr val="00A7AA"/>
-                </a:solidFill>
-                <a:latin typeface="Calibri Light" panose="020F0302020204030204" pitchFamily="34" charset="0"/>
-              </a:rPr>
-              <a:t>ROYER</a:t>
-            </a:r>
-            <a:endParaRPr lang="fr-FR" dirty="0" smtClean="0">
-              <a:solidFill>
-                <a:srgbClr val="00A7AA"/>
-              </a:solidFill>
-              <a:latin typeface="Calibri Light" panose="020F0302020204030204" pitchFamily="34" charset="0"/>
-            </a:endParaRPr>
-          </a:p>
-        </p:txBody>
-      </p:sp>
-      <p:sp>
-        <p:nvSpPr>
-          <p:cNvPr id="9" name="ZoneTexte 8"/>
-          <p:cNvSpPr txBox="1"/>
-          <p:nvPr/>
-        </p:nvSpPr>
-        <p:spPr>
-          <a:xfrm>
-            <a:off x="2942819" y="3789040"/>
-            <a:ext cx="3258362" cy="584775"/>
-          </a:xfrm>
-          <a:prstGeom prst="rect">
-            <a:avLst/>
-          </a:prstGeom>
-          <a:noFill/>
-        </p:spPr>
-        <p:txBody>
-          <a:bodyPr wrap="square" rtlCol="0">
-            <a:spAutoFit/>
-          </a:bodyPr>
-          <a:lstStyle/>
-          <a:p>
-            <a:pPr algn="ctr"/>
-            <a:r>
-              <a:rPr lang="fr-FR" sz="1600" dirty="0" smtClean="0">
-                <a:solidFill>
-                  <a:srgbClr val="0563B8"/>
-                </a:solidFill>
-                <a:latin typeface="Calibri Light" panose="020F0302020204030204" pitchFamily="34" charset="0"/>
-              </a:rPr>
-              <a:t>INSA RENNNES - 4</a:t>
-            </a:r>
-            <a:r>
-              <a:rPr lang="fr-FR" sz="1600" baseline="30000" dirty="0" smtClean="0">
-                <a:solidFill>
-                  <a:srgbClr val="0563B8"/>
-                </a:solidFill>
-                <a:latin typeface="Calibri Light" panose="020F0302020204030204" pitchFamily="34" charset="0"/>
-              </a:rPr>
-              <a:t>ème</a:t>
-            </a:r>
-            <a:r>
-              <a:rPr lang="fr-FR" sz="1600" dirty="0" smtClean="0">
-                <a:solidFill>
-                  <a:srgbClr val="0563B8"/>
-                </a:solidFill>
-                <a:latin typeface="Calibri Light" panose="020F0302020204030204" pitchFamily="34" charset="0"/>
-              </a:rPr>
-              <a:t> année INFO</a:t>
-            </a:r>
-          </a:p>
-          <a:p>
-            <a:pPr algn="ctr"/>
-            <a:r>
-              <a:rPr lang="fr-FR" sz="1600" dirty="0" smtClean="0">
-                <a:solidFill>
-                  <a:srgbClr val="0563B8"/>
-                </a:solidFill>
-                <a:latin typeface="Calibri Light" panose="020F0302020204030204" pitchFamily="34" charset="0"/>
-              </a:rPr>
-              <a:t>17 décembre 2015</a:t>
-            </a:r>
-            <a:endParaRPr lang="fr-FR" sz="1600" dirty="0">
-              <a:solidFill>
-                <a:srgbClr val="0563B8"/>
-              </a:solidFill>
-              <a:latin typeface="Calibri Light" panose="020F0302020204030204" pitchFamily="34" charset="0"/>
-            </a:endParaRPr>
-          </a:p>
-        </p:txBody>
-      </p:sp>
     </p:spTree>
     <p:extLst>
       <p:ext uri="{BB962C8B-B14F-4D97-AF65-F5344CB8AC3E}">
@@ -4779,256 +4765,6 @@
       </p:cxnSp>
       <p:sp>
         <p:nvSpPr>
-          <p:cNvPr id="18" name="ZoneTexte 17"/>
-          <p:cNvSpPr txBox="1"/>
-          <p:nvPr/>
-        </p:nvSpPr>
-        <p:spPr>
-          <a:xfrm>
-            <a:off x="5292080" y="1600924"/>
-            <a:ext cx="3672408" cy="1107996"/>
-          </a:xfrm>
-          <a:prstGeom prst="rect">
-            <a:avLst/>
-          </a:prstGeom>
-          <a:noFill/>
-        </p:spPr>
-        <p:txBody>
-          <a:bodyPr wrap="square" rtlCol="0">
-            <a:spAutoFit/>
-          </a:bodyPr>
-          <a:lstStyle/>
-          <a:p>
-            <a:pPr fontAlgn="base"/>
-            <a:r>
-              <a:rPr lang="fr-FR" dirty="0" smtClean="0">
-                <a:solidFill>
-                  <a:srgbClr val="0563B8"/>
-                </a:solidFill>
-              </a:rPr>
-              <a:t>Métadonnées sur le document</a:t>
-            </a:r>
-          </a:p>
-          <a:p>
-            <a:pPr marL="742950" lvl="1" indent="-285750" fontAlgn="base">
-              <a:buFont typeface="Arial" panose="020B0604020202020204" pitchFamily="34" charset="0"/>
-              <a:buChar char="•"/>
-            </a:pPr>
-            <a:r>
-              <a:rPr lang="fr-FR" sz="1600" dirty="0">
-                <a:solidFill>
-                  <a:srgbClr val="0563B8"/>
-                </a:solidFill>
-              </a:rPr>
-              <a:t>N</a:t>
-            </a:r>
-            <a:r>
-              <a:rPr lang="fr-FR" sz="1600" dirty="0" smtClean="0">
-                <a:solidFill>
-                  <a:srgbClr val="0563B8"/>
-                </a:solidFill>
-              </a:rPr>
-              <a:t>om de l’article, du journal</a:t>
-            </a:r>
-          </a:p>
-          <a:p>
-            <a:pPr marL="742950" lvl="1" indent="-285750" fontAlgn="base">
-              <a:buFont typeface="Arial" panose="020B0604020202020204" pitchFamily="34" charset="0"/>
-              <a:buChar char="•"/>
-            </a:pPr>
-            <a:r>
-              <a:rPr lang="fr-FR" sz="1600" dirty="0">
-                <a:solidFill>
-                  <a:srgbClr val="0563B8"/>
-                </a:solidFill>
-              </a:rPr>
-              <a:t>D</a:t>
-            </a:r>
-            <a:r>
-              <a:rPr lang="fr-FR" sz="1600" dirty="0" smtClean="0">
-                <a:solidFill>
-                  <a:srgbClr val="0563B8"/>
-                </a:solidFill>
-              </a:rPr>
-              <a:t>ate de parution,</a:t>
-            </a:r>
-          </a:p>
-          <a:p>
-            <a:pPr marL="742950" lvl="1" indent="-285750" fontAlgn="base">
-              <a:buFont typeface="Arial" panose="020B0604020202020204" pitchFamily="34" charset="0"/>
-              <a:buChar char="•"/>
-            </a:pPr>
-            <a:r>
-              <a:rPr lang="fr-FR" sz="1600" dirty="0" smtClean="0">
-                <a:solidFill>
-                  <a:srgbClr val="0563B8"/>
-                </a:solidFill>
-              </a:rPr>
-              <a:t>Tags associés</a:t>
-            </a:r>
-            <a:endParaRPr lang="fr-FR" sz="1600" dirty="0">
-              <a:solidFill>
-                <a:srgbClr val="0563B8"/>
-              </a:solidFill>
-            </a:endParaRPr>
-          </a:p>
-        </p:txBody>
-      </p:sp>
-      <p:sp>
-        <p:nvSpPr>
-          <p:cNvPr id="19" name="ZoneTexte 18"/>
-          <p:cNvSpPr txBox="1"/>
-          <p:nvPr/>
-        </p:nvSpPr>
-        <p:spPr>
-          <a:xfrm>
-            <a:off x="5292080" y="3573016"/>
-            <a:ext cx="3672408" cy="923330"/>
-          </a:xfrm>
-          <a:prstGeom prst="rect">
-            <a:avLst/>
-          </a:prstGeom>
-          <a:noFill/>
-        </p:spPr>
-        <p:txBody>
-          <a:bodyPr wrap="square" rtlCol="0">
-            <a:spAutoFit/>
-          </a:bodyPr>
-          <a:lstStyle/>
-          <a:p>
-            <a:pPr marL="285750" indent="-285750" fontAlgn="base">
-              <a:buFont typeface="Arial" panose="020B0604020202020204" pitchFamily="34" charset="0"/>
-              <a:buChar char="•"/>
-            </a:pPr>
-            <a:r>
-              <a:rPr lang="fr-FR" dirty="0" smtClean="0">
-                <a:solidFill>
-                  <a:srgbClr val="0563B8"/>
-                </a:solidFill>
-              </a:rPr>
-              <a:t>Visionneuse de documents</a:t>
-            </a:r>
-          </a:p>
-          <a:p>
-            <a:pPr marL="285750" indent="-285750" fontAlgn="base">
-              <a:buFont typeface="Arial" panose="020B0604020202020204" pitchFamily="34" charset="0"/>
-              <a:buChar char="•"/>
-            </a:pPr>
-            <a:r>
-              <a:rPr lang="fr-FR" dirty="0" smtClean="0">
-                <a:solidFill>
-                  <a:srgbClr val="0563B8"/>
-                </a:solidFill>
-              </a:rPr>
-              <a:t>Actions de navigation :</a:t>
-            </a:r>
-          </a:p>
-          <a:p>
-            <a:pPr fontAlgn="base"/>
-            <a:r>
-              <a:rPr lang="fr-FR" dirty="0" smtClean="0">
-                <a:solidFill>
-                  <a:srgbClr val="0563B8"/>
-                </a:solidFill>
-              </a:rPr>
-              <a:t>   </a:t>
-            </a:r>
-            <a:r>
-              <a:rPr lang="fr-FR" sz="1600" dirty="0" smtClean="0">
-                <a:solidFill>
-                  <a:srgbClr val="0563B8"/>
-                </a:solidFill>
-              </a:rPr>
-              <a:t>zoom, page suivante,  article suivant, </a:t>
-            </a:r>
-            <a:r>
-              <a:rPr lang="fr-FR" sz="1600" dirty="0" err="1" smtClean="0">
-                <a:solidFill>
-                  <a:srgbClr val="0563B8"/>
-                </a:solidFill>
-              </a:rPr>
-              <a:t>etc</a:t>
-            </a:r>
-            <a:endParaRPr lang="fr-FR" sz="1600" dirty="0" smtClean="0">
-              <a:solidFill>
-                <a:srgbClr val="0563B8"/>
-              </a:solidFill>
-            </a:endParaRPr>
-          </a:p>
-        </p:txBody>
-      </p:sp>
-      <p:sp>
-        <p:nvSpPr>
-          <p:cNvPr id="20" name="ZoneTexte 19"/>
-          <p:cNvSpPr txBox="1"/>
-          <p:nvPr/>
-        </p:nvSpPr>
-        <p:spPr>
-          <a:xfrm>
-            <a:off x="5292080" y="5169966"/>
-            <a:ext cx="3960440" cy="1200329"/>
-          </a:xfrm>
-          <a:prstGeom prst="rect">
-            <a:avLst/>
-          </a:prstGeom>
-          <a:noFill/>
-        </p:spPr>
-        <p:txBody>
-          <a:bodyPr wrap="square" rtlCol="0">
-            <a:spAutoFit/>
-          </a:bodyPr>
-          <a:lstStyle/>
-          <a:p>
-            <a:pPr marL="285750" indent="-285750" fontAlgn="base">
-              <a:buFont typeface="Arial" panose="020B0604020202020204" pitchFamily="34" charset="0"/>
-              <a:buChar char="•"/>
-            </a:pPr>
-            <a:r>
-              <a:rPr lang="fr-FR" dirty="0" smtClean="0">
-                <a:solidFill>
-                  <a:srgbClr val="0563B8"/>
-                </a:solidFill>
-              </a:rPr>
-              <a:t>Recommandations d’articles</a:t>
-            </a:r>
-          </a:p>
-          <a:p>
-            <a:pPr marL="285750" indent="-285750" fontAlgn="base">
-              <a:buFont typeface="Arial" panose="020B0604020202020204" pitchFamily="34" charset="0"/>
-              <a:buChar char="•"/>
-            </a:pPr>
-            <a:r>
-              <a:rPr lang="fr-FR" dirty="0" smtClean="0">
-                <a:solidFill>
-                  <a:srgbClr val="0563B8"/>
-                </a:solidFill>
-              </a:rPr>
-              <a:t>Articles de la revue de presse</a:t>
-            </a:r>
-          </a:p>
-          <a:p>
-            <a:pPr marL="285750" indent="-285750" fontAlgn="base">
-              <a:buFont typeface="Arial" panose="020B0604020202020204" pitchFamily="34" charset="0"/>
-              <a:buChar char="•"/>
-            </a:pPr>
-            <a:r>
-              <a:rPr lang="fr-FR" dirty="0" smtClean="0">
-                <a:solidFill>
-                  <a:srgbClr val="0563B8"/>
-                </a:solidFill>
-              </a:rPr>
-              <a:t>Revues de presse contenant l’article en cours de lecture</a:t>
-            </a:r>
-            <a:endParaRPr lang="fr-FR" sz="1200" i="1" dirty="0">
-              <a:solidFill>
-                <a:srgbClr val="0563B8"/>
-              </a:solidFill>
-            </a:endParaRPr>
-          </a:p>
-        </p:txBody>
-      </p:sp>
-      <p:sp>
-        <p:nvSpPr>
           <p:cNvPr id="21" name="ZoneTexte 20"/>
           <p:cNvSpPr txBox="1"/>
           <p:nvPr/>
@@ -5549,6 +5285,256 @@
               <a:t>12</a:t>
             </a:fld>
             <a:endParaRPr lang="fr-FR"/>
+          </a:p>
+        </p:txBody>
+      </p:sp>
+      <p:sp>
+        <p:nvSpPr>
+          <p:cNvPr id="12" name="ZoneTexte 11"/>
+          <p:cNvSpPr txBox="1"/>
+          <p:nvPr/>
+        </p:nvSpPr>
+        <p:spPr>
+          <a:xfrm>
+            <a:off x="8728984" y="1216892"/>
+            <a:ext cx="3672408" cy="1107996"/>
+          </a:xfrm>
+          <a:prstGeom prst="rect">
+            <a:avLst/>
+          </a:prstGeom>
+          <a:noFill/>
+        </p:spPr>
+        <p:txBody>
+          <a:bodyPr wrap="square" rtlCol="0">
+            <a:spAutoFit/>
+          </a:bodyPr>
+          <a:lstStyle/>
+          <a:p>
+            <a:pPr fontAlgn="base"/>
+            <a:r>
+              <a:rPr lang="fr-FR" dirty="0" smtClean="0">
+                <a:solidFill>
+                  <a:srgbClr val="0563B8"/>
+                </a:solidFill>
+              </a:rPr>
+              <a:t>Métadonnées sur le document</a:t>
+            </a:r>
+          </a:p>
+          <a:p>
+            <a:pPr marL="742950" lvl="1" indent="-285750" fontAlgn="base">
+              <a:buFont typeface="Arial" panose="020B0604020202020204" pitchFamily="34" charset="0"/>
+              <a:buChar char="•"/>
+            </a:pPr>
+            <a:r>
+              <a:rPr lang="fr-FR" sz="1600" dirty="0">
+                <a:solidFill>
+                  <a:srgbClr val="0563B8"/>
+                </a:solidFill>
+              </a:rPr>
+              <a:t>N</a:t>
+            </a:r>
+            <a:r>
+              <a:rPr lang="fr-FR" sz="1600" dirty="0" smtClean="0">
+                <a:solidFill>
+                  <a:srgbClr val="0563B8"/>
+                </a:solidFill>
+              </a:rPr>
+              <a:t>om de l’article, du journal</a:t>
+            </a:r>
+          </a:p>
+          <a:p>
+            <a:pPr marL="742950" lvl="1" indent="-285750" fontAlgn="base">
+              <a:buFont typeface="Arial" panose="020B0604020202020204" pitchFamily="34" charset="0"/>
+              <a:buChar char="•"/>
+            </a:pPr>
+            <a:r>
+              <a:rPr lang="fr-FR" sz="1600" dirty="0">
+                <a:solidFill>
+                  <a:srgbClr val="0563B8"/>
+                </a:solidFill>
+              </a:rPr>
+              <a:t>D</a:t>
+            </a:r>
+            <a:r>
+              <a:rPr lang="fr-FR" sz="1600" dirty="0" smtClean="0">
+                <a:solidFill>
+                  <a:srgbClr val="0563B8"/>
+                </a:solidFill>
+              </a:rPr>
+              <a:t>ate de parution,</a:t>
+            </a:r>
+          </a:p>
+          <a:p>
+            <a:pPr marL="742950" lvl="1" indent="-285750" fontAlgn="base">
+              <a:buFont typeface="Arial" panose="020B0604020202020204" pitchFamily="34" charset="0"/>
+              <a:buChar char="•"/>
+            </a:pPr>
+            <a:r>
+              <a:rPr lang="fr-FR" sz="1600" dirty="0" smtClean="0">
+                <a:solidFill>
+                  <a:srgbClr val="0563B8"/>
+                </a:solidFill>
+              </a:rPr>
+              <a:t>Tags associés</a:t>
+            </a:r>
+            <a:endParaRPr lang="fr-FR" sz="1600" dirty="0">
+              <a:solidFill>
+                <a:srgbClr val="0563B8"/>
+              </a:solidFill>
+            </a:endParaRPr>
+          </a:p>
+        </p:txBody>
+      </p:sp>
+      <p:sp>
+        <p:nvSpPr>
+          <p:cNvPr id="13" name="ZoneTexte 12"/>
+          <p:cNvSpPr txBox="1"/>
+          <p:nvPr/>
+        </p:nvSpPr>
+        <p:spPr>
+          <a:xfrm>
+            <a:off x="8728984" y="3188984"/>
+            <a:ext cx="3672408" cy="923330"/>
+          </a:xfrm>
+          <a:prstGeom prst="rect">
+            <a:avLst/>
+          </a:prstGeom>
+          <a:noFill/>
+        </p:spPr>
+        <p:txBody>
+          <a:bodyPr wrap="square" rtlCol="0">
+            <a:spAutoFit/>
+          </a:bodyPr>
+          <a:lstStyle/>
+          <a:p>
+            <a:pPr marL="285750" indent="-285750" fontAlgn="base">
+              <a:buFont typeface="Arial" panose="020B0604020202020204" pitchFamily="34" charset="0"/>
+              <a:buChar char="•"/>
+            </a:pPr>
+            <a:r>
+              <a:rPr lang="fr-FR" dirty="0" smtClean="0">
+                <a:solidFill>
+                  <a:srgbClr val="0563B8"/>
+                </a:solidFill>
+              </a:rPr>
+              <a:t>Visionneuse de documents</a:t>
+            </a:r>
+          </a:p>
+          <a:p>
+            <a:pPr marL="285750" indent="-285750" fontAlgn="base">
+              <a:buFont typeface="Arial" panose="020B0604020202020204" pitchFamily="34" charset="0"/>
+              <a:buChar char="•"/>
+            </a:pPr>
+            <a:r>
+              <a:rPr lang="fr-FR" dirty="0" smtClean="0">
+                <a:solidFill>
+                  <a:srgbClr val="0563B8"/>
+                </a:solidFill>
+              </a:rPr>
+              <a:t>Actions de navigation :</a:t>
+            </a:r>
+          </a:p>
+          <a:p>
+            <a:pPr fontAlgn="base"/>
+            <a:r>
+              <a:rPr lang="fr-FR" dirty="0" smtClean="0">
+                <a:solidFill>
+                  <a:srgbClr val="0563B8"/>
+                </a:solidFill>
+              </a:rPr>
+              <a:t>   </a:t>
+            </a:r>
+            <a:r>
+              <a:rPr lang="fr-FR" sz="1600" dirty="0" smtClean="0">
+                <a:solidFill>
+                  <a:srgbClr val="0563B8"/>
+                </a:solidFill>
+              </a:rPr>
+              <a:t>zoom, page suivante,  article suivant, </a:t>
+            </a:r>
+            <a:r>
+              <a:rPr lang="fr-FR" sz="1600" dirty="0" err="1" smtClean="0">
+                <a:solidFill>
+                  <a:srgbClr val="0563B8"/>
+                </a:solidFill>
+              </a:rPr>
+              <a:t>etc</a:t>
+            </a:r>
+            <a:endParaRPr lang="fr-FR" sz="1600" dirty="0" smtClean="0">
+              <a:solidFill>
+                <a:srgbClr val="0563B8"/>
+              </a:solidFill>
+            </a:endParaRPr>
+          </a:p>
+        </p:txBody>
+      </p:sp>
+      <p:sp>
+        <p:nvSpPr>
+          <p:cNvPr id="14" name="ZoneTexte 13"/>
+          <p:cNvSpPr txBox="1"/>
+          <p:nvPr/>
+        </p:nvSpPr>
+        <p:spPr>
+          <a:xfrm>
+            <a:off x="8728984" y="4785934"/>
+            <a:ext cx="3960440" cy="1200329"/>
+          </a:xfrm>
+          <a:prstGeom prst="rect">
+            <a:avLst/>
+          </a:prstGeom>
+          <a:noFill/>
+        </p:spPr>
+        <p:txBody>
+          <a:bodyPr wrap="square" rtlCol="0">
+            <a:spAutoFit/>
+          </a:bodyPr>
+          <a:lstStyle/>
+          <a:p>
+            <a:pPr marL="285750" indent="-285750" fontAlgn="base">
+              <a:buFont typeface="Arial" panose="020B0604020202020204" pitchFamily="34" charset="0"/>
+              <a:buChar char="•"/>
+            </a:pPr>
+            <a:r>
+              <a:rPr lang="fr-FR" dirty="0" smtClean="0">
+                <a:solidFill>
+                  <a:srgbClr val="0563B8"/>
+                </a:solidFill>
+              </a:rPr>
+              <a:t>Recommandations d’articles</a:t>
+            </a:r>
+          </a:p>
+          <a:p>
+            <a:pPr marL="285750" indent="-285750" fontAlgn="base">
+              <a:buFont typeface="Arial" panose="020B0604020202020204" pitchFamily="34" charset="0"/>
+              <a:buChar char="•"/>
+            </a:pPr>
+            <a:r>
+              <a:rPr lang="fr-FR" dirty="0" smtClean="0">
+                <a:solidFill>
+                  <a:srgbClr val="0563B8"/>
+                </a:solidFill>
+              </a:rPr>
+              <a:t>Articles de la revue de presse</a:t>
+            </a:r>
+          </a:p>
+          <a:p>
+            <a:pPr marL="285750" indent="-285750" fontAlgn="base">
+              <a:buFont typeface="Arial" panose="020B0604020202020204" pitchFamily="34" charset="0"/>
+              <a:buChar char="•"/>
+            </a:pPr>
+            <a:r>
+              <a:rPr lang="fr-FR" dirty="0" smtClean="0">
+                <a:solidFill>
+                  <a:srgbClr val="0563B8"/>
+                </a:solidFill>
+              </a:rPr>
+              <a:t>Revues de presse contenant l’article en cours de lecture</a:t>
+            </a:r>
+            <a:endParaRPr lang="fr-FR" sz="1200" i="1" dirty="0">
+              <a:solidFill>
+                <a:srgbClr val="0563B8"/>
+              </a:solidFill>
+            </a:endParaRPr>
           </a:p>
         </p:txBody>
       </p:sp>
@@ -6407,7 +6393,7 @@
           <p:nvPr>
             <p:extLst>
               <p:ext uri="{D42A27DB-BD31-4B8C-83A1-F6EECF244321}">
-                <p14:modId xmlns:p14="http://schemas.microsoft.com/office/powerpoint/2010/main" val="1399940915"/>
+                <p14:modId xmlns:p14="http://schemas.microsoft.com/office/powerpoint/2010/main" val="3079453139"/>
               </p:ext>
             </p:extLst>
           </p:nvPr>
@@ -6879,7 +6865,7 @@
                       <a:r>
                         <a:rPr lang="fr-FR" sz="1800" b="0" i="0" u="none" strike="noStrike" kern="1200" dirty="0" smtClean="0">
                           <a:solidFill>
-                            <a:srgbClr val="0563B8"/>
+                            <a:srgbClr val="00A7AA"/>
                           </a:solidFill>
                           <a:effectLst/>
                           <a:latin typeface="+mn-lt"/>
@@ -6895,7 +6881,7 @@
                           </a:solidFill>
                         </a:ln>
                         <a:solidFill>
-                          <a:srgbClr val="0563B8"/>
+                          <a:srgbClr val="00A7AA"/>
                         </a:solidFill>
                       </a:endParaRPr>
                     </a:p>
@@ -7115,7 +7101,7 @@
                       <a:r>
                         <a:rPr lang="fr-FR" sz="1800" b="0" i="0" u="none" strike="noStrike" kern="1200" dirty="0" smtClean="0">
                           <a:solidFill>
-                            <a:srgbClr val="0563B8"/>
+                            <a:srgbClr val="00A7AA"/>
                           </a:solidFill>
                           <a:effectLst/>
                           <a:latin typeface="+mn-lt"/>
@@ -7131,7 +7117,7 @@
                           </a:solidFill>
                         </a:ln>
                         <a:solidFill>
-                          <a:srgbClr val="0563B8"/>
+                          <a:srgbClr val="00A7AA"/>
                         </a:solidFill>
                       </a:endParaRPr>
                     </a:p>
@@ -7329,7 +7315,7 @@
         </p:nvSpPr>
         <p:spPr>
           <a:xfrm>
-            <a:off x="683568" y="5877272"/>
+            <a:off x="899592" y="5899657"/>
             <a:ext cx="1537600" cy="369332"/>
           </a:xfrm>
           <a:prstGeom prst="rect">
@@ -7371,7 +7357,7 @@
       </p:sp>
       <p:pic>
         <p:nvPicPr>
-          <p:cNvPr id="1026" name="Picture 2" descr="https://lh3.googleusercontent.com/dfe872wtYhoj8OBmTsN-Z9QX6DGywhOcZFxl8a7X36Y_eIw3ydQIVW6BSzxNxPomiKadWE5qHfGUaOC_RDwel7qtRn67pit73C410vn_LbSSVl0r5CjW5Mv4KDMXCE9F5nbOQVBkpw"/>
+          <p:cNvPr id="1033" name="Picture 9" descr="https://lh6.googleusercontent.com/Pm0RoyD29eoKGeIgJxvqCRkEpoA7Imvjf269d3uVZ5b5JUMYkiqadDb0Q3oRYQ3oEBvTdrNsq2feVKdYlK_N8c8_oPw2ZiugmcsDuV9f6AkzIUW9usXikfm9B9FsNfNWTX1Z3Qv2Rg"/>
           <p:cNvPicPr>
             <a:picLocks noChangeAspect="1" noChangeArrowheads="1"/>
           </p:cNvPicPr>
@@ -7392,8 +7378,8 @@
         </p:blipFill>
         <p:spPr bwMode="auto">
           <a:xfrm>
-            <a:off x="2441404" y="5695012"/>
-            <a:ext cx="1956936" cy="733851"/>
+            <a:off x="6072105" y="1844824"/>
+            <a:ext cx="2602818" cy="688120"/>
           </a:xfrm>
           <a:prstGeom prst="rect">
             <a:avLst/>
@@ -7412,14 +7398,14 @@
       </p:pic>
       <p:pic>
         <p:nvPicPr>
-          <p:cNvPr id="8" name="Picture 2" descr="https://lh3.googleusercontent.com/dfe872wtYhoj8OBmTsN-Z9QX6DGywhOcZFxl8a7X36Y_eIw3ydQIVW6BSzxNxPomiKadWE5qHfGUaOC_RDwel7qtRn67pit73C410vn_LbSSVl0r5CjW5Mv4KDMXCE9F5nbOQVBkpw"/>
+          <p:cNvPr id="2052" name="Picture 4" descr="http://www.levorus.com/images/partners/laravel.png"/>
           <p:cNvPicPr>
             <a:picLocks noChangeAspect="1" noChangeArrowheads="1"/>
           </p:cNvPicPr>
           <p:nvPr/>
         </p:nvPicPr>
         <p:blipFill>
-          <a:blip r:embed="rId2" cstate="print">
+          <a:blip r:embed="rId3">
             <a:extLst>
               <a:ext uri="{28A0092B-C50C-407E-A947-70E740481C1C}">
                 <a14:useLocalDpi xmlns:a14="http://schemas.microsoft.com/office/drawing/2010/main" val="0"/>
@@ -7433,8 +7419,8 @@
         </p:blipFill>
         <p:spPr bwMode="auto">
           <a:xfrm>
-            <a:off x="899592" y="1844824"/>
-            <a:ext cx="1956936" cy="733851"/>
+            <a:off x="935706" y="1844824"/>
+            <a:ext cx="1764086" cy="882043"/>
           </a:xfrm>
           <a:prstGeom prst="rect">
             <a:avLst/>
@@ -7453,27 +7439,29 @@
       </p:pic>
       <p:pic>
         <p:nvPicPr>
-          <p:cNvPr id="1031" name="Picture 7" descr="https://lh4.googleusercontent.com/UAlYKZ5qEGufxOB61AqYY6uuzFeBRB3ydeXH5D4UG-VshiJ_FVGFeVi_MZ6dT5B-q5vbpGDYNQ7G2ICZSOxc07GzpTEavJCTKU7gRwOw7Jka5XRPMhYxeuvO9_MPprX6U6EoSKEaaw"/>
+          <p:cNvPr id="11" name="Picture 4" descr="http://www.levorus.com/images/partners/laravel.png"/>
           <p:cNvPicPr>
             <a:picLocks noChangeAspect="1" noChangeArrowheads="1"/>
           </p:cNvPicPr>
           <p:nvPr/>
         </p:nvPicPr>
-        <p:blipFill rotWithShape="1">
-          <a:blip r:embed="rId3" cstate="print">
+        <p:blipFill>
+          <a:blip r:embed="rId3">
             <a:extLst>
               <a:ext uri="{28A0092B-C50C-407E-A947-70E740481C1C}">
                 <a14:useLocalDpi xmlns:a14="http://schemas.microsoft.com/office/drawing/2010/main" val="0"/>
               </a:ext>
             </a:extLst>
           </a:blip>
-          <a:srcRect l="8703" t="20579" r="10717" b="25824"/>
-          <a:stretch/>
+          <a:srcRect/>
+          <a:stretch>
+            <a:fillRect/>
+          </a:stretch>
         </p:blipFill>
         <p:spPr bwMode="auto">
           <a:xfrm>
-            <a:off x="3419872" y="1884074"/>
-            <a:ext cx="2411752" cy="680830"/>
+            <a:off x="2699792" y="5643301"/>
+            <a:ext cx="1764086" cy="882043"/>
           </a:xfrm>
           <a:prstGeom prst="rect">
             <a:avLst/>
@@ -7492,7 +7480,7 @@
       </p:pic>
       <p:pic>
         <p:nvPicPr>
-          <p:cNvPr id="1033" name="Picture 9" descr="https://lh6.googleusercontent.com/Pm0RoyD29eoKGeIgJxvqCRkEpoA7Imvjf269d3uVZ5b5JUMYkiqadDb0Q3oRYQ3oEBvTdrNsq2feVKdYlK_N8c8_oPw2ZiugmcsDuV9f6AkzIUW9usXikfm9B9FsNfNWTX1Z3Qv2Rg"/>
+          <p:cNvPr id="2054" name="Picture 6" descr="symfony_logo.png (951×327)"/>
           <p:cNvPicPr>
             <a:picLocks noChangeAspect="1" noChangeArrowheads="1"/>
           </p:cNvPicPr>
@@ -7513,8 +7501,8 @@
         </p:blipFill>
         <p:spPr bwMode="auto">
           <a:xfrm>
-            <a:off x="6072105" y="1844824"/>
-            <a:ext cx="2602818" cy="688120"/>
+            <a:off x="3578621" y="1916832"/>
+            <a:ext cx="2073499" cy="712970"/>
           </a:xfrm>
           <a:prstGeom prst="rect">
             <a:avLst/>
@@ -8880,57 +8868,9 @@
           </a:graphicData>
         </a:graphic>
       </p:graphicFrame>
-      <p:sp>
-        <p:nvSpPr>
-          <p:cNvPr id="4" name="Rectangle 3"/>
-          <p:cNvSpPr/>
-          <p:nvPr/>
-        </p:nvSpPr>
-        <p:spPr>
-          <a:xfrm>
-            <a:off x="683568" y="5877272"/>
-            <a:ext cx="1537600" cy="369332"/>
-          </a:xfrm>
-          <a:prstGeom prst="rect">
-            <a:avLst/>
-          </a:prstGeom>
-        </p:spPr>
-        <p:txBody>
-          <a:bodyPr wrap="none">
-            <a:spAutoFit/>
-          </a:bodyPr>
-          <a:lstStyle/>
-          <a:p>
-            <a:r>
-              <a:rPr lang="fr-FR" dirty="0">
-                <a:solidFill>
-                  <a:srgbClr val="00A7AA"/>
-                </a:solidFill>
-                <a:latin typeface="Montserrat" panose="02000505000000020004" pitchFamily="2" charset="0"/>
-              </a:rPr>
-              <a:t>Choix </a:t>
-            </a:r>
-            <a:r>
-              <a:rPr lang="fr-FR" dirty="0" smtClean="0">
-                <a:solidFill>
-                  <a:srgbClr val="00A7AA"/>
-                </a:solidFill>
-                <a:latin typeface="Montserrat" panose="02000505000000020004" pitchFamily="2" charset="0"/>
-              </a:rPr>
-              <a:t>final :</a:t>
-            </a:r>
-            <a:endParaRPr lang="fr-FR" dirty="0">
-              <a:solidFill>
-                <a:srgbClr val="00A7AA"/>
-              </a:solidFill>
-              <a:latin typeface="Montserrat" panose="02000505000000020004" pitchFamily="2" charset="0"/>
-            </a:endParaRPr>
-          </a:p>
-        </p:txBody>
-      </p:sp>
       <p:pic>
         <p:nvPicPr>
-          <p:cNvPr id="2050" name="Picture 2" descr="https://lh3.googleusercontent.com/9Fnnj7SpnG9l1Twt-YZrtrZhXaFj4N4F4gMdUL3cb7g-Oq3jyRWJEuN2tqDTxNwD2g7ZX5yUpOJUY6snavQ9umORm-GRzzOPoNndGqj8XMbDkZykqa8_XVdNaKAlRuqggckD0szCaQ"/>
+          <p:cNvPr id="2052" name="Picture 4" descr="https://lh3.googleusercontent.com/hwEPIr8tnotbhUCGF06jMgcSd0jMsiWhduP63sxr4-kK23Pr8_ymnPHSVjBPCFxY3mjoPF2n3GVFwP-rslO_AvWgMkbK5dstQs_a5hFw7JVb9aZ901mh5v2pcD3_1_1wGVi9JQccDA"/>
           <p:cNvPicPr>
             <a:picLocks noChangeAspect="1" noChangeArrowheads="1"/>
           </p:cNvPicPr>
@@ -8951,8 +8891,8 @@
         </p:blipFill>
         <p:spPr bwMode="auto">
           <a:xfrm>
-            <a:off x="2424608" y="5778288"/>
-            <a:ext cx="1990528" cy="567300"/>
+            <a:off x="3754238" y="1399811"/>
+            <a:ext cx="1753865" cy="805053"/>
           </a:xfrm>
           <a:prstGeom prst="rect">
             <a:avLst/>
@@ -8971,7 +8911,7 @@
       </p:pic>
       <p:pic>
         <p:nvPicPr>
-          <p:cNvPr id="2052" name="Picture 4" descr="https://lh3.googleusercontent.com/hwEPIr8tnotbhUCGF06jMgcSd0jMsiWhduP63sxr4-kK23Pr8_ymnPHSVjBPCFxY3mjoPF2n3GVFwP-rslO_AvWgMkbK5dstQs_a5hFw7JVb9aZ901mh5v2pcD3_1_1wGVi9JQccDA"/>
+          <p:cNvPr id="2054" name="Picture 6" descr="https://lh5.googleusercontent.com/PDVFpGIG_K_2KDWesvA5VnxCOi0d5NtxVEMp1Dymp1Qzfd-rsGmkNLHRrbIAZJBs5D0e9VirMo3F8UZdTR6KrGiJDp-BFHOpa7NPgqNq8-QzsdxzCzF_hqN2k3pMHTY2SnXJ847oVQ"/>
           <p:cNvPicPr>
             <a:picLocks noChangeAspect="1" noChangeArrowheads="1"/>
           </p:cNvPicPr>
@@ -8992,8 +8932,8 @@
         </p:blipFill>
         <p:spPr bwMode="auto">
           <a:xfrm>
-            <a:off x="3754238" y="1399811"/>
-            <a:ext cx="1753865" cy="805053"/>
+            <a:off x="6588224" y="1372994"/>
+            <a:ext cx="1584176" cy="819317"/>
           </a:xfrm>
           <a:prstGeom prst="rect">
             <a:avLst/>
@@ -9010,50 +8950,57 @@
           </a:extLst>
         </p:spPr>
       </p:pic>
-      <p:pic>
-        <p:nvPicPr>
-          <p:cNvPr id="12" name="Picture 2" descr="https://lh3.googleusercontent.com/9Fnnj7SpnG9l1Twt-YZrtrZhXaFj4N4F4gMdUL3cb7g-Oq3jyRWJEuN2tqDTxNwD2g7ZX5yUpOJUY6snavQ9umORm-GRzzOPoNndGqj8XMbDkZykqa8_XVdNaKAlRuqggckD0szCaQ"/>
-          <p:cNvPicPr>
-            <a:picLocks noChangeAspect="1" noChangeArrowheads="1"/>
-          </p:cNvPicPr>
+      <p:sp>
+        <p:nvSpPr>
+          <p:cNvPr id="9" name="Rectangle 8"/>
+          <p:cNvSpPr/>
           <p:nvPr/>
-        </p:nvPicPr>
-        <p:blipFill>
-          <a:blip r:embed="rId2" cstate="print">
-            <a:extLst>
-              <a:ext uri="{28A0092B-C50C-407E-A947-70E740481C1C}">
-                <a14:useLocalDpi xmlns:a14="http://schemas.microsoft.com/office/drawing/2010/main" val="0"/>
-              </a:ext>
-            </a:extLst>
-          </a:blip>
-          <a:srcRect/>
-          <a:stretch>
-            <a:fillRect/>
-          </a:stretch>
-        </p:blipFill>
-        <p:spPr bwMode="auto">
-          <a:xfrm>
-            <a:off x="899592" y="1518687"/>
-            <a:ext cx="1990528" cy="567300"/>
+        </p:nvSpPr>
+        <p:spPr>
+          <a:xfrm>
+            <a:off x="899592" y="5899657"/>
+            <a:ext cx="1537600" cy="369332"/>
           </a:xfrm>
           <a:prstGeom prst="rect">
             <a:avLst/>
           </a:prstGeom>
-          <a:noFill/>
-          <a:extLst>
-            <a:ext uri="{909E8E84-426E-40DD-AFC4-6F175D3DCCD1}">
-              <a14:hiddenFill xmlns:a14="http://schemas.microsoft.com/office/drawing/2010/main">
-                <a:solidFill>
-                  <a:srgbClr val="FFFFFF"/>
-                </a:solidFill>
-              </a14:hiddenFill>
-            </a:ext>
-          </a:extLst>
-        </p:spPr>
-      </p:pic>
+        </p:spPr>
+        <p:txBody>
+          <a:bodyPr wrap="none">
+            <a:spAutoFit/>
+          </a:bodyPr>
+          <a:lstStyle/>
+          <a:p>
+            <a:r>
+              <a:rPr lang="fr-FR" dirty="0">
+                <a:solidFill>
+                  <a:srgbClr val="00A7AA"/>
+                </a:solidFill>
+                <a:latin typeface="Montserrat" panose="02000505000000020004" pitchFamily="2" charset="0"/>
+              </a:rPr>
+              <a:t>Choix </a:t>
+            </a:r>
+            <a:r>
+              <a:rPr lang="fr-FR" dirty="0" smtClean="0">
+                <a:solidFill>
+                  <a:srgbClr val="00A7AA"/>
+                </a:solidFill>
+                <a:latin typeface="Montserrat" panose="02000505000000020004" pitchFamily="2" charset="0"/>
+              </a:rPr>
+              <a:t>final :</a:t>
+            </a:r>
+            <a:endParaRPr lang="fr-FR" dirty="0">
+              <a:solidFill>
+                <a:srgbClr val="00A7AA"/>
+              </a:solidFill>
+              <a:latin typeface="Montserrat" panose="02000505000000020004" pitchFamily="2" charset="0"/>
+            </a:endParaRPr>
+          </a:p>
+        </p:txBody>
+      </p:sp>
       <p:pic>
         <p:nvPicPr>
-          <p:cNvPr id="2054" name="Picture 6" descr="https://lh5.googleusercontent.com/PDVFpGIG_K_2KDWesvA5VnxCOi0d5NtxVEMp1Dymp1Qzfd-rsGmkNLHRrbIAZJBs5D0e9VirMo3F8UZdTR6KrGiJDp-BFHOpa7NPgqNq8-QzsdxzCzF_hqN2k3pMHTY2SnXJ847oVQ"/>
+          <p:cNvPr id="3074" name="Picture 2" descr="formation-mongodb.png (1500×500)"/>
           <p:cNvPicPr>
             <a:picLocks noChangeAspect="1" noChangeArrowheads="1"/>
           </p:cNvPicPr>
@@ -9074,8 +9021,49 @@
         </p:blipFill>
         <p:spPr bwMode="auto">
           <a:xfrm>
-            <a:off x="6588224" y="1372994"/>
-            <a:ext cx="1584176" cy="819317"/>
+            <a:off x="2483768" y="5759290"/>
+            <a:ext cx="1950195" cy="650065"/>
+          </a:xfrm>
+          <a:prstGeom prst="rect">
+            <a:avLst/>
+          </a:prstGeom>
+          <a:noFill/>
+          <a:extLst>
+            <a:ext uri="{909E8E84-426E-40DD-AFC4-6F175D3DCCD1}">
+              <a14:hiddenFill xmlns:a14="http://schemas.microsoft.com/office/drawing/2010/main">
+                <a:solidFill>
+                  <a:srgbClr val="FFFFFF"/>
+                </a:solidFill>
+              </a14:hiddenFill>
+            </a:ext>
+          </a:extLst>
+        </p:spPr>
+      </p:pic>
+      <p:pic>
+        <p:nvPicPr>
+          <p:cNvPr id="11" name="Picture 2" descr="formation-mongodb.png (1500×500)"/>
+          <p:cNvPicPr>
+            <a:picLocks noChangeAspect="1" noChangeArrowheads="1"/>
+          </p:cNvPicPr>
+          <p:nvPr/>
+        </p:nvPicPr>
+        <p:blipFill>
+          <a:blip r:embed="rId4" cstate="print">
+            <a:extLst>
+              <a:ext uri="{28A0092B-C50C-407E-A947-70E740481C1C}">
+                <a14:useLocalDpi xmlns:a14="http://schemas.microsoft.com/office/drawing/2010/main" val="0"/>
+              </a:ext>
+            </a:extLst>
+          </a:blip>
+          <a:srcRect/>
+          <a:stretch>
+            <a:fillRect/>
+          </a:stretch>
+        </p:blipFill>
+        <p:spPr bwMode="auto">
+          <a:xfrm>
+            <a:off x="821605" y="1482791"/>
+            <a:ext cx="1950195" cy="650065"/>
           </a:xfrm>
           <a:prstGeom prst="rect">
             <a:avLst/>
@@ -10552,103 +10540,6 @@
           </p:txBody>
         </p:sp>
       </p:grpSp>
-      <p:grpSp>
-        <p:nvGrpSpPr>
-          <p:cNvPr id="12" name="Groupe 11"/>
-          <p:cNvGrpSpPr/>
-          <p:nvPr/>
-        </p:nvGrpSpPr>
-        <p:grpSpPr>
-          <a:xfrm>
-            <a:off x="2928022" y="2353359"/>
-            <a:ext cx="2363490" cy="931625"/>
-            <a:chOff x="2904015" y="1417255"/>
-            <a:chExt cx="2363490" cy="931625"/>
-          </a:xfrm>
-        </p:grpSpPr>
-        <p:pic>
-          <p:nvPicPr>
-            <p:cNvPr id="13" name="Picture 2" descr="http://siren.solutions/wp-content/uploads/2014/07/elasticsearch.png"/>
-            <p:cNvPicPr>
-              <a:picLocks noChangeAspect="1" noChangeArrowheads="1"/>
-            </p:cNvPicPr>
-            <p:nvPr/>
-          </p:nvPicPr>
-          <p:blipFill>
-            <a:blip r:embed="rId4" cstate="print">
-              <a:extLst>
-                <a:ext uri="{28A0092B-C50C-407E-A947-70E740481C1C}">
-                  <a14:useLocalDpi xmlns:a14="http://schemas.microsoft.com/office/drawing/2010/main" val="0"/>
-                </a:ext>
-              </a:extLst>
-            </a:blip>
-            <a:srcRect/>
-            <a:stretch>
-              <a:fillRect/>
-            </a:stretch>
-          </p:blipFill>
-          <p:spPr bwMode="auto">
-            <a:xfrm>
-              <a:off x="2904015" y="1417255"/>
-              <a:ext cx="2363490" cy="643593"/>
-            </a:xfrm>
-            <a:prstGeom prst="rect">
-              <a:avLst/>
-            </a:prstGeom>
-            <a:noFill/>
-            <a:extLst>
-              <a:ext uri="{909E8E84-426E-40DD-AFC4-6F175D3DCCD1}">
-                <a14:hiddenFill xmlns:a14="http://schemas.microsoft.com/office/drawing/2010/main">
-                  <a:solidFill>
-                    <a:srgbClr val="FFFFFF"/>
-                  </a:solidFill>
-                </a14:hiddenFill>
-              </a:ext>
-            </a:extLst>
-          </p:spPr>
-        </p:pic>
-        <p:sp>
-          <p:nvSpPr>
-            <p:cNvPr id="15" name="ZoneTexte 14"/>
-            <p:cNvSpPr txBox="1"/>
-            <p:nvPr/>
-          </p:nvSpPr>
-          <p:spPr>
-            <a:xfrm>
-              <a:off x="3006490" y="1979548"/>
-              <a:ext cx="2158540" cy="369332"/>
-            </a:xfrm>
-            <a:prstGeom prst="rect">
-              <a:avLst/>
-            </a:prstGeom>
-            <a:noFill/>
-          </p:spPr>
-          <p:txBody>
-            <a:bodyPr wrap="none" rtlCol="0">
-              <a:spAutoFit/>
-            </a:bodyPr>
-            <a:lstStyle/>
-            <a:p>
-              <a:pPr algn="ctr"/>
-              <a:r>
-                <a:rPr lang="fr-FR" dirty="0" smtClean="0">
-                  <a:solidFill>
-                    <a:srgbClr val="0563B8"/>
-                  </a:solidFill>
-                  <a:latin typeface="Calibri Light" panose="020F0302020204030204" pitchFamily="34" charset="0"/>
-                </a:rPr>
-                <a:t>Moteur de recherche</a:t>
-              </a:r>
-              <a:endParaRPr lang="fr-FR" dirty="0">
-                <a:solidFill>
-                  <a:srgbClr val="0563B8"/>
-                </a:solidFill>
-                <a:latin typeface="Calibri Light" panose="020F0302020204030204" pitchFamily="34" charset="0"/>
-              </a:endParaRPr>
-            </a:p>
-          </p:txBody>
-        </p:sp>
-      </p:grpSp>
       <p:sp>
         <p:nvSpPr>
           <p:cNvPr id="16" name="ZoneTexte 15"/>
@@ -10921,7 +10812,88 @@
       </p:sp>
       <p:pic>
         <p:nvPicPr>
-          <p:cNvPr id="23" name="Picture 2" descr="http://jstricks.com/wp-content/uploads/2014/10/mongodb-gui-tools.png"/>
+          <p:cNvPr id="24" name="Picture 4" descr="http://blogwebdev.fr/wp-content/uploads/2015/03/1.png"/>
+          <p:cNvPicPr>
+            <a:picLocks noChangeAspect="1" noChangeArrowheads="1"/>
+          </p:cNvPicPr>
+          <p:nvPr/>
+        </p:nvPicPr>
+        <p:blipFill>
+          <a:blip r:embed="rId4" cstate="print">
+            <a:extLst>
+              <a:ext uri="{28A0092B-C50C-407E-A947-70E740481C1C}">
+                <a14:useLocalDpi xmlns:a14="http://schemas.microsoft.com/office/drawing/2010/main" val="0"/>
+              </a:ext>
+            </a:extLst>
+          </a:blip>
+          <a:srcRect/>
+          <a:stretch>
+            <a:fillRect/>
+          </a:stretch>
+        </p:blipFill>
+        <p:spPr bwMode="auto">
+          <a:xfrm>
+            <a:off x="3851920" y="3918086"/>
+            <a:ext cx="1403085" cy="526157"/>
+          </a:xfrm>
+          <a:prstGeom prst="rect">
+            <a:avLst/>
+          </a:prstGeom>
+          <a:noFill/>
+          <a:extLst>
+            <a:ext uri="{909E8E84-426E-40DD-AFC4-6F175D3DCCD1}">
+              <a14:hiddenFill xmlns:a14="http://schemas.microsoft.com/office/drawing/2010/main">
+                <a:solidFill>
+                  <a:srgbClr val="FFFFFF"/>
+                </a:solidFill>
+              </a14:hiddenFill>
+            </a:ext>
+          </a:extLst>
+        </p:spPr>
+      </p:pic>
+      <p:sp>
+        <p:nvSpPr>
+          <p:cNvPr id="25" name="ZoneTexte 24"/>
+          <p:cNvSpPr txBox="1"/>
+          <p:nvPr/>
+        </p:nvSpPr>
+        <p:spPr>
+          <a:xfrm rot="20264977">
+            <a:off x="1745474" y="2783374"/>
+            <a:ext cx="1209627" cy="369332"/>
+          </a:xfrm>
+          <a:prstGeom prst="rect">
+            <a:avLst/>
+          </a:prstGeom>
+          <a:noFill/>
+        </p:spPr>
+        <p:txBody>
+          <a:bodyPr wrap="none" rtlCol="0">
+            <a:spAutoFit/>
+          </a:bodyPr>
+          <a:lstStyle/>
+          <a:p>
+            <a:r>
+              <a:rPr lang="fr-FR" dirty="0" smtClean="0">
+                <a:solidFill>
+                  <a:srgbClr val="0563B8"/>
+                </a:solidFill>
+                <a:latin typeface="Calibri Light" panose="020F0302020204030204" pitchFamily="34" charset="0"/>
+              </a:rPr>
+              <a:t>Réplication</a:t>
+            </a:r>
+            <a:endParaRPr lang="fr-FR" dirty="0">
+              <a:solidFill>
+                <a:srgbClr val="0563B8"/>
+              </a:solidFill>
+              <a:latin typeface="Calibri Light" panose="020F0302020204030204" pitchFamily="34" charset="0"/>
+            </a:endParaRPr>
+          </a:p>
+        </p:txBody>
+      </p:sp>
+      <p:pic>
+        <p:nvPicPr>
+          <p:cNvPr id="26" name="Picture 2" descr="https://lh4.googleusercontent.com/AAOjmbdmNI-rVxpa349_sHSD8kwVWyvrMfqHmpVVUu3_72nugUQvPoEegSyDT_wy5AMSTVqbnmwD6sS_eMOm7aR_XQlFSfW2wiVRJ_T4vls8DBtgga69TPke7-pVZi5DaU4NyRu_VQ"/>
           <p:cNvPicPr>
             <a:picLocks noChangeAspect="1" noChangeArrowheads="1"/>
           </p:cNvPicPr>
@@ -10942,8 +10914,8 @@
         </p:blipFill>
         <p:spPr bwMode="auto">
           <a:xfrm>
-            <a:off x="1102164" y="3068960"/>
-            <a:ext cx="1024583" cy="1200722"/>
+            <a:off x="3131840" y="2470149"/>
+            <a:ext cx="2192219" cy="670819"/>
           </a:xfrm>
           <a:prstGeom prst="rect">
             <a:avLst/>
@@ -10962,7 +10934,7 @@
       </p:pic>
       <p:pic>
         <p:nvPicPr>
-          <p:cNvPr id="24" name="Picture 4" descr="http://blogwebdev.fr/wp-content/uploads/2015/03/1.png"/>
+          <p:cNvPr id="28" name="Picture 2" descr="formation-mongodb.png (1500×500)"/>
           <p:cNvPicPr>
             <a:picLocks noChangeAspect="1" noChangeArrowheads="1"/>
           </p:cNvPicPr>
@@ -10983,8 +10955,8 @@
         </p:blipFill>
         <p:spPr bwMode="auto">
           <a:xfrm>
-            <a:off x="3851920" y="3918086"/>
-            <a:ext cx="1403085" cy="526157"/>
+            <a:off x="727097" y="3466049"/>
+            <a:ext cx="1950195" cy="650065"/>
           </a:xfrm>
           <a:prstGeom prst="rect">
             <a:avLst/>
@@ -11001,46 +10973,6 @@
           </a:extLst>
         </p:spPr>
       </p:pic>
-      <p:sp>
-        <p:nvSpPr>
-          <p:cNvPr id="25" name="ZoneTexte 24"/>
-          <p:cNvSpPr txBox="1"/>
-          <p:nvPr/>
-        </p:nvSpPr>
-        <p:spPr>
-          <a:xfrm rot="20264977">
-            <a:off x="1745474" y="2783374"/>
-            <a:ext cx="1209627" cy="369332"/>
-          </a:xfrm>
-          <a:prstGeom prst="rect">
-            <a:avLst/>
-          </a:prstGeom>
-          <a:noFill/>
-        </p:spPr>
-        <p:txBody>
-          <a:bodyPr wrap="none" rtlCol="0">
-            <a:spAutoFit/>
-          </a:bodyPr>
-          <a:lstStyle/>
-          <a:p>
-            <a:r>
-              <a:rPr lang="fr-FR" dirty="0" smtClean="0">
-                <a:solidFill>
-                  <a:srgbClr val="0563B8"/>
-                </a:solidFill>
-                <a:latin typeface="Calibri Light" panose="020F0302020204030204" pitchFamily="34" charset="0"/>
-              </a:rPr>
-              <a:t>Réplication</a:t>
-            </a:r>
-            <a:endParaRPr lang="fr-FR" dirty="0">
-              <a:solidFill>
-                <a:srgbClr val="0563B8"/>
-              </a:solidFill>
-              <a:latin typeface="Calibri Light" panose="020F0302020204030204" pitchFamily="34" charset="0"/>
-            </a:endParaRPr>
-          </a:p>
-        </p:txBody>
-      </p:sp>
     </p:spTree>
     <p:extLst>
       <p:ext uri="{BB962C8B-B14F-4D97-AF65-F5344CB8AC3E}">
@@ -13284,8 +13216,8 @@
         </p:nvSpPr>
         <p:spPr>
           <a:xfrm>
-            <a:off x="539552" y="1412776"/>
-            <a:ext cx="9505056" cy="4647426"/>
+            <a:off x="1763688" y="1988840"/>
+            <a:ext cx="9505056" cy="3354765"/>
           </a:xfrm>
           <a:prstGeom prst="rect">
             <a:avLst/>
@@ -13315,120 +13247,6 @@
                 <a:latin typeface="Calibri Light" panose="020F0302020204030204" pitchFamily="34" charset="0"/>
               </a:rPr>
               <a:t>	Spécifications fonctionnelles	</a:t>
-            </a:r>
-          </a:p>
-          <a:p>
-            <a:pPr fontAlgn="base"/>
-            <a:r>
-              <a:rPr lang="fr-FR" sz="2800" dirty="0">
-                <a:solidFill>
-                  <a:srgbClr val="0563B8"/>
-                </a:solidFill>
-                <a:latin typeface="Calibri Light" panose="020F0302020204030204" pitchFamily="34" charset="0"/>
-              </a:rPr>
-              <a:t>	</a:t>
-            </a:r>
-            <a:r>
-              <a:rPr lang="fr-FR" sz="2800" dirty="0" smtClean="0">
-                <a:solidFill>
-                  <a:srgbClr val="0563B8"/>
-                </a:solidFill>
-                <a:latin typeface="Calibri Light" panose="020F0302020204030204" pitchFamily="34" charset="0"/>
-              </a:rPr>
-              <a:t>	</a:t>
-            </a:r>
-            <a:r>
-              <a:rPr lang="fr-FR" sz="2800" dirty="0">
-                <a:solidFill>
-                  <a:srgbClr val="0563B8"/>
-                </a:solidFill>
-                <a:latin typeface="Calibri Light" panose="020F0302020204030204" pitchFamily="34" charset="0"/>
-              </a:rPr>
-              <a:t>	</a:t>
-            </a:r>
-            <a:r>
-              <a:rPr lang="fr-FR" sz="2800" dirty="0" smtClean="0">
-                <a:solidFill>
-                  <a:srgbClr val="0563B8"/>
-                </a:solidFill>
-                <a:latin typeface="Calibri Light" panose="020F0302020204030204" pitchFamily="34" charset="0"/>
-              </a:rPr>
-              <a:t>a.  Page d’accueil</a:t>
-            </a:r>
-          </a:p>
-          <a:p>
-            <a:pPr fontAlgn="base"/>
-            <a:r>
-              <a:rPr lang="fr-FR" sz="2800" dirty="0">
-                <a:solidFill>
-                  <a:srgbClr val="0563B8"/>
-                </a:solidFill>
-                <a:latin typeface="Calibri Light" panose="020F0302020204030204" pitchFamily="34" charset="0"/>
-              </a:rPr>
-              <a:t>	</a:t>
-            </a:r>
-            <a:r>
-              <a:rPr lang="fr-FR" sz="2800" dirty="0" smtClean="0">
-                <a:solidFill>
-                  <a:srgbClr val="0563B8"/>
-                </a:solidFill>
-                <a:latin typeface="Calibri Light" panose="020F0302020204030204" pitchFamily="34" charset="0"/>
-              </a:rPr>
-              <a:t>			et Recherche de document</a:t>
-            </a:r>
-          </a:p>
-          <a:p>
-            <a:pPr fontAlgn="base"/>
-            <a:r>
-              <a:rPr lang="fr-FR" sz="2800" dirty="0">
-                <a:solidFill>
-                  <a:srgbClr val="0563B8"/>
-                </a:solidFill>
-                <a:latin typeface="Calibri Light" panose="020F0302020204030204" pitchFamily="34" charset="0"/>
-              </a:rPr>
-              <a:t>	</a:t>
-            </a:r>
-            <a:r>
-              <a:rPr lang="fr-FR" sz="2800" dirty="0" smtClean="0">
-                <a:solidFill>
-                  <a:srgbClr val="0563B8"/>
-                </a:solidFill>
-                <a:latin typeface="Calibri Light" panose="020F0302020204030204" pitchFamily="34" charset="0"/>
-              </a:rPr>
-              <a:t>		b.  Consultation de document</a:t>
-            </a:r>
-          </a:p>
-          <a:p>
-            <a:pPr fontAlgn="base"/>
-            <a:r>
-              <a:rPr lang="fr-FR" sz="2800" dirty="0" smtClean="0">
-                <a:solidFill>
-                  <a:srgbClr val="0563B8"/>
-                </a:solidFill>
-                <a:latin typeface="Calibri Light" panose="020F0302020204030204" pitchFamily="34" charset="0"/>
-              </a:rPr>
-              <a:t>			c.  Gestion des utilisateurs</a:t>
-            </a:r>
-          </a:p>
-          <a:p>
-            <a:pPr fontAlgn="base"/>
-            <a:r>
-              <a:rPr lang="fr-FR" sz="2800" dirty="0">
-                <a:solidFill>
-                  <a:srgbClr val="0563B8"/>
-                </a:solidFill>
-                <a:latin typeface="Calibri Light" panose="020F0302020204030204" pitchFamily="34" charset="0"/>
-              </a:rPr>
-              <a:t>		</a:t>
-            </a:r>
-            <a:r>
-              <a:rPr lang="fr-FR" sz="2800" dirty="0" smtClean="0">
-                <a:solidFill>
-                  <a:srgbClr val="0563B8"/>
-                </a:solidFill>
-                <a:latin typeface="Calibri Light" panose="020F0302020204030204" pitchFamily="34" charset="0"/>
-              </a:rPr>
-              <a:t>		et Revue de presse</a:t>
             </a:r>
           </a:p>
           <a:p>
@@ -13442,6 +13260,15 @@
           </a:p>
           <a:p>
             <a:pPr fontAlgn="base"/>
+            <a:endParaRPr lang="fr-FR" sz="2800" dirty="0" smtClean="0">
+              <a:solidFill>
+                <a:srgbClr val="0563B8"/>
+              </a:solidFill>
+              <a:latin typeface="Calibri Light" panose="020F0302020204030204" pitchFamily="34" charset="0"/>
+            </a:endParaRPr>
+          </a:p>
+          <a:p>
+            <a:pPr fontAlgn="base"/>
             <a:r>
               <a:rPr lang="fr-FR" sz="2800" dirty="0" smtClean="0">
                 <a:solidFill>
@@ -13460,6 +13287,15 @@
               </a:rPr>
               <a:t>	Architecture logicielle</a:t>
             </a:r>
+          </a:p>
+          <a:p>
+            <a:pPr fontAlgn="base"/>
+            <a:endParaRPr lang="fr-FR" sz="2800" dirty="0" smtClean="0">
+              <a:solidFill>
+                <a:srgbClr val="0563B8"/>
+              </a:solidFill>
+              <a:latin typeface="Calibri Light" panose="020F0302020204030204" pitchFamily="34" charset="0"/>
+            </a:endParaRPr>
           </a:p>
           <a:p>
             <a:pPr fontAlgn="base"/>
@@ -13997,7 +13833,7 @@
         </p:nvSpPr>
         <p:spPr bwMode="auto">
           <a:xfrm>
-            <a:off x="1069975" y="769937"/>
+            <a:off x="1069975" y="985961"/>
             <a:ext cx="304800" cy="304801"/>
           </a:xfrm>
           <a:prstGeom prst="rect">
@@ -14160,7 +13996,7 @@
         </p:nvSpPr>
         <p:spPr>
           <a:xfrm>
-            <a:off x="460375" y="1413759"/>
+            <a:off x="460375" y="1772816"/>
             <a:ext cx="3374776" cy="1661993"/>
           </a:xfrm>
           <a:prstGeom prst="rect">
@@ -14263,44 +14099,8 @@
         </p:nvCxnSpPr>
         <p:spPr>
           <a:xfrm>
-            <a:off x="3923928" y="2079432"/>
+            <a:off x="3923928" y="2438489"/>
             <a:ext cx="1152128" cy="0"/>
-          </a:xfrm>
-          <a:prstGeom prst="straightConnector1">
-            <a:avLst/>
-          </a:prstGeom>
-          <a:ln w="57150">
-            <a:solidFill>
-              <a:srgbClr val="00A7AA"/>
-            </a:solidFill>
-            <a:tailEnd type="arrow"/>
-          </a:ln>
-        </p:spPr>
-        <p:style>
-          <a:lnRef idx="1">
-            <a:schemeClr val="accent1"/>
-          </a:lnRef>
-          <a:fillRef idx="0">
-            <a:schemeClr val="accent1"/>
-          </a:fillRef>
-          <a:effectRef idx="0">
-            <a:schemeClr val="accent1"/>
-          </a:effectRef>
-          <a:fontRef idx="minor">
-            <a:schemeClr val="tx1"/>
-          </a:fontRef>
-        </p:style>
-      </p:cxnSp>
-      <p:cxnSp>
-        <p:nvCxnSpPr>
-          <p:cNvPr id="16" name="Connecteur droit avec flèche 15"/>
-          <p:cNvCxnSpPr/>
-          <p:nvPr/>
-        </p:nvCxnSpPr>
-        <p:spPr>
-          <a:xfrm>
-            <a:off x="4228728" y="5631631"/>
-            <a:ext cx="847328" cy="0"/>
           </a:xfrm>
           <a:prstGeom prst="straightConnector1">
             <a:avLst/>
@@ -14335,7 +14135,7 @@
         </p:nvCxnSpPr>
         <p:spPr>
           <a:xfrm>
-            <a:off x="3923928" y="3903439"/>
+            <a:off x="3923928" y="4547046"/>
             <a:ext cx="1152128" cy="0"/>
           </a:xfrm>
           <a:prstGeom prst="straightConnector1">
@@ -14371,7 +14171,7 @@
         </p:nvSpPr>
         <p:spPr>
           <a:xfrm>
-            <a:off x="5364088" y="1848599"/>
+            <a:off x="5364088" y="2207656"/>
             <a:ext cx="3672408" cy="461665"/>
           </a:xfrm>
           <a:prstGeom prst="rect">
@@ -14412,7 +14212,7 @@
         </p:nvSpPr>
         <p:spPr>
           <a:xfrm>
-            <a:off x="5364088" y="3672605"/>
+            <a:off x="5364088" y="4316212"/>
             <a:ext cx="4308140" cy="461665"/>
           </a:xfrm>
           <a:prstGeom prst="rect">
@@ -14441,14 +14241,14 @@
       </p:sp>
       <p:sp>
         <p:nvSpPr>
-          <p:cNvPr id="20" name="ZoneTexte 19"/>
+          <p:cNvPr id="21" name="ZoneTexte 20"/>
           <p:cNvSpPr txBox="1"/>
           <p:nvPr/>
         </p:nvSpPr>
         <p:spPr>
           <a:xfrm>
-            <a:off x="5458222" y="5400798"/>
-            <a:ext cx="3672408" cy="461665"/>
+            <a:off x="316358" y="4220105"/>
+            <a:ext cx="3607570" cy="1292662"/>
           </a:xfrm>
           <a:prstGeom prst="rect">
             <a:avLst/>
@@ -14461,41 +14261,6 @@
           </a:bodyPr>
           <a:lstStyle/>
           <a:p>
-            <a:pPr fontAlgn="base"/>
-            <a:r>
-              <a:rPr lang="fr-FR" sz="2400" dirty="0">
-                <a:solidFill>
-                  <a:srgbClr val="0563B8"/>
-                </a:solidFill>
-                <a:latin typeface="+mj-lt"/>
-              </a:rPr>
-              <a:t>Collaboration</a:t>
-            </a:r>
-          </a:p>
-        </p:txBody>
-      </p:sp>
-      <p:sp>
-        <p:nvSpPr>
-          <p:cNvPr id="21" name="ZoneTexte 20"/>
-          <p:cNvSpPr txBox="1"/>
-          <p:nvPr/>
-        </p:nvSpPr>
-        <p:spPr>
-          <a:xfrm>
-            <a:off x="316358" y="3576498"/>
-            <a:ext cx="3607570" cy="1292662"/>
-          </a:xfrm>
-          <a:prstGeom prst="rect">
-            <a:avLst/>
-          </a:prstGeom>
-          <a:noFill/>
-        </p:spPr>
-        <p:txBody>
-          <a:bodyPr wrap="square" rtlCol="0">
-            <a:spAutoFit/>
-          </a:bodyPr>
-          <a:lstStyle/>
-          <a:p>
             <a:r>
               <a:rPr lang="fr-FR" sz="2400" dirty="0">
                 <a:solidFill>
@@ -14578,64 +14343,6 @@
               <a:t>modifiées</a:t>
             </a:r>
             <a:endParaRPr lang="fr-FR" dirty="0">
-              <a:solidFill>
-                <a:srgbClr val="0563B8"/>
-              </a:solidFill>
-              <a:latin typeface="+mj-lt"/>
-            </a:endParaRPr>
-          </a:p>
-        </p:txBody>
-      </p:sp>
-      <p:sp>
-        <p:nvSpPr>
-          <p:cNvPr id="22" name="ZoneTexte 21"/>
-          <p:cNvSpPr txBox="1"/>
-          <p:nvPr/>
-        </p:nvSpPr>
-        <p:spPr>
-          <a:xfrm>
-            <a:off x="316358" y="5308465"/>
-            <a:ext cx="3803627" cy="830997"/>
-          </a:xfrm>
-          <a:prstGeom prst="rect">
-            <a:avLst/>
-          </a:prstGeom>
-          <a:noFill/>
-        </p:spPr>
-        <p:txBody>
-          <a:bodyPr wrap="square" rtlCol="0">
-            <a:spAutoFit/>
-          </a:bodyPr>
-          <a:lstStyle/>
-          <a:p>
-            <a:r>
-              <a:rPr lang="fr-FR" sz="2400" dirty="0">
-                <a:solidFill>
-                  <a:srgbClr val="0563B8"/>
-                </a:solidFill>
-                <a:latin typeface="+mj-lt"/>
-              </a:rPr>
-              <a:t>Connexion/création </a:t>
-            </a:r>
-            <a:r>
-              <a:rPr lang="fr-FR" sz="2400" dirty="0" smtClean="0">
-                <a:solidFill>
-                  <a:srgbClr val="0563B8"/>
-                </a:solidFill>
-                <a:latin typeface="+mj-lt"/>
-              </a:rPr>
-              <a:t>de compte </a:t>
-            </a:r>
-            <a:r>
-              <a:rPr lang="fr-FR" sz="2400" dirty="0">
-                <a:solidFill>
-                  <a:srgbClr val="0563B8"/>
-                </a:solidFill>
-                <a:latin typeface="+mj-lt"/>
-              </a:rPr>
-              <a:t>utilisateur </a:t>
-            </a:r>
-            <a:endParaRPr lang="fr-FR" sz="2400" dirty="0" smtClean="0">
               <a:solidFill>
                 <a:srgbClr val="0563B8"/>
               </a:solidFill>

--- a/defense/1_project/powerpoint.pptx
+++ b/defense/1_project/powerpoint.pptx
@@ -3764,14 +3764,20 @@
           <a:p>
             <a:pPr algn="ctr"/>
             <a:r>
-              <a:rPr lang="fr-FR" sz="2400" dirty="0" smtClean="0">
+              <a:rPr lang="fr-FR" sz="2400" smtClean="0">
                 <a:solidFill>
                   <a:srgbClr val="0563B8"/>
                 </a:solidFill>
                 <a:latin typeface="Calibri Light" panose="020F0302020204030204" pitchFamily="34" charset="0"/>
               </a:rPr>
-              <a:t>Encadrants</a:t>
-            </a:r>
+              <a:t>Collaborateurs</a:t>
+            </a:r>
+            <a:endParaRPr lang="fr-FR" sz="2400" dirty="0" smtClean="0">
+              <a:solidFill>
+                <a:srgbClr val="0563B8"/>
+              </a:solidFill>
+              <a:latin typeface="Calibri Light" panose="020F0302020204030204" pitchFamily="34" charset="0"/>
+            </a:endParaRPr>
           </a:p>
           <a:p>
             <a:pPr algn="ctr"/>
@@ -3859,25 +3865,7 @@
                 </a:solidFill>
                 <a:latin typeface="Calibri Light" panose="020F0302020204030204" pitchFamily="34" charset="0"/>
               </a:rPr>
-              <a:t>INSA </a:t>
-            </a:r>
-            <a:r>
-              <a:rPr lang="fr-FR" sz="1600" dirty="0" smtClean="0">
-                <a:solidFill>
-                  <a:srgbClr val="0563B8"/>
-                </a:solidFill>
-                <a:latin typeface="Calibri Light" panose="020F0302020204030204" pitchFamily="34" charset="0"/>
-              </a:rPr>
-              <a:t>RENNES </a:t>
-            </a:r>
-            <a:r>
-              <a:rPr lang="fr-FR" sz="1600" dirty="0" smtClean="0">
-                <a:solidFill>
-                  <a:srgbClr val="0563B8"/>
-                </a:solidFill>
-                <a:latin typeface="Calibri Light" panose="020F0302020204030204" pitchFamily="34" charset="0"/>
-              </a:rPr>
-              <a:t>- 4</a:t>
+              <a:t>INSA RENNES - 4</a:t>
             </a:r>
             <a:r>
               <a:rPr lang="fr-FR" sz="1600" baseline="30000" dirty="0" smtClean="0">
@@ -5932,21 +5920,21 @@
                 <a:gridCol w="2760307">
                   <a:extLst>
                     <a:ext uri="{9D8B030D-6E8A-4147-A177-3AD203B41FA5}">
-                      <a16:colId xmlns:a16="http://schemas.microsoft.com/office/drawing/2014/main" xmlns="" val="20000"/>
+                      <a16:colId xmlns="" xmlns:a16="http://schemas.microsoft.com/office/drawing/2014/main" val="20000"/>
                     </a:ext>
                   </a:extLst>
                 </a:gridCol>
                 <a:gridCol w="2760307">
                   <a:extLst>
                     <a:ext uri="{9D8B030D-6E8A-4147-A177-3AD203B41FA5}">
-                      <a16:colId xmlns:a16="http://schemas.microsoft.com/office/drawing/2014/main" xmlns="" val="20001"/>
+                      <a16:colId xmlns="" xmlns:a16="http://schemas.microsoft.com/office/drawing/2014/main" val="20001"/>
                     </a:ext>
                   </a:extLst>
                 </a:gridCol>
                 <a:gridCol w="2760307">
                   <a:extLst>
                     <a:ext uri="{9D8B030D-6E8A-4147-A177-3AD203B41FA5}">
-                      <a16:colId xmlns:a16="http://schemas.microsoft.com/office/drawing/2014/main" xmlns="" val="20002"/>
+                      <a16:colId xmlns="" xmlns:a16="http://schemas.microsoft.com/office/drawing/2014/main" val="20002"/>
                     </a:ext>
                   </a:extLst>
                 </a:gridCol>
@@ -6158,7 +6146,7 @@
                 </a:tc>
                 <a:extLst>
                   <a:ext uri="{0D108BD9-81ED-4DB2-BD59-A6C34878D82A}">
-                    <a16:rowId xmlns:a16="http://schemas.microsoft.com/office/drawing/2014/main" xmlns="" val="10000"/>
+                    <a16:rowId xmlns="" xmlns:a16="http://schemas.microsoft.com/office/drawing/2014/main" val="10000"/>
                   </a:ext>
                 </a:extLst>
               </a:tr>
@@ -6474,7 +6462,7 @@
                 </a:tc>
                 <a:extLst>
                   <a:ext uri="{0D108BD9-81ED-4DB2-BD59-A6C34878D82A}">
-                    <a16:rowId xmlns:a16="http://schemas.microsoft.com/office/drawing/2014/main" xmlns="" val="10001"/>
+                    <a16:rowId xmlns="" xmlns:a16="http://schemas.microsoft.com/office/drawing/2014/main" val="10001"/>
                   </a:ext>
                 </a:extLst>
               </a:tr>
@@ -6740,7 +6728,7 @@
                 </a:tc>
                 <a:extLst>
                   <a:ext uri="{0D108BD9-81ED-4DB2-BD59-A6C34878D82A}">
-                    <a16:rowId xmlns:a16="http://schemas.microsoft.com/office/drawing/2014/main" xmlns="" val="10002"/>
+                    <a16:rowId xmlns="" xmlns:a16="http://schemas.microsoft.com/office/drawing/2014/main" val="10002"/>
                   </a:ext>
                 </a:extLst>
               </a:tr>
@@ -7042,7 +7030,7 @@
                 </a:tc>
                 <a:extLst>
                   <a:ext uri="{0D108BD9-81ED-4DB2-BD59-A6C34878D82A}">
-                    <a16:rowId xmlns:a16="http://schemas.microsoft.com/office/drawing/2014/main" xmlns="" val="3645567969"/>
+                    <a16:rowId xmlns="" xmlns:a16="http://schemas.microsoft.com/office/drawing/2014/main" val="3645567969"/>
                   </a:ext>
                 </a:extLst>
               </a:tr>
@@ -11846,16 +11834,7 @@
                 </a:solidFill>
                 <a:latin typeface="+mj-lt"/>
               </a:rPr>
-              <a:t>documents </a:t>
-            </a:r>
-            <a:r>
-              <a:rPr lang="fr-FR" sz="1200" i="1" dirty="0" smtClean="0">
-                <a:solidFill>
-                  <a:srgbClr val="0563B8"/>
-                </a:solidFill>
-                <a:latin typeface="+mj-lt"/>
-              </a:rPr>
-              <a:t>: Archives </a:t>
+              <a:t>documents : Archives </a:t>
             </a:r>
             <a:r>
               <a:rPr lang="fr-FR" sz="1200" i="1" dirty="0">
@@ -13237,11 +13216,6 @@
                         </a:rPr>
                         <a:t>Plateforme web</a:t>
                       </a:r>
-                      <a:endParaRPr lang="fr-FR" sz="1800" dirty="0" smtClean="0">
-                        <a:solidFill>
-                          <a:srgbClr val="0563B8"/>
-                        </a:solidFill>
-                      </a:endParaRPr>
                     </a:p>
                     <a:p>
                       <a:pPr marL="0" indent="0" fontAlgn="base">
@@ -15631,16 +15605,7 @@
                 </a:solidFill>
                 <a:latin typeface="+mj-lt"/>
               </a:rPr>
-              <a:t>de </a:t>
-            </a:r>
-            <a:r>
-              <a:rPr lang="fr-FR" sz="2400" dirty="0" smtClean="0">
-                <a:solidFill>
-                  <a:srgbClr val="0563B8"/>
-                </a:solidFill>
-                <a:latin typeface="+mj-lt"/>
-              </a:rPr>
-              <a:t>journaux</a:t>
+              <a:t>de journaux</a:t>
             </a:r>
             <a:endParaRPr lang="fr-FR" dirty="0">
               <a:solidFill>
@@ -15842,16 +15807,7 @@
                 </a:solidFill>
                 <a:latin typeface="+mj-lt"/>
               </a:rPr>
-              <a:t>Recherche </a:t>
-            </a:r>
-            <a:r>
-              <a:rPr lang="fr-FR" sz="2400" dirty="0" smtClean="0">
-                <a:solidFill>
-                  <a:srgbClr val="0563B8"/>
-                </a:solidFill>
-                <a:latin typeface="+mj-lt"/>
-              </a:rPr>
-              <a:t>d’articles</a:t>
+              <a:t>Recherche d’articles</a:t>
             </a:r>
             <a:endParaRPr lang="fr-FR" dirty="0" smtClean="0">
               <a:solidFill>
@@ -15892,16 +15848,7 @@
                 </a:solidFill>
                 <a:latin typeface="+mj-lt"/>
               </a:rPr>
-              <a:t>Recherche de revues de </a:t>
-            </a:r>
-            <a:r>
-              <a:rPr lang="fr-FR" sz="2400" dirty="0" smtClean="0">
-                <a:solidFill>
-                  <a:srgbClr val="0563B8"/>
-                </a:solidFill>
-                <a:latin typeface="+mj-lt"/>
-              </a:rPr>
-              <a:t>presse</a:t>
+              <a:t>Recherche de revues de presse</a:t>
             </a:r>
             <a:endParaRPr lang="fr-FR" dirty="0">
               <a:solidFill>

--- a/defense/1_project/powerpoint.pptx
+++ b/defense/1_project/powerpoint.pptx
@@ -5,7 +5,7 @@
     <p:sldMasterId id="2147483648" r:id="rId1"/>
   </p:sldMasterIdLst>
   <p:notesMasterIdLst>
-    <p:notesMasterId r:id="rId24"/>
+    <p:notesMasterId r:id="rId28"/>
   </p:notesMasterIdLst>
   <p:sldIdLst>
     <p:sldId id="257" r:id="rId2"/>
@@ -19,17 +19,21 @@
     <p:sldId id="266" r:id="rId10"/>
     <p:sldId id="265" r:id="rId11"/>
     <p:sldId id="283" r:id="rId12"/>
-    <p:sldId id="268" r:id="rId13"/>
+    <p:sldId id="286" r:id="rId13"/>
     <p:sldId id="269" r:id="rId14"/>
-    <p:sldId id="259" r:id="rId15"/>
-    <p:sldId id="284" r:id="rId16"/>
-    <p:sldId id="270" r:id="rId17"/>
-    <p:sldId id="271" r:id="rId18"/>
-    <p:sldId id="272" r:id="rId19"/>
-    <p:sldId id="273" r:id="rId20"/>
-    <p:sldId id="260" r:id="rId21"/>
-    <p:sldId id="274" r:id="rId22"/>
-    <p:sldId id="261" r:id="rId23"/>
+    <p:sldId id="268" r:id="rId15"/>
+    <p:sldId id="259" r:id="rId16"/>
+    <p:sldId id="284" r:id="rId17"/>
+    <p:sldId id="270" r:id="rId18"/>
+    <p:sldId id="271" r:id="rId19"/>
+    <p:sldId id="272" r:id="rId20"/>
+    <p:sldId id="287" r:id="rId21"/>
+    <p:sldId id="273" r:id="rId22"/>
+    <p:sldId id="260" r:id="rId23"/>
+    <p:sldId id="274" r:id="rId24"/>
+    <p:sldId id="288" r:id="rId25"/>
+    <p:sldId id="289" r:id="rId26"/>
+    <p:sldId id="261" r:id="rId27"/>
   </p:sldIdLst>
   <p:sldSz cx="9144000" cy="6858000" type="screen4x3"/>
   <p:notesSz cx="6858000" cy="9144000"/>
@@ -213,7 +217,7 @@
           <a:p>
             <a:fld id="{62FEF452-64F2-4032-BAFC-630BB8978F7B}" type="datetimeFigureOut">
               <a:rPr lang="fr-FR" smtClean="0"/>
-              <a:t>16/12/2015</a:t>
+              <a:t>17/12/2015</a:t>
             </a:fld>
             <a:endParaRPr lang="fr-FR"/>
           </a:p>
@@ -481,6 +485,174 @@
 </p:notesMaster>
 </file>
 
+<file path=ppt/notesSlides/notesSlide1.xml><?xml version="1.0" encoding="utf-8"?>
+<p:notes xmlns:a="http://schemas.openxmlformats.org/drawingml/2006/main" xmlns:r="http://schemas.openxmlformats.org/officeDocument/2006/relationships" xmlns:p="http://schemas.openxmlformats.org/presentationml/2006/main">
+  <p:cSld>
+    <p:spTree>
+      <p:nvGrpSpPr>
+        <p:cNvPr id="1" name=""/>
+        <p:cNvGrpSpPr/>
+        <p:nvPr/>
+      </p:nvGrpSpPr>
+      <p:grpSpPr>
+        <a:xfrm>
+          <a:off x="0" y="0"/>
+          <a:ext cx="0" cy="0"/>
+          <a:chOff x="0" y="0"/>
+          <a:chExt cx="0" cy="0"/>
+        </a:xfrm>
+      </p:grpSpPr>
+      <p:sp>
+        <p:nvSpPr>
+          <p:cNvPr id="2" name="Espace réservé de l'image des diapositives 1"/>
+          <p:cNvSpPr>
+            <a:spLocks noGrp="1" noRot="1" noChangeAspect="1"/>
+          </p:cNvSpPr>
+          <p:nvPr>
+            <p:ph type="sldImg"/>
+          </p:nvPr>
+        </p:nvSpPr>
+        <p:spPr/>
+      </p:sp>
+      <p:sp>
+        <p:nvSpPr>
+          <p:cNvPr id="3" name="Espace réservé des commentaires 2"/>
+          <p:cNvSpPr>
+            <a:spLocks noGrp="1"/>
+          </p:cNvSpPr>
+          <p:nvPr>
+            <p:ph type="body" idx="1"/>
+          </p:nvPr>
+        </p:nvSpPr>
+        <p:spPr/>
+        <p:txBody>
+          <a:bodyPr/>
+          <a:lstStyle/>
+          <a:p>
+            <a:endParaRPr lang="fr-FR" dirty="0"/>
+          </a:p>
+        </p:txBody>
+      </p:sp>
+      <p:sp>
+        <p:nvSpPr>
+          <p:cNvPr id="4" name="Espace réservé du numéro de diapositive 3"/>
+          <p:cNvSpPr>
+            <a:spLocks noGrp="1"/>
+          </p:cNvSpPr>
+          <p:nvPr>
+            <p:ph type="sldNum" sz="quarter" idx="10"/>
+          </p:nvPr>
+        </p:nvSpPr>
+        <p:spPr/>
+        <p:txBody>
+          <a:bodyPr/>
+          <a:lstStyle/>
+          <a:p>
+            <a:fld id="{ED699F2C-CA84-4273-995C-709126015D49}" type="slidenum">
+              <a:rPr lang="fr-FR" smtClean="0"/>
+              <a:t>1</a:t>
+            </a:fld>
+            <a:endParaRPr lang="fr-FR"/>
+          </a:p>
+        </p:txBody>
+      </p:sp>
+    </p:spTree>
+    <p:extLst>
+      <p:ext uri="{BB962C8B-B14F-4D97-AF65-F5344CB8AC3E}">
+        <p14:creationId xmlns:p14="http://schemas.microsoft.com/office/powerpoint/2010/main" val="4021383805"/>
+      </p:ext>
+    </p:extLst>
+  </p:cSld>
+  <p:clrMapOvr>
+    <a:masterClrMapping/>
+  </p:clrMapOvr>
+</p:notes>
+</file>
+
+<file path=ppt/notesSlides/notesSlide2.xml><?xml version="1.0" encoding="utf-8"?>
+<p:notes xmlns:a="http://schemas.openxmlformats.org/drawingml/2006/main" xmlns:r="http://schemas.openxmlformats.org/officeDocument/2006/relationships" xmlns:p="http://schemas.openxmlformats.org/presentationml/2006/main">
+  <p:cSld>
+    <p:spTree>
+      <p:nvGrpSpPr>
+        <p:cNvPr id="1" name=""/>
+        <p:cNvGrpSpPr/>
+        <p:nvPr/>
+      </p:nvGrpSpPr>
+      <p:grpSpPr>
+        <a:xfrm>
+          <a:off x="0" y="0"/>
+          <a:ext cx="0" cy="0"/>
+          <a:chOff x="0" y="0"/>
+          <a:chExt cx="0" cy="0"/>
+        </a:xfrm>
+      </p:grpSpPr>
+      <p:sp>
+        <p:nvSpPr>
+          <p:cNvPr id="2" name="Espace réservé de l'image des diapositives 1"/>
+          <p:cNvSpPr>
+            <a:spLocks noGrp="1" noRot="1" noChangeAspect="1"/>
+          </p:cNvSpPr>
+          <p:nvPr>
+            <p:ph type="sldImg"/>
+          </p:nvPr>
+        </p:nvSpPr>
+        <p:spPr/>
+      </p:sp>
+      <p:sp>
+        <p:nvSpPr>
+          <p:cNvPr id="3" name="Espace réservé des commentaires 2"/>
+          <p:cNvSpPr>
+            <a:spLocks noGrp="1"/>
+          </p:cNvSpPr>
+          <p:nvPr>
+            <p:ph type="body" idx="1"/>
+          </p:nvPr>
+        </p:nvSpPr>
+        <p:spPr/>
+        <p:txBody>
+          <a:bodyPr/>
+          <a:lstStyle/>
+          <a:p>
+            <a:endParaRPr lang="fr-FR" dirty="0"/>
+          </a:p>
+        </p:txBody>
+      </p:sp>
+      <p:sp>
+        <p:nvSpPr>
+          <p:cNvPr id="4" name="Espace réservé du numéro de diapositive 3"/>
+          <p:cNvSpPr>
+            <a:spLocks noGrp="1"/>
+          </p:cNvSpPr>
+          <p:nvPr>
+            <p:ph type="sldNum" sz="quarter" idx="10"/>
+          </p:nvPr>
+        </p:nvSpPr>
+        <p:spPr/>
+        <p:txBody>
+          <a:bodyPr/>
+          <a:lstStyle/>
+          <a:p>
+            <a:fld id="{ED699F2C-CA84-4273-995C-709126015D49}" type="slidenum">
+              <a:rPr lang="fr-FR" smtClean="0"/>
+              <a:t>2</a:t>
+            </a:fld>
+            <a:endParaRPr lang="fr-FR"/>
+          </a:p>
+        </p:txBody>
+      </p:sp>
+    </p:spTree>
+    <p:extLst>
+      <p:ext uri="{BB962C8B-B14F-4D97-AF65-F5344CB8AC3E}">
+        <p14:creationId xmlns:p14="http://schemas.microsoft.com/office/powerpoint/2010/main" val="2817420758"/>
+      </p:ext>
+    </p:extLst>
+  </p:cSld>
+  <p:clrMapOvr>
+    <a:masterClrMapping/>
+  </p:clrMapOvr>
+</p:notes>
+</file>
+
 <file path=ppt/slideLayouts/slideLayout1.xml><?xml version="1.0" encoding="utf-8"?>
 <p:sldLayout xmlns:a="http://schemas.openxmlformats.org/drawingml/2006/main" xmlns:r="http://schemas.openxmlformats.org/officeDocument/2006/relationships" xmlns:p="http://schemas.openxmlformats.org/presentationml/2006/main" type="title" preserve="1">
   <p:cSld name="Diapositive de titre">
@@ -662,7 +834,7 @@
           <a:p>
             <a:fld id="{78783D2A-B929-41C6-A895-0A9181421A26}" type="datetime1">
               <a:rPr lang="fr-FR" smtClean="0"/>
-              <a:t>16/12/2015</a:t>
+              <a:t>17/12/2015</a:t>
             </a:fld>
             <a:endParaRPr lang="fr-FR"/>
           </a:p>
@@ -832,7 +1004,7 @@
           <a:p>
             <a:fld id="{A5E0ADDB-E9AE-4727-B2BA-402541FB5743}" type="datetime1">
               <a:rPr lang="fr-FR" smtClean="0"/>
-              <a:t>16/12/2015</a:t>
+              <a:t>17/12/2015</a:t>
             </a:fld>
             <a:endParaRPr lang="fr-FR"/>
           </a:p>
@@ -1012,7 +1184,7 @@
           <a:p>
             <a:fld id="{7B686901-CD1E-4E11-84B0-BF2C2DD813E1}" type="datetime1">
               <a:rPr lang="fr-FR" smtClean="0"/>
-              <a:t>16/12/2015</a:t>
+              <a:t>17/12/2015</a:t>
             </a:fld>
             <a:endParaRPr lang="fr-FR"/>
           </a:p>
@@ -1182,7 +1354,7 @@
           <a:p>
             <a:fld id="{FEFBAE4E-1D81-4447-9A64-F24B325A9D7F}" type="datetime1">
               <a:rPr lang="fr-FR" smtClean="0"/>
-              <a:t>16/12/2015</a:t>
+              <a:t>17/12/2015</a:t>
             </a:fld>
             <a:endParaRPr lang="fr-FR"/>
           </a:p>
@@ -1428,7 +1600,7 @@
           <a:p>
             <a:fld id="{20BD622C-72BB-4882-A97C-EA176671B8BE}" type="datetime1">
               <a:rPr lang="fr-FR" smtClean="0"/>
-              <a:t>16/12/2015</a:t>
+              <a:t>17/12/2015</a:t>
             </a:fld>
             <a:endParaRPr lang="fr-FR"/>
           </a:p>
@@ -1716,7 +1888,7 @@
           <a:p>
             <a:fld id="{74D0000D-D934-48B2-A753-8A297A082B42}" type="datetime1">
               <a:rPr lang="fr-FR" smtClean="0"/>
-              <a:t>16/12/2015</a:t>
+              <a:t>17/12/2015</a:t>
             </a:fld>
             <a:endParaRPr lang="fr-FR"/>
           </a:p>
@@ -2138,7 +2310,7 @@
           <a:p>
             <a:fld id="{F12E21D9-60F1-4EBC-8DB0-7F419ADB1C95}" type="datetime1">
               <a:rPr lang="fr-FR" smtClean="0"/>
-              <a:t>16/12/2015</a:t>
+              <a:t>17/12/2015</a:t>
             </a:fld>
             <a:endParaRPr lang="fr-FR"/>
           </a:p>
@@ -2256,7 +2428,7 @@
           <a:p>
             <a:fld id="{BB288447-B225-4A16-BA59-2C72ED0EBCAE}" type="datetime1">
               <a:rPr lang="fr-FR" smtClean="0"/>
-              <a:t>16/12/2015</a:t>
+              <a:t>17/12/2015</a:t>
             </a:fld>
             <a:endParaRPr lang="fr-FR"/>
           </a:p>
@@ -2351,7 +2523,7 @@
           <a:p>
             <a:fld id="{84305473-3E58-48D5-BA36-032083606307}" type="datetime1">
               <a:rPr lang="fr-FR" smtClean="0"/>
-              <a:t>16/12/2015</a:t>
+              <a:t>17/12/2015</a:t>
             </a:fld>
             <a:endParaRPr lang="fr-FR"/>
           </a:p>
@@ -2628,7 +2800,7 @@
           <a:p>
             <a:fld id="{EC8C7F31-5019-485F-ABED-C3A5A2B6117C}" type="datetime1">
               <a:rPr lang="fr-FR" smtClean="0"/>
-              <a:t>16/12/2015</a:t>
+              <a:t>17/12/2015</a:t>
             </a:fld>
             <a:endParaRPr lang="fr-FR"/>
           </a:p>
@@ -2881,7 +3053,7 @@
           <a:p>
             <a:fld id="{1BECAF1B-7232-4FDE-9CDF-C2E81D65B361}" type="datetime1">
               <a:rPr lang="fr-FR" smtClean="0"/>
-              <a:t>16/12/2015</a:t>
+              <a:t>17/12/2015</a:t>
             </a:fld>
             <a:endParaRPr lang="fr-FR"/>
           </a:p>
@@ -3101,7 +3273,7 @@
           <a:p>
             <a:fld id="{8B939C87-4E06-497D-89D3-8E1A3EF57A13}" type="datetime1">
               <a:rPr lang="fr-FR" smtClean="0"/>
-              <a:t>16/12/2015</a:t>
+              <a:t>17/12/2015</a:t>
             </a:fld>
             <a:endParaRPr lang="fr-FR"/>
           </a:p>
@@ -3567,47 +3739,6 @@
           <p:nvPr/>
         </p:nvPicPr>
         <p:blipFill>
-          <a:blip r:embed="rId2" cstate="print">
-            <a:extLst>
-              <a:ext uri="{28A0092B-C50C-407E-A947-70E740481C1C}">
-                <a14:useLocalDpi xmlns:a14="http://schemas.microsoft.com/office/drawing/2010/main" val="0"/>
-              </a:ext>
-            </a:extLst>
-          </a:blip>
-          <a:srcRect/>
-          <a:stretch>
-            <a:fillRect/>
-          </a:stretch>
-        </p:blipFill>
-        <p:spPr bwMode="auto">
-          <a:xfrm>
-            <a:off x="272144" y="130508"/>
-            <a:ext cx="1144863" cy="738437"/>
-          </a:xfrm>
-          <a:prstGeom prst="rect">
-            <a:avLst/>
-          </a:prstGeom>
-          <a:noFill/>
-          <a:extLst>
-            <a:ext uri="{909E8E84-426E-40DD-AFC4-6F175D3DCCD1}">
-              <a14:hiddenFill xmlns:a14="http://schemas.microsoft.com/office/drawing/2010/main">
-                <a:solidFill>
-                  <a:srgbClr val="FFFFFF"/>
-                </a:solidFill>
-              </a14:hiddenFill>
-            </a:ext>
-          </a:extLst>
-        </p:spPr>
-      </p:pic>
-      <p:pic>
-        <p:nvPicPr>
-          <p:cNvPr id="1031" name="Picture 7" descr="C:\Users\Guillaume\Downloads\Logo-INSARennes-developpe-quadri-rvb\Logo_INSARennes-developpe-quadri-rvb.png"/>
-          <p:cNvPicPr>
-            <a:picLocks noChangeAspect="1" noChangeArrowheads="1"/>
-          </p:cNvPicPr>
-          <p:nvPr/>
-        </p:nvPicPr>
-        <p:blipFill>
           <a:blip r:embed="rId3" cstate="print">
             <a:extLst>
               <a:ext uri="{28A0092B-C50C-407E-A947-70E740481C1C}">
@@ -3622,8 +3753,8 @@
         </p:blipFill>
         <p:spPr bwMode="auto">
           <a:xfrm>
-            <a:off x="3468746" y="260648"/>
-            <a:ext cx="2206509" cy="478160"/>
+            <a:off x="272144" y="130508"/>
+            <a:ext cx="1144863" cy="738437"/>
           </a:xfrm>
           <a:prstGeom prst="rect">
             <a:avLst/>
@@ -3640,21 +3771,62 @@
           </a:extLst>
         </p:spPr>
       </p:pic>
-      <p:sp>
-        <p:nvSpPr>
-          <p:cNvPr id="4" name="ZoneTexte 3"/>
-          <p:cNvSpPr txBox="1"/>
+      <p:pic>
+        <p:nvPicPr>
+          <p:cNvPr id="1031" name="Picture 7" descr="C:\Users\Guillaume\Downloads\Logo-INSARennes-developpe-quadri-rvb\Logo_INSARennes-developpe-quadri-rvb.png"/>
+          <p:cNvPicPr>
+            <a:picLocks noChangeAspect="1" noChangeArrowheads="1"/>
+          </p:cNvPicPr>
           <p:nvPr/>
-        </p:nvSpPr>
-        <p:spPr>
-          <a:xfrm>
-            <a:off x="272144" y="4566027"/>
-            <a:ext cx="2520280" cy="2031325"/>
+        </p:nvPicPr>
+        <p:blipFill>
+          <a:blip r:embed="rId4" cstate="print">
+            <a:extLst>
+              <a:ext uri="{28A0092B-C50C-407E-A947-70E740481C1C}">
+                <a14:useLocalDpi xmlns:a14="http://schemas.microsoft.com/office/drawing/2010/main" val="0"/>
+              </a:ext>
+            </a:extLst>
+          </a:blip>
+          <a:srcRect/>
+          <a:stretch>
+            <a:fillRect/>
+          </a:stretch>
+        </p:blipFill>
+        <p:spPr bwMode="auto">
+          <a:xfrm>
+            <a:off x="3468746" y="260648"/>
+            <a:ext cx="2206509" cy="478160"/>
           </a:xfrm>
           <a:prstGeom prst="rect">
             <a:avLst/>
           </a:prstGeom>
           <a:noFill/>
+          <a:extLst>
+            <a:ext uri="{909E8E84-426E-40DD-AFC4-6F175D3DCCD1}">
+              <a14:hiddenFill xmlns:a14="http://schemas.microsoft.com/office/drawing/2010/main">
+                <a:solidFill>
+                  <a:srgbClr val="FFFFFF"/>
+                </a:solidFill>
+              </a14:hiddenFill>
+            </a:ext>
+          </a:extLst>
+        </p:spPr>
+      </p:pic>
+      <p:sp>
+        <p:nvSpPr>
+          <p:cNvPr id="4" name="ZoneTexte 3"/>
+          <p:cNvSpPr txBox="1"/>
+          <p:nvPr/>
+        </p:nvSpPr>
+        <p:spPr>
+          <a:xfrm>
+            <a:off x="272144" y="4566027"/>
+            <a:ext cx="2520280" cy="2031325"/>
+          </a:xfrm>
+          <a:prstGeom prst="rect">
+            <a:avLst/>
+          </a:prstGeom>
+          <a:noFill/>
         </p:spPr>
         <p:txBody>
           <a:bodyPr wrap="square" rtlCol="0">
@@ -3748,8 +3920,8 @@
         </p:nvSpPr>
         <p:spPr>
           <a:xfrm>
-            <a:off x="6228184" y="4869160"/>
-            <a:ext cx="2520280" cy="1569660"/>
+            <a:off x="6201181" y="4412138"/>
+            <a:ext cx="2792566" cy="2339102"/>
           </a:xfrm>
           <a:prstGeom prst="rect">
             <a:avLst/>
@@ -3764,13 +3936,13 @@
           <a:p>
             <a:pPr algn="ctr"/>
             <a:r>
-              <a:rPr lang="fr-FR" sz="2400" smtClean="0">
+              <a:rPr lang="fr-FR" sz="2400" dirty="0" smtClean="0">
                 <a:solidFill>
                   <a:srgbClr val="0563B8"/>
                 </a:solidFill>
                 <a:latin typeface="Calibri Light" panose="020F0302020204030204" pitchFamily="34" charset="0"/>
               </a:rPr>
-              <a:t>Collaborateurs</a:t>
+              <a:t>Encadrants</a:t>
             </a:r>
             <a:endParaRPr lang="fr-FR" sz="2400" dirty="0" smtClean="0">
               <a:solidFill>
@@ -3781,57 +3953,93 @@
           </a:p>
           <a:p>
             <a:pPr algn="ctr"/>
+            <a:endParaRPr lang="fr-FR" sz="800" dirty="0" smtClean="0">
+              <a:solidFill>
+                <a:srgbClr val="00A7AA"/>
+              </a:solidFill>
+              <a:latin typeface="Calibri Light" panose="020F0302020204030204" pitchFamily="34" charset="0"/>
+            </a:endParaRPr>
+          </a:p>
+          <a:p>
+            <a:pPr algn="ctr"/>
+            <a:r>
+              <a:rPr lang="fr-FR" dirty="0" smtClean="0">
+                <a:solidFill>
+                  <a:srgbClr val="00A7AA"/>
+                </a:solidFill>
+                <a:latin typeface="Calibri Light" panose="020F0302020204030204" pitchFamily="34" charset="0"/>
+              </a:rPr>
+              <a:t>Bertrand COUASNON</a:t>
+            </a:r>
+          </a:p>
+          <a:p>
+            <a:pPr algn="ctr"/>
+            <a:r>
+              <a:rPr lang="fr-FR" dirty="0" smtClean="0">
+                <a:solidFill>
+                  <a:srgbClr val="00A7AA"/>
+                </a:solidFill>
+                <a:latin typeface="Calibri Light" panose="020F0302020204030204" pitchFamily="34" charset="0"/>
+              </a:rPr>
+              <a:t>Yoann ROYER</a:t>
+            </a:r>
+          </a:p>
+          <a:p>
+            <a:pPr algn="ctr"/>
+            <a:endParaRPr lang="fr-FR" dirty="0">
+              <a:solidFill>
+                <a:srgbClr val="00A7AA"/>
+              </a:solidFill>
+              <a:latin typeface="Calibri Light" panose="020F0302020204030204" pitchFamily="34" charset="0"/>
+            </a:endParaRPr>
+          </a:p>
+          <a:p>
+            <a:pPr algn="ctr"/>
+            <a:r>
+              <a:rPr lang="fr-FR" sz="2400" dirty="0" smtClean="0">
+                <a:solidFill>
+                  <a:srgbClr val="0563B8"/>
+                </a:solidFill>
+                <a:latin typeface="Calibri Light" panose="020F0302020204030204" pitchFamily="34" charset="0"/>
+              </a:rPr>
+              <a:t>Correspondant</a:t>
+            </a:r>
+            <a:endParaRPr lang="fr-FR" sz="2400" dirty="0" smtClean="0">
+              <a:solidFill>
+                <a:srgbClr val="00A7AA"/>
+              </a:solidFill>
+              <a:latin typeface="Calibri Light" panose="020F0302020204030204" pitchFamily="34" charset="0"/>
+            </a:endParaRPr>
+          </a:p>
+          <a:p>
+            <a:pPr algn="ctr"/>
+            <a:r>
+              <a:rPr lang="fr-FR" dirty="0">
+                <a:solidFill>
+                  <a:srgbClr val="00A7AA"/>
+                </a:solidFill>
+                <a:latin typeface="Calibri Light" panose="020F0302020204030204" pitchFamily="34" charset="0"/>
+              </a:rPr>
+              <a:t>Jean-Yves LE CLERC</a:t>
+            </a:r>
+          </a:p>
+          <a:p>
+            <a:pPr algn="ctr"/>
+            <a:r>
+              <a:rPr lang="fr-FR" dirty="0" smtClean="0">
+                <a:solidFill>
+                  <a:srgbClr val="00A7AA"/>
+                </a:solidFill>
+                <a:latin typeface="Calibri Light" panose="020F0302020204030204" pitchFamily="34" charset="0"/>
+              </a:rPr>
+              <a:t> </a:t>
+            </a:r>
             <a:endParaRPr lang="fr-FR" dirty="0" smtClean="0">
               <a:solidFill>
                 <a:srgbClr val="00A7AA"/>
               </a:solidFill>
               <a:latin typeface="Calibri Light" panose="020F0302020204030204" pitchFamily="34" charset="0"/>
             </a:endParaRPr>
-          </a:p>
-          <a:p>
-            <a:pPr algn="ctr"/>
-            <a:r>
-              <a:rPr lang="fr-FR" dirty="0" smtClean="0">
-                <a:solidFill>
-                  <a:srgbClr val="00A7AA"/>
-                </a:solidFill>
-                <a:latin typeface="Calibri Light" panose="020F0302020204030204" pitchFamily="34" charset="0"/>
-              </a:rPr>
-              <a:t>Bertrand COUASNON</a:t>
-            </a:r>
-          </a:p>
-          <a:p>
-            <a:pPr algn="ctr"/>
-            <a:r>
-              <a:rPr lang="fr-FR" dirty="0">
-                <a:solidFill>
-                  <a:srgbClr val="00A7AA"/>
-                </a:solidFill>
-                <a:latin typeface="Calibri Light" panose="020F0302020204030204" pitchFamily="34" charset="0"/>
-              </a:rPr>
-              <a:t>Jean-Yves LE </a:t>
-            </a:r>
-            <a:r>
-              <a:rPr lang="fr-FR" dirty="0" smtClean="0">
-                <a:solidFill>
-                  <a:srgbClr val="00A7AA"/>
-                </a:solidFill>
-                <a:latin typeface="Calibri Light" panose="020F0302020204030204" pitchFamily="34" charset="0"/>
-              </a:rPr>
-              <a:t>CLERC</a:t>
-            </a:r>
-          </a:p>
-          <a:p>
-            <a:pPr algn="ctr"/>
-            <a:r>
-              <a:rPr lang="fr-FR" dirty="0" smtClean="0">
-                <a:solidFill>
-                  <a:srgbClr val="00A7AA"/>
-                </a:solidFill>
-                <a:latin typeface="Calibri Light" panose="020F0302020204030204" pitchFamily="34" charset="0"/>
-              </a:rPr>
-              <a:t>Yoan ROYER</a:t>
-            </a:r>
           </a:p>
         </p:txBody>
       </p:sp>
@@ -3915,7 +4123,7 @@
           <p:nvPr/>
         </p:nvPicPr>
         <p:blipFill rotWithShape="1">
-          <a:blip r:embed="rId4">
+          <a:blip r:embed="rId5">
             <a:extLst>
               <a:ext uri="{28A0092B-C50C-407E-A947-70E740481C1C}">
                 <a14:useLocalDpi xmlns:a14="http://schemas.microsoft.com/office/drawing/2010/main" val="0"/>
@@ -5347,41 +5555,25 @@
       </p:grpSpPr>
       <p:sp>
         <p:nvSpPr>
-          <p:cNvPr id="14" name="Titre 1"/>
-          <p:cNvSpPr txBox="1">
-            <a:spLocks/>
+          <p:cNvPr id="2" name="Titre 1"/>
+          <p:cNvSpPr>
+            <a:spLocks noGrp="1"/>
           </p:cNvSpPr>
-          <p:nvPr/>
+          <p:nvPr>
+            <p:ph type="title"/>
+          </p:nvPr>
         </p:nvSpPr>
         <p:spPr>
           <a:xfrm>
             <a:off x="251520" y="116632"/>
             <a:ext cx="6624736" cy="1080120"/>
           </a:xfrm>
-          <a:prstGeom prst="rect">
-            <a:avLst/>
-          </a:prstGeom>
-        </p:spPr>
-        <p:txBody>
-          <a:bodyPr vert="horz" lIns="91440" tIns="45720" rIns="91440" bIns="45720" rtlCol="0" anchor="ctr">
+        </p:spPr>
+        <p:txBody>
+          <a:bodyPr>
             <a:normAutofit/>
           </a:bodyPr>
-          <a:lstStyle>
-            <a:lvl1pPr algn="ctr" defTabSz="914400" rtl="0" eaLnBrk="1" latinLnBrk="0" hangingPunct="1">
-              <a:spcBef>
-                <a:spcPct val="0"/>
-              </a:spcBef>
-              <a:buNone/>
-              <a:defRPr sz="4400" kern="1200">
-                <a:solidFill>
-                  <a:schemeClr val="tx1"/>
-                </a:solidFill>
-                <a:latin typeface="+mj-lt"/>
-                <a:ea typeface="+mj-ea"/>
-                <a:cs typeface="+mj-cs"/>
-              </a:defRPr>
-            </a:lvl1pPr>
-          </a:lstStyle>
+          <a:lstStyle/>
           <a:p>
             <a:pPr algn="l"/>
             <a:r>
@@ -5391,7 +5583,7 @@
                 </a:solidFill>
                 <a:latin typeface="Montserrat" panose="02000505000000020004" pitchFamily="2" charset="0"/>
               </a:rPr>
-              <a:t>Gestion des </a:t>
+              <a:t>Espace </a:t>
             </a:r>
             <a:r>
               <a:rPr lang="fr-FR" sz="3200" dirty="0" smtClean="0">
@@ -5400,7 +5592,7 @@
                 </a:solidFill>
                 <a:latin typeface="Montserrat" panose="02000505000000020004" pitchFamily="2" charset="0"/>
               </a:rPr>
-              <a:t>utilisateurs</a:t>
+              <a:t>collaboratif</a:t>
             </a:r>
             <a:endParaRPr lang="fr-FR" sz="3200" dirty="0">
               <a:solidFill>
@@ -5411,31 +5603,18 @@
           </a:p>
         </p:txBody>
       </p:sp>
-      <p:pic>
-        <p:nvPicPr>
-          <p:cNvPr id="6146" name="Picture 2" descr="https://lh4.googleusercontent.com/cjaxDN0_F1H6Dot-C_KBDT5dgApLN1o3Dxabh-OJEp5MI6uAG2uMjg-zpv8HAdHqt0aQ2RsWNuZpq39l2XcSuaMX7wP3EllNeNfihG92BT9nQuM6VbnFsQS0p8LzXnrtOE7sFGLnqA"/>
-          <p:cNvPicPr>
-            <a:picLocks noChangeAspect="1" noChangeArrowheads="1"/>
-          </p:cNvPicPr>
+      <p:sp>
+        <p:nvSpPr>
+          <p:cNvPr id="3" name="AutoShape 2" descr="https://gitlab.insa-rennes.fr/francois-boschet/gutemberg/raw/master/report/2_spec/figures/consultation.png"/>
+          <p:cNvSpPr>
+            <a:spLocks noChangeAspect="1" noChangeArrowheads="1"/>
+          </p:cNvSpPr>
           <p:nvPr/>
-        </p:nvPicPr>
-        <p:blipFill>
-          <a:blip r:embed="rId2">
-            <a:extLst>
-              <a:ext uri="{28A0092B-C50C-407E-A947-70E740481C1C}">
-                <a14:useLocalDpi xmlns:a14="http://schemas.microsoft.com/office/drawing/2010/main" val="0"/>
-              </a:ext>
-            </a:extLst>
-          </a:blip>
-          <a:srcRect/>
-          <a:stretch>
-            <a:fillRect/>
-          </a:stretch>
-        </p:blipFill>
+        </p:nvSpPr>
         <p:spPr bwMode="auto">
           <a:xfrm>
-            <a:off x="612775" y="1196752"/>
-            <a:ext cx="7919665" cy="5097193"/>
+            <a:off x="155575" y="-144463"/>
+            <a:ext cx="304800" cy="304801"/>
           </a:xfrm>
           <a:prstGeom prst="rect">
             <a:avLst/>
@@ -5451,10 +5630,255 @@
             </a:ext>
           </a:extLst>
         </p:spPr>
-      </p:pic>
-      <p:sp>
-        <p:nvSpPr>
-          <p:cNvPr id="4" name="Espace réservé du numéro de diapositive 9"/>
+        <p:txBody>
+          <a:bodyPr vert="horz" wrap="square" lIns="91440" tIns="45720" rIns="91440" bIns="45720" numCol="1" anchor="t" anchorCtr="0" compatLnSpc="1">
+            <a:prstTxWarp prst="textNoShape">
+              <a:avLst/>
+            </a:prstTxWarp>
+          </a:bodyPr>
+          <a:lstStyle/>
+          <a:p>
+            <a:endParaRPr lang="fr-FR"/>
+          </a:p>
+        </p:txBody>
+      </p:sp>
+      <p:sp>
+        <p:nvSpPr>
+          <p:cNvPr id="4" name="AutoShape 4" descr="https://gitlab.insa-rennes.fr/francois-boschet/gutemberg/raw/master/report/2_spec/figures/consultation.png"/>
+          <p:cNvSpPr>
+            <a:spLocks noChangeAspect="1" noChangeArrowheads="1"/>
+          </p:cNvSpPr>
+          <p:nvPr/>
+        </p:nvSpPr>
+        <p:spPr bwMode="auto">
+          <a:xfrm>
+            <a:off x="307975" y="7937"/>
+            <a:ext cx="304800" cy="304801"/>
+          </a:xfrm>
+          <a:prstGeom prst="rect">
+            <a:avLst/>
+          </a:prstGeom>
+          <a:noFill/>
+          <a:extLst>
+            <a:ext uri="{909E8E84-426E-40DD-AFC4-6F175D3DCCD1}">
+              <a14:hiddenFill xmlns:a14="http://schemas.microsoft.com/office/drawing/2010/main">
+                <a:solidFill>
+                  <a:srgbClr val="FFFFFF"/>
+                </a:solidFill>
+              </a14:hiddenFill>
+            </a:ext>
+          </a:extLst>
+        </p:spPr>
+        <p:txBody>
+          <a:bodyPr vert="horz" wrap="square" lIns="91440" tIns="45720" rIns="91440" bIns="45720" numCol="1" anchor="t" anchorCtr="0" compatLnSpc="1">
+            <a:prstTxWarp prst="textNoShape">
+              <a:avLst/>
+            </a:prstTxWarp>
+          </a:bodyPr>
+          <a:lstStyle/>
+          <a:p>
+            <a:endParaRPr lang="fr-FR"/>
+          </a:p>
+        </p:txBody>
+      </p:sp>
+      <p:sp>
+        <p:nvSpPr>
+          <p:cNvPr id="5" name="AutoShape 2" descr="https://projet4.mybalsamiq.com/projects/spec/Consultation%20de%20documents.jpeg?version=9&amp;etag=XHJ8gpGTqtyLpFShCJ6oeFfWCMF_NOhr"/>
+          <p:cNvSpPr>
+            <a:spLocks noChangeAspect="1" noChangeArrowheads="1"/>
+          </p:cNvSpPr>
+          <p:nvPr/>
+        </p:nvSpPr>
+        <p:spPr bwMode="auto">
+          <a:xfrm>
+            <a:off x="460375" y="160337"/>
+            <a:ext cx="304800" cy="304801"/>
+          </a:xfrm>
+          <a:prstGeom prst="rect">
+            <a:avLst/>
+          </a:prstGeom>
+          <a:noFill/>
+          <a:extLst>
+            <a:ext uri="{909E8E84-426E-40DD-AFC4-6F175D3DCCD1}">
+              <a14:hiddenFill xmlns:a14="http://schemas.microsoft.com/office/drawing/2010/main">
+                <a:solidFill>
+                  <a:srgbClr val="FFFFFF"/>
+                </a:solidFill>
+              </a14:hiddenFill>
+            </a:ext>
+          </a:extLst>
+        </p:spPr>
+        <p:txBody>
+          <a:bodyPr vert="horz" wrap="square" lIns="91440" tIns="45720" rIns="91440" bIns="45720" numCol="1" anchor="t" anchorCtr="0" compatLnSpc="1">
+            <a:prstTxWarp prst="textNoShape">
+              <a:avLst/>
+            </a:prstTxWarp>
+          </a:bodyPr>
+          <a:lstStyle/>
+          <a:p>
+            <a:endParaRPr lang="fr-FR"/>
+          </a:p>
+        </p:txBody>
+      </p:sp>
+      <p:sp>
+        <p:nvSpPr>
+          <p:cNvPr id="6" name="AutoShape 4" descr="https://projet4.mybalsamiq.com/projects/spec/Consultation%20de%20documents.jpeg?version=9&amp;etag=XHJ8gpGTqtyLpFShCJ6oeFfWCMF_NOhr"/>
+          <p:cNvSpPr>
+            <a:spLocks noChangeAspect="1" noChangeArrowheads="1"/>
+          </p:cNvSpPr>
+          <p:nvPr/>
+        </p:nvSpPr>
+        <p:spPr bwMode="auto">
+          <a:xfrm>
+            <a:off x="612775" y="312737"/>
+            <a:ext cx="304800" cy="304801"/>
+          </a:xfrm>
+          <a:prstGeom prst="rect">
+            <a:avLst/>
+          </a:prstGeom>
+          <a:noFill/>
+          <a:extLst>
+            <a:ext uri="{909E8E84-426E-40DD-AFC4-6F175D3DCCD1}">
+              <a14:hiddenFill xmlns:a14="http://schemas.microsoft.com/office/drawing/2010/main">
+                <a:solidFill>
+                  <a:srgbClr val="FFFFFF"/>
+                </a:solidFill>
+              </a14:hiddenFill>
+            </a:ext>
+          </a:extLst>
+        </p:spPr>
+        <p:txBody>
+          <a:bodyPr vert="horz" wrap="square" lIns="91440" tIns="45720" rIns="91440" bIns="45720" numCol="1" anchor="t" anchorCtr="0" compatLnSpc="1">
+            <a:prstTxWarp prst="textNoShape">
+              <a:avLst/>
+            </a:prstTxWarp>
+          </a:bodyPr>
+          <a:lstStyle/>
+          <a:p>
+            <a:endParaRPr lang="fr-FR"/>
+          </a:p>
+        </p:txBody>
+      </p:sp>
+      <p:sp>
+        <p:nvSpPr>
+          <p:cNvPr id="7" name="AutoShape 6" descr="https://projet4.mybalsamiq.com/projects/spec/Consultation%20de%20documents.jpeg?version=9&amp;etag=XHJ8gpGTqtyLpFShCJ6oeFfWCMF_NOhr"/>
+          <p:cNvSpPr>
+            <a:spLocks noChangeAspect="1" noChangeArrowheads="1"/>
+          </p:cNvSpPr>
+          <p:nvPr/>
+        </p:nvSpPr>
+        <p:spPr bwMode="auto">
+          <a:xfrm>
+            <a:off x="765175" y="465137"/>
+            <a:ext cx="304800" cy="304801"/>
+          </a:xfrm>
+          <a:prstGeom prst="rect">
+            <a:avLst/>
+          </a:prstGeom>
+          <a:noFill/>
+          <a:extLst>
+            <a:ext uri="{909E8E84-426E-40DD-AFC4-6F175D3DCCD1}">
+              <a14:hiddenFill xmlns:a14="http://schemas.microsoft.com/office/drawing/2010/main">
+                <a:solidFill>
+                  <a:srgbClr val="FFFFFF"/>
+                </a:solidFill>
+              </a14:hiddenFill>
+            </a:ext>
+          </a:extLst>
+        </p:spPr>
+        <p:txBody>
+          <a:bodyPr vert="horz" wrap="square" lIns="91440" tIns="45720" rIns="91440" bIns="45720" numCol="1" anchor="t" anchorCtr="0" compatLnSpc="1">
+            <a:prstTxWarp prst="textNoShape">
+              <a:avLst/>
+            </a:prstTxWarp>
+          </a:bodyPr>
+          <a:lstStyle/>
+          <a:p>
+            <a:endParaRPr lang="fr-FR"/>
+          </a:p>
+        </p:txBody>
+      </p:sp>
+      <p:sp>
+        <p:nvSpPr>
+          <p:cNvPr id="8" name="AutoShape 8" descr="https://projet4.mybalsamiq.com/projects/spec/Consultation%20de%20documents.jpeg?version=9&amp;etag=XHJ8gpGTqtyLpFShCJ6oeFfWCMF_NOhr"/>
+          <p:cNvSpPr>
+            <a:spLocks noChangeAspect="1" noChangeArrowheads="1"/>
+          </p:cNvSpPr>
+          <p:nvPr/>
+        </p:nvSpPr>
+        <p:spPr bwMode="auto">
+          <a:xfrm>
+            <a:off x="917575" y="617537"/>
+            <a:ext cx="304800" cy="304801"/>
+          </a:xfrm>
+          <a:prstGeom prst="rect">
+            <a:avLst/>
+          </a:prstGeom>
+          <a:noFill/>
+          <a:extLst>
+            <a:ext uri="{909E8E84-426E-40DD-AFC4-6F175D3DCCD1}">
+              <a14:hiddenFill xmlns:a14="http://schemas.microsoft.com/office/drawing/2010/main">
+                <a:solidFill>
+                  <a:srgbClr val="FFFFFF"/>
+                </a:solidFill>
+              </a14:hiddenFill>
+            </a:ext>
+          </a:extLst>
+        </p:spPr>
+        <p:txBody>
+          <a:bodyPr vert="horz" wrap="square" lIns="91440" tIns="45720" rIns="91440" bIns="45720" numCol="1" anchor="t" anchorCtr="0" compatLnSpc="1">
+            <a:prstTxWarp prst="textNoShape">
+              <a:avLst/>
+            </a:prstTxWarp>
+          </a:bodyPr>
+          <a:lstStyle/>
+          <a:p>
+            <a:endParaRPr lang="fr-FR"/>
+          </a:p>
+        </p:txBody>
+      </p:sp>
+      <p:sp>
+        <p:nvSpPr>
+          <p:cNvPr id="9" name="AutoShape 10" descr="https://projet4.mybalsamiq.com/projects/spec/Consultation%20de%20documents.jpeg?version=9&amp;etag=XHJ8gpGTqtyLpFShCJ6oeFfWCMF_NOhr"/>
+          <p:cNvSpPr>
+            <a:spLocks noChangeAspect="1" noChangeArrowheads="1"/>
+          </p:cNvSpPr>
+          <p:nvPr/>
+        </p:nvSpPr>
+        <p:spPr bwMode="auto">
+          <a:xfrm>
+            <a:off x="1069975" y="769937"/>
+            <a:ext cx="304800" cy="304801"/>
+          </a:xfrm>
+          <a:prstGeom prst="rect">
+            <a:avLst/>
+          </a:prstGeom>
+          <a:noFill/>
+          <a:extLst>
+            <a:ext uri="{909E8E84-426E-40DD-AFC4-6F175D3DCCD1}">
+              <a14:hiddenFill xmlns:a14="http://schemas.microsoft.com/office/drawing/2010/main">
+                <a:solidFill>
+                  <a:srgbClr val="FFFFFF"/>
+                </a:solidFill>
+              </a14:hiddenFill>
+            </a:ext>
+          </a:extLst>
+        </p:spPr>
+        <p:txBody>
+          <a:bodyPr vert="horz" wrap="square" lIns="91440" tIns="45720" rIns="91440" bIns="45720" numCol="1" anchor="t" anchorCtr="0" compatLnSpc="1">
+            <a:prstTxWarp prst="textNoShape">
+              <a:avLst/>
+            </a:prstTxWarp>
+          </a:bodyPr>
+          <a:lstStyle/>
+          <a:p>
+            <a:endParaRPr lang="fr-FR"/>
+          </a:p>
+        </p:txBody>
+      </p:sp>
+      <p:sp>
+        <p:nvSpPr>
+          <p:cNvPr id="10" name="Espace réservé du numéro de diapositive 9"/>
           <p:cNvSpPr>
             <a:spLocks noGrp="1"/>
           </p:cNvSpPr>
@@ -5480,10 +5904,286 @@
           </a:p>
         </p:txBody>
       </p:sp>
+      <p:sp>
+        <p:nvSpPr>
+          <p:cNvPr id="13" name="Espace réservé du numéro de diapositive 9"/>
+          <p:cNvSpPr txBox="1">
+            <a:spLocks/>
+          </p:cNvSpPr>
+          <p:nvPr/>
+        </p:nvSpPr>
+        <p:spPr>
+          <a:xfrm>
+            <a:off x="6553200" y="6356350"/>
+            <a:ext cx="2133600" cy="365125"/>
+          </a:xfrm>
+          <a:prstGeom prst="rect">
+            <a:avLst/>
+          </a:prstGeom>
+        </p:spPr>
+        <p:txBody>
+          <a:bodyPr vert="horz" lIns="91440" tIns="45720" rIns="91440" bIns="45720" rtlCol="0" anchor="ctr"/>
+          <a:lstStyle>
+            <a:defPPr>
+              <a:defRPr lang="fr-FR"/>
+            </a:defPPr>
+            <a:lvl1pPr marL="0" algn="r" defTabSz="914400" rtl="0" eaLnBrk="1" latinLnBrk="0" hangingPunct="1">
+              <a:defRPr sz="1200" kern="1200">
+                <a:solidFill>
+                  <a:schemeClr val="tx1">
+                    <a:tint val="75000"/>
+                  </a:schemeClr>
+                </a:solidFill>
+                <a:latin typeface="+mn-lt"/>
+                <a:ea typeface="+mn-ea"/>
+                <a:cs typeface="+mn-cs"/>
+              </a:defRPr>
+            </a:lvl1pPr>
+            <a:lvl2pPr marL="457200" algn="l" defTabSz="914400" rtl="0" eaLnBrk="1" latinLnBrk="0" hangingPunct="1">
+              <a:defRPr sz="1800" kern="1200">
+                <a:solidFill>
+                  <a:schemeClr val="tx1"/>
+                </a:solidFill>
+                <a:latin typeface="+mn-lt"/>
+                <a:ea typeface="+mn-ea"/>
+                <a:cs typeface="+mn-cs"/>
+              </a:defRPr>
+            </a:lvl2pPr>
+            <a:lvl3pPr marL="914400" algn="l" defTabSz="914400" rtl="0" eaLnBrk="1" latinLnBrk="0" hangingPunct="1">
+              <a:defRPr sz="1800" kern="1200">
+                <a:solidFill>
+                  <a:schemeClr val="tx1"/>
+                </a:solidFill>
+                <a:latin typeface="+mn-lt"/>
+                <a:ea typeface="+mn-ea"/>
+                <a:cs typeface="+mn-cs"/>
+              </a:defRPr>
+            </a:lvl3pPr>
+            <a:lvl4pPr marL="1371600" algn="l" defTabSz="914400" rtl="0" eaLnBrk="1" latinLnBrk="0" hangingPunct="1">
+              <a:defRPr sz="1800" kern="1200">
+                <a:solidFill>
+                  <a:schemeClr val="tx1"/>
+                </a:solidFill>
+                <a:latin typeface="+mn-lt"/>
+                <a:ea typeface="+mn-ea"/>
+                <a:cs typeface="+mn-cs"/>
+              </a:defRPr>
+            </a:lvl4pPr>
+            <a:lvl5pPr marL="1828800" algn="l" defTabSz="914400" rtl="0" eaLnBrk="1" latinLnBrk="0" hangingPunct="1">
+              <a:defRPr sz="1800" kern="1200">
+                <a:solidFill>
+                  <a:schemeClr val="tx1"/>
+                </a:solidFill>
+                <a:latin typeface="+mn-lt"/>
+                <a:ea typeface="+mn-ea"/>
+                <a:cs typeface="+mn-cs"/>
+              </a:defRPr>
+            </a:lvl5pPr>
+            <a:lvl6pPr marL="2286000" algn="l" defTabSz="914400" rtl="0" eaLnBrk="1" latinLnBrk="0" hangingPunct="1">
+              <a:defRPr sz="1800" kern="1200">
+                <a:solidFill>
+                  <a:schemeClr val="tx1"/>
+                </a:solidFill>
+                <a:latin typeface="+mn-lt"/>
+                <a:ea typeface="+mn-ea"/>
+                <a:cs typeface="+mn-cs"/>
+              </a:defRPr>
+            </a:lvl6pPr>
+            <a:lvl7pPr marL="2743200" algn="l" defTabSz="914400" rtl="0" eaLnBrk="1" latinLnBrk="0" hangingPunct="1">
+              <a:defRPr sz="1800" kern="1200">
+                <a:solidFill>
+                  <a:schemeClr val="tx1"/>
+                </a:solidFill>
+                <a:latin typeface="+mn-lt"/>
+                <a:ea typeface="+mn-ea"/>
+                <a:cs typeface="+mn-cs"/>
+              </a:defRPr>
+            </a:lvl7pPr>
+            <a:lvl8pPr marL="3200400" algn="l" defTabSz="914400" rtl="0" eaLnBrk="1" latinLnBrk="0" hangingPunct="1">
+              <a:defRPr sz="1800" kern="1200">
+                <a:solidFill>
+                  <a:schemeClr val="tx1"/>
+                </a:solidFill>
+                <a:latin typeface="+mn-lt"/>
+                <a:ea typeface="+mn-ea"/>
+                <a:cs typeface="+mn-cs"/>
+              </a:defRPr>
+            </a:lvl8pPr>
+            <a:lvl9pPr marL="3657600" algn="l" defTabSz="914400" rtl="0" eaLnBrk="1" latinLnBrk="0" hangingPunct="1">
+              <a:defRPr sz="1800" kern="1200">
+                <a:solidFill>
+                  <a:schemeClr val="tx1"/>
+                </a:solidFill>
+                <a:latin typeface="+mn-lt"/>
+                <a:ea typeface="+mn-ea"/>
+                <a:cs typeface="+mn-cs"/>
+              </a:defRPr>
+            </a:lvl9pPr>
+          </a:lstStyle>
+          <a:p>
+            <a:fld id="{EDA4C233-F16D-4FA8-AC9B-61C6F55E69AB}" type="slidenum">
+              <a:rPr lang="fr-FR" smtClean="0"/>
+              <a:pPr/>
+              <a:t>12</a:t>
+            </a:fld>
+            <a:endParaRPr lang="fr-FR" dirty="0"/>
+          </a:p>
+        </p:txBody>
+      </p:sp>
+      <p:sp>
+        <p:nvSpPr>
+          <p:cNvPr id="14" name="ZoneTexte 13"/>
+          <p:cNvSpPr txBox="1"/>
+          <p:nvPr/>
+        </p:nvSpPr>
+        <p:spPr>
+          <a:xfrm>
+            <a:off x="2884612" y="2251030"/>
+            <a:ext cx="3374776" cy="461665"/>
+          </a:xfrm>
+          <a:prstGeom prst="rect">
+            <a:avLst/>
+          </a:prstGeom>
+          <a:noFill/>
+        </p:spPr>
+        <p:txBody>
+          <a:bodyPr wrap="square" rtlCol="0">
+            <a:spAutoFit/>
+          </a:bodyPr>
+          <a:lstStyle/>
+          <a:p>
+            <a:pPr algn="ctr"/>
+            <a:r>
+              <a:rPr lang="fr-FR" sz="2400" dirty="0" smtClean="0">
+                <a:solidFill>
+                  <a:srgbClr val="00A7AA"/>
+                </a:solidFill>
+                <a:latin typeface="+mj-lt"/>
+              </a:rPr>
+              <a:t>Partage </a:t>
+            </a:r>
+            <a:r>
+              <a:rPr lang="fr-FR" sz="2400" dirty="0" smtClean="0">
+                <a:solidFill>
+                  <a:srgbClr val="0563B8"/>
+                </a:solidFill>
+                <a:latin typeface="+mj-lt"/>
+              </a:rPr>
+              <a:t>d’information</a:t>
+            </a:r>
+            <a:endParaRPr lang="fr-FR" sz="2400" dirty="0" smtClean="0">
+              <a:solidFill>
+                <a:srgbClr val="0563B8"/>
+              </a:solidFill>
+              <a:latin typeface="+mj-lt"/>
+            </a:endParaRPr>
+          </a:p>
+        </p:txBody>
+      </p:sp>
+      <p:sp>
+        <p:nvSpPr>
+          <p:cNvPr id="21" name="ZoneTexte 20"/>
+          <p:cNvSpPr txBox="1"/>
+          <p:nvPr/>
+        </p:nvSpPr>
+        <p:spPr>
+          <a:xfrm>
+            <a:off x="2836032" y="3543399"/>
+            <a:ext cx="3471936" cy="461665"/>
+          </a:xfrm>
+          <a:prstGeom prst="rect">
+            <a:avLst/>
+          </a:prstGeom>
+          <a:noFill/>
+        </p:spPr>
+        <p:txBody>
+          <a:bodyPr wrap="square" rtlCol="0">
+            <a:spAutoFit/>
+          </a:bodyPr>
+          <a:lstStyle/>
+          <a:p>
+            <a:pPr algn="ctr"/>
+            <a:r>
+              <a:rPr lang="fr-FR" sz="2400" dirty="0" smtClean="0">
+                <a:solidFill>
+                  <a:srgbClr val="00A7AA"/>
+                </a:solidFill>
+                <a:latin typeface="+mj-lt"/>
+              </a:rPr>
+              <a:t>Travail</a:t>
+            </a:r>
+            <a:r>
+              <a:rPr lang="fr-FR" sz="2400" dirty="0" smtClean="0">
+                <a:solidFill>
+                  <a:srgbClr val="0563B8"/>
+                </a:solidFill>
+                <a:latin typeface="+mj-lt"/>
+              </a:rPr>
+              <a:t> collaboratif</a:t>
+            </a:r>
+            <a:endParaRPr lang="fr-FR" sz="2400" dirty="0" smtClean="0">
+              <a:solidFill>
+                <a:srgbClr val="0563B8"/>
+              </a:solidFill>
+              <a:latin typeface="+mj-lt"/>
+            </a:endParaRPr>
+          </a:p>
+        </p:txBody>
+      </p:sp>
+      <p:sp>
+        <p:nvSpPr>
+          <p:cNvPr id="22" name="ZoneTexte 21"/>
+          <p:cNvSpPr txBox="1"/>
+          <p:nvPr/>
+        </p:nvSpPr>
+        <p:spPr>
+          <a:xfrm>
+            <a:off x="2699793" y="4839543"/>
+            <a:ext cx="3744415" cy="461665"/>
+          </a:xfrm>
+          <a:prstGeom prst="rect">
+            <a:avLst/>
+          </a:prstGeom>
+          <a:noFill/>
+        </p:spPr>
+        <p:txBody>
+          <a:bodyPr wrap="square" rtlCol="0">
+            <a:spAutoFit/>
+          </a:bodyPr>
+          <a:lstStyle/>
+          <a:p>
+            <a:pPr algn="ctr"/>
+            <a:r>
+              <a:rPr lang="fr-FR" sz="2400" dirty="0" smtClean="0">
+                <a:solidFill>
+                  <a:srgbClr val="00A7AA"/>
+                </a:solidFill>
+                <a:latin typeface="+mj-lt"/>
+              </a:rPr>
+              <a:t>Regroupement </a:t>
+            </a:r>
+            <a:r>
+              <a:rPr lang="fr-FR" sz="2400" dirty="0" smtClean="0">
+                <a:solidFill>
+                  <a:srgbClr val="0563B8"/>
+                </a:solidFill>
+                <a:latin typeface="+mj-lt"/>
+              </a:rPr>
+              <a:t>d’articles</a:t>
+            </a:r>
+            <a:endParaRPr lang="fr-FR" sz="2400" dirty="0" smtClean="0">
+              <a:solidFill>
+                <a:srgbClr val="0563B8"/>
+              </a:solidFill>
+              <a:latin typeface="+mj-lt"/>
+            </a:endParaRPr>
+          </a:p>
+        </p:txBody>
+      </p:sp>
     </p:spTree>
     <p:extLst>
       <p:ext uri="{BB962C8B-B14F-4D97-AF65-F5344CB8AC3E}">
-        <p14:creationId xmlns:p14="http://schemas.microsoft.com/office/powerpoint/2010/main" val="2845588243"/>
+        <p14:creationId xmlns:p14="http://schemas.microsoft.com/office/powerpoint/2010/main" val="192006175"/>
       </p:ext>
     </p:extLst>
   </p:cSld>
@@ -5557,22 +6257,22 @@
           <a:p>
             <a:pPr algn="l"/>
             <a:r>
-              <a:rPr lang="fr-FR" sz="3200" dirty="0" smtClean="0">
+              <a:rPr lang="fr-FR" sz="3200" dirty="0">
                 <a:solidFill>
                   <a:srgbClr val="0563B8"/>
                 </a:solidFill>
                 <a:latin typeface="Montserrat" panose="02000505000000020004" pitchFamily="2" charset="0"/>
               </a:rPr>
-              <a:t>Gestion des </a:t>
-            </a:r>
-            <a:r>
-              <a:rPr lang="fr-FR" sz="3200" dirty="0" smtClean="0">
+              <a:t>Espace </a:t>
+            </a:r>
+            <a:r>
+              <a:rPr lang="fr-FR" sz="3200" dirty="0">
                 <a:solidFill>
                   <a:srgbClr val="00A7AA"/>
                 </a:solidFill>
                 <a:latin typeface="Montserrat" panose="02000505000000020004" pitchFamily="2" charset="0"/>
               </a:rPr>
-              <a:t>utilisateurs</a:t>
+              <a:t>collaboratif</a:t>
             </a:r>
             <a:endParaRPr lang="fr-FR" sz="3200" dirty="0">
               <a:solidFill>
@@ -5607,7 +6307,7 @@
         <p:spPr bwMode="auto">
           <a:xfrm>
             <a:off x="611560" y="1556792"/>
-            <a:ext cx="7888754" cy="4608512"/>
+            <a:ext cx="7632848" cy="4459015"/>
           </a:xfrm>
           <a:prstGeom prst="rect">
             <a:avLst/>
@@ -5652,6 +6352,79 @@
           </a:p>
         </p:txBody>
       </p:sp>
+      <p:sp>
+        <p:nvSpPr>
+          <p:cNvPr id="5" name="Rectangle 4"/>
+          <p:cNvSpPr/>
+          <p:nvPr/>
+        </p:nvSpPr>
+        <p:spPr>
+          <a:xfrm>
+            <a:off x="3275581" y="6300028"/>
+            <a:ext cx="2952603" cy="369332"/>
+          </a:xfrm>
+          <a:prstGeom prst="rect">
+            <a:avLst/>
+          </a:prstGeom>
+        </p:spPr>
+        <p:txBody>
+          <a:bodyPr wrap="none">
+            <a:spAutoFit/>
+          </a:bodyPr>
+          <a:lstStyle/>
+          <a:p>
+            <a:pPr algn="ctr" fontAlgn="base"/>
+            <a:r>
+              <a:rPr lang="fr-FR" dirty="0" smtClean="0">
+                <a:solidFill>
+                  <a:srgbClr val="0563B8"/>
+                </a:solidFill>
+              </a:rPr>
+              <a:t>Ordonnancement des articles</a:t>
+            </a:r>
+            <a:endParaRPr lang="fr-FR" dirty="0">
+              <a:solidFill>
+                <a:srgbClr val="0563B8"/>
+              </a:solidFill>
+            </a:endParaRPr>
+          </a:p>
+        </p:txBody>
+      </p:sp>
+      <p:cxnSp>
+        <p:nvCxnSpPr>
+          <p:cNvPr id="6" name="Connecteur droit 5"/>
+          <p:cNvCxnSpPr/>
+          <p:nvPr/>
+        </p:nvCxnSpPr>
+        <p:spPr>
+          <a:xfrm>
+            <a:off x="4703622" y="5589240"/>
+            <a:ext cx="0" cy="662774"/>
+          </a:xfrm>
+          <a:prstGeom prst="line">
+            <a:avLst/>
+          </a:prstGeom>
+          <a:ln w="28575">
+            <a:solidFill>
+              <a:srgbClr val="0563B8"/>
+            </a:solidFill>
+          </a:ln>
+        </p:spPr>
+        <p:style>
+          <a:lnRef idx="1">
+            <a:schemeClr val="accent1"/>
+          </a:lnRef>
+          <a:fillRef idx="0">
+            <a:schemeClr val="accent1"/>
+          </a:fillRef>
+          <a:effectRef idx="0">
+            <a:schemeClr val="accent1"/>
+          </a:effectRef>
+          <a:fontRef idx="minor">
+            <a:schemeClr val="tx1"/>
+          </a:fontRef>
+        </p:style>
+      </p:cxnSp>
     </p:spTree>
     <p:extLst>
       <p:ext uri="{BB962C8B-B14F-4D97-AF65-F5344CB8AC3E}">
@@ -5691,45 +6464,62 @@
       </p:grpSpPr>
       <p:sp>
         <p:nvSpPr>
-          <p:cNvPr id="2" name="Titre 1"/>
-          <p:cNvSpPr>
-            <a:spLocks noGrp="1"/>
+          <p:cNvPr id="14" name="Titre 1"/>
+          <p:cNvSpPr txBox="1">
+            <a:spLocks/>
           </p:cNvSpPr>
-          <p:nvPr>
-            <p:ph type="title"/>
-          </p:nvPr>
+          <p:nvPr/>
         </p:nvSpPr>
         <p:spPr>
           <a:xfrm>
-            <a:off x="457200" y="2857500"/>
-            <a:ext cx="8229600" cy="1143000"/>
-          </a:xfrm>
-        </p:spPr>
-        <p:txBody>
-          <a:bodyPr>
+            <a:off x="251520" y="116632"/>
+            <a:ext cx="6624736" cy="1080120"/>
+          </a:xfrm>
+          <a:prstGeom prst="rect">
+            <a:avLst/>
+          </a:prstGeom>
+        </p:spPr>
+        <p:txBody>
+          <a:bodyPr vert="horz" lIns="91440" tIns="45720" rIns="91440" bIns="45720" rtlCol="0" anchor="ctr">
             <a:normAutofit/>
           </a:bodyPr>
-          <a:lstStyle/>
-          <a:p>
-            <a:r>
-              <a:rPr lang="fr-FR" dirty="0" smtClean="0">
+          <a:lstStyle>
+            <a:lvl1pPr algn="ctr" defTabSz="914400" rtl="0" eaLnBrk="1" latinLnBrk="0" hangingPunct="1">
+              <a:spcBef>
+                <a:spcPct val="0"/>
+              </a:spcBef>
+              <a:buNone/>
+              <a:defRPr sz="4400" kern="1200">
+                <a:solidFill>
+                  <a:schemeClr val="tx1"/>
+                </a:solidFill>
+                <a:latin typeface="+mj-lt"/>
+                <a:ea typeface="+mj-ea"/>
+                <a:cs typeface="+mj-cs"/>
+              </a:defRPr>
+            </a:lvl1pPr>
+          </a:lstStyle>
+          <a:p>
+            <a:pPr algn="l"/>
+            <a:r>
+              <a:rPr lang="fr-FR" sz="3200" dirty="0">
                 <a:solidFill>
                   <a:srgbClr val="0563B8"/>
                 </a:solidFill>
                 <a:latin typeface="Montserrat" panose="02000505000000020004" pitchFamily="2" charset="0"/>
               </a:rPr>
-              <a:t>Architecture </a:t>
-            </a:r>
-            <a:r>
-              <a:rPr lang="fr-FR" dirty="0" smtClean="0">
+              <a:t>Espace </a:t>
+            </a:r>
+            <a:r>
+              <a:rPr lang="fr-FR" sz="3200" dirty="0">
                 <a:solidFill>
                   <a:srgbClr val="00A7AA"/>
                 </a:solidFill>
                 <a:latin typeface="Montserrat" panose="02000505000000020004" pitchFamily="2" charset="0"/>
               </a:rPr>
-              <a:t>logicielle</a:t>
-            </a:r>
-            <a:endParaRPr lang="fr-FR" dirty="0">
+              <a:t>collaboratif</a:t>
+            </a:r>
+            <a:endParaRPr lang="fr-FR" sz="3200" dirty="0">
               <a:solidFill>
                 <a:srgbClr val="00A7AA"/>
               </a:solidFill>
@@ -5738,9 +6528,50 @@
           </a:p>
         </p:txBody>
       </p:sp>
-      <p:sp>
-        <p:nvSpPr>
-          <p:cNvPr id="3" name="Espace réservé du numéro de diapositive 2"/>
+      <p:pic>
+        <p:nvPicPr>
+          <p:cNvPr id="6146" name="Picture 2" descr="https://lh4.googleusercontent.com/cjaxDN0_F1H6Dot-C_KBDT5dgApLN1o3Dxabh-OJEp5MI6uAG2uMjg-zpv8HAdHqt0aQ2RsWNuZpq39l2XcSuaMX7wP3EllNeNfihG92BT9nQuM6VbnFsQS0p8LzXnrtOE7sFGLnqA"/>
+          <p:cNvPicPr>
+            <a:picLocks noChangeAspect="1" noChangeArrowheads="1"/>
+          </p:cNvPicPr>
+          <p:nvPr/>
+        </p:nvPicPr>
+        <p:blipFill>
+          <a:blip r:embed="rId2">
+            <a:extLst>
+              <a:ext uri="{28A0092B-C50C-407E-A947-70E740481C1C}">
+                <a14:useLocalDpi xmlns:a14="http://schemas.microsoft.com/office/drawing/2010/main" val="0"/>
+              </a:ext>
+            </a:extLst>
+          </a:blip>
+          <a:srcRect/>
+          <a:stretch>
+            <a:fillRect/>
+          </a:stretch>
+        </p:blipFill>
+        <p:spPr bwMode="auto">
+          <a:xfrm>
+            <a:off x="3442444" y="2060848"/>
+            <a:ext cx="5594052" cy="3600400"/>
+          </a:xfrm>
+          <a:prstGeom prst="rect">
+            <a:avLst/>
+          </a:prstGeom>
+          <a:noFill/>
+          <a:extLst>
+            <a:ext uri="{909E8E84-426E-40DD-AFC4-6F175D3DCCD1}">
+              <a14:hiddenFill xmlns:a14="http://schemas.microsoft.com/office/drawing/2010/main">
+                <a:solidFill>
+                  <a:srgbClr val="FFFFFF"/>
+                </a:solidFill>
+              </a14:hiddenFill>
+            </a:ext>
+          </a:extLst>
+        </p:spPr>
+      </p:pic>
+      <p:sp>
+        <p:nvSpPr>
+          <p:cNvPr id="4" name="Espace réservé du numéro de diapositive 9"/>
           <p:cNvSpPr>
             <a:spLocks noGrp="1"/>
           </p:cNvSpPr>
@@ -5748,7 +6579,12 @@
             <p:ph type="sldNum" sz="quarter" idx="12"/>
           </p:nvPr>
         </p:nvSpPr>
-        <p:spPr/>
+        <p:spPr>
+          <a:xfrm>
+            <a:off x="6553200" y="6356349"/>
+            <a:ext cx="2133600" cy="365125"/>
+          </a:xfrm>
+        </p:spPr>
         <p:txBody>
           <a:bodyPr/>
           <a:lstStyle/>
@@ -5757,14 +6593,76 @@
               <a:rPr lang="fr-FR" smtClean="0"/>
               <a:t>14</a:t>
             </a:fld>
-            <a:endParaRPr lang="fr-FR"/>
+            <a:endParaRPr lang="fr-FR" dirty="0"/>
+          </a:p>
+        </p:txBody>
+      </p:sp>
+      <p:sp>
+        <p:nvSpPr>
+          <p:cNvPr id="5" name="ZoneTexte 4"/>
+          <p:cNvSpPr txBox="1"/>
+          <p:nvPr/>
+        </p:nvSpPr>
+        <p:spPr>
+          <a:xfrm>
+            <a:off x="119844" y="3164775"/>
+            <a:ext cx="4308140" cy="1200329"/>
+          </a:xfrm>
+          <a:prstGeom prst="rect">
+            <a:avLst/>
+          </a:prstGeom>
+          <a:noFill/>
+        </p:spPr>
+        <p:txBody>
+          <a:bodyPr wrap="square" rtlCol="0">
+            <a:spAutoFit/>
+          </a:bodyPr>
+          <a:lstStyle/>
+          <a:p>
+            <a:pPr fontAlgn="base"/>
+            <a:r>
+              <a:rPr lang="fr-FR" sz="2400" dirty="0" smtClean="0">
+                <a:solidFill>
+                  <a:srgbClr val="0563B8"/>
+                </a:solidFill>
+                <a:latin typeface="+mj-lt"/>
+              </a:rPr>
+              <a:t>Accès aux collaborations</a:t>
+            </a:r>
+          </a:p>
+          <a:p>
+            <a:pPr fontAlgn="base"/>
+            <a:endParaRPr lang="fr-FR" sz="2400" dirty="0" smtClean="0">
+              <a:solidFill>
+                <a:srgbClr val="0563B8"/>
+              </a:solidFill>
+              <a:latin typeface="+mj-lt"/>
+            </a:endParaRPr>
+          </a:p>
+          <a:p>
+            <a:pPr fontAlgn="base"/>
+            <a:r>
+              <a:rPr lang="fr-FR" sz="2400" dirty="0" smtClean="0">
+                <a:solidFill>
+                  <a:srgbClr val="0563B8"/>
+                </a:solidFill>
+                <a:latin typeface="+mj-lt"/>
+              </a:rPr>
+              <a:t>Articles favoris</a:t>
+            </a:r>
+            <a:endParaRPr lang="fr-FR" sz="2400" dirty="0" smtClean="0">
+              <a:solidFill>
+                <a:srgbClr val="0563B8"/>
+              </a:solidFill>
+              <a:latin typeface="+mj-lt"/>
+            </a:endParaRPr>
           </a:p>
         </p:txBody>
       </p:sp>
     </p:spTree>
     <p:extLst>
       <p:ext uri="{BB962C8B-B14F-4D97-AF65-F5344CB8AC3E}">
-        <p14:creationId xmlns:p14="http://schemas.microsoft.com/office/powerpoint/2010/main" val="95946503"/>
+        <p14:creationId xmlns:p14="http://schemas.microsoft.com/office/powerpoint/2010/main" val="2845588243"/>
       </p:ext>
     </p:extLst>
   </p:cSld>
@@ -5800,6 +6698,115 @@
       </p:grpSpPr>
       <p:sp>
         <p:nvSpPr>
+          <p:cNvPr id="2" name="Titre 1"/>
+          <p:cNvSpPr>
+            <a:spLocks noGrp="1"/>
+          </p:cNvSpPr>
+          <p:nvPr>
+            <p:ph type="title"/>
+          </p:nvPr>
+        </p:nvSpPr>
+        <p:spPr>
+          <a:xfrm>
+            <a:off x="457200" y="2857500"/>
+            <a:ext cx="8229600" cy="1143000"/>
+          </a:xfrm>
+        </p:spPr>
+        <p:txBody>
+          <a:bodyPr>
+            <a:normAutofit/>
+          </a:bodyPr>
+          <a:lstStyle/>
+          <a:p>
+            <a:r>
+              <a:rPr lang="fr-FR" dirty="0" smtClean="0">
+                <a:solidFill>
+                  <a:srgbClr val="0563B8"/>
+                </a:solidFill>
+                <a:latin typeface="Montserrat" panose="02000505000000020004" pitchFamily="2" charset="0"/>
+              </a:rPr>
+              <a:t>Architecture </a:t>
+            </a:r>
+            <a:r>
+              <a:rPr lang="fr-FR" dirty="0" smtClean="0">
+                <a:solidFill>
+                  <a:srgbClr val="00A7AA"/>
+                </a:solidFill>
+                <a:latin typeface="Montserrat" panose="02000505000000020004" pitchFamily="2" charset="0"/>
+              </a:rPr>
+              <a:t>logicielle</a:t>
+            </a:r>
+            <a:endParaRPr lang="fr-FR" dirty="0">
+              <a:solidFill>
+                <a:srgbClr val="00A7AA"/>
+              </a:solidFill>
+              <a:latin typeface="Montserrat" panose="02000505000000020004" pitchFamily="2" charset="0"/>
+            </a:endParaRPr>
+          </a:p>
+        </p:txBody>
+      </p:sp>
+      <p:sp>
+        <p:nvSpPr>
+          <p:cNvPr id="3" name="Espace réservé du numéro de diapositive 2"/>
+          <p:cNvSpPr>
+            <a:spLocks noGrp="1"/>
+          </p:cNvSpPr>
+          <p:nvPr>
+            <p:ph type="sldNum" sz="quarter" idx="12"/>
+          </p:nvPr>
+        </p:nvSpPr>
+        <p:spPr/>
+        <p:txBody>
+          <a:bodyPr/>
+          <a:lstStyle/>
+          <a:p>
+            <a:fld id="{EDA4C233-F16D-4FA8-AC9B-61C6F55E69AB}" type="slidenum">
+              <a:rPr lang="fr-FR" smtClean="0"/>
+              <a:t>15</a:t>
+            </a:fld>
+            <a:endParaRPr lang="fr-FR"/>
+          </a:p>
+        </p:txBody>
+      </p:sp>
+    </p:spTree>
+    <p:extLst>
+      <p:ext uri="{BB962C8B-B14F-4D97-AF65-F5344CB8AC3E}">
+        <p14:creationId xmlns:p14="http://schemas.microsoft.com/office/powerpoint/2010/main" val="95946503"/>
+      </p:ext>
+    </p:extLst>
+  </p:cSld>
+  <p:clrMapOvr>
+    <a:masterClrMapping/>
+  </p:clrMapOvr>
+  <p:timing>
+    <p:tnLst>
+      <p:par>
+        <p:cTn id="1" dur="indefinite" restart="never" nodeType="tmRoot"/>
+      </p:par>
+    </p:tnLst>
+  </p:timing>
+</p:sld>
+</file>
+
+<file path=ppt/slides/slide16.xml><?xml version="1.0" encoding="utf-8"?>
+<p:sld xmlns:a="http://schemas.openxmlformats.org/drawingml/2006/main" xmlns:r="http://schemas.openxmlformats.org/officeDocument/2006/relationships" xmlns:p="http://schemas.openxmlformats.org/presentationml/2006/main">
+  <p:cSld>
+    <p:spTree>
+      <p:nvGrpSpPr>
+        <p:cNvPr id="1" name=""/>
+        <p:cNvGrpSpPr/>
+        <p:nvPr/>
+      </p:nvGrpSpPr>
+      <p:grpSpPr>
+        <a:xfrm>
+          <a:off x="0" y="0"/>
+          <a:ext cx="0" cy="0"/>
+          <a:chOff x="0" y="0"/>
+          <a:chExt cx="0" cy="0"/>
+        </a:xfrm>
+      </p:grpSpPr>
+      <p:sp>
+        <p:nvSpPr>
           <p:cNvPr id="5" name="Espace réservé du numéro de diapositive 3"/>
           <p:cNvSpPr>
             <a:spLocks noGrp="1"/>
@@ -5820,7 +6827,7 @@
           <a:p>
             <a:fld id="{EDA4C233-F16D-4FA8-AC9B-61C6F55E69AB}" type="slidenum">
               <a:rPr lang="fr-FR" smtClean="0"/>
-              <a:t>15</a:t>
+              <a:t>16</a:t>
             </a:fld>
             <a:endParaRPr lang="fr-FR"/>
           </a:p>
@@ -5920,21 +6927,21 @@
                 <a:gridCol w="2760307">
                   <a:extLst>
                     <a:ext uri="{9D8B030D-6E8A-4147-A177-3AD203B41FA5}">
-                      <a16:colId xmlns="" xmlns:a16="http://schemas.microsoft.com/office/drawing/2014/main" val="20000"/>
+                      <a16:colId xmlns:a16="http://schemas.microsoft.com/office/drawing/2014/main" xmlns="" val="20000"/>
                     </a:ext>
                   </a:extLst>
                 </a:gridCol>
                 <a:gridCol w="2760307">
                   <a:extLst>
                     <a:ext uri="{9D8B030D-6E8A-4147-A177-3AD203B41FA5}">
-                      <a16:colId xmlns="" xmlns:a16="http://schemas.microsoft.com/office/drawing/2014/main" val="20001"/>
+                      <a16:colId xmlns:a16="http://schemas.microsoft.com/office/drawing/2014/main" xmlns="" val="20001"/>
                     </a:ext>
                   </a:extLst>
                 </a:gridCol>
                 <a:gridCol w="2760307">
                   <a:extLst>
                     <a:ext uri="{9D8B030D-6E8A-4147-A177-3AD203B41FA5}">
-                      <a16:colId xmlns="" xmlns:a16="http://schemas.microsoft.com/office/drawing/2014/main" val="20002"/>
+                      <a16:colId xmlns:a16="http://schemas.microsoft.com/office/drawing/2014/main" xmlns="" val="20002"/>
                     </a:ext>
                   </a:extLst>
                 </a:gridCol>
@@ -6146,7 +7153,7 @@
                 </a:tc>
                 <a:extLst>
                   <a:ext uri="{0D108BD9-81ED-4DB2-BD59-A6C34878D82A}">
-                    <a16:rowId xmlns="" xmlns:a16="http://schemas.microsoft.com/office/drawing/2014/main" val="10000"/>
+                    <a16:rowId xmlns:a16="http://schemas.microsoft.com/office/drawing/2014/main" xmlns="" val="10000"/>
                   </a:ext>
                 </a:extLst>
               </a:tr>
@@ -6462,7 +7469,7 @@
                 </a:tc>
                 <a:extLst>
                   <a:ext uri="{0D108BD9-81ED-4DB2-BD59-A6C34878D82A}">
-                    <a16:rowId xmlns="" xmlns:a16="http://schemas.microsoft.com/office/drawing/2014/main" val="10001"/>
+                    <a16:rowId xmlns:a16="http://schemas.microsoft.com/office/drawing/2014/main" xmlns="" val="10001"/>
                   </a:ext>
                 </a:extLst>
               </a:tr>
@@ -6728,7 +7735,7 @@
                 </a:tc>
                 <a:extLst>
                   <a:ext uri="{0D108BD9-81ED-4DB2-BD59-A6C34878D82A}">
-                    <a16:rowId xmlns="" xmlns:a16="http://schemas.microsoft.com/office/drawing/2014/main" val="10002"/>
+                    <a16:rowId xmlns:a16="http://schemas.microsoft.com/office/drawing/2014/main" xmlns="" val="10002"/>
                   </a:ext>
                 </a:extLst>
               </a:tr>
@@ -7030,7 +8037,7 @@
                 </a:tc>
                 <a:extLst>
                   <a:ext uri="{0D108BD9-81ED-4DB2-BD59-A6C34878D82A}">
-                    <a16:rowId xmlns="" xmlns:a16="http://schemas.microsoft.com/office/drawing/2014/main" val="3645567969"/>
+                    <a16:rowId xmlns:a16="http://schemas.microsoft.com/office/drawing/2014/main" xmlns="" val="3645567969"/>
                   </a:ext>
                 </a:extLst>
               </a:tr>
@@ -7270,7 +8277,7 @@
 </p:sld>
 </file>
 
-<file path=ppt/slides/slide16.xml><?xml version="1.0" encoding="utf-8"?>
+<file path=ppt/slides/slide17.xml><?xml version="1.0" encoding="utf-8"?>
 <p:sld xmlns:a="http://schemas.openxmlformats.org/drawingml/2006/main" xmlns:r="http://schemas.openxmlformats.org/officeDocument/2006/relationships" xmlns:p="http://schemas.openxmlformats.org/presentationml/2006/main">
   <p:cSld>
     <p:spTree>
@@ -8508,7 +9515,7 @@
 </p:sld>
 </file>
 
-<file path=ppt/slides/slide17.xml><?xml version="1.0" encoding="utf-8"?>
+<file path=ppt/slides/slide18.xml><?xml version="1.0" encoding="utf-8"?>
 <p:sld xmlns:a="http://schemas.openxmlformats.org/drawingml/2006/main" xmlns:r="http://schemas.openxmlformats.org/officeDocument/2006/relationships" xmlns:p="http://schemas.openxmlformats.org/presentationml/2006/main">
   <p:cSld>
     <p:spTree>
@@ -10069,7 +11076,7 @@
 </p:sld>
 </file>
 
-<file path=ppt/slides/slide18.xml><?xml version="1.0" encoding="utf-8"?>
+<file path=ppt/slides/slide19.xml><?xml version="1.0" encoding="utf-8"?>
 <p:sld xmlns:a="http://schemas.openxmlformats.org/drawingml/2006/main" xmlns:r="http://schemas.openxmlformats.org/officeDocument/2006/relationships" xmlns:p="http://schemas.openxmlformats.org/presentationml/2006/main">
   <p:cSld>
     <p:spTree>
@@ -10394,7 +11401,1084 @@
 </p:sld>
 </file>
 
-<file path=ppt/slides/slide19.xml><?xml version="1.0" encoding="utf-8"?>
+<file path=ppt/slides/slide2.xml><?xml version="1.0" encoding="utf-8"?>
+<p:sld xmlns:a="http://schemas.openxmlformats.org/drawingml/2006/main" xmlns:r="http://schemas.openxmlformats.org/officeDocument/2006/relationships" xmlns:p="http://schemas.openxmlformats.org/presentationml/2006/main">
+  <p:cSld>
+    <p:spTree>
+      <p:nvGrpSpPr>
+        <p:cNvPr id="1" name=""/>
+        <p:cNvGrpSpPr/>
+        <p:nvPr/>
+      </p:nvGrpSpPr>
+      <p:grpSpPr>
+        <a:xfrm>
+          <a:off x="0" y="0"/>
+          <a:ext cx="0" cy="0"/>
+          <a:chOff x="0" y="0"/>
+          <a:chExt cx="0" cy="0"/>
+        </a:xfrm>
+      </p:grpSpPr>
+      <p:sp>
+        <p:nvSpPr>
+          <p:cNvPr id="3" name="AutoShape 2" descr="https://gitlab.insa-rennes.fr/francois-boschet/gutemberg/raw/master/report/2_spec/figures/consultation.png"/>
+          <p:cNvSpPr>
+            <a:spLocks noChangeAspect="1" noChangeArrowheads="1"/>
+          </p:cNvSpPr>
+          <p:nvPr/>
+        </p:nvSpPr>
+        <p:spPr bwMode="auto">
+          <a:xfrm>
+            <a:off x="155575" y="-144463"/>
+            <a:ext cx="304800" cy="304801"/>
+          </a:xfrm>
+          <a:prstGeom prst="rect">
+            <a:avLst/>
+          </a:prstGeom>
+          <a:noFill/>
+          <a:extLst>
+            <a:ext uri="{909E8E84-426E-40DD-AFC4-6F175D3DCCD1}">
+              <a14:hiddenFill xmlns:a14="http://schemas.microsoft.com/office/drawing/2010/main">
+                <a:solidFill>
+                  <a:srgbClr val="FFFFFF"/>
+                </a:solidFill>
+              </a14:hiddenFill>
+            </a:ext>
+          </a:extLst>
+        </p:spPr>
+        <p:txBody>
+          <a:bodyPr vert="horz" wrap="square" lIns="91440" tIns="45720" rIns="91440" bIns="45720" numCol="1" anchor="t" anchorCtr="0" compatLnSpc="1">
+            <a:prstTxWarp prst="textNoShape">
+              <a:avLst/>
+            </a:prstTxWarp>
+          </a:bodyPr>
+          <a:lstStyle/>
+          <a:p>
+            <a:endParaRPr lang="fr-FR"/>
+          </a:p>
+        </p:txBody>
+      </p:sp>
+      <p:sp>
+        <p:nvSpPr>
+          <p:cNvPr id="4" name="AutoShape 4" descr="https://gitlab.insa-rennes.fr/francois-boschet/gutemberg/raw/master/report/2_spec/figures/consultation.png"/>
+          <p:cNvSpPr>
+            <a:spLocks noChangeAspect="1" noChangeArrowheads="1"/>
+          </p:cNvSpPr>
+          <p:nvPr/>
+        </p:nvSpPr>
+        <p:spPr bwMode="auto">
+          <a:xfrm>
+            <a:off x="307975" y="7937"/>
+            <a:ext cx="304800" cy="304801"/>
+          </a:xfrm>
+          <a:prstGeom prst="rect">
+            <a:avLst/>
+          </a:prstGeom>
+          <a:noFill/>
+          <a:extLst>
+            <a:ext uri="{909E8E84-426E-40DD-AFC4-6F175D3DCCD1}">
+              <a14:hiddenFill xmlns:a14="http://schemas.microsoft.com/office/drawing/2010/main">
+                <a:solidFill>
+                  <a:srgbClr val="FFFFFF"/>
+                </a:solidFill>
+              </a14:hiddenFill>
+            </a:ext>
+          </a:extLst>
+        </p:spPr>
+        <p:txBody>
+          <a:bodyPr vert="horz" wrap="square" lIns="91440" tIns="45720" rIns="91440" bIns="45720" numCol="1" anchor="t" anchorCtr="0" compatLnSpc="1">
+            <a:prstTxWarp prst="textNoShape">
+              <a:avLst/>
+            </a:prstTxWarp>
+          </a:bodyPr>
+          <a:lstStyle/>
+          <a:p>
+            <a:endParaRPr lang="fr-FR"/>
+          </a:p>
+        </p:txBody>
+      </p:sp>
+      <p:sp>
+        <p:nvSpPr>
+          <p:cNvPr id="5" name="AutoShape 2" descr="https://projet4.mybalsamiq.com/projects/spec/Consultation%20de%20documents.jpeg?version=9&amp;etag=XHJ8gpGTqtyLpFShCJ6oeFfWCMF_NOhr"/>
+          <p:cNvSpPr>
+            <a:spLocks noChangeAspect="1" noChangeArrowheads="1"/>
+          </p:cNvSpPr>
+          <p:nvPr/>
+        </p:nvSpPr>
+        <p:spPr bwMode="auto">
+          <a:xfrm>
+            <a:off x="460375" y="160337"/>
+            <a:ext cx="304800" cy="304801"/>
+          </a:xfrm>
+          <a:prstGeom prst="rect">
+            <a:avLst/>
+          </a:prstGeom>
+          <a:noFill/>
+          <a:extLst>
+            <a:ext uri="{909E8E84-426E-40DD-AFC4-6F175D3DCCD1}">
+              <a14:hiddenFill xmlns:a14="http://schemas.microsoft.com/office/drawing/2010/main">
+                <a:solidFill>
+                  <a:srgbClr val="FFFFFF"/>
+                </a:solidFill>
+              </a14:hiddenFill>
+            </a:ext>
+          </a:extLst>
+        </p:spPr>
+        <p:txBody>
+          <a:bodyPr vert="horz" wrap="square" lIns="91440" tIns="45720" rIns="91440" bIns="45720" numCol="1" anchor="t" anchorCtr="0" compatLnSpc="1">
+            <a:prstTxWarp prst="textNoShape">
+              <a:avLst/>
+            </a:prstTxWarp>
+          </a:bodyPr>
+          <a:lstStyle/>
+          <a:p>
+            <a:endParaRPr lang="fr-FR"/>
+          </a:p>
+        </p:txBody>
+      </p:sp>
+      <p:sp>
+        <p:nvSpPr>
+          <p:cNvPr id="6" name="AutoShape 4" descr="https://projet4.mybalsamiq.com/projects/spec/Consultation%20de%20documents.jpeg?version=9&amp;etag=XHJ8gpGTqtyLpFShCJ6oeFfWCMF_NOhr"/>
+          <p:cNvSpPr>
+            <a:spLocks noChangeAspect="1" noChangeArrowheads="1"/>
+          </p:cNvSpPr>
+          <p:nvPr/>
+        </p:nvSpPr>
+        <p:spPr bwMode="auto">
+          <a:xfrm>
+            <a:off x="612775" y="312737"/>
+            <a:ext cx="304800" cy="304801"/>
+          </a:xfrm>
+          <a:prstGeom prst="rect">
+            <a:avLst/>
+          </a:prstGeom>
+          <a:noFill/>
+          <a:extLst>
+            <a:ext uri="{909E8E84-426E-40DD-AFC4-6F175D3DCCD1}">
+              <a14:hiddenFill xmlns:a14="http://schemas.microsoft.com/office/drawing/2010/main">
+                <a:solidFill>
+                  <a:srgbClr val="FFFFFF"/>
+                </a:solidFill>
+              </a14:hiddenFill>
+            </a:ext>
+          </a:extLst>
+        </p:spPr>
+        <p:txBody>
+          <a:bodyPr vert="horz" wrap="square" lIns="91440" tIns="45720" rIns="91440" bIns="45720" numCol="1" anchor="t" anchorCtr="0" compatLnSpc="1">
+            <a:prstTxWarp prst="textNoShape">
+              <a:avLst/>
+            </a:prstTxWarp>
+          </a:bodyPr>
+          <a:lstStyle/>
+          <a:p>
+            <a:endParaRPr lang="fr-FR"/>
+          </a:p>
+        </p:txBody>
+      </p:sp>
+      <p:sp>
+        <p:nvSpPr>
+          <p:cNvPr id="7" name="AutoShape 6" descr="https://projet4.mybalsamiq.com/projects/spec/Consultation%20de%20documents.jpeg?version=9&amp;etag=XHJ8gpGTqtyLpFShCJ6oeFfWCMF_NOhr"/>
+          <p:cNvSpPr>
+            <a:spLocks noChangeAspect="1" noChangeArrowheads="1"/>
+          </p:cNvSpPr>
+          <p:nvPr/>
+        </p:nvSpPr>
+        <p:spPr bwMode="auto">
+          <a:xfrm>
+            <a:off x="765175" y="465137"/>
+            <a:ext cx="304800" cy="304801"/>
+          </a:xfrm>
+          <a:prstGeom prst="rect">
+            <a:avLst/>
+          </a:prstGeom>
+          <a:noFill/>
+          <a:extLst>
+            <a:ext uri="{909E8E84-426E-40DD-AFC4-6F175D3DCCD1}">
+              <a14:hiddenFill xmlns:a14="http://schemas.microsoft.com/office/drawing/2010/main">
+                <a:solidFill>
+                  <a:srgbClr val="FFFFFF"/>
+                </a:solidFill>
+              </a14:hiddenFill>
+            </a:ext>
+          </a:extLst>
+        </p:spPr>
+        <p:txBody>
+          <a:bodyPr vert="horz" wrap="square" lIns="91440" tIns="45720" rIns="91440" bIns="45720" numCol="1" anchor="t" anchorCtr="0" compatLnSpc="1">
+            <a:prstTxWarp prst="textNoShape">
+              <a:avLst/>
+            </a:prstTxWarp>
+          </a:bodyPr>
+          <a:lstStyle/>
+          <a:p>
+            <a:endParaRPr lang="fr-FR"/>
+          </a:p>
+        </p:txBody>
+      </p:sp>
+      <p:sp>
+        <p:nvSpPr>
+          <p:cNvPr id="8" name="AutoShape 8" descr="https://projet4.mybalsamiq.com/projects/spec/Consultation%20de%20documents.jpeg?version=9&amp;etag=XHJ8gpGTqtyLpFShCJ6oeFfWCMF_NOhr"/>
+          <p:cNvSpPr>
+            <a:spLocks noChangeAspect="1" noChangeArrowheads="1"/>
+          </p:cNvSpPr>
+          <p:nvPr/>
+        </p:nvSpPr>
+        <p:spPr bwMode="auto">
+          <a:xfrm>
+            <a:off x="917575" y="617537"/>
+            <a:ext cx="304800" cy="304801"/>
+          </a:xfrm>
+          <a:prstGeom prst="rect">
+            <a:avLst/>
+          </a:prstGeom>
+          <a:noFill/>
+          <a:extLst>
+            <a:ext uri="{909E8E84-426E-40DD-AFC4-6F175D3DCCD1}">
+              <a14:hiddenFill xmlns:a14="http://schemas.microsoft.com/office/drawing/2010/main">
+                <a:solidFill>
+                  <a:srgbClr val="FFFFFF"/>
+                </a:solidFill>
+              </a14:hiddenFill>
+            </a:ext>
+          </a:extLst>
+        </p:spPr>
+        <p:txBody>
+          <a:bodyPr vert="horz" wrap="square" lIns="91440" tIns="45720" rIns="91440" bIns="45720" numCol="1" anchor="t" anchorCtr="0" compatLnSpc="1">
+            <a:prstTxWarp prst="textNoShape">
+              <a:avLst/>
+            </a:prstTxWarp>
+          </a:bodyPr>
+          <a:lstStyle/>
+          <a:p>
+            <a:endParaRPr lang="fr-FR"/>
+          </a:p>
+        </p:txBody>
+      </p:sp>
+      <p:sp>
+        <p:nvSpPr>
+          <p:cNvPr id="9" name="AutoShape 10" descr="https://projet4.mybalsamiq.com/projects/spec/Consultation%20de%20documents.jpeg?version=9&amp;etag=XHJ8gpGTqtyLpFShCJ6oeFfWCMF_NOhr"/>
+          <p:cNvSpPr>
+            <a:spLocks noChangeAspect="1" noChangeArrowheads="1"/>
+          </p:cNvSpPr>
+          <p:nvPr/>
+        </p:nvSpPr>
+        <p:spPr bwMode="auto">
+          <a:xfrm>
+            <a:off x="1069975" y="769937"/>
+            <a:ext cx="304800" cy="304801"/>
+          </a:xfrm>
+          <a:prstGeom prst="rect">
+            <a:avLst/>
+          </a:prstGeom>
+          <a:noFill/>
+          <a:extLst>
+            <a:ext uri="{909E8E84-426E-40DD-AFC4-6F175D3DCCD1}">
+              <a14:hiddenFill xmlns:a14="http://schemas.microsoft.com/office/drawing/2010/main">
+                <a:solidFill>
+                  <a:srgbClr val="FFFFFF"/>
+                </a:solidFill>
+              </a14:hiddenFill>
+            </a:ext>
+          </a:extLst>
+        </p:spPr>
+        <p:txBody>
+          <a:bodyPr vert="horz" wrap="square" lIns="91440" tIns="45720" rIns="91440" bIns="45720" numCol="1" anchor="t" anchorCtr="0" compatLnSpc="1">
+            <a:prstTxWarp prst="textNoShape">
+              <a:avLst/>
+            </a:prstTxWarp>
+          </a:bodyPr>
+          <a:lstStyle/>
+          <a:p>
+            <a:endParaRPr lang="fr-FR"/>
+          </a:p>
+        </p:txBody>
+      </p:sp>
+      <p:sp>
+        <p:nvSpPr>
+          <p:cNvPr id="10" name="Espace réservé du numéro de diapositive 9"/>
+          <p:cNvSpPr>
+            <a:spLocks noGrp="1"/>
+          </p:cNvSpPr>
+          <p:nvPr>
+            <p:ph type="sldNum" sz="quarter" idx="12"/>
+          </p:nvPr>
+        </p:nvSpPr>
+        <p:spPr/>
+        <p:txBody>
+          <a:bodyPr/>
+          <a:lstStyle/>
+          <a:p>
+            <a:fld id="{EDA4C233-F16D-4FA8-AC9B-61C6F55E69AB}" type="slidenum">
+              <a:rPr lang="fr-FR" smtClean="0"/>
+              <a:t>2</a:t>
+            </a:fld>
+            <a:endParaRPr lang="fr-FR"/>
+          </a:p>
+        </p:txBody>
+      </p:sp>
+      <p:sp>
+        <p:nvSpPr>
+          <p:cNvPr id="11" name="ZoneTexte 10"/>
+          <p:cNvSpPr txBox="1"/>
+          <p:nvPr/>
+        </p:nvSpPr>
+        <p:spPr>
+          <a:xfrm>
+            <a:off x="574303" y="975499"/>
+            <a:ext cx="6734001" cy="1877437"/>
+          </a:xfrm>
+          <a:prstGeom prst="rect">
+            <a:avLst/>
+          </a:prstGeom>
+          <a:noFill/>
+        </p:spPr>
+        <p:txBody>
+          <a:bodyPr wrap="square" rtlCol="0">
+            <a:spAutoFit/>
+          </a:bodyPr>
+          <a:lstStyle/>
+          <a:p>
+            <a:pPr>
+              <a:lnSpc>
+                <a:spcPct val="200000"/>
+              </a:lnSpc>
+            </a:pPr>
+            <a:r>
+              <a:rPr lang="fr-FR" sz="2800" dirty="0" smtClean="0">
+                <a:solidFill>
+                  <a:srgbClr val="0563B8"/>
+                </a:solidFill>
+                <a:latin typeface="+mj-lt"/>
+              </a:rPr>
+              <a:t>Documents numérisés</a:t>
+            </a:r>
+          </a:p>
+          <a:p>
+            <a:pPr marL="742950" lvl="1" indent="-285750" fontAlgn="base">
+              <a:buFont typeface="Arial" panose="020B0604020202020204" pitchFamily="34" charset="0"/>
+              <a:buChar char="•"/>
+            </a:pPr>
+            <a:r>
+              <a:rPr lang="fr-FR" sz="2000" dirty="0" smtClean="0">
+                <a:solidFill>
+                  <a:srgbClr val="0563B8"/>
+                </a:solidFill>
+                <a:latin typeface="+mj-lt"/>
+              </a:rPr>
+              <a:t>Faciliter l’accès aux </a:t>
+            </a:r>
+            <a:r>
+              <a:rPr lang="fr-FR" sz="2000" dirty="0" smtClean="0">
+                <a:solidFill>
+                  <a:srgbClr val="0563B8"/>
+                </a:solidFill>
+                <a:latin typeface="+mj-lt"/>
+              </a:rPr>
+              <a:t>documents</a:t>
+            </a:r>
+          </a:p>
+          <a:p>
+            <a:pPr marL="742950" lvl="1" indent="-285750" fontAlgn="base">
+              <a:buFont typeface="Arial" panose="020B0604020202020204" pitchFamily="34" charset="0"/>
+              <a:buChar char="•"/>
+            </a:pPr>
+            <a:r>
+              <a:rPr lang="fr-FR" sz="2000" dirty="0" smtClean="0">
+                <a:solidFill>
+                  <a:srgbClr val="0563B8"/>
+                </a:solidFill>
+                <a:latin typeface="+mj-lt"/>
+              </a:rPr>
+              <a:t>Compléter les plateformes existantes : Archives des Yvelines, </a:t>
+            </a:r>
+            <a:r>
+              <a:rPr lang="fr-FR" sz="2000" dirty="0" err="1" smtClean="0">
+                <a:solidFill>
+                  <a:srgbClr val="0563B8"/>
+                </a:solidFill>
+                <a:latin typeface="+mj-lt"/>
+              </a:rPr>
+              <a:t>Gallica</a:t>
+            </a:r>
+            <a:r>
+              <a:rPr lang="fr-FR" sz="2000" dirty="0" smtClean="0">
+                <a:solidFill>
+                  <a:srgbClr val="0563B8"/>
+                </a:solidFill>
+                <a:latin typeface="+mj-lt"/>
+              </a:rPr>
+              <a:t>…</a:t>
+            </a:r>
+            <a:endParaRPr lang="fr-FR" sz="2000" dirty="0" smtClean="0">
+              <a:solidFill>
+                <a:srgbClr val="0563B8"/>
+              </a:solidFill>
+              <a:latin typeface="+mj-lt"/>
+            </a:endParaRPr>
+          </a:p>
+        </p:txBody>
+      </p:sp>
+      <p:sp>
+        <p:nvSpPr>
+          <p:cNvPr id="13" name="ZoneTexte 12"/>
+          <p:cNvSpPr txBox="1"/>
+          <p:nvPr/>
+        </p:nvSpPr>
+        <p:spPr>
+          <a:xfrm>
+            <a:off x="612775" y="3356992"/>
+            <a:ext cx="8142990" cy="1723549"/>
+          </a:xfrm>
+          <a:prstGeom prst="rect">
+            <a:avLst/>
+          </a:prstGeom>
+          <a:noFill/>
+        </p:spPr>
+        <p:txBody>
+          <a:bodyPr wrap="square" rtlCol="0">
+            <a:spAutoFit/>
+          </a:bodyPr>
+          <a:lstStyle/>
+          <a:p>
+            <a:pPr>
+              <a:lnSpc>
+                <a:spcPct val="200000"/>
+              </a:lnSpc>
+            </a:pPr>
+            <a:r>
+              <a:rPr lang="fr-FR" sz="2800" dirty="0" smtClean="0">
+                <a:solidFill>
+                  <a:srgbClr val="0563B8"/>
+                </a:solidFill>
+                <a:latin typeface="+mj-lt"/>
+              </a:rPr>
+              <a:t>Cas de la </a:t>
+            </a:r>
+            <a:r>
+              <a:rPr lang="fr-FR" sz="2800" dirty="0" smtClean="0">
+                <a:solidFill>
+                  <a:srgbClr val="00A7AA"/>
+                </a:solidFill>
+              </a:rPr>
+              <a:t>presse ancienne</a:t>
+            </a:r>
+            <a:endParaRPr lang="fr-FR" sz="2800" dirty="0" smtClean="0">
+              <a:solidFill>
+                <a:srgbClr val="0563B8"/>
+              </a:solidFill>
+              <a:latin typeface="+mj-lt"/>
+            </a:endParaRPr>
+          </a:p>
+          <a:p>
+            <a:pPr marL="742950" lvl="1" indent="-285750" fontAlgn="base">
+              <a:buFont typeface="Arial" panose="020B0604020202020204" pitchFamily="34" charset="0"/>
+              <a:buChar char="•"/>
+            </a:pPr>
+            <a:r>
+              <a:rPr lang="fr-FR" sz="2000" dirty="0" smtClean="0">
+                <a:solidFill>
+                  <a:srgbClr val="0563B8"/>
+                </a:solidFill>
+                <a:latin typeface="+mj-lt"/>
+              </a:rPr>
+              <a:t>Contenu riche et données volumineuse</a:t>
+            </a:r>
+            <a:endParaRPr lang="fr-FR" sz="2000" dirty="0">
+              <a:solidFill>
+                <a:srgbClr val="0563B8"/>
+              </a:solidFill>
+              <a:latin typeface="+mj-lt"/>
+            </a:endParaRPr>
+          </a:p>
+          <a:p>
+            <a:pPr marL="742950" lvl="1" indent="-285750" fontAlgn="base">
+              <a:lnSpc>
+                <a:spcPct val="150000"/>
+              </a:lnSpc>
+              <a:buFont typeface="Arial" panose="020B0604020202020204" pitchFamily="34" charset="0"/>
+              <a:buChar char="•"/>
+            </a:pPr>
+            <a:r>
+              <a:rPr lang="fr-FR" sz="2000" dirty="0">
+                <a:solidFill>
+                  <a:srgbClr val="0563B8"/>
+                </a:solidFill>
+                <a:latin typeface="+mj-lt"/>
+              </a:rPr>
+              <a:t>Habitude de lecture particulière</a:t>
+            </a:r>
+          </a:p>
+        </p:txBody>
+      </p:sp>
+      <p:pic>
+        <p:nvPicPr>
+          <p:cNvPr id="1026" name="Picture 2" descr="BM78517_PER1100_000_1940012053_001.jpg"/>
+          <p:cNvPicPr>
+            <a:picLocks noChangeAspect="1" noChangeArrowheads="1"/>
+          </p:cNvPicPr>
+          <p:nvPr/>
+        </p:nvPicPr>
+        <p:blipFill rotWithShape="1">
+          <a:blip r:embed="rId3">
+            <a:extLst>
+              <a:ext uri="{28A0092B-C50C-407E-A947-70E740481C1C}">
+                <a14:useLocalDpi xmlns:a14="http://schemas.microsoft.com/office/drawing/2010/main" val="0"/>
+              </a:ext>
+            </a:extLst>
+          </a:blip>
+          <a:srcRect l="4670" t="3603" r="5502" b="6936"/>
+          <a:stretch/>
+        </p:blipFill>
+        <p:spPr bwMode="auto">
+          <a:xfrm>
+            <a:off x="6156176" y="2781967"/>
+            <a:ext cx="2231729" cy="3191247"/>
+          </a:xfrm>
+          <a:prstGeom prst="rect">
+            <a:avLst/>
+          </a:prstGeom>
+          <a:noFill/>
+          <a:ln w="19050">
+            <a:solidFill>
+              <a:srgbClr val="0563B8"/>
+            </a:solidFill>
+          </a:ln>
+          <a:extLst>
+            <a:ext uri="{909E8E84-426E-40DD-AFC4-6F175D3DCCD1}">
+              <a14:hiddenFill xmlns:a14="http://schemas.microsoft.com/office/drawing/2010/main">
+                <a:solidFill>
+                  <a:srgbClr val="FFFFFF"/>
+                </a:solidFill>
+              </a14:hiddenFill>
+            </a:ext>
+          </a:extLst>
+        </p:spPr>
+      </p:pic>
+      <p:sp>
+        <p:nvSpPr>
+          <p:cNvPr id="15" name="Titre 1"/>
+          <p:cNvSpPr>
+            <a:spLocks noGrp="1"/>
+          </p:cNvSpPr>
+          <p:nvPr>
+            <p:ph type="title"/>
+          </p:nvPr>
+        </p:nvSpPr>
+        <p:spPr>
+          <a:xfrm>
+            <a:off x="251520" y="116632"/>
+            <a:ext cx="6624736" cy="1080120"/>
+          </a:xfrm>
+        </p:spPr>
+        <p:txBody>
+          <a:bodyPr>
+            <a:normAutofit/>
+          </a:bodyPr>
+          <a:lstStyle/>
+          <a:p>
+            <a:pPr algn="l"/>
+            <a:r>
+              <a:rPr lang="fr-FR" sz="3200" dirty="0" smtClean="0">
+                <a:solidFill>
+                  <a:srgbClr val="0563B8"/>
+                </a:solidFill>
+                <a:latin typeface="Montserrat" panose="02000505000000020004" pitchFamily="2" charset="0"/>
+              </a:rPr>
+              <a:t>Intro</a:t>
+            </a:r>
+            <a:r>
+              <a:rPr lang="fr-FR" sz="3200" dirty="0" smtClean="0">
+                <a:solidFill>
+                  <a:srgbClr val="00A7AA"/>
+                </a:solidFill>
+                <a:latin typeface="Montserrat" panose="02000505000000020004" pitchFamily="2" charset="0"/>
+              </a:rPr>
+              <a:t>duction</a:t>
+            </a:r>
+            <a:endParaRPr lang="fr-FR" sz="3200" dirty="0">
+              <a:solidFill>
+                <a:srgbClr val="00A7AA"/>
+              </a:solidFill>
+              <a:latin typeface="Montserrat" panose="02000505000000020004" pitchFamily="2" charset="0"/>
+            </a:endParaRPr>
+          </a:p>
+        </p:txBody>
+      </p:sp>
+    </p:spTree>
+    <p:extLst>
+      <p:ext uri="{BB962C8B-B14F-4D97-AF65-F5344CB8AC3E}">
+        <p14:creationId xmlns:p14="http://schemas.microsoft.com/office/powerpoint/2010/main" val="4266983893"/>
+      </p:ext>
+    </p:extLst>
+  </p:cSld>
+  <p:clrMapOvr>
+    <a:masterClrMapping/>
+  </p:clrMapOvr>
+  <p:timing>
+    <p:tnLst>
+      <p:par>
+        <p:cTn id="1" dur="indefinite" restart="never" nodeType="tmRoot"/>
+      </p:par>
+    </p:tnLst>
+  </p:timing>
+</p:sld>
+</file>
+
+<file path=ppt/slides/slide20.xml><?xml version="1.0" encoding="utf-8"?>
+<p:sld xmlns:a="http://schemas.openxmlformats.org/drawingml/2006/main" xmlns:r="http://schemas.openxmlformats.org/officeDocument/2006/relationships" xmlns:p="http://schemas.openxmlformats.org/presentationml/2006/main">
+  <p:cSld>
+    <p:spTree>
+      <p:nvGrpSpPr>
+        <p:cNvPr id="1" name=""/>
+        <p:cNvGrpSpPr/>
+        <p:nvPr/>
+      </p:nvGrpSpPr>
+      <p:grpSpPr>
+        <a:xfrm>
+          <a:off x="0" y="0"/>
+          <a:ext cx="0" cy="0"/>
+          <a:chOff x="0" y="0"/>
+          <a:chExt cx="0" cy="0"/>
+        </a:xfrm>
+      </p:grpSpPr>
+      <p:sp>
+        <p:nvSpPr>
+          <p:cNvPr id="14" name="Titre 1"/>
+          <p:cNvSpPr txBox="1">
+            <a:spLocks/>
+          </p:cNvSpPr>
+          <p:nvPr/>
+        </p:nvSpPr>
+        <p:spPr>
+          <a:xfrm>
+            <a:off x="251520" y="116632"/>
+            <a:ext cx="6624736" cy="1080120"/>
+          </a:xfrm>
+          <a:prstGeom prst="rect">
+            <a:avLst/>
+          </a:prstGeom>
+        </p:spPr>
+        <p:txBody>
+          <a:bodyPr vert="horz" lIns="91440" tIns="45720" rIns="91440" bIns="45720" rtlCol="0" anchor="ctr">
+            <a:normAutofit/>
+          </a:bodyPr>
+          <a:lstStyle>
+            <a:lvl1pPr algn="ctr" defTabSz="914400" rtl="0" eaLnBrk="1" latinLnBrk="0" hangingPunct="1">
+              <a:spcBef>
+                <a:spcPct val="0"/>
+              </a:spcBef>
+              <a:buNone/>
+              <a:defRPr sz="4400" kern="1200">
+                <a:solidFill>
+                  <a:schemeClr val="tx1"/>
+                </a:solidFill>
+                <a:latin typeface="+mj-lt"/>
+                <a:ea typeface="+mj-ea"/>
+                <a:cs typeface="+mj-cs"/>
+              </a:defRPr>
+            </a:lvl1pPr>
+          </a:lstStyle>
+          <a:p>
+            <a:pPr algn="l"/>
+            <a:r>
+              <a:rPr lang="fr-FR" sz="3200" dirty="0" smtClean="0">
+                <a:solidFill>
+                  <a:srgbClr val="0563B8"/>
+                </a:solidFill>
+                <a:latin typeface="Montserrat" panose="02000505000000020004" pitchFamily="2" charset="0"/>
+              </a:rPr>
+              <a:t>Outils </a:t>
+            </a:r>
+            <a:r>
+              <a:rPr lang="fr-FR" sz="3200" dirty="0" smtClean="0">
+                <a:solidFill>
+                  <a:srgbClr val="00A7AA"/>
+                </a:solidFill>
+                <a:latin typeface="Montserrat" panose="02000505000000020004" pitchFamily="2" charset="0"/>
+              </a:rPr>
+              <a:t>client</a:t>
+            </a:r>
+            <a:endParaRPr lang="fr-FR" sz="3200" dirty="0">
+              <a:solidFill>
+                <a:srgbClr val="00A7AA"/>
+              </a:solidFill>
+              <a:latin typeface="Montserrat" panose="02000505000000020004" pitchFamily="2" charset="0"/>
+            </a:endParaRPr>
+          </a:p>
+        </p:txBody>
+      </p:sp>
+      <p:pic>
+        <p:nvPicPr>
+          <p:cNvPr id="7" name="Picture 6" descr="http://4b5.net/content/images/2015/08/bootstrap-logo.png"/>
+          <p:cNvPicPr>
+            <a:picLocks noChangeAspect="1" noChangeArrowheads="1"/>
+          </p:cNvPicPr>
+          <p:nvPr/>
+        </p:nvPicPr>
+        <p:blipFill>
+          <a:blip r:embed="rId2">
+            <a:extLst>
+              <a:ext uri="{28A0092B-C50C-407E-A947-70E740481C1C}">
+                <a14:useLocalDpi xmlns:a14="http://schemas.microsoft.com/office/drawing/2010/main" val="0"/>
+              </a:ext>
+            </a:extLst>
+          </a:blip>
+          <a:srcRect/>
+          <a:stretch>
+            <a:fillRect/>
+          </a:stretch>
+        </p:blipFill>
+        <p:spPr bwMode="auto">
+          <a:xfrm>
+            <a:off x="1331640" y="1711104"/>
+            <a:ext cx="1872208" cy="1557678"/>
+          </a:xfrm>
+          <a:prstGeom prst="rect">
+            <a:avLst/>
+          </a:prstGeom>
+          <a:noFill/>
+          <a:extLst>
+            <a:ext uri="{909E8E84-426E-40DD-AFC4-6F175D3DCCD1}">
+              <a14:hiddenFill xmlns:a14="http://schemas.microsoft.com/office/drawing/2010/main">
+                <a:solidFill>
+                  <a:srgbClr val="FFFFFF"/>
+                </a:solidFill>
+              </a14:hiddenFill>
+            </a:ext>
+          </a:extLst>
+        </p:spPr>
+      </p:pic>
+      <p:grpSp>
+        <p:nvGrpSpPr>
+          <p:cNvPr id="9" name="Groupe 8"/>
+          <p:cNvGrpSpPr/>
+          <p:nvPr/>
+        </p:nvGrpSpPr>
+        <p:grpSpPr>
+          <a:xfrm>
+            <a:off x="5926520" y="1711104"/>
+            <a:ext cx="2317888" cy="1563380"/>
+            <a:chOff x="6764628" y="3645024"/>
+            <a:chExt cx="1669816" cy="1131332"/>
+          </a:xfrm>
+        </p:grpSpPr>
+        <p:pic>
+          <p:nvPicPr>
+            <p:cNvPr id="10" name="Picture 4" descr="https://openseadragon.github.io/images/logo.png"/>
+            <p:cNvPicPr>
+              <a:picLocks noChangeAspect="1" noChangeArrowheads="1"/>
+            </p:cNvPicPr>
+            <p:nvPr/>
+          </p:nvPicPr>
+          <p:blipFill>
+            <a:blip r:embed="rId3">
+              <a:extLst>
+                <a:ext uri="{28A0092B-C50C-407E-A947-70E740481C1C}">
+                  <a14:useLocalDpi xmlns:a14="http://schemas.microsoft.com/office/drawing/2010/main" val="0"/>
+                </a:ext>
+              </a:extLst>
+            </a:blip>
+            <a:srcRect/>
+            <a:stretch>
+              <a:fillRect/>
+            </a:stretch>
+          </p:blipFill>
+          <p:spPr bwMode="auto">
+            <a:xfrm>
+              <a:off x="7244959" y="3645024"/>
+              <a:ext cx="666750" cy="762000"/>
+            </a:xfrm>
+            <a:prstGeom prst="rect">
+              <a:avLst/>
+            </a:prstGeom>
+            <a:noFill/>
+            <a:extLst>
+              <a:ext uri="{909E8E84-426E-40DD-AFC4-6F175D3DCCD1}">
+                <a14:hiddenFill xmlns:a14="http://schemas.microsoft.com/office/drawing/2010/main">
+                  <a:solidFill>
+                    <a:srgbClr val="FFFFFF"/>
+                  </a:solidFill>
+                </a14:hiddenFill>
+              </a:ext>
+            </a:extLst>
+          </p:spPr>
+        </p:pic>
+        <p:sp>
+          <p:nvSpPr>
+            <p:cNvPr id="11" name="ZoneTexte 10"/>
+            <p:cNvSpPr txBox="1"/>
+            <p:nvPr/>
+          </p:nvSpPr>
+          <p:spPr>
+            <a:xfrm>
+              <a:off x="6764628" y="4407024"/>
+              <a:ext cx="1669816" cy="369332"/>
+            </a:xfrm>
+            <a:prstGeom prst="rect">
+              <a:avLst/>
+            </a:prstGeom>
+            <a:noFill/>
+          </p:spPr>
+          <p:txBody>
+            <a:bodyPr wrap="none" rtlCol="0">
+              <a:spAutoFit/>
+            </a:bodyPr>
+            <a:lstStyle/>
+            <a:p>
+              <a:pPr algn="ctr"/>
+              <a:r>
+                <a:rPr lang="fr-FR" dirty="0" err="1" smtClean="0">
+                  <a:solidFill>
+                    <a:schemeClr val="tx2">
+                      <a:lumMod val="75000"/>
+                    </a:schemeClr>
+                  </a:solidFill>
+                  <a:latin typeface="Calibri Light" panose="020F0302020204030204" pitchFamily="34" charset="0"/>
+                </a:rPr>
+                <a:t>OpenSeadragon</a:t>
+              </a:r>
+              <a:endParaRPr lang="fr-FR" dirty="0" smtClean="0">
+                <a:solidFill>
+                  <a:schemeClr val="tx2">
+                    <a:lumMod val="75000"/>
+                  </a:schemeClr>
+                </a:solidFill>
+                <a:latin typeface="Calibri Light" panose="020F0302020204030204" pitchFamily="34" charset="0"/>
+              </a:endParaRPr>
+            </a:p>
+          </p:txBody>
+        </p:sp>
+      </p:grpSp>
+      <p:cxnSp>
+        <p:nvCxnSpPr>
+          <p:cNvPr id="5" name="Connecteur droit 4"/>
+          <p:cNvCxnSpPr/>
+          <p:nvPr/>
+        </p:nvCxnSpPr>
+        <p:spPr>
+          <a:xfrm>
+            <a:off x="4572000" y="1700808"/>
+            <a:ext cx="0" cy="3096344"/>
+          </a:xfrm>
+          <a:prstGeom prst="line">
+            <a:avLst/>
+          </a:prstGeom>
+        </p:spPr>
+        <p:style>
+          <a:lnRef idx="1">
+            <a:schemeClr val="accent1"/>
+          </a:lnRef>
+          <a:fillRef idx="0">
+            <a:schemeClr val="accent1"/>
+          </a:fillRef>
+          <a:effectRef idx="0">
+            <a:schemeClr val="accent1"/>
+          </a:effectRef>
+          <a:fontRef idx="minor">
+            <a:schemeClr val="tx1"/>
+          </a:fontRef>
+        </p:style>
+      </p:cxnSp>
+      <p:sp>
+        <p:nvSpPr>
+          <p:cNvPr id="15" name="Rectangle 14"/>
+          <p:cNvSpPr/>
+          <p:nvPr/>
+        </p:nvSpPr>
+        <p:spPr>
+          <a:xfrm>
+            <a:off x="539552" y="3717032"/>
+            <a:ext cx="3600400" cy="1323439"/>
+          </a:xfrm>
+          <a:prstGeom prst="rect">
+            <a:avLst/>
+          </a:prstGeom>
+        </p:spPr>
+        <p:txBody>
+          <a:bodyPr wrap="square">
+            <a:spAutoFit/>
+          </a:bodyPr>
+          <a:lstStyle/>
+          <a:p>
+            <a:pPr marL="285750" indent="-285750" fontAlgn="base">
+              <a:buClr>
+                <a:srgbClr val="00A7AA"/>
+              </a:buClr>
+              <a:buFont typeface="Arial" panose="020B0604020202020204" pitchFamily="34" charset="0"/>
+              <a:buChar char="•"/>
+            </a:pPr>
+            <a:r>
+              <a:rPr lang="fr-FR" sz="2000" dirty="0" smtClean="0">
+                <a:solidFill>
+                  <a:srgbClr val="0563B8"/>
+                </a:solidFill>
+              </a:rPr>
+              <a:t>Responsivité (pc, tablettes, …)</a:t>
+            </a:r>
+          </a:p>
+          <a:p>
+            <a:pPr marL="285750" indent="-285750" fontAlgn="base">
+              <a:buClr>
+                <a:srgbClr val="00A7AA"/>
+              </a:buClr>
+              <a:buFont typeface="Arial" panose="020B0604020202020204" pitchFamily="34" charset="0"/>
+              <a:buChar char="•"/>
+            </a:pPr>
+            <a:r>
+              <a:rPr lang="fr-FR" sz="2000" dirty="0" smtClean="0">
+                <a:solidFill>
+                  <a:srgbClr val="0563B8"/>
+                </a:solidFill>
+              </a:rPr>
+              <a:t>Uniformisation des éléments graphiques</a:t>
+            </a:r>
+          </a:p>
+          <a:p>
+            <a:pPr marL="285750" indent="-285750" fontAlgn="base">
+              <a:buClr>
+                <a:srgbClr val="00A7AA"/>
+              </a:buClr>
+              <a:buFont typeface="Arial" panose="020B0604020202020204" pitchFamily="34" charset="0"/>
+              <a:buChar char="•"/>
+            </a:pPr>
+            <a:r>
+              <a:rPr lang="fr-FR" sz="2000" dirty="0" smtClean="0">
+                <a:solidFill>
+                  <a:srgbClr val="0563B8"/>
+                </a:solidFill>
+              </a:rPr>
+              <a:t>Gain de temps</a:t>
+            </a:r>
+            <a:endParaRPr lang="fr-FR" sz="2000" dirty="0">
+              <a:solidFill>
+                <a:srgbClr val="0563B8"/>
+              </a:solidFill>
+            </a:endParaRPr>
+          </a:p>
+        </p:txBody>
+      </p:sp>
+      <p:sp>
+        <p:nvSpPr>
+          <p:cNvPr id="16" name="Rectangle 15"/>
+          <p:cNvSpPr/>
+          <p:nvPr/>
+        </p:nvSpPr>
+        <p:spPr>
+          <a:xfrm>
+            <a:off x="5148064" y="3573016"/>
+            <a:ext cx="3456384" cy="1631216"/>
+          </a:xfrm>
+          <a:prstGeom prst="rect">
+            <a:avLst/>
+          </a:prstGeom>
+        </p:spPr>
+        <p:txBody>
+          <a:bodyPr wrap="square">
+            <a:spAutoFit/>
+          </a:bodyPr>
+          <a:lstStyle/>
+          <a:p>
+            <a:pPr marL="285750" indent="-285750" fontAlgn="base">
+              <a:buClr>
+                <a:srgbClr val="00A7AA"/>
+              </a:buClr>
+              <a:buFont typeface="Arial" panose="020B0604020202020204" pitchFamily="34" charset="0"/>
+              <a:buChar char="•"/>
+            </a:pPr>
+            <a:r>
+              <a:rPr lang="fr-FR" sz="2000" dirty="0" smtClean="0">
+                <a:solidFill>
+                  <a:srgbClr val="0563B8"/>
+                </a:solidFill>
+              </a:rPr>
+              <a:t>Visionneuse d’images haute-résolution</a:t>
+            </a:r>
+          </a:p>
+          <a:p>
+            <a:pPr marL="285750" indent="-285750" fontAlgn="base">
+              <a:buClr>
+                <a:srgbClr val="00A7AA"/>
+              </a:buClr>
+              <a:buFont typeface="Arial" panose="020B0604020202020204" pitchFamily="34" charset="0"/>
+              <a:buChar char="•"/>
+            </a:pPr>
+            <a:r>
+              <a:rPr lang="fr-FR" sz="2000" dirty="0" smtClean="0">
+                <a:solidFill>
+                  <a:srgbClr val="0563B8"/>
+                </a:solidFill>
+              </a:rPr>
+              <a:t>Totalement p</a:t>
+            </a:r>
+            <a:r>
+              <a:rPr lang="fr-FR" sz="2000" dirty="0" smtClean="0">
+                <a:solidFill>
+                  <a:srgbClr val="0563B8"/>
+                </a:solidFill>
+              </a:rPr>
+              <a:t>ersonnalisable</a:t>
+            </a:r>
+          </a:p>
+          <a:p>
+            <a:pPr marL="285750" indent="-285750" fontAlgn="base">
+              <a:buClr>
+                <a:srgbClr val="00A7AA"/>
+              </a:buClr>
+              <a:buFont typeface="Arial" panose="020B0604020202020204" pitchFamily="34" charset="0"/>
+              <a:buChar char="•"/>
+            </a:pPr>
+            <a:r>
+              <a:rPr lang="fr-FR" sz="2000" dirty="0" smtClean="0">
+                <a:solidFill>
+                  <a:srgbClr val="0563B8"/>
+                </a:solidFill>
+              </a:rPr>
+              <a:t>Gain de temps conséquent</a:t>
+            </a:r>
+          </a:p>
+          <a:p>
+            <a:pPr marL="285750" indent="-285750" fontAlgn="base">
+              <a:buClr>
+                <a:srgbClr val="00A7AA"/>
+              </a:buClr>
+              <a:buFont typeface="Arial" panose="020B0604020202020204" pitchFamily="34" charset="0"/>
+              <a:buChar char="•"/>
+            </a:pPr>
+            <a:r>
+              <a:rPr lang="fr-FR" sz="2000" dirty="0" smtClean="0">
+                <a:solidFill>
+                  <a:srgbClr val="0563B8"/>
+                </a:solidFill>
+              </a:rPr>
+              <a:t>Communauté dynamique</a:t>
+            </a:r>
+            <a:endParaRPr lang="fr-FR" sz="2000" dirty="0">
+              <a:solidFill>
+                <a:srgbClr val="0563B8"/>
+              </a:solidFill>
+            </a:endParaRPr>
+          </a:p>
+        </p:txBody>
+      </p:sp>
+    </p:spTree>
+    <p:extLst>
+      <p:ext uri="{BB962C8B-B14F-4D97-AF65-F5344CB8AC3E}">
+        <p14:creationId xmlns:p14="http://schemas.microsoft.com/office/powerpoint/2010/main" val="3205049650"/>
+      </p:ext>
+    </p:extLst>
+  </p:cSld>
+  <p:clrMapOvr>
+    <a:masterClrMapping/>
+  </p:clrMapOvr>
+  <p:timing>
+    <p:tnLst>
+      <p:par>
+        <p:cTn id="1" dur="indefinite" restart="never" nodeType="tmRoot"/>
+      </p:par>
+    </p:tnLst>
+  </p:timing>
+</p:sld>
+</file>
+
+<file path=ppt/slides/slide21.xml><?xml version="1.0" encoding="utf-8"?>
 <p:sld xmlns:a="http://schemas.openxmlformats.org/drawingml/2006/main" xmlns:r="http://schemas.openxmlformats.org/officeDocument/2006/relationships" xmlns:p="http://schemas.openxmlformats.org/presentationml/2006/main">
   <p:cSld>
     <p:spTree>
@@ -11102,9 +13186,49 @@
           </a:p>
         </p:txBody>
       </p:sp>
+      <p:sp>
+        <p:nvSpPr>
+          <p:cNvPr id="25" name="ZoneTexte 24"/>
+          <p:cNvSpPr txBox="1"/>
+          <p:nvPr/>
+        </p:nvSpPr>
+        <p:spPr>
+          <a:xfrm rot="20264977">
+            <a:off x="1745474" y="2783374"/>
+            <a:ext cx="1209627" cy="369332"/>
+          </a:xfrm>
+          <a:prstGeom prst="rect">
+            <a:avLst/>
+          </a:prstGeom>
+          <a:noFill/>
+        </p:spPr>
+        <p:txBody>
+          <a:bodyPr wrap="none" rtlCol="0">
+            <a:spAutoFit/>
+          </a:bodyPr>
+          <a:lstStyle/>
+          <a:p>
+            <a:r>
+              <a:rPr lang="fr-FR" dirty="0" smtClean="0">
+                <a:solidFill>
+                  <a:srgbClr val="0563B8"/>
+                </a:solidFill>
+                <a:latin typeface="Calibri Light" panose="020F0302020204030204" pitchFamily="34" charset="0"/>
+              </a:rPr>
+              <a:t>Réplication</a:t>
+            </a:r>
+            <a:endParaRPr lang="fr-FR" dirty="0">
+              <a:solidFill>
+                <a:srgbClr val="0563B8"/>
+              </a:solidFill>
+              <a:latin typeface="Calibri Light" panose="020F0302020204030204" pitchFamily="34" charset="0"/>
+            </a:endParaRPr>
+          </a:p>
+        </p:txBody>
+      </p:sp>
       <p:pic>
         <p:nvPicPr>
-          <p:cNvPr id="24" name="Picture 4" descr="http://blogwebdev.fr/wp-content/uploads/2015/03/1.png"/>
+          <p:cNvPr id="26" name="Picture 2" descr="https://lh4.googleusercontent.com/AAOjmbdmNI-rVxpa349_sHSD8kwVWyvrMfqHmpVVUu3_72nugUQvPoEegSyDT_wy5AMSTVqbnmwD6sS_eMOm7aR_XQlFSfW2wiVRJ_T4vls8DBtgga69TPke7-pVZi5DaU4NyRu_VQ"/>
           <p:cNvPicPr>
             <a:picLocks noChangeAspect="1" noChangeArrowheads="1"/>
           </p:cNvPicPr>
@@ -11125,8 +13249,8 @@
         </p:blipFill>
         <p:spPr bwMode="auto">
           <a:xfrm>
-            <a:off x="3851920" y="3918086"/>
-            <a:ext cx="1403085" cy="526157"/>
+            <a:off x="3131840" y="2470149"/>
+            <a:ext cx="2192219" cy="670819"/>
           </a:xfrm>
           <a:prstGeom prst="rect">
             <a:avLst/>
@@ -11143,49 +13267,9 @@
           </a:extLst>
         </p:spPr>
       </p:pic>
-      <p:sp>
-        <p:nvSpPr>
-          <p:cNvPr id="25" name="ZoneTexte 24"/>
-          <p:cNvSpPr txBox="1"/>
-          <p:nvPr/>
-        </p:nvSpPr>
-        <p:spPr>
-          <a:xfrm rot="20264977">
-            <a:off x="1745474" y="2783374"/>
-            <a:ext cx="1209627" cy="369332"/>
-          </a:xfrm>
-          <a:prstGeom prst="rect">
-            <a:avLst/>
-          </a:prstGeom>
-          <a:noFill/>
-        </p:spPr>
-        <p:txBody>
-          <a:bodyPr wrap="none" rtlCol="0">
-            <a:spAutoFit/>
-          </a:bodyPr>
-          <a:lstStyle/>
-          <a:p>
-            <a:r>
-              <a:rPr lang="fr-FR" dirty="0" smtClean="0">
-                <a:solidFill>
-                  <a:srgbClr val="0563B8"/>
-                </a:solidFill>
-                <a:latin typeface="Calibri Light" panose="020F0302020204030204" pitchFamily="34" charset="0"/>
-              </a:rPr>
-              <a:t>Réplication</a:t>
-            </a:r>
-            <a:endParaRPr lang="fr-FR" dirty="0">
-              <a:solidFill>
-                <a:srgbClr val="0563B8"/>
-              </a:solidFill>
-              <a:latin typeface="Calibri Light" panose="020F0302020204030204" pitchFamily="34" charset="0"/>
-            </a:endParaRPr>
-          </a:p>
-        </p:txBody>
-      </p:sp>
       <p:pic>
         <p:nvPicPr>
-          <p:cNvPr id="26" name="Picture 2" descr="https://lh4.googleusercontent.com/AAOjmbdmNI-rVxpa349_sHSD8kwVWyvrMfqHmpVVUu3_72nugUQvPoEegSyDT_wy5AMSTVqbnmwD6sS_eMOm7aR_XQlFSfW2wiVRJ_T4vls8DBtgga69TPke7-pVZi5DaU4NyRu_VQ"/>
+          <p:cNvPr id="28" name="Picture 2" descr="formation-mongodb.png (1500×500)"/>
           <p:cNvPicPr>
             <a:picLocks noChangeAspect="1" noChangeArrowheads="1"/>
           </p:cNvPicPr>
@@ -11206,8 +13290,8 @@
         </p:blipFill>
         <p:spPr bwMode="auto">
           <a:xfrm>
-            <a:off x="3131840" y="2470149"/>
-            <a:ext cx="2192219" cy="670819"/>
+            <a:off x="727097" y="3466049"/>
+            <a:ext cx="1950195" cy="650065"/>
           </a:xfrm>
           <a:prstGeom prst="rect">
             <a:avLst/>
@@ -11226,14 +13310,14 @@
       </p:pic>
       <p:pic>
         <p:nvPicPr>
-          <p:cNvPr id="28" name="Picture 2" descr="formation-mongodb.png (1500×500)"/>
+          <p:cNvPr id="23" name="Picture 4" descr="http://www.levorus.com/images/partners/laravel.png"/>
           <p:cNvPicPr>
             <a:picLocks noChangeAspect="1" noChangeArrowheads="1"/>
           </p:cNvPicPr>
           <p:nvPr/>
         </p:nvPicPr>
         <p:blipFill>
-          <a:blip r:embed="rId6" cstate="print">
+          <a:blip r:embed="rId6">
             <a:extLst>
               <a:ext uri="{28A0092B-C50C-407E-A947-70E740481C1C}">
                 <a14:useLocalDpi xmlns:a14="http://schemas.microsoft.com/office/drawing/2010/main" val="0"/>
@@ -11247,8 +13331,8 @@
         </p:blipFill>
         <p:spPr bwMode="auto">
           <a:xfrm>
-            <a:off x="727097" y="3466049"/>
-            <a:ext cx="1950195" cy="650065"/>
+            <a:off x="3812509" y="3882080"/>
+            <a:ext cx="1398095" cy="699048"/>
           </a:xfrm>
           <a:prstGeom prst="rect">
             <a:avLst/>
@@ -11269,903 +13353,6 @@
     <p:extLst>
       <p:ext uri="{BB962C8B-B14F-4D97-AF65-F5344CB8AC3E}">
         <p14:creationId xmlns:p14="http://schemas.microsoft.com/office/powerpoint/2010/main" val="3042104959"/>
-      </p:ext>
-    </p:extLst>
-  </p:cSld>
-  <p:clrMapOvr>
-    <a:masterClrMapping/>
-  </p:clrMapOvr>
-  <p:timing>
-    <p:tnLst>
-      <p:par>
-        <p:cTn id="1" dur="indefinite" restart="never" nodeType="tmRoot"/>
-      </p:par>
-    </p:tnLst>
-  </p:timing>
-</p:sld>
-</file>
-
-<file path=ppt/slides/slide2.xml><?xml version="1.0" encoding="utf-8"?>
-<p:sld xmlns:a="http://schemas.openxmlformats.org/drawingml/2006/main" xmlns:r="http://schemas.openxmlformats.org/officeDocument/2006/relationships" xmlns:p="http://schemas.openxmlformats.org/presentationml/2006/main">
-  <p:cSld>
-    <p:spTree>
-      <p:nvGrpSpPr>
-        <p:cNvPr id="1" name=""/>
-        <p:cNvGrpSpPr/>
-        <p:nvPr/>
-      </p:nvGrpSpPr>
-      <p:grpSpPr>
-        <a:xfrm>
-          <a:off x="0" y="0"/>
-          <a:ext cx="0" cy="0"/>
-          <a:chOff x="0" y="0"/>
-          <a:chExt cx="0" cy="0"/>
-        </a:xfrm>
-      </p:grpSpPr>
-      <p:sp>
-        <p:nvSpPr>
-          <p:cNvPr id="3" name="AutoShape 2" descr="https://gitlab.insa-rennes.fr/francois-boschet/gutemberg/raw/master/report/2_spec/figures/consultation.png"/>
-          <p:cNvSpPr>
-            <a:spLocks noChangeAspect="1" noChangeArrowheads="1"/>
-          </p:cNvSpPr>
-          <p:nvPr/>
-        </p:nvSpPr>
-        <p:spPr bwMode="auto">
-          <a:xfrm>
-            <a:off x="155575" y="-144463"/>
-            <a:ext cx="304800" cy="304801"/>
-          </a:xfrm>
-          <a:prstGeom prst="rect">
-            <a:avLst/>
-          </a:prstGeom>
-          <a:noFill/>
-          <a:extLst>
-            <a:ext uri="{909E8E84-426E-40DD-AFC4-6F175D3DCCD1}">
-              <a14:hiddenFill xmlns:a14="http://schemas.microsoft.com/office/drawing/2010/main">
-                <a:solidFill>
-                  <a:srgbClr val="FFFFFF"/>
-                </a:solidFill>
-              </a14:hiddenFill>
-            </a:ext>
-          </a:extLst>
-        </p:spPr>
-        <p:txBody>
-          <a:bodyPr vert="horz" wrap="square" lIns="91440" tIns="45720" rIns="91440" bIns="45720" numCol="1" anchor="t" anchorCtr="0" compatLnSpc="1">
-            <a:prstTxWarp prst="textNoShape">
-              <a:avLst/>
-            </a:prstTxWarp>
-          </a:bodyPr>
-          <a:lstStyle/>
-          <a:p>
-            <a:endParaRPr lang="fr-FR"/>
-          </a:p>
-        </p:txBody>
-      </p:sp>
-      <p:sp>
-        <p:nvSpPr>
-          <p:cNvPr id="4" name="AutoShape 4" descr="https://gitlab.insa-rennes.fr/francois-boschet/gutemberg/raw/master/report/2_spec/figures/consultation.png"/>
-          <p:cNvSpPr>
-            <a:spLocks noChangeAspect="1" noChangeArrowheads="1"/>
-          </p:cNvSpPr>
-          <p:nvPr/>
-        </p:nvSpPr>
-        <p:spPr bwMode="auto">
-          <a:xfrm>
-            <a:off x="307975" y="7937"/>
-            <a:ext cx="304800" cy="304801"/>
-          </a:xfrm>
-          <a:prstGeom prst="rect">
-            <a:avLst/>
-          </a:prstGeom>
-          <a:noFill/>
-          <a:extLst>
-            <a:ext uri="{909E8E84-426E-40DD-AFC4-6F175D3DCCD1}">
-              <a14:hiddenFill xmlns:a14="http://schemas.microsoft.com/office/drawing/2010/main">
-                <a:solidFill>
-                  <a:srgbClr val="FFFFFF"/>
-                </a:solidFill>
-              </a14:hiddenFill>
-            </a:ext>
-          </a:extLst>
-        </p:spPr>
-        <p:txBody>
-          <a:bodyPr vert="horz" wrap="square" lIns="91440" tIns="45720" rIns="91440" bIns="45720" numCol="1" anchor="t" anchorCtr="0" compatLnSpc="1">
-            <a:prstTxWarp prst="textNoShape">
-              <a:avLst/>
-            </a:prstTxWarp>
-          </a:bodyPr>
-          <a:lstStyle/>
-          <a:p>
-            <a:endParaRPr lang="fr-FR"/>
-          </a:p>
-        </p:txBody>
-      </p:sp>
-      <p:sp>
-        <p:nvSpPr>
-          <p:cNvPr id="5" name="AutoShape 2" descr="https://projet4.mybalsamiq.com/projects/spec/Consultation%20de%20documents.jpeg?version=9&amp;etag=XHJ8gpGTqtyLpFShCJ6oeFfWCMF_NOhr"/>
-          <p:cNvSpPr>
-            <a:spLocks noChangeAspect="1" noChangeArrowheads="1"/>
-          </p:cNvSpPr>
-          <p:nvPr/>
-        </p:nvSpPr>
-        <p:spPr bwMode="auto">
-          <a:xfrm>
-            <a:off x="460375" y="160337"/>
-            <a:ext cx="304800" cy="304801"/>
-          </a:xfrm>
-          <a:prstGeom prst="rect">
-            <a:avLst/>
-          </a:prstGeom>
-          <a:noFill/>
-          <a:extLst>
-            <a:ext uri="{909E8E84-426E-40DD-AFC4-6F175D3DCCD1}">
-              <a14:hiddenFill xmlns:a14="http://schemas.microsoft.com/office/drawing/2010/main">
-                <a:solidFill>
-                  <a:srgbClr val="FFFFFF"/>
-                </a:solidFill>
-              </a14:hiddenFill>
-            </a:ext>
-          </a:extLst>
-        </p:spPr>
-        <p:txBody>
-          <a:bodyPr vert="horz" wrap="square" lIns="91440" tIns="45720" rIns="91440" bIns="45720" numCol="1" anchor="t" anchorCtr="0" compatLnSpc="1">
-            <a:prstTxWarp prst="textNoShape">
-              <a:avLst/>
-            </a:prstTxWarp>
-          </a:bodyPr>
-          <a:lstStyle/>
-          <a:p>
-            <a:endParaRPr lang="fr-FR"/>
-          </a:p>
-        </p:txBody>
-      </p:sp>
-      <p:sp>
-        <p:nvSpPr>
-          <p:cNvPr id="6" name="AutoShape 4" descr="https://projet4.mybalsamiq.com/projects/spec/Consultation%20de%20documents.jpeg?version=9&amp;etag=XHJ8gpGTqtyLpFShCJ6oeFfWCMF_NOhr"/>
-          <p:cNvSpPr>
-            <a:spLocks noChangeAspect="1" noChangeArrowheads="1"/>
-          </p:cNvSpPr>
-          <p:nvPr/>
-        </p:nvSpPr>
-        <p:spPr bwMode="auto">
-          <a:xfrm>
-            <a:off x="612775" y="312737"/>
-            <a:ext cx="304800" cy="304801"/>
-          </a:xfrm>
-          <a:prstGeom prst="rect">
-            <a:avLst/>
-          </a:prstGeom>
-          <a:noFill/>
-          <a:extLst>
-            <a:ext uri="{909E8E84-426E-40DD-AFC4-6F175D3DCCD1}">
-              <a14:hiddenFill xmlns:a14="http://schemas.microsoft.com/office/drawing/2010/main">
-                <a:solidFill>
-                  <a:srgbClr val="FFFFFF"/>
-                </a:solidFill>
-              </a14:hiddenFill>
-            </a:ext>
-          </a:extLst>
-        </p:spPr>
-        <p:txBody>
-          <a:bodyPr vert="horz" wrap="square" lIns="91440" tIns="45720" rIns="91440" bIns="45720" numCol="1" anchor="t" anchorCtr="0" compatLnSpc="1">
-            <a:prstTxWarp prst="textNoShape">
-              <a:avLst/>
-            </a:prstTxWarp>
-          </a:bodyPr>
-          <a:lstStyle/>
-          <a:p>
-            <a:endParaRPr lang="fr-FR"/>
-          </a:p>
-        </p:txBody>
-      </p:sp>
-      <p:sp>
-        <p:nvSpPr>
-          <p:cNvPr id="7" name="AutoShape 6" descr="https://projet4.mybalsamiq.com/projects/spec/Consultation%20de%20documents.jpeg?version=9&amp;etag=XHJ8gpGTqtyLpFShCJ6oeFfWCMF_NOhr"/>
-          <p:cNvSpPr>
-            <a:spLocks noChangeAspect="1" noChangeArrowheads="1"/>
-          </p:cNvSpPr>
-          <p:nvPr/>
-        </p:nvSpPr>
-        <p:spPr bwMode="auto">
-          <a:xfrm>
-            <a:off x="765175" y="465137"/>
-            <a:ext cx="304800" cy="304801"/>
-          </a:xfrm>
-          <a:prstGeom prst="rect">
-            <a:avLst/>
-          </a:prstGeom>
-          <a:noFill/>
-          <a:extLst>
-            <a:ext uri="{909E8E84-426E-40DD-AFC4-6F175D3DCCD1}">
-              <a14:hiddenFill xmlns:a14="http://schemas.microsoft.com/office/drawing/2010/main">
-                <a:solidFill>
-                  <a:srgbClr val="FFFFFF"/>
-                </a:solidFill>
-              </a14:hiddenFill>
-            </a:ext>
-          </a:extLst>
-        </p:spPr>
-        <p:txBody>
-          <a:bodyPr vert="horz" wrap="square" lIns="91440" tIns="45720" rIns="91440" bIns="45720" numCol="1" anchor="t" anchorCtr="0" compatLnSpc="1">
-            <a:prstTxWarp prst="textNoShape">
-              <a:avLst/>
-            </a:prstTxWarp>
-          </a:bodyPr>
-          <a:lstStyle/>
-          <a:p>
-            <a:endParaRPr lang="fr-FR"/>
-          </a:p>
-        </p:txBody>
-      </p:sp>
-      <p:sp>
-        <p:nvSpPr>
-          <p:cNvPr id="8" name="AutoShape 8" descr="https://projet4.mybalsamiq.com/projects/spec/Consultation%20de%20documents.jpeg?version=9&amp;etag=XHJ8gpGTqtyLpFShCJ6oeFfWCMF_NOhr"/>
-          <p:cNvSpPr>
-            <a:spLocks noChangeAspect="1" noChangeArrowheads="1"/>
-          </p:cNvSpPr>
-          <p:nvPr/>
-        </p:nvSpPr>
-        <p:spPr bwMode="auto">
-          <a:xfrm>
-            <a:off x="917575" y="617537"/>
-            <a:ext cx="304800" cy="304801"/>
-          </a:xfrm>
-          <a:prstGeom prst="rect">
-            <a:avLst/>
-          </a:prstGeom>
-          <a:noFill/>
-          <a:extLst>
-            <a:ext uri="{909E8E84-426E-40DD-AFC4-6F175D3DCCD1}">
-              <a14:hiddenFill xmlns:a14="http://schemas.microsoft.com/office/drawing/2010/main">
-                <a:solidFill>
-                  <a:srgbClr val="FFFFFF"/>
-                </a:solidFill>
-              </a14:hiddenFill>
-            </a:ext>
-          </a:extLst>
-        </p:spPr>
-        <p:txBody>
-          <a:bodyPr vert="horz" wrap="square" lIns="91440" tIns="45720" rIns="91440" bIns="45720" numCol="1" anchor="t" anchorCtr="0" compatLnSpc="1">
-            <a:prstTxWarp prst="textNoShape">
-              <a:avLst/>
-            </a:prstTxWarp>
-          </a:bodyPr>
-          <a:lstStyle/>
-          <a:p>
-            <a:endParaRPr lang="fr-FR"/>
-          </a:p>
-        </p:txBody>
-      </p:sp>
-      <p:sp>
-        <p:nvSpPr>
-          <p:cNvPr id="9" name="AutoShape 10" descr="https://projet4.mybalsamiq.com/projects/spec/Consultation%20de%20documents.jpeg?version=9&amp;etag=XHJ8gpGTqtyLpFShCJ6oeFfWCMF_NOhr"/>
-          <p:cNvSpPr>
-            <a:spLocks noChangeAspect="1" noChangeArrowheads="1"/>
-          </p:cNvSpPr>
-          <p:nvPr/>
-        </p:nvSpPr>
-        <p:spPr bwMode="auto">
-          <a:xfrm>
-            <a:off x="1069975" y="769937"/>
-            <a:ext cx="304800" cy="304801"/>
-          </a:xfrm>
-          <a:prstGeom prst="rect">
-            <a:avLst/>
-          </a:prstGeom>
-          <a:noFill/>
-          <a:extLst>
-            <a:ext uri="{909E8E84-426E-40DD-AFC4-6F175D3DCCD1}">
-              <a14:hiddenFill xmlns:a14="http://schemas.microsoft.com/office/drawing/2010/main">
-                <a:solidFill>
-                  <a:srgbClr val="FFFFFF"/>
-                </a:solidFill>
-              </a14:hiddenFill>
-            </a:ext>
-          </a:extLst>
-        </p:spPr>
-        <p:txBody>
-          <a:bodyPr vert="horz" wrap="square" lIns="91440" tIns="45720" rIns="91440" bIns="45720" numCol="1" anchor="t" anchorCtr="0" compatLnSpc="1">
-            <a:prstTxWarp prst="textNoShape">
-              <a:avLst/>
-            </a:prstTxWarp>
-          </a:bodyPr>
-          <a:lstStyle/>
-          <a:p>
-            <a:endParaRPr lang="fr-FR"/>
-          </a:p>
-        </p:txBody>
-      </p:sp>
-      <p:sp>
-        <p:nvSpPr>
-          <p:cNvPr id="10" name="Espace réservé du numéro de diapositive 9"/>
-          <p:cNvSpPr>
-            <a:spLocks noGrp="1"/>
-          </p:cNvSpPr>
-          <p:nvPr>
-            <p:ph type="sldNum" sz="quarter" idx="12"/>
-          </p:nvPr>
-        </p:nvSpPr>
-        <p:spPr/>
-        <p:txBody>
-          <a:bodyPr/>
-          <a:lstStyle/>
-          <a:p>
-            <a:fld id="{EDA4C233-F16D-4FA8-AC9B-61C6F55E69AB}" type="slidenum">
-              <a:rPr lang="fr-FR" smtClean="0"/>
-              <a:t>2</a:t>
-            </a:fld>
-            <a:endParaRPr lang="fr-FR"/>
-          </a:p>
-        </p:txBody>
-      </p:sp>
-      <p:sp>
-        <p:nvSpPr>
-          <p:cNvPr id="11" name="ZoneTexte 10"/>
-          <p:cNvSpPr txBox="1"/>
-          <p:nvPr/>
-        </p:nvSpPr>
-        <p:spPr>
-          <a:xfrm>
-            <a:off x="574303" y="836712"/>
-            <a:ext cx="6734001" cy="1261884"/>
-          </a:xfrm>
-          <a:prstGeom prst="rect">
-            <a:avLst/>
-          </a:prstGeom>
-          <a:noFill/>
-        </p:spPr>
-        <p:txBody>
-          <a:bodyPr wrap="square" rtlCol="0">
-            <a:spAutoFit/>
-          </a:bodyPr>
-          <a:lstStyle/>
-          <a:p>
-            <a:pPr>
-              <a:lnSpc>
-                <a:spcPct val="200000"/>
-              </a:lnSpc>
-            </a:pPr>
-            <a:r>
-              <a:rPr lang="fr-FR" sz="2800" dirty="0" smtClean="0">
-                <a:solidFill>
-                  <a:srgbClr val="0563B8"/>
-                </a:solidFill>
-                <a:latin typeface="+mj-lt"/>
-              </a:rPr>
-              <a:t>Documents numérisés</a:t>
-            </a:r>
-          </a:p>
-          <a:p>
-            <a:pPr marL="742950" lvl="1" indent="-285750" fontAlgn="base">
-              <a:buFont typeface="Arial" panose="020B0604020202020204" pitchFamily="34" charset="0"/>
-              <a:buChar char="•"/>
-            </a:pPr>
-            <a:r>
-              <a:rPr lang="fr-FR" sz="2000" dirty="0" smtClean="0">
-                <a:solidFill>
-                  <a:srgbClr val="0563B8"/>
-                </a:solidFill>
-                <a:latin typeface="+mj-lt"/>
-              </a:rPr>
-              <a:t>Faciliter l’accès aux documents</a:t>
-            </a:r>
-          </a:p>
-        </p:txBody>
-      </p:sp>
-      <p:sp>
-        <p:nvSpPr>
-          <p:cNvPr id="13" name="ZoneTexte 12"/>
-          <p:cNvSpPr txBox="1"/>
-          <p:nvPr/>
-        </p:nvSpPr>
-        <p:spPr>
-          <a:xfrm>
-            <a:off x="611560" y="2996952"/>
-            <a:ext cx="8142990" cy="2646878"/>
-          </a:xfrm>
-          <a:prstGeom prst="rect">
-            <a:avLst/>
-          </a:prstGeom>
-          <a:noFill/>
-        </p:spPr>
-        <p:txBody>
-          <a:bodyPr wrap="square" rtlCol="0">
-            <a:spAutoFit/>
-          </a:bodyPr>
-          <a:lstStyle/>
-          <a:p>
-            <a:pPr>
-              <a:lnSpc>
-                <a:spcPct val="200000"/>
-              </a:lnSpc>
-            </a:pPr>
-            <a:r>
-              <a:rPr lang="fr-FR" sz="2800" dirty="0" smtClean="0">
-                <a:solidFill>
-                  <a:srgbClr val="0563B8"/>
-                </a:solidFill>
-                <a:latin typeface="+mj-lt"/>
-              </a:rPr>
-              <a:t>Cas de la </a:t>
-            </a:r>
-            <a:r>
-              <a:rPr lang="fr-FR" sz="2800" dirty="0" smtClean="0">
-                <a:solidFill>
-                  <a:srgbClr val="00A7AA"/>
-                </a:solidFill>
-              </a:rPr>
-              <a:t>presse ancienne</a:t>
-            </a:r>
-            <a:endParaRPr lang="fr-FR" sz="2800" dirty="0" smtClean="0">
-              <a:solidFill>
-                <a:srgbClr val="0563B8"/>
-              </a:solidFill>
-              <a:latin typeface="+mj-lt"/>
-            </a:endParaRPr>
-          </a:p>
-          <a:p>
-            <a:pPr marL="742950" lvl="1" indent="-285750" fontAlgn="base">
-              <a:buFont typeface="Arial" panose="020B0604020202020204" pitchFamily="34" charset="0"/>
-              <a:buChar char="•"/>
-            </a:pPr>
-            <a:r>
-              <a:rPr lang="fr-FR" sz="2000" dirty="0">
-                <a:solidFill>
-                  <a:srgbClr val="0563B8"/>
-                </a:solidFill>
-                <a:latin typeface="+mj-lt"/>
-              </a:rPr>
-              <a:t>Grandes quantités de documents </a:t>
-            </a:r>
-            <a:endParaRPr lang="fr-FR" sz="2000" dirty="0" smtClean="0">
-              <a:solidFill>
-                <a:srgbClr val="0563B8"/>
-              </a:solidFill>
-              <a:latin typeface="+mj-lt"/>
-            </a:endParaRPr>
-          </a:p>
-          <a:p>
-            <a:pPr lvl="2" fontAlgn="base">
-              <a:lnSpc>
-                <a:spcPct val="150000"/>
-              </a:lnSpc>
-            </a:pPr>
-            <a:r>
-              <a:rPr lang="fr-FR" sz="2000" dirty="0" smtClean="0">
-                <a:solidFill>
-                  <a:srgbClr val="0563B8"/>
-                </a:solidFill>
-                <a:latin typeface="+mj-lt"/>
-              </a:rPr>
-              <a:t>avec un contenu riche</a:t>
-            </a:r>
-          </a:p>
-          <a:p>
-            <a:pPr marL="742950" lvl="1" indent="-285750" fontAlgn="base">
-              <a:lnSpc>
-                <a:spcPct val="150000"/>
-              </a:lnSpc>
-              <a:buFont typeface="Arial" panose="020B0604020202020204" pitchFamily="34" charset="0"/>
-              <a:buChar char="•"/>
-            </a:pPr>
-            <a:r>
-              <a:rPr lang="fr-FR" sz="2000" dirty="0" smtClean="0">
-                <a:solidFill>
-                  <a:srgbClr val="0563B8"/>
-                </a:solidFill>
-                <a:latin typeface="+mj-lt"/>
-              </a:rPr>
-              <a:t>Document </a:t>
-            </a:r>
-            <a:r>
-              <a:rPr lang="fr-FR" sz="2000" dirty="0">
-                <a:solidFill>
-                  <a:srgbClr val="0563B8"/>
-                </a:solidFill>
-                <a:latin typeface="+mj-lt"/>
-              </a:rPr>
-              <a:t>volumineux</a:t>
-            </a:r>
-          </a:p>
-          <a:p>
-            <a:pPr marL="742950" lvl="1" indent="-285750" fontAlgn="base">
-              <a:lnSpc>
-                <a:spcPct val="150000"/>
-              </a:lnSpc>
-              <a:buFont typeface="Arial" panose="020B0604020202020204" pitchFamily="34" charset="0"/>
-              <a:buChar char="•"/>
-            </a:pPr>
-            <a:r>
-              <a:rPr lang="fr-FR" sz="2000" dirty="0">
-                <a:solidFill>
-                  <a:srgbClr val="0563B8"/>
-                </a:solidFill>
-                <a:latin typeface="+mj-lt"/>
-              </a:rPr>
-              <a:t>Habitude de lecture particulière</a:t>
-            </a:r>
-          </a:p>
-        </p:txBody>
-      </p:sp>
-      <p:sp>
-        <p:nvSpPr>
-          <p:cNvPr id="14" name="ZoneTexte 13"/>
-          <p:cNvSpPr txBox="1"/>
-          <p:nvPr/>
-        </p:nvSpPr>
-        <p:spPr>
-          <a:xfrm>
-            <a:off x="899592" y="2132856"/>
-            <a:ext cx="8640960" cy="276999"/>
-          </a:xfrm>
-          <a:prstGeom prst="rect">
-            <a:avLst/>
-          </a:prstGeom>
-          <a:noFill/>
-        </p:spPr>
-        <p:txBody>
-          <a:bodyPr wrap="square" rtlCol="0">
-            <a:spAutoFit/>
-          </a:bodyPr>
-          <a:lstStyle/>
-          <a:p>
-            <a:r>
-              <a:rPr lang="fr-FR" sz="1200" i="1" dirty="0" smtClean="0">
-                <a:solidFill>
-                  <a:srgbClr val="0563B8"/>
-                </a:solidFill>
-                <a:latin typeface="+mj-lt"/>
-              </a:rPr>
-              <a:t>Plateformes </a:t>
-            </a:r>
-            <a:r>
-              <a:rPr lang="fr-FR" sz="1200" i="1" dirty="0">
-                <a:solidFill>
-                  <a:srgbClr val="0563B8"/>
-                </a:solidFill>
-                <a:latin typeface="+mj-lt"/>
-              </a:rPr>
-              <a:t>web déjà existantes pour la consultation de </a:t>
-            </a:r>
-            <a:r>
-              <a:rPr lang="fr-FR" sz="1200" i="1" dirty="0" smtClean="0">
-                <a:solidFill>
-                  <a:srgbClr val="0563B8"/>
-                </a:solidFill>
-                <a:latin typeface="+mj-lt"/>
-              </a:rPr>
-              <a:t>documents : Archives </a:t>
-            </a:r>
-            <a:r>
-              <a:rPr lang="fr-FR" sz="1200" i="1" dirty="0">
-                <a:solidFill>
-                  <a:srgbClr val="0563B8"/>
-                </a:solidFill>
-                <a:latin typeface="+mj-lt"/>
-              </a:rPr>
-              <a:t>des Yvelines, Mémoire des hommes, </a:t>
-            </a:r>
-            <a:r>
-              <a:rPr lang="fr-FR" sz="1200" i="1" dirty="0" err="1">
-                <a:solidFill>
-                  <a:srgbClr val="0563B8"/>
-                </a:solidFill>
-                <a:latin typeface="+mj-lt"/>
-              </a:rPr>
-              <a:t>Gallica</a:t>
-            </a:r>
-            <a:r>
-              <a:rPr lang="fr-FR" sz="1200" i="1" dirty="0">
-                <a:solidFill>
-                  <a:srgbClr val="0563B8"/>
-                </a:solidFill>
-                <a:latin typeface="+mj-lt"/>
-              </a:rPr>
-              <a:t>...</a:t>
-            </a:r>
-          </a:p>
-        </p:txBody>
-      </p:sp>
-      <p:pic>
-        <p:nvPicPr>
-          <p:cNvPr id="1026" name="Picture 2" descr="BM78517_PER1100_000_1940012053_001.jpg"/>
-          <p:cNvPicPr>
-            <a:picLocks noChangeAspect="1" noChangeArrowheads="1"/>
-          </p:cNvPicPr>
-          <p:nvPr/>
-        </p:nvPicPr>
-        <p:blipFill rotWithShape="1">
-          <a:blip r:embed="rId2">
-            <a:extLst>
-              <a:ext uri="{28A0092B-C50C-407E-A947-70E740481C1C}">
-                <a14:useLocalDpi xmlns:a14="http://schemas.microsoft.com/office/drawing/2010/main" val="0"/>
-              </a:ext>
-            </a:extLst>
-          </a:blip>
-          <a:srcRect l="4670" t="3603" r="5502" b="6936"/>
-          <a:stretch/>
-        </p:blipFill>
-        <p:spPr bwMode="auto">
-          <a:xfrm>
-            <a:off x="6156176" y="2781967"/>
-            <a:ext cx="2231729" cy="3191247"/>
-          </a:xfrm>
-          <a:prstGeom prst="rect">
-            <a:avLst/>
-          </a:prstGeom>
-          <a:noFill/>
-          <a:ln w="19050">
-            <a:solidFill>
-              <a:srgbClr val="0563B8"/>
-            </a:solidFill>
-          </a:ln>
-          <a:extLst>
-            <a:ext uri="{909E8E84-426E-40DD-AFC4-6F175D3DCCD1}">
-              <a14:hiddenFill xmlns:a14="http://schemas.microsoft.com/office/drawing/2010/main">
-                <a:solidFill>
-                  <a:srgbClr val="FFFFFF"/>
-                </a:solidFill>
-              </a14:hiddenFill>
-            </a:ext>
-          </a:extLst>
-        </p:spPr>
-      </p:pic>
-      <p:sp>
-        <p:nvSpPr>
-          <p:cNvPr id="2" name="Étoile à 5 branches 1"/>
-          <p:cNvSpPr/>
-          <p:nvPr/>
-        </p:nvSpPr>
-        <p:spPr>
-          <a:xfrm>
-            <a:off x="755576" y="2204864"/>
-            <a:ext cx="108000" cy="108000"/>
-          </a:xfrm>
-          <a:prstGeom prst="star5">
-            <a:avLst/>
-          </a:prstGeom>
-        </p:spPr>
-        <p:style>
-          <a:lnRef idx="2">
-            <a:schemeClr val="accent1">
-              <a:shade val="50000"/>
-            </a:schemeClr>
-          </a:lnRef>
-          <a:fillRef idx="1">
-            <a:schemeClr val="accent1"/>
-          </a:fillRef>
-          <a:effectRef idx="0">
-            <a:schemeClr val="accent1"/>
-          </a:effectRef>
-          <a:fontRef idx="minor">
-            <a:schemeClr val="lt1"/>
-          </a:fontRef>
-        </p:style>
-        <p:txBody>
-          <a:bodyPr rtlCol="0" anchor="ctr"/>
-          <a:lstStyle/>
-          <a:p>
-            <a:pPr algn="ctr"/>
-            <a:endParaRPr lang="fr-FR"/>
-          </a:p>
-        </p:txBody>
-      </p:sp>
-    </p:spTree>
-    <p:extLst>
-      <p:ext uri="{BB962C8B-B14F-4D97-AF65-F5344CB8AC3E}">
-        <p14:creationId xmlns:p14="http://schemas.microsoft.com/office/powerpoint/2010/main" val="4266983893"/>
-      </p:ext>
-    </p:extLst>
-  </p:cSld>
-  <p:clrMapOvr>
-    <a:masterClrMapping/>
-  </p:clrMapOvr>
-  <p:timing>
-    <p:tnLst>
-      <p:par>
-        <p:cTn id="1" dur="indefinite" restart="never" nodeType="tmRoot"/>
-      </p:par>
-    </p:tnLst>
-  </p:timing>
-</p:sld>
-</file>
-
-<file path=ppt/slides/slide20.xml><?xml version="1.0" encoding="utf-8"?>
-<p:sld xmlns:a="http://schemas.openxmlformats.org/drawingml/2006/main" xmlns:r="http://schemas.openxmlformats.org/officeDocument/2006/relationships" xmlns:p="http://schemas.openxmlformats.org/presentationml/2006/main">
-  <p:cSld>
-    <p:spTree>
-      <p:nvGrpSpPr>
-        <p:cNvPr id="1" name=""/>
-        <p:cNvGrpSpPr/>
-        <p:nvPr/>
-      </p:nvGrpSpPr>
-      <p:grpSpPr>
-        <a:xfrm>
-          <a:off x="0" y="0"/>
-          <a:ext cx="0" cy="0"/>
-          <a:chOff x="0" y="0"/>
-          <a:chExt cx="0" cy="0"/>
-        </a:xfrm>
-      </p:grpSpPr>
-      <p:sp>
-        <p:nvSpPr>
-          <p:cNvPr id="2" name="Titre 1"/>
-          <p:cNvSpPr>
-            <a:spLocks noGrp="1"/>
-          </p:cNvSpPr>
-          <p:nvPr>
-            <p:ph type="title"/>
-          </p:nvPr>
-        </p:nvSpPr>
-        <p:spPr>
-          <a:xfrm>
-            <a:off x="457200" y="2857500"/>
-            <a:ext cx="8229600" cy="1143000"/>
-          </a:xfrm>
-        </p:spPr>
-        <p:txBody>
-          <a:bodyPr>
-            <a:normAutofit/>
-          </a:bodyPr>
-          <a:lstStyle/>
-          <a:p>
-            <a:r>
-              <a:rPr lang="fr-FR" dirty="0" smtClean="0">
-                <a:solidFill>
-                  <a:srgbClr val="0563B8"/>
-                </a:solidFill>
-                <a:latin typeface="Montserrat" panose="02000505000000020004" pitchFamily="2" charset="0"/>
-              </a:rPr>
-              <a:t>Plani</a:t>
-            </a:r>
-            <a:r>
-              <a:rPr lang="fr-FR" dirty="0" smtClean="0">
-                <a:solidFill>
-                  <a:srgbClr val="00A7AA"/>
-                </a:solidFill>
-                <a:latin typeface="Montserrat" panose="02000505000000020004" pitchFamily="2" charset="0"/>
-              </a:rPr>
-              <a:t>fication</a:t>
-            </a:r>
-            <a:endParaRPr lang="fr-FR" dirty="0">
-              <a:solidFill>
-                <a:srgbClr val="00A7AA"/>
-              </a:solidFill>
-              <a:latin typeface="Montserrat" panose="02000505000000020004" pitchFamily="2" charset="0"/>
-            </a:endParaRPr>
-          </a:p>
-        </p:txBody>
-      </p:sp>
-      <p:sp>
-        <p:nvSpPr>
-          <p:cNvPr id="3" name="Espace réservé du numéro de diapositive 2"/>
-          <p:cNvSpPr>
-            <a:spLocks noGrp="1"/>
-          </p:cNvSpPr>
-          <p:nvPr>
-            <p:ph type="sldNum" sz="quarter" idx="12"/>
-          </p:nvPr>
-        </p:nvSpPr>
-        <p:spPr/>
-        <p:txBody>
-          <a:bodyPr/>
-          <a:lstStyle/>
-          <a:p>
-            <a:fld id="{EDA4C233-F16D-4FA8-AC9B-61C6F55E69AB}" type="slidenum">
-              <a:rPr lang="fr-FR" smtClean="0"/>
-              <a:t>20</a:t>
-            </a:fld>
-            <a:endParaRPr lang="fr-FR"/>
-          </a:p>
-        </p:txBody>
-      </p:sp>
-    </p:spTree>
-    <p:extLst>
-      <p:ext uri="{BB962C8B-B14F-4D97-AF65-F5344CB8AC3E}">
-        <p14:creationId xmlns:p14="http://schemas.microsoft.com/office/powerpoint/2010/main" val="2438015966"/>
-      </p:ext>
-    </p:extLst>
-  </p:cSld>
-  <p:clrMapOvr>
-    <a:masterClrMapping/>
-  </p:clrMapOvr>
-  <p:timing>
-    <p:tnLst>
-      <p:par>
-        <p:cTn id="1" dur="indefinite" restart="never" nodeType="tmRoot"/>
-      </p:par>
-    </p:tnLst>
-  </p:timing>
-</p:sld>
-</file>
-
-<file path=ppt/slides/slide21.xml><?xml version="1.0" encoding="utf-8"?>
-<p:sld xmlns:a="http://schemas.openxmlformats.org/drawingml/2006/main" xmlns:r="http://schemas.openxmlformats.org/officeDocument/2006/relationships" xmlns:p="http://schemas.openxmlformats.org/presentationml/2006/main">
-  <p:cSld>
-    <p:spTree>
-      <p:nvGrpSpPr>
-        <p:cNvPr id="1" name=""/>
-        <p:cNvGrpSpPr/>
-        <p:nvPr/>
-      </p:nvGrpSpPr>
-      <p:grpSpPr>
-        <a:xfrm>
-          <a:off x="0" y="0"/>
-          <a:ext cx="0" cy="0"/>
-          <a:chOff x="0" y="0"/>
-          <a:chExt cx="0" cy="0"/>
-        </a:xfrm>
-      </p:grpSpPr>
-      <p:sp>
-        <p:nvSpPr>
-          <p:cNvPr id="14" name="Titre 1"/>
-          <p:cNvSpPr txBox="1">
-            <a:spLocks/>
-          </p:cNvSpPr>
-          <p:nvPr/>
-        </p:nvSpPr>
-        <p:spPr>
-          <a:xfrm>
-            <a:off x="251520" y="116632"/>
-            <a:ext cx="6624736" cy="1080120"/>
-          </a:xfrm>
-          <a:prstGeom prst="rect">
-            <a:avLst/>
-          </a:prstGeom>
-        </p:spPr>
-        <p:txBody>
-          <a:bodyPr vert="horz" lIns="91440" tIns="45720" rIns="91440" bIns="45720" rtlCol="0" anchor="ctr">
-            <a:normAutofit/>
-          </a:bodyPr>
-          <a:lstStyle>
-            <a:lvl1pPr algn="ctr" defTabSz="914400" rtl="0" eaLnBrk="1" latinLnBrk="0" hangingPunct="1">
-              <a:spcBef>
-                <a:spcPct val="0"/>
-              </a:spcBef>
-              <a:buNone/>
-              <a:defRPr sz="4400" kern="1200">
-                <a:solidFill>
-                  <a:schemeClr val="tx1"/>
-                </a:solidFill>
-                <a:latin typeface="+mj-lt"/>
-                <a:ea typeface="+mj-ea"/>
-                <a:cs typeface="+mj-cs"/>
-              </a:defRPr>
-            </a:lvl1pPr>
-          </a:lstStyle>
-          <a:p>
-            <a:pPr algn="l"/>
-            <a:r>
-              <a:rPr lang="fr-FR" sz="3200" dirty="0" err="1" smtClean="0">
-                <a:solidFill>
-                  <a:srgbClr val="0563B8"/>
-                </a:solidFill>
-                <a:latin typeface="Montserrat" panose="02000505000000020004" pitchFamily="2" charset="0"/>
-              </a:rPr>
-              <a:t>Time</a:t>
-            </a:r>
-            <a:r>
-              <a:rPr lang="fr-FR" sz="3200" dirty="0" err="1" smtClean="0">
-                <a:solidFill>
-                  <a:srgbClr val="00A7AA"/>
-                </a:solidFill>
-                <a:latin typeface="Montserrat" panose="02000505000000020004" pitchFamily="2" charset="0"/>
-              </a:rPr>
-              <a:t>line</a:t>
-            </a:r>
-            <a:endParaRPr lang="fr-FR" sz="3200" dirty="0">
-              <a:solidFill>
-                <a:srgbClr val="00A7AA"/>
-              </a:solidFill>
-              <a:latin typeface="Montserrat" panose="02000505000000020004" pitchFamily="2" charset="0"/>
-            </a:endParaRPr>
-          </a:p>
-        </p:txBody>
-      </p:sp>
-    </p:spTree>
-    <p:extLst>
-      <p:ext uri="{BB962C8B-B14F-4D97-AF65-F5344CB8AC3E}">
-        <p14:creationId xmlns:p14="http://schemas.microsoft.com/office/powerpoint/2010/main" val="3947420448"/>
       </p:ext>
     </p:extLst>
   </p:cSld>
@@ -12211,7 +13398,7 @@
         </p:nvSpPr>
         <p:spPr>
           <a:xfrm>
-            <a:off x="457200" y="701824"/>
+            <a:off x="457200" y="2857500"/>
             <a:ext cx="8229600" cy="1143000"/>
           </a:xfrm>
         </p:spPr>
@@ -12228,7 +13415,7 @@
                 </a:solidFill>
                 <a:latin typeface="Montserrat" panose="02000505000000020004" pitchFamily="2" charset="0"/>
               </a:rPr>
-              <a:t>Conc</a:t>
+              <a:t>Plani</a:t>
             </a:r>
             <a:r>
               <a:rPr lang="fr-FR" dirty="0" smtClean="0">
@@ -12237,7 +13424,7 @@
                 </a:solidFill>
                 <a:latin typeface="Montserrat" panose="02000505000000020004" pitchFamily="2" charset="0"/>
               </a:rPr>
-              <a:t>lusion</a:t>
+              <a:t>fication</a:t>
             </a:r>
             <a:endParaRPr lang="fr-FR" dirty="0">
               <a:solidFill>
@@ -12271,6 +13458,798 @@
           </a:p>
         </p:txBody>
       </p:sp>
+    </p:spTree>
+    <p:extLst>
+      <p:ext uri="{BB962C8B-B14F-4D97-AF65-F5344CB8AC3E}">
+        <p14:creationId xmlns:p14="http://schemas.microsoft.com/office/powerpoint/2010/main" val="2438015966"/>
+      </p:ext>
+    </p:extLst>
+  </p:cSld>
+  <p:clrMapOvr>
+    <a:masterClrMapping/>
+  </p:clrMapOvr>
+  <p:timing>
+    <p:tnLst>
+      <p:par>
+        <p:cTn id="1" dur="indefinite" restart="never" nodeType="tmRoot"/>
+      </p:par>
+    </p:tnLst>
+  </p:timing>
+</p:sld>
+</file>
+
+<file path=ppt/slides/slide23.xml><?xml version="1.0" encoding="utf-8"?>
+<p:sld xmlns:a="http://schemas.openxmlformats.org/drawingml/2006/main" xmlns:r="http://schemas.openxmlformats.org/officeDocument/2006/relationships" xmlns:p="http://schemas.openxmlformats.org/presentationml/2006/main">
+  <p:cSld>
+    <p:spTree>
+      <p:nvGrpSpPr>
+        <p:cNvPr id="1" name=""/>
+        <p:cNvGrpSpPr/>
+        <p:nvPr/>
+      </p:nvGrpSpPr>
+      <p:grpSpPr>
+        <a:xfrm>
+          <a:off x="0" y="0"/>
+          <a:ext cx="0" cy="0"/>
+          <a:chOff x="0" y="0"/>
+          <a:chExt cx="0" cy="0"/>
+        </a:xfrm>
+      </p:grpSpPr>
+      <p:sp>
+        <p:nvSpPr>
+          <p:cNvPr id="14" name="Titre 1"/>
+          <p:cNvSpPr txBox="1">
+            <a:spLocks/>
+          </p:cNvSpPr>
+          <p:nvPr/>
+        </p:nvSpPr>
+        <p:spPr>
+          <a:xfrm>
+            <a:off x="251520" y="116632"/>
+            <a:ext cx="6624736" cy="1080120"/>
+          </a:xfrm>
+          <a:prstGeom prst="rect">
+            <a:avLst/>
+          </a:prstGeom>
+        </p:spPr>
+        <p:txBody>
+          <a:bodyPr vert="horz" lIns="91440" tIns="45720" rIns="91440" bIns="45720" rtlCol="0" anchor="ctr">
+            <a:normAutofit/>
+          </a:bodyPr>
+          <a:lstStyle>
+            <a:lvl1pPr algn="ctr" defTabSz="914400" rtl="0" eaLnBrk="1" latinLnBrk="0" hangingPunct="1">
+              <a:spcBef>
+                <a:spcPct val="0"/>
+              </a:spcBef>
+              <a:buNone/>
+              <a:defRPr sz="4400" kern="1200">
+                <a:solidFill>
+                  <a:schemeClr val="tx1"/>
+                </a:solidFill>
+                <a:latin typeface="+mj-lt"/>
+                <a:ea typeface="+mj-ea"/>
+                <a:cs typeface="+mj-cs"/>
+              </a:defRPr>
+            </a:lvl1pPr>
+          </a:lstStyle>
+          <a:p>
+            <a:pPr algn="l"/>
+            <a:r>
+              <a:rPr lang="fr-FR" sz="3200" dirty="0" smtClean="0">
+                <a:solidFill>
+                  <a:srgbClr val="0563B8"/>
+                </a:solidFill>
+                <a:latin typeface="Montserrat" panose="02000505000000020004" pitchFamily="2" charset="0"/>
+              </a:rPr>
+              <a:t>Plani</a:t>
+            </a:r>
+            <a:r>
+              <a:rPr lang="fr-FR" sz="3200" dirty="0" smtClean="0">
+                <a:solidFill>
+                  <a:srgbClr val="00A7AA"/>
+                </a:solidFill>
+                <a:latin typeface="Montserrat" panose="02000505000000020004" pitchFamily="2" charset="0"/>
+              </a:rPr>
+              <a:t>fication</a:t>
+            </a:r>
+            <a:endParaRPr lang="fr-FR" sz="3200" dirty="0">
+              <a:solidFill>
+                <a:srgbClr val="00A7AA"/>
+              </a:solidFill>
+              <a:latin typeface="Montserrat" panose="02000505000000020004" pitchFamily="2" charset="0"/>
+            </a:endParaRPr>
+          </a:p>
+        </p:txBody>
+      </p:sp>
+      <p:sp>
+        <p:nvSpPr>
+          <p:cNvPr id="2" name="AutoShape 2" descr="https://gitlab.insa-rennes.fr/francois-boschet/gutemberg/raw/master/report/3_planification/figure/frise.png"/>
+          <p:cNvSpPr>
+            <a:spLocks noChangeAspect="1" noChangeArrowheads="1"/>
+          </p:cNvSpPr>
+          <p:nvPr/>
+        </p:nvSpPr>
+        <p:spPr bwMode="auto">
+          <a:xfrm>
+            <a:off x="155575" y="-144463"/>
+            <a:ext cx="304800" cy="304801"/>
+          </a:xfrm>
+          <a:prstGeom prst="rect">
+            <a:avLst/>
+          </a:prstGeom>
+          <a:noFill/>
+          <a:extLst>
+            <a:ext uri="{909E8E84-426E-40DD-AFC4-6F175D3DCCD1}">
+              <a14:hiddenFill xmlns:a14="http://schemas.microsoft.com/office/drawing/2010/main">
+                <a:solidFill>
+                  <a:srgbClr val="FFFFFF"/>
+                </a:solidFill>
+              </a14:hiddenFill>
+            </a:ext>
+          </a:extLst>
+        </p:spPr>
+        <p:txBody>
+          <a:bodyPr vert="horz" wrap="square" lIns="91440" tIns="45720" rIns="91440" bIns="45720" numCol="1" anchor="t" anchorCtr="0" compatLnSpc="1">
+            <a:prstTxWarp prst="textNoShape">
+              <a:avLst/>
+            </a:prstTxWarp>
+          </a:bodyPr>
+          <a:lstStyle/>
+          <a:p>
+            <a:endParaRPr lang="fr-FR"/>
+          </a:p>
+        </p:txBody>
+      </p:sp>
+      <p:sp>
+        <p:nvSpPr>
+          <p:cNvPr id="5" name="ZoneTexte 4"/>
+          <p:cNvSpPr txBox="1"/>
+          <p:nvPr/>
+        </p:nvSpPr>
+        <p:spPr>
+          <a:xfrm>
+            <a:off x="623079" y="1764099"/>
+            <a:ext cx="8142990" cy="3970318"/>
+          </a:xfrm>
+          <a:prstGeom prst="rect">
+            <a:avLst/>
+          </a:prstGeom>
+          <a:noFill/>
+        </p:spPr>
+        <p:txBody>
+          <a:bodyPr wrap="square" rtlCol="0">
+            <a:spAutoFit/>
+          </a:bodyPr>
+          <a:lstStyle/>
+          <a:p>
+            <a:pPr marL="742950" lvl="1" indent="-285750" fontAlgn="base">
+              <a:buFont typeface="Arial" panose="020B0604020202020204" pitchFamily="34" charset="0"/>
+              <a:buChar char="•"/>
+            </a:pPr>
+            <a:r>
+              <a:rPr lang="fr-FR" sz="2800" dirty="0" smtClean="0">
+                <a:solidFill>
+                  <a:srgbClr val="0563B8"/>
+                </a:solidFill>
+                <a:latin typeface="+mj-lt"/>
+              </a:rPr>
+              <a:t>3 développeurs (24h/semaine)</a:t>
+            </a:r>
+          </a:p>
+          <a:p>
+            <a:pPr marL="742950" lvl="1" indent="-285750" fontAlgn="base">
+              <a:buFont typeface="Arial" panose="020B0604020202020204" pitchFamily="34" charset="0"/>
+              <a:buChar char="•"/>
+            </a:pPr>
+            <a:endParaRPr lang="fr-FR" sz="2800" dirty="0" smtClean="0">
+              <a:solidFill>
+                <a:srgbClr val="0563B8"/>
+              </a:solidFill>
+              <a:latin typeface="+mj-lt"/>
+            </a:endParaRPr>
+          </a:p>
+          <a:p>
+            <a:pPr marL="742950" lvl="1" indent="-285750" fontAlgn="base">
+              <a:buFont typeface="Arial" panose="020B0604020202020204" pitchFamily="34" charset="0"/>
+              <a:buChar char="•"/>
+            </a:pPr>
+            <a:r>
+              <a:rPr lang="fr-FR" sz="2800" dirty="0" smtClean="0">
+                <a:solidFill>
+                  <a:srgbClr val="0563B8"/>
+                </a:solidFill>
+                <a:latin typeface="+mj-lt"/>
+              </a:rPr>
+              <a:t>Phase de pré-développement</a:t>
+            </a:r>
+          </a:p>
+          <a:p>
+            <a:pPr marL="742950" lvl="1" indent="-285750" fontAlgn="base">
+              <a:buFont typeface="Arial" panose="020B0604020202020204" pitchFamily="34" charset="0"/>
+              <a:buChar char="•"/>
+            </a:pPr>
+            <a:endParaRPr lang="fr-FR" sz="2800" dirty="0" smtClean="0">
+              <a:solidFill>
+                <a:srgbClr val="0563B8"/>
+              </a:solidFill>
+              <a:latin typeface="+mj-lt"/>
+            </a:endParaRPr>
+          </a:p>
+          <a:p>
+            <a:pPr marL="742950" lvl="1" indent="-285750" fontAlgn="base">
+              <a:buFont typeface="Arial" panose="020B0604020202020204" pitchFamily="34" charset="0"/>
+              <a:buChar char="•"/>
+            </a:pPr>
+            <a:r>
+              <a:rPr lang="fr-FR" sz="2800" dirty="0" smtClean="0">
+                <a:solidFill>
+                  <a:srgbClr val="0563B8"/>
+                </a:solidFill>
+                <a:latin typeface="+mj-lt"/>
+              </a:rPr>
+              <a:t>3 itérations, 3 livraisons</a:t>
+            </a:r>
+          </a:p>
+          <a:p>
+            <a:pPr lvl="1" fontAlgn="base"/>
+            <a:endParaRPr lang="fr-FR" sz="2800" dirty="0">
+              <a:solidFill>
+                <a:srgbClr val="0563B8"/>
+              </a:solidFill>
+              <a:latin typeface="+mj-lt"/>
+            </a:endParaRPr>
+          </a:p>
+          <a:p>
+            <a:pPr marL="742950" lvl="1" indent="-285750" fontAlgn="base">
+              <a:buFont typeface="Arial" panose="020B0604020202020204" pitchFamily="34" charset="0"/>
+              <a:buChar char="•"/>
+            </a:pPr>
+            <a:endParaRPr lang="fr-FR" sz="2800" dirty="0">
+              <a:solidFill>
+                <a:srgbClr val="0563B8"/>
+              </a:solidFill>
+              <a:latin typeface="+mj-lt"/>
+            </a:endParaRPr>
+          </a:p>
+          <a:p>
+            <a:pPr algn="ctr" fontAlgn="base"/>
+            <a:r>
+              <a:rPr lang="fr-FR" sz="2800" dirty="0" smtClean="0">
+                <a:solidFill>
+                  <a:srgbClr val="00A7AA"/>
+                </a:solidFill>
+                <a:latin typeface="+mj-lt"/>
+              </a:rPr>
+              <a:t>Durée du projet</a:t>
+            </a:r>
+            <a:endParaRPr lang="fr-FR" sz="2800" dirty="0">
+              <a:solidFill>
+                <a:srgbClr val="0563B8"/>
+              </a:solidFill>
+              <a:latin typeface="+mj-lt"/>
+            </a:endParaRPr>
+          </a:p>
+          <a:p>
+            <a:pPr algn="ctr" fontAlgn="base"/>
+            <a:r>
+              <a:rPr lang="fr-FR" sz="2800" dirty="0" smtClean="0">
+                <a:solidFill>
+                  <a:srgbClr val="0563B8"/>
+                </a:solidFill>
+                <a:latin typeface="+mj-lt"/>
+              </a:rPr>
+              <a:t>du 15 janvier au 25 mai</a:t>
+            </a:r>
+            <a:endParaRPr lang="fr-FR" sz="2800" dirty="0">
+              <a:solidFill>
+                <a:srgbClr val="0563B8"/>
+              </a:solidFill>
+              <a:latin typeface="+mj-lt"/>
+            </a:endParaRPr>
+          </a:p>
+        </p:txBody>
+      </p:sp>
+    </p:spTree>
+    <p:extLst>
+      <p:ext uri="{BB962C8B-B14F-4D97-AF65-F5344CB8AC3E}">
+        <p14:creationId xmlns:p14="http://schemas.microsoft.com/office/powerpoint/2010/main" val="3947420448"/>
+      </p:ext>
+    </p:extLst>
+  </p:cSld>
+  <p:clrMapOvr>
+    <a:masterClrMapping/>
+  </p:clrMapOvr>
+  <p:timing>
+    <p:tnLst>
+      <p:par>
+        <p:cTn id="1" dur="indefinite" restart="never" nodeType="tmRoot"/>
+      </p:par>
+    </p:tnLst>
+  </p:timing>
+</p:sld>
+</file>
+
+<file path=ppt/slides/slide24.xml><?xml version="1.0" encoding="utf-8"?>
+<p:sld xmlns:a="http://schemas.openxmlformats.org/drawingml/2006/main" xmlns:r="http://schemas.openxmlformats.org/officeDocument/2006/relationships" xmlns:p="http://schemas.openxmlformats.org/presentationml/2006/main">
+  <p:cSld>
+    <p:spTree>
+      <p:nvGrpSpPr>
+        <p:cNvPr id="1" name=""/>
+        <p:cNvGrpSpPr/>
+        <p:nvPr/>
+      </p:nvGrpSpPr>
+      <p:grpSpPr>
+        <a:xfrm>
+          <a:off x="0" y="0"/>
+          <a:ext cx="0" cy="0"/>
+          <a:chOff x="0" y="0"/>
+          <a:chExt cx="0" cy="0"/>
+        </a:xfrm>
+      </p:grpSpPr>
+      <p:sp>
+        <p:nvSpPr>
+          <p:cNvPr id="14" name="Titre 1"/>
+          <p:cNvSpPr txBox="1">
+            <a:spLocks/>
+          </p:cNvSpPr>
+          <p:nvPr/>
+        </p:nvSpPr>
+        <p:spPr>
+          <a:xfrm>
+            <a:off x="251520" y="116632"/>
+            <a:ext cx="6624736" cy="1080120"/>
+          </a:xfrm>
+          <a:prstGeom prst="rect">
+            <a:avLst/>
+          </a:prstGeom>
+        </p:spPr>
+        <p:txBody>
+          <a:bodyPr vert="horz" lIns="91440" tIns="45720" rIns="91440" bIns="45720" rtlCol="0" anchor="ctr">
+            <a:normAutofit/>
+          </a:bodyPr>
+          <a:lstStyle>
+            <a:lvl1pPr algn="ctr" defTabSz="914400" rtl="0" eaLnBrk="1" latinLnBrk="0" hangingPunct="1">
+              <a:spcBef>
+                <a:spcPct val="0"/>
+              </a:spcBef>
+              <a:buNone/>
+              <a:defRPr sz="4400" kern="1200">
+                <a:solidFill>
+                  <a:schemeClr val="tx1"/>
+                </a:solidFill>
+                <a:latin typeface="+mj-lt"/>
+                <a:ea typeface="+mj-ea"/>
+                <a:cs typeface="+mj-cs"/>
+              </a:defRPr>
+            </a:lvl1pPr>
+          </a:lstStyle>
+          <a:p>
+            <a:pPr algn="l"/>
+            <a:r>
+              <a:rPr lang="fr-FR" sz="3200" dirty="0" err="1" smtClean="0">
+                <a:solidFill>
+                  <a:srgbClr val="0563B8"/>
+                </a:solidFill>
+                <a:latin typeface="Montserrat" panose="02000505000000020004" pitchFamily="2" charset="0"/>
+              </a:rPr>
+              <a:t>Time</a:t>
+            </a:r>
+            <a:r>
+              <a:rPr lang="fr-FR" sz="3200" dirty="0" err="1" smtClean="0">
+                <a:solidFill>
+                  <a:srgbClr val="00A7AA"/>
+                </a:solidFill>
+                <a:latin typeface="Montserrat" panose="02000505000000020004" pitchFamily="2" charset="0"/>
+              </a:rPr>
+              <a:t>line</a:t>
+            </a:r>
+            <a:endParaRPr lang="fr-FR" sz="3200" dirty="0">
+              <a:solidFill>
+                <a:srgbClr val="00A7AA"/>
+              </a:solidFill>
+              <a:latin typeface="Montserrat" panose="02000505000000020004" pitchFamily="2" charset="0"/>
+            </a:endParaRPr>
+          </a:p>
+        </p:txBody>
+      </p:sp>
+      <p:sp>
+        <p:nvSpPr>
+          <p:cNvPr id="2" name="AutoShape 2" descr="https://gitlab.insa-rennes.fr/francois-boschet/gutemberg/raw/master/report/3_planification/figure/frise.png"/>
+          <p:cNvSpPr>
+            <a:spLocks noChangeAspect="1" noChangeArrowheads="1"/>
+          </p:cNvSpPr>
+          <p:nvPr/>
+        </p:nvSpPr>
+        <p:spPr bwMode="auto">
+          <a:xfrm>
+            <a:off x="155575" y="-144463"/>
+            <a:ext cx="304800" cy="304801"/>
+          </a:xfrm>
+          <a:prstGeom prst="rect">
+            <a:avLst/>
+          </a:prstGeom>
+          <a:noFill/>
+          <a:extLst>
+            <a:ext uri="{909E8E84-426E-40DD-AFC4-6F175D3DCCD1}">
+              <a14:hiddenFill xmlns:a14="http://schemas.microsoft.com/office/drawing/2010/main">
+                <a:solidFill>
+                  <a:srgbClr val="FFFFFF"/>
+                </a:solidFill>
+              </a14:hiddenFill>
+            </a:ext>
+          </a:extLst>
+        </p:spPr>
+        <p:txBody>
+          <a:bodyPr vert="horz" wrap="square" lIns="91440" tIns="45720" rIns="91440" bIns="45720" numCol="1" anchor="t" anchorCtr="0" compatLnSpc="1">
+            <a:prstTxWarp prst="textNoShape">
+              <a:avLst/>
+            </a:prstTxWarp>
+          </a:bodyPr>
+          <a:lstStyle/>
+          <a:p>
+            <a:endParaRPr lang="fr-FR"/>
+          </a:p>
+        </p:txBody>
+      </p:sp>
+      <p:pic>
+        <p:nvPicPr>
+          <p:cNvPr id="1027" name="Picture 3"/>
+          <p:cNvPicPr>
+            <a:picLocks noChangeAspect="1" noChangeArrowheads="1"/>
+          </p:cNvPicPr>
+          <p:nvPr/>
+        </p:nvPicPr>
+        <p:blipFill>
+          <a:blip r:embed="rId2">
+            <a:extLst>
+              <a:ext uri="{28A0092B-C50C-407E-A947-70E740481C1C}">
+                <a14:useLocalDpi xmlns:a14="http://schemas.microsoft.com/office/drawing/2010/main" val="0"/>
+              </a:ext>
+            </a:extLst>
+          </a:blip>
+          <a:srcRect/>
+          <a:stretch>
+            <a:fillRect/>
+          </a:stretch>
+        </p:blipFill>
+        <p:spPr bwMode="auto">
+          <a:xfrm>
+            <a:off x="621779" y="1666528"/>
+            <a:ext cx="15543509" cy="4426768"/>
+          </a:xfrm>
+          <a:prstGeom prst="rect">
+            <a:avLst/>
+          </a:prstGeom>
+          <a:noFill/>
+          <a:ln>
+            <a:noFill/>
+          </a:ln>
+          <a:extLst>
+            <a:ext uri="{909E8E84-426E-40DD-AFC4-6F175D3DCCD1}">
+              <a14:hiddenFill xmlns:a14="http://schemas.microsoft.com/office/drawing/2010/main">
+                <a:solidFill>
+                  <a:schemeClr val="accent1"/>
+                </a:solidFill>
+              </a14:hiddenFill>
+            </a:ext>
+            <a:ext uri="{91240B29-F687-4F45-9708-019B960494DF}">
+              <a14:hiddenLine xmlns:a14="http://schemas.microsoft.com/office/drawing/2010/main" w="9525">
+                <a:solidFill>
+                  <a:schemeClr val="tx1"/>
+                </a:solidFill>
+                <a:miter lim="800000"/>
+                <a:headEnd/>
+                <a:tailEnd/>
+              </a14:hiddenLine>
+            </a:ext>
+          </a:extLst>
+        </p:spPr>
+      </p:pic>
+    </p:spTree>
+    <p:extLst>
+      <p:ext uri="{BB962C8B-B14F-4D97-AF65-F5344CB8AC3E}">
+        <p14:creationId xmlns:p14="http://schemas.microsoft.com/office/powerpoint/2010/main" val="914271643"/>
+      </p:ext>
+    </p:extLst>
+  </p:cSld>
+  <p:clrMapOvr>
+    <a:masterClrMapping/>
+  </p:clrMapOvr>
+  <p:timing>
+    <p:tnLst>
+      <p:par>
+        <p:cTn id="1" dur="indefinite" restart="never" nodeType="tmRoot"/>
+      </p:par>
+    </p:tnLst>
+  </p:timing>
+</p:sld>
+</file>
+
+<file path=ppt/slides/slide25.xml><?xml version="1.0" encoding="utf-8"?>
+<p:sld xmlns:a="http://schemas.openxmlformats.org/drawingml/2006/main" xmlns:r="http://schemas.openxmlformats.org/officeDocument/2006/relationships" xmlns:p="http://schemas.openxmlformats.org/presentationml/2006/main">
+  <p:cSld>
+    <p:spTree>
+      <p:nvGrpSpPr>
+        <p:cNvPr id="1" name=""/>
+        <p:cNvGrpSpPr/>
+        <p:nvPr/>
+      </p:nvGrpSpPr>
+      <p:grpSpPr>
+        <a:xfrm>
+          <a:off x="0" y="0"/>
+          <a:ext cx="0" cy="0"/>
+          <a:chOff x="0" y="0"/>
+          <a:chExt cx="0" cy="0"/>
+        </a:xfrm>
+      </p:grpSpPr>
+      <p:sp>
+        <p:nvSpPr>
+          <p:cNvPr id="14" name="Titre 1"/>
+          <p:cNvSpPr txBox="1">
+            <a:spLocks/>
+          </p:cNvSpPr>
+          <p:nvPr/>
+        </p:nvSpPr>
+        <p:spPr>
+          <a:xfrm>
+            <a:off x="251520" y="116632"/>
+            <a:ext cx="6624736" cy="1080120"/>
+          </a:xfrm>
+          <a:prstGeom prst="rect">
+            <a:avLst/>
+          </a:prstGeom>
+        </p:spPr>
+        <p:txBody>
+          <a:bodyPr vert="horz" lIns="91440" tIns="45720" rIns="91440" bIns="45720" rtlCol="0" anchor="ctr">
+            <a:normAutofit/>
+          </a:bodyPr>
+          <a:lstStyle>
+            <a:lvl1pPr algn="ctr" defTabSz="914400" rtl="0" eaLnBrk="1" latinLnBrk="0" hangingPunct="1">
+              <a:spcBef>
+                <a:spcPct val="0"/>
+              </a:spcBef>
+              <a:buNone/>
+              <a:defRPr sz="4400" kern="1200">
+                <a:solidFill>
+                  <a:schemeClr val="tx1"/>
+                </a:solidFill>
+                <a:latin typeface="+mj-lt"/>
+                <a:ea typeface="+mj-ea"/>
+                <a:cs typeface="+mj-cs"/>
+              </a:defRPr>
+            </a:lvl1pPr>
+          </a:lstStyle>
+          <a:p>
+            <a:pPr algn="l"/>
+            <a:r>
+              <a:rPr lang="fr-FR" sz="3200" dirty="0" err="1" smtClean="0">
+                <a:solidFill>
+                  <a:srgbClr val="0563B8"/>
+                </a:solidFill>
+                <a:latin typeface="Montserrat" panose="02000505000000020004" pitchFamily="2" charset="0"/>
+              </a:rPr>
+              <a:t>Time</a:t>
+            </a:r>
+            <a:r>
+              <a:rPr lang="fr-FR" sz="3200" dirty="0" err="1" smtClean="0">
+                <a:solidFill>
+                  <a:srgbClr val="00A7AA"/>
+                </a:solidFill>
+                <a:latin typeface="Montserrat" panose="02000505000000020004" pitchFamily="2" charset="0"/>
+              </a:rPr>
+              <a:t>line</a:t>
+            </a:r>
+            <a:endParaRPr lang="fr-FR" sz="3200" dirty="0">
+              <a:solidFill>
+                <a:srgbClr val="00A7AA"/>
+              </a:solidFill>
+              <a:latin typeface="Montserrat" panose="02000505000000020004" pitchFamily="2" charset="0"/>
+            </a:endParaRPr>
+          </a:p>
+        </p:txBody>
+      </p:sp>
+      <p:sp>
+        <p:nvSpPr>
+          <p:cNvPr id="2" name="AutoShape 2" descr="https://gitlab.insa-rennes.fr/francois-boschet/gutemberg/raw/master/report/3_planification/figure/frise.png"/>
+          <p:cNvSpPr>
+            <a:spLocks noChangeAspect="1" noChangeArrowheads="1"/>
+          </p:cNvSpPr>
+          <p:nvPr/>
+        </p:nvSpPr>
+        <p:spPr bwMode="auto">
+          <a:xfrm>
+            <a:off x="155575" y="-144463"/>
+            <a:ext cx="304800" cy="304801"/>
+          </a:xfrm>
+          <a:prstGeom prst="rect">
+            <a:avLst/>
+          </a:prstGeom>
+          <a:noFill/>
+          <a:extLst>
+            <a:ext uri="{909E8E84-426E-40DD-AFC4-6F175D3DCCD1}">
+              <a14:hiddenFill xmlns:a14="http://schemas.microsoft.com/office/drawing/2010/main">
+                <a:solidFill>
+                  <a:srgbClr val="FFFFFF"/>
+                </a:solidFill>
+              </a14:hiddenFill>
+            </a:ext>
+          </a:extLst>
+        </p:spPr>
+        <p:txBody>
+          <a:bodyPr vert="horz" wrap="square" lIns="91440" tIns="45720" rIns="91440" bIns="45720" numCol="1" anchor="t" anchorCtr="0" compatLnSpc="1">
+            <a:prstTxWarp prst="textNoShape">
+              <a:avLst/>
+            </a:prstTxWarp>
+          </a:bodyPr>
+          <a:lstStyle/>
+          <a:p>
+            <a:endParaRPr lang="fr-FR"/>
+          </a:p>
+        </p:txBody>
+      </p:sp>
+      <p:pic>
+        <p:nvPicPr>
+          <p:cNvPr id="1027" name="Picture 3"/>
+          <p:cNvPicPr>
+            <a:picLocks noChangeAspect="1" noChangeArrowheads="1"/>
+          </p:cNvPicPr>
+          <p:nvPr/>
+        </p:nvPicPr>
+        <p:blipFill>
+          <a:blip r:embed="rId2">
+            <a:extLst>
+              <a:ext uri="{28A0092B-C50C-407E-A947-70E740481C1C}">
+                <a14:useLocalDpi xmlns:a14="http://schemas.microsoft.com/office/drawing/2010/main" val="0"/>
+              </a:ext>
+            </a:extLst>
+          </a:blip>
+          <a:srcRect/>
+          <a:stretch>
+            <a:fillRect/>
+          </a:stretch>
+        </p:blipFill>
+        <p:spPr bwMode="auto">
+          <a:xfrm>
+            <a:off x="-6290989" y="1666528"/>
+            <a:ext cx="15543509" cy="4426768"/>
+          </a:xfrm>
+          <a:prstGeom prst="rect">
+            <a:avLst/>
+          </a:prstGeom>
+          <a:noFill/>
+          <a:ln>
+            <a:noFill/>
+          </a:ln>
+          <a:extLst>
+            <a:ext uri="{909E8E84-426E-40DD-AFC4-6F175D3DCCD1}">
+              <a14:hiddenFill xmlns:a14="http://schemas.microsoft.com/office/drawing/2010/main">
+                <a:solidFill>
+                  <a:schemeClr val="accent1"/>
+                </a:solidFill>
+              </a14:hiddenFill>
+            </a:ext>
+            <a:ext uri="{91240B29-F687-4F45-9708-019B960494DF}">
+              <a14:hiddenLine xmlns:a14="http://schemas.microsoft.com/office/drawing/2010/main" w="9525">
+                <a:solidFill>
+                  <a:schemeClr val="tx1"/>
+                </a:solidFill>
+                <a:miter lim="800000"/>
+                <a:headEnd/>
+                <a:tailEnd/>
+              </a14:hiddenLine>
+            </a:ext>
+          </a:extLst>
+        </p:spPr>
+      </p:pic>
+    </p:spTree>
+    <p:extLst>
+      <p:ext uri="{BB962C8B-B14F-4D97-AF65-F5344CB8AC3E}">
+        <p14:creationId xmlns:p14="http://schemas.microsoft.com/office/powerpoint/2010/main" val="1340917323"/>
+      </p:ext>
+    </p:extLst>
+  </p:cSld>
+  <p:clrMapOvr>
+    <a:masterClrMapping/>
+  </p:clrMapOvr>
+  <p:timing>
+    <p:tnLst>
+      <p:par>
+        <p:cTn id="1" dur="indefinite" restart="never" nodeType="tmRoot"/>
+      </p:par>
+    </p:tnLst>
+  </p:timing>
+</p:sld>
+</file>
+
+<file path=ppt/slides/slide26.xml><?xml version="1.0" encoding="utf-8"?>
+<p:sld xmlns:a="http://schemas.openxmlformats.org/drawingml/2006/main" xmlns:r="http://schemas.openxmlformats.org/officeDocument/2006/relationships" xmlns:p="http://schemas.openxmlformats.org/presentationml/2006/main">
+  <p:cSld>
+    <p:spTree>
+      <p:nvGrpSpPr>
+        <p:cNvPr id="1" name=""/>
+        <p:cNvGrpSpPr/>
+        <p:nvPr/>
+      </p:nvGrpSpPr>
+      <p:grpSpPr>
+        <a:xfrm>
+          <a:off x="0" y="0"/>
+          <a:ext cx="0" cy="0"/>
+          <a:chOff x="0" y="0"/>
+          <a:chExt cx="0" cy="0"/>
+        </a:xfrm>
+      </p:grpSpPr>
+      <p:sp>
+        <p:nvSpPr>
+          <p:cNvPr id="2" name="Titre 1"/>
+          <p:cNvSpPr>
+            <a:spLocks noGrp="1"/>
+          </p:cNvSpPr>
+          <p:nvPr>
+            <p:ph type="title"/>
+          </p:nvPr>
+        </p:nvSpPr>
+        <p:spPr>
+          <a:xfrm>
+            <a:off x="457200" y="701824"/>
+            <a:ext cx="8229600" cy="1143000"/>
+          </a:xfrm>
+        </p:spPr>
+        <p:txBody>
+          <a:bodyPr>
+            <a:normAutofit/>
+          </a:bodyPr>
+          <a:lstStyle/>
+          <a:p>
+            <a:r>
+              <a:rPr lang="fr-FR" dirty="0" smtClean="0">
+                <a:solidFill>
+                  <a:srgbClr val="0563B8"/>
+                </a:solidFill>
+                <a:latin typeface="Montserrat" panose="02000505000000020004" pitchFamily="2" charset="0"/>
+              </a:rPr>
+              <a:t>Conc</a:t>
+            </a:r>
+            <a:r>
+              <a:rPr lang="fr-FR" dirty="0" smtClean="0">
+                <a:solidFill>
+                  <a:srgbClr val="00A7AA"/>
+                </a:solidFill>
+                <a:latin typeface="Montserrat" panose="02000505000000020004" pitchFamily="2" charset="0"/>
+              </a:rPr>
+              <a:t>lusion</a:t>
+            </a:r>
+            <a:endParaRPr lang="fr-FR" dirty="0">
+              <a:solidFill>
+                <a:srgbClr val="00A7AA"/>
+              </a:solidFill>
+              <a:latin typeface="Montserrat" panose="02000505000000020004" pitchFamily="2" charset="0"/>
+            </a:endParaRPr>
+          </a:p>
+        </p:txBody>
+      </p:sp>
+      <p:sp>
+        <p:nvSpPr>
+          <p:cNvPr id="3" name="Espace réservé du numéro de diapositive 2"/>
+          <p:cNvSpPr>
+            <a:spLocks noGrp="1"/>
+          </p:cNvSpPr>
+          <p:nvPr>
+            <p:ph type="sldNum" sz="quarter" idx="12"/>
+          </p:nvPr>
+        </p:nvSpPr>
+        <p:spPr/>
+        <p:txBody>
+          <a:bodyPr/>
+          <a:lstStyle/>
+          <a:p>
+            <a:fld id="{EDA4C233-F16D-4FA8-AC9B-61C6F55E69AB}" type="slidenum">
+              <a:rPr lang="fr-FR" smtClean="0"/>
+              <a:t>26</a:t>
+            </a:fld>
+            <a:endParaRPr lang="fr-FR"/>
+          </a:p>
+        </p:txBody>
+      </p:sp>
       <p:sp>
         <p:nvSpPr>
           <p:cNvPr id="4" name="Rectangle 3"/>
@@ -12280,7 +14259,7 @@
         <p:spPr>
           <a:xfrm>
             <a:off x="2286000" y="2132856"/>
-            <a:ext cx="4572000" cy="3785652"/>
+            <a:ext cx="4572000" cy="3970318"/>
           </a:xfrm>
           <a:prstGeom prst="rect">
             <a:avLst/>
@@ -12303,12 +14282,12 @@
               <a:buChar char="•"/>
             </a:pPr>
             <a:r>
-              <a:rPr lang="fr-FR" sz="2400" dirty="0">
+              <a:rPr lang="fr-FR" sz="2400" dirty="0" smtClean="0">
                 <a:solidFill>
                   <a:srgbClr val="0563B8"/>
                 </a:solidFill>
               </a:rPr>
-              <a:t>Plateforme Web</a:t>
+              <a:t>Problématiques réelles</a:t>
             </a:r>
           </a:p>
           <a:p>
@@ -12323,20 +14302,72 @@
               <a:buChar char="•"/>
             </a:pPr>
             <a:r>
-              <a:rPr lang="fr-FR" sz="2400" dirty="0">
+              <a:rPr lang="fr-FR" sz="2400" dirty="0" smtClean="0">
                 <a:solidFill>
                   <a:srgbClr val="0563B8"/>
                 </a:solidFill>
               </a:rPr>
-              <a:t>Visualisation de </a:t>
-            </a:r>
-            <a:r>
-              <a:rPr lang="fr-FR" sz="2400" dirty="0">
-                <a:solidFill>
-                  <a:srgbClr val="00A7AA"/>
+              <a:t>Solutions adaptées</a:t>
+            </a:r>
+          </a:p>
+          <a:p>
+            <a:pPr marL="742950" lvl="1" indent="-285750" fontAlgn="base">
+              <a:lnSpc>
+                <a:spcPct val="150000"/>
+              </a:lnSpc>
+              <a:buClr>
+                <a:srgbClr val="00A7AA"/>
+              </a:buClr>
+              <a:buFont typeface="Arial" panose="020B0604020202020204" pitchFamily="34" charset="0"/>
+              <a:buChar char="•"/>
+            </a:pPr>
+            <a:r>
+              <a:rPr lang="fr-FR" sz="2400" dirty="0" smtClean="0">
+                <a:solidFill>
+                  <a:srgbClr val="0563B8"/>
                 </a:solidFill>
               </a:rPr>
-              <a:t>presse ancienne</a:t>
+              <a:t>Travail sur les articles</a:t>
+            </a:r>
+          </a:p>
+          <a:p>
+            <a:pPr marL="742950" lvl="1" indent="-285750" fontAlgn="base">
+              <a:lnSpc>
+                <a:spcPct val="150000"/>
+              </a:lnSpc>
+              <a:buClr>
+                <a:srgbClr val="00A7AA"/>
+              </a:buClr>
+              <a:buFont typeface="Arial" panose="020B0604020202020204" pitchFamily="34" charset="0"/>
+              <a:buChar char="•"/>
+            </a:pPr>
+            <a:r>
+              <a:rPr lang="fr-FR" sz="2400" dirty="0" smtClean="0">
+                <a:solidFill>
+                  <a:srgbClr val="0563B8"/>
+                </a:solidFill>
+              </a:rPr>
+              <a:t>Espace collaboratif</a:t>
+            </a:r>
+          </a:p>
+          <a:p>
+            <a:pPr marL="742950" lvl="1" indent="-285750" fontAlgn="base">
+              <a:lnSpc>
+                <a:spcPct val="150000"/>
+              </a:lnSpc>
+              <a:buClr>
+                <a:srgbClr val="00A7AA"/>
+              </a:buClr>
+              <a:buFont typeface="Arial" panose="020B0604020202020204" pitchFamily="34" charset="0"/>
+              <a:buChar char="•"/>
+            </a:pPr>
+            <a:r>
+              <a:rPr lang="fr-FR" sz="2400" dirty="0" smtClean="0">
+                <a:solidFill>
+                  <a:srgbClr val="0563B8"/>
+                </a:solidFill>
+              </a:rPr>
+              <a:t>Guidage complet</a:t>
             </a:r>
           </a:p>
           <a:p>
@@ -12351,74 +14382,18 @@
               <a:buChar char="•"/>
             </a:pPr>
             <a:r>
-              <a:rPr lang="fr-FR" sz="2400" dirty="0">
+              <a:rPr lang="fr-FR" sz="2400" dirty="0" smtClean="0">
                 <a:solidFill>
                   <a:srgbClr val="0563B8"/>
                 </a:solidFill>
               </a:rPr>
-              <a:t>Création de “</a:t>
-            </a:r>
-            <a:r>
-              <a:rPr lang="fr-FR" sz="2400" dirty="0">
-                <a:solidFill>
-                  <a:srgbClr val="00A7AA"/>
-                </a:solidFill>
-              </a:rPr>
-              <a:t>revues de presse</a:t>
-            </a:r>
-            <a:r>
-              <a:rPr lang="fr-FR" sz="2400" dirty="0">
-                <a:solidFill>
-                  <a:srgbClr val="0563B8"/>
-                </a:solidFill>
-              </a:rPr>
-              <a:t>”</a:t>
-            </a:r>
-          </a:p>
-          <a:p>
-            <a:pPr marL="285750" indent="-285750" fontAlgn="base">
-              <a:lnSpc>
-                <a:spcPct val="200000"/>
-              </a:lnSpc>
-              <a:buClr>
-                <a:srgbClr val="00A7AA"/>
-              </a:buClr>
-              <a:buFont typeface="Arial" panose="020B0604020202020204" pitchFamily="34" charset="0"/>
-              <a:buChar char="•"/>
-            </a:pPr>
-            <a:r>
-              <a:rPr lang="fr-FR" sz="2400" dirty="0" smtClean="0">
-                <a:solidFill>
-                  <a:srgbClr val="0563B8"/>
-                </a:solidFill>
-              </a:rPr>
-              <a:t>Possibilité de collaborer</a:t>
+              <a:t>Planification adaptée</a:t>
             </a:r>
             <a:endParaRPr lang="fr-FR" sz="2400" dirty="0">
               <a:solidFill>
                 <a:srgbClr val="0563B8"/>
               </a:solidFill>
             </a:endParaRPr>
-          </a:p>
-          <a:p>
-            <a:pPr marL="285750" indent="-285750" fontAlgn="base">
-              <a:lnSpc>
-                <a:spcPct val="200000"/>
-              </a:lnSpc>
-              <a:buClr>
-                <a:srgbClr val="00A7AA"/>
-              </a:buClr>
-              <a:buFont typeface="Arial" panose="020B0604020202020204" pitchFamily="34" charset="0"/>
-              <a:buChar char="•"/>
-            </a:pPr>
-            <a:r>
-              <a:rPr lang="fr-FR" sz="2400" dirty="0">
-                <a:solidFill>
-                  <a:srgbClr val="0563B8"/>
-                </a:solidFill>
-              </a:rPr>
-              <a:t>Etapes de développement</a:t>
-            </a:r>
           </a:p>
         </p:txBody>
       </p:sp>
@@ -12814,7 +14789,7 @@
           <p:nvPr>
             <p:extLst>
               <p:ext uri="{D42A27DB-BD31-4B8C-83A1-F6EECF244321}">
-                <p14:modId xmlns:p14="http://schemas.microsoft.com/office/powerpoint/2010/main" val="3323879840"/>
+                <p14:modId xmlns:p14="http://schemas.microsoft.com/office/powerpoint/2010/main" val="3740153030"/>
               </p:ext>
             </p:extLst>
           </p:nvPr>
@@ -13193,7 +15168,7 @@
                     <a:bodyPr/>
                     <a:lstStyle/>
                     <a:p>
-                      <a:pPr marL="0" indent="0" fontAlgn="base">
+                      <a:pPr marL="0" indent="0" algn="ctr" fontAlgn="base">
                         <a:buFont typeface="Arial" panose="020B0604020202020204" pitchFamily="34" charset="0"/>
                         <a:buNone/>
                       </a:pPr>
@@ -13204,9 +15179,9 @@
                       </a:endParaRPr>
                     </a:p>
                     <a:p>
-                      <a:pPr marL="285750" indent="-285750" fontAlgn="base">
+                      <a:pPr marL="0" indent="0" algn="ctr" fontAlgn="base">
                         <a:buFont typeface="Arial" panose="020B0604020202020204" pitchFamily="34" charset="0"/>
-                        <a:buChar char="•"/>
+                        <a:buNone/>
                       </a:pPr>
                       <a:r>
                         <a:rPr lang="fr-FR" sz="1800" dirty="0" smtClean="0">
@@ -13218,7 +15193,7 @@
                       </a:r>
                     </a:p>
                     <a:p>
-                      <a:pPr marL="0" indent="0" fontAlgn="base">
+                      <a:pPr marL="0" indent="0" algn="ctr" fontAlgn="base">
                         <a:buFont typeface="Arial" panose="020B0604020202020204" pitchFamily="34" charset="0"/>
                         <a:buNone/>
                       </a:pPr>
@@ -13229,9 +15204,9 @@
                       </a:endParaRPr>
                     </a:p>
                     <a:p>
-                      <a:pPr marL="285750" indent="-285750" fontAlgn="base">
+                      <a:pPr marL="0" indent="0" algn="ctr" fontAlgn="base">
                         <a:buFont typeface="Arial" panose="020B0604020202020204" pitchFamily="34" charset="0"/>
-                        <a:buChar char="•"/>
+                        <a:buNone/>
                       </a:pPr>
                       <a:r>
                         <a:rPr lang="fr-FR" sz="1800" dirty="0" smtClean="0">
@@ -13251,6 +15226,7 @@
                       </a:endParaRPr>
                     </a:p>
                     <a:p>
+                      <a:pPr algn="ctr"/>
                       <a:endParaRPr lang="fr-FR" dirty="0"/>
                     </a:p>
                   </a:txBody>
@@ -13289,6 +15265,7 @@
                     <a:bodyPr/>
                     <a:lstStyle/>
                     <a:p>
+                      <a:pPr algn="ctr"/>
                       <a:endParaRPr lang="fr-FR" dirty="0"/>
                     </a:p>
                   </a:txBody>
@@ -13327,7 +15304,7 @@
                     <a:bodyPr/>
                     <a:lstStyle/>
                     <a:p>
-                      <a:pPr marL="0" indent="0" rtl="0" fontAlgn="base">
+                      <a:pPr marL="0" indent="0" algn="ctr" rtl="0" fontAlgn="base">
                         <a:buFont typeface="Arial" panose="020B0604020202020204" pitchFamily="34" charset="0"/>
                         <a:buNone/>
                       </a:pPr>
@@ -13341,7 +15318,7 @@
                       </a:endParaRPr>
                     </a:p>
                     <a:p>
-                      <a:pPr marL="285750" indent="-285750" rtl="0" fontAlgn="base">
+                      <a:pPr marL="285750" indent="-285750" algn="ctr" rtl="0" fontAlgn="base">
                         <a:buFont typeface="Arial" panose="020B0604020202020204" pitchFamily="34" charset="0"/>
                         <a:buChar char="•"/>
                       </a:pPr>
@@ -13355,7 +15332,7 @@
                       </a:endParaRPr>
                     </a:p>
                     <a:p>
-                      <a:pPr marL="0" indent="0" rtl="0" fontAlgn="base">
+                      <a:pPr marL="0" indent="0" algn="ctr" rtl="0" fontAlgn="base">
                         <a:buFont typeface="Arial" panose="020B0604020202020204" pitchFamily="34" charset="0"/>
                         <a:buNone/>
                       </a:pPr>
@@ -13407,7 +15384,7 @@
                     <a:bodyPr/>
                     <a:lstStyle/>
                     <a:p>
-                      <a:pPr marL="285750" indent="-285750" fontAlgn="base">
+                      <a:pPr marL="285750" indent="-285750" algn="ctr" fontAlgn="base">
                         <a:buFont typeface="Arial" panose="020B0604020202020204" pitchFamily="34" charset="0"/>
                         <a:buChar char="•"/>
                       </a:pPr>
@@ -13421,7 +15398,7 @@
                       </a:endParaRPr>
                     </a:p>
                     <a:p>
-                      <a:pPr marL="0" indent="0" fontAlgn="base">
+                      <a:pPr marL="0" indent="0" algn="ctr" fontAlgn="base">
                         <a:buFont typeface="Arial" panose="020B0604020202020204" pitchFamily="34" charset="0"/>
                         <a:buNone/>
                       </a:pPr>
@@ -13449,7 +15426,7 @@
                       </a:r>
                     </a:p>
                     <a:p>
-                      <a:pPr marL="0" indent="0" fontAlgn="base">
+                      <a:pPr marL="0" indent="0" algn="ctr" fontAlgn="base">
                         <a:buFont typeface="Arial" panose="020B0604020202020204" pitchFamily="34" charset="0"/>
                         <a:buNone/>
                       </a:pPr>
@@ -13471,7 +15448,7 @@
                       </a:endParaRPr>
                     </a:p>
                     <a:p>
-                      <a:pPr marL="285750" indent="-285750" fontAlgn="base">
+                      <a:pPr marL="285750" indent="-285750" algn="ctr" fontAlgn="base">
                         <a:buFont typeface="Arial" panose="020B0604020202020204" pitchFamily="34" charset="0"/>
                         <a:buChar char="•"/>
                       </a:pPr>
@@ -13485,7 +15462,7 @@
                       </a:endParaRPr>
                     </a:p>
                     <a:p>
-                      <a:pPr marL="285750" indent="-285750" fontAlgn="base">
+                      <a:pPr marL="285750" indent="-285750" algn="ctr" fontAlgn="base">
                         <a:buFont typeface="Arial" panose="020B0604020202020204" pitchFamily="34" charset="0"/>
                         <a:buChar char="•"/>
                       </a:pPr>
@@ -13499,6 +15476,7 @@
                       </a:endParaRPr>
                     </a:p>
                     <a:p>
+                      <a:pPr algn="ctr"/>
                       <a:endParaRPr lang="fr-FR" sz="1800" kern="1200" dirty="0">
                         <a:solidFill>
                           <a:srgbClr val="0563B8"/>
@@ -13544,6 +15522,60 @@
           </a:graphicData>
         </a:graphic>
       </p:graphicFrame>
+      <p:sp>
+        <p:nvSpPr>
+          <p:cNvPr id="14" name="ZoneTexte 13"/>
+          <p:cNvSpPr txBox="1"/>
+          <p:nvPr/>
+        </p:nvSpPr>
+        <p:spPr>
+          <a:xfrm>
+            <a:off x="1399887" y="5373216"/>
+            <a:ext cx="6552728" cy="1200329"/>
+          </a:xfrm>
+          <a:prstGeom prst="rect">
+            <a:avLst/>
+          </a:prstGeom>
+          <a:noFill/>
+        </p:spPr>
+        <p:txBody>
+          <a:bodyPr wrap="square" rtlCol="0">
+            <a:spAutoFit/>
+          </a:bodyPr>
+          <a:lstStyle/>
+          <a:p>
+            <a:pPr>
+              <a:lnSpc>
+                <a:spcPct val="200000"/>
+              </a:lnSpc>
+            </a:pPr>
+            <a:r>
+              <a:rPr lang="fr-FR" sz="3600" dirty="0" smtClean="0">
+                <a:solidFill>
+                  <a:srgbClr val="0563B8"/>
+                </a:solidFill>
+                <a:latin typeface="+mj-lt"/>
+              </a:rPr>
+              <a:t>Solution orientée sur les </a:t>
+            </a:r>
+            <a:r>
+              <a:rPr lang="fr-FR" sz="3600" dirty="0" smtClean="0">
+                <a:solidFill>
+                  <a:srgbClr val="00A7AA"/>
+                </a:solidFill>
+                <a:latin typeface="+mj-lt"/>
+              </a:rPr>
+              <a:t>articles</a:t>
+            </a:r>
+            <a:endParaRPr lang="fr-FR" sz="3600" dirty="0">
+              <a:solidFill>
+                <a:srgbClr val="00A7AA"/>
+              </a:solidFill>
+              <a:latin typeface="+mj-lt"/>
+            </a:endParaRPr>
+          </a:p>
+        </p:txBody>
+      </p:sp>
     </p:spTree>
     <p:extLst>
       <p:ext uri="{BB962C8B-B14F-4D97-AF65-F5344CB8AC3E}">
@@ -13778,7 +15810,16 @@
                 </a:solidFill>
                 <a:latin typeface="Montserrat" panose="02000505000000020004" pitchFamily="2" charset="0"/>
               </a:rPr>
-              <a:t>Sommaire</a:t>
+              <a:t>Som</a:t>
+            </a:r>
+            <a:r>
+              <a:rPr lang="fr-FR" sz="3200" dirty="0" smtClean="0">
+                <a:solidFill>
+                  <a:srgbClr val="00A7AA"/>
+                </a:solidFill>
+                <a:latin typeface="Montserrat" panose="02000505000000020004" pitchFamily="2" charset="0"/>
+              </a:rPr>
+              <a:t>maire</a:t>
             </a:r>
             <a:endParaRPr lang="fr-FR" sz="3200" dirty="0">
               <a:solidFill>
@@ -15062,8 +17103,8 @@
         </p:blipFill>
         <p:spPr bwMode="auto">
           <a:xfrm>
-            <a:off x="611560" y="1196752"/>
-            <a:ext cx="7920880" cy="5100218"/>
+            <a:off x="937466" y="1340768"/>
+            <a:ext cx="7269069" cy="4680520"/>
           </a:xfrm>
           <a:prstGeom prst="rect">
             <a:avLst/>
@@ -15080,6 +17121,205 @@
           </a:extLst>
         </p:spPr>
       </p:pic>
+      <p:sp>
+        <p:nvSpPr>
+          <p:cNvPr id="13" name="Rectangle 12"/>
+          <p:cNvSpPr/>
+          <p:nvPr/>
+        </p:nvSpPr>
+        <p:spPr>
+          <a:xfrm>
+            <a:off x="2302700" y="6165304"/>
+            <a:ext cx="2114553" cy="369332"/>
+          </a:xfrm>
+          <a:prstGeom prst="rect">
+            <a:avLst/>
+          </a:prstGeom>
+        </p:spPr>
+        <p:txBody>
+          <a:bodyPr wrap="none">
+            <a:spAutoFit/>
+          </a:bodyPr>
+          <a:lstStyle/>
+          <a:p>
+            <a:pPr algn="ctr" fontAlgn="base"/>
+            <a:r>
+              <a:rPr lang="fr-FR" dirty="0" smtClean="0">
+                <a:solidFill>
+                  <a:srgbClr val="0563B8"/>
+                </a:solidFill>
+              </a:rPr>
+              <a:t>Documents vedettes</a:t>
+            </a:r>
+            <a:endParaRPr lang="fr-FR" dirty="0">
+              <a:solidFill>
+                <a:srgbClr val="0563B8"/>
+              </a:solidFill>
+            </a:endParaRPr>
+          </a:p>
+        </p:txBody>
+      </p:sp>
+      <p:cxnSp>
+        <p:nvCxnSpPr>
+          <p:cNvPr id="14" name="Connecteur droit 13"/>
+          <p:cNvCxnSpPr/>
+          <p:nvPr/>
+        </p:nvCxnSpPr>
+        <p:spPr>
+          <a:xfrm>
+            <a:off x="3275856" y="5589240"/>
+            <a:ext cx="35860" cy="528050"/>
+          </a:xfrm>
+          <a:prstGeom prst="line">
+            <a:avLst/>
+          </a:prstGeom>
+          <a:ln w="28575">
+            <a:solidFill>
+              <a:srgbClr val="0563B8"/>
+            </a:solidFill>
+          </a:ln>
+        </p:spPr>
+        <p:style>
+          <a:lnRef idx="1">
+            <a:schemeClr val="accent1"/>
+          </a:lnRef>
+          <a:fillRef idx="0">
+            <a:schemeClr val="accent1"/>
+          </a:fillRef>
+          <a:effectRef idx="0">
+            <a:schemeClr val="accent1"/>
+          </a:effectRef>
+          <a:fontRef idx="minor">
+            <a:schemeClr val="tx1"/>
+          </a:fontRef>
+        </p:style>
+      </p:cxnSp>
+      <p:sp>
+        <p:nvSpPr>
+          <p:cNvPr id="15" name="Rectangle 14"/>
+          <p:cNvSpPr/>
+          <p:nvPr/>
+        </p:nvSpPr>
+        <p:spPr>
+          <a:xfrm>
+            <a:off x="1475656" y="3573016"/>
+            <a:ext cx="5760640" cy="2016224"/>
+          </a:xfrm>
+          <a:prstGeom prst="rect">
+            <a:avLst/>
+          </a:prstGeom>
+          <a:noFill/>
+          <a:ln>
+            <a:solidFill>
+              <a:srgbClr val="0563B8"/>
+            </a:solidFill>
+          </a:ln>
+        </p:spPr>
+        <p:style>
+          <a:lnRef idx="2">
+            <a:schemeClr val="accent1">
+              <a:shade val="50000"/>
+            </a:schemeClr>
+          </a:lnRef>
+          <a:fillRef idx="1">
+            <a:schemeClr val="accent1"/>
+          </a:fillRef>
+          <a:effectRef idx="0">
+            <a:schemeClr val="accent1"/>
+          </a:effectRef>
+          <a:fontRef idx="minor">
+            <a:schemeClr val="lt1"/>
+          </a:fontRef>
+        </p:style>
+        <p:txBody>
+          <a:bodyPr rtlCol="0" anchor="ctr"/>
+          <a:lstStyle/>
+          <a:p>
+            <a:pPr algn="ctr"/>
+            <a:endParaRPr lang="fr-FR">
+              <a:ln>
+                <a:solidFill>
+                  <a:srgbClr val="0563B8"/>
+                </a:solidFill>
+              </a:ln>
+              <a:noFill/>
+            </a:endParaRPr>
+          </a:p>
+        </p:txBody>
+      </p:sp>
+      <p:sp>
+        <p:nvSpPr>
+          <p:cNvPr id="18" name="Rectangle 17"/>
+          <p:cNvSpPr/>
+          <p:nvPr/>
+        </p:nvSpPr>
+        <p:spPr>
+          <a:xfrm>
+            <a:off x="4211960" y="553005"/>
+            <a:ext cx="2560381" cy="369332"/>
+          </a:xfrm>
+          <a:prstGeom prst="rect">
+            <a:avLst/>
+          </a:prstGeom>
+        </p:spPr>
+        <p:txBody>
+          <a:bodyPr wrap="none">
+            <a:spAutoFit/>
+          </a:bodyPr>
+          <a:lstStyle/>
+          <a:p>
+            <a:pPr algn="ctr" fontAlgn="base"/>
+            <a:r>
+              <a:rPr lang="fr-FR" dirty="0" smtClean="0">
+                <a:solidFill>
+                  <a:srgbClr val="0563B8"/>
+                </a:solidFill>
+              </a:rPr>
+              <a:t>Recherche de documents</a:t>
+            </a:r>
+            <a:endParaRPr lang="fr-FR" dirty="0">
+              <a:solidFill>
+                <a:srgbClr val="0563B8"/>
+              </a:solidFill>
+            </a:endParaRPr>
+          </a:p>
+        </p:txBody>
+      </p:sp>
+      <p:cxnSp>
+        <p:nvCxnSpPr>
+          <p:cNvPr id="19" name="Connecteur droit 18"/>
+          <p:cNvCxnSpPr/>
+          <p:nvPr/>
+        </p:nvCxnSpPr>
+        <p:spPr>
+          <a:xfrm>
+            <a:off x="5508104" y="922338"/>
+            <a:ext cx="35860" cy="1714574"/>
+          </a:xfrm>
+          <a:prstGeom prst="line">
+            <a:avLst/>
+          </a:prstGeom>
+          <a:ln w="28575">
+            <a:solidFill>
+              <a:srgbClr val="0563B8"/>
+            </a:solidFill>
+          </a:ln>
+        </p:spPr>
+        <p:style>
+          <a:lnRef idx="1">
+            <a:schemeClr val="accent1"/>
+          </a:lnRef>
+          <a:fillRef idx="0">
+            <a:schemeClr val="accent1"/>
+          </a:fillRef>
+          <a:effectRef idx="0">
+            <a:schemeClr val="accent1"/>
+          </a:effectRef>
+          <a:fontRef idx="minor">
+            <a:schemeClr val="tx1"/>
+          </a:fontRef>
+        </p:style>
+      </p:cxnSp>
     </p:spTree>
     <p:extLst>
       <p:ext uri="{BB962C8B-B14F-4D97-AF65-F5344CB8AC3E}">
@@ -15984,8 +18224,8 @@
         </p:blipFill>
         <p:spPr bwMode="auto">
           <a:xfrm>
-            <a:off x="612775" y="1197880"/>
-            <a:ext cx="7919665" cy="5099090"/>
+            <a:off x="1763688" y="1484784"/>
+            <a:ext cx="6912768" cy="4450798"/>
           </a:xfrm>
           <a:prstGeom prst="rect">
             <a:avLst/>
@@ -16002,6 +18242,277 @@
           </a:extLst>
         </p:spPr>
       </p:pic>
+      <p:sp>
+        <p:nvSpPr>
+          <p:cNvPr id="4" name="Rectangle 3"/>
+          <p:cNvSpPr/>
+          <p:nvPr/>
+        </p:nvSpPr>
+        <p:spPr>
+          <a:xfrm>
+            <a:off x="106559" y="2564904"/>
+            <a:ext cx="1153073" cy="646331"/>
+          </a:xfrm>
+          <a:prstGeom prst="rect">
+            <a:avLst/>
+          </a:prstGeom>
+        </p:spPr>
+        <p:txBody>
+          <a:bodyPr wrap="none">
+            <a:spAutoFit/>
+          </a:bodyPr>
+          <a:lstStyle/>
+          <a:p>
+            <a:pPr algn="ctr" fontAlgn="base"/>
+            <a:r>
+              <a:rPr lang="fr-FR" dirty="0" smtClean="0">
+                <a:solidFill>
+                  <a:srgbClr val="0563B8"/>
+                </a:solidFill>
+              </a:rPr>
+              <a:t>Filtres sur </a:t>
+            </a:r>
+          </a:p>
+          <a:p>
+            <a:pPr algn="ctr" fontAlgn="base"/>
+            <a:r>
+              <a:rPr lang="fr-FR" dirty="0" smtClean="0">
+                <a:solidFill>
+                  <a:srgbClr val="0563B8"/>
+                </a:solidFill>
+              </a:rPr>
+              <a:t>journaux</a:t>
+            </a:r>
+            <a:endParaRPr lang="fr-FR" dirty="0">
+              <a:solidFill>
+                <a:srgbClr val="0563B8"/>
+              </a:solidFill>
+            </a:endParaRPr>
+          </a:p>
+        </p:txBody>
+      </p:sp>
+      <p:sp>
+        <p:nvSpPr>
+          <p:cNvPr id="5" name="Accolade ouvrante 4"/>
+          <p:cNvSpPr/>
+          <p:nvPr/>
+        </p:nvSpPr>
+        <p:spPr>
+          <a:xfrm>
+            <a:off x="1579588" y="2420888"/>
+            <a:ext cx="256108" cy="899229"/>
+          </a:xfrm>
+          <a:prstGeom prst="leftBrace">
+            <a:avLst/>
+          </a:prstGeom>
+          <a:ln w="28575"/>
+        </p:spPr>
+        <p:style>
+          <a:lnRef idx="1">
+            <a:schemeClr val="accent1"/>
+          </a:lnRef>
+          <a:fillRef idx="0">
+            <a:schemeClr val="accent1"/>
+          </a:fillRef>
+          <a:effectRef idx="0">
+            <a:schemeClr val="accent1"/>
+          </a:effectRef>
+          <a:fontRef idx="minor">
+            <a:schemeClr val="tx1"/>
+          </a:fontRef>
+        </p:style>
+        <p:txBody>
+          <a:bodyPr rtlCol="0" anchor="ctr"/>
+          <a:lstStyle/>
+          <a:p>
+            <a:pPr algn="ctr"/>
+            <a:endParaRPr lang="fr-FR">
+              <a:ln w="28575">
+                <a:solidFill>
+                  <a:schemeClr val="tx1"/>
+                </a:solidFill>
+              </a:ln>
+            </a:endParaRPr>
+          </a:p>
+        </p:txBody>
+      </p:sp>
+      <p:sp>
+        <p:nvSpPr>
+          <p:cNvPr id="6" name="Rectangle 5"/>
+          <p:cNvSpPr/>
+          <p:nvPr/>
+        </p:nvSpPr>
+        <p:spPr>
+          <a:xfrm>
+            <a:off x="106559" y="3969931"/>
+            <a:ext cx="1153073" cy="646331"/>
+          </a:xfrm>
+          <a:prstGeom prst="rect">
+            <a:avLst/>
+          </a:prstGeom>
+        </p:spPr>
+        <p:txBody>
+          <a:bodyPr wrap="none">
+            <a:spAutoFit/>
+          </a:bodyPr>
+          <a:lstStyle/>
+          <a:p>
+            <a:pPr algn="ctr" fontAlgn="base"/>
+            <a:r>
+              <a:rPr lang="fr-FR" dirty="0" smtClean="0">
+                <a:solidFill>
+                  <a:srgbClr val="0563B8"/>
+                </a:solidFill>
+              </a:rPr>
+              <a:t>Filtres sur </a:t>
+            </a:r>
+          </a:p>
+          <a:p>
+            <a:pPr algn="ctr" fontAlgn="base"/>
+            <a:r>
+              <a:rPr lang="fr-FR" dirty="0" smtClean="0">
+                <a:solidFill>
+                  <a:srgbClr val="0563B8"/>
+                </a:solidFill>
+              </a:rPr>
+              <a:t>articles</a:t>
+            </a:r>
+            <a:endParaRPr lang="fr-FR" dirty="0">
+              <a:solidFill>
+                <a:srgbClr val="0563B8"/>
+              </a:solidFill>
+            </a:endParaRPr>
+          </a:p>
+        </p:txBody>
+      </p:sp>
+      <p:sp>
+        <p:nvSpPr>
+          <p:cNvPr id="7" name="Accolade ouvrante 6"/>
+          <p:cNvSpPr/>
+          <p:nvPr/>
+        </p:nvSpPr>
+        <p:spPr>
+          <a:xfrm>
+            <a:off x="1579588" y="3429000"/>
+            <a:ext cx="256108" cy="2088232"/>
+          </a:xfrm>
+          <a:prstGeom prst="leftBrace">
+            <a:avLst/>
+          </a:prstGeom>
+          <a:ln w="28575"/>
+        </p:spPr>
+        <p:style>
+          <a:lnRef idx="1">
+            <a:schemeClr val="accent1"/>
+          </a:lnRef>
+          <a:fillRef idx="0">
+            <a:schemeClr val="accent1"/>
+          </a:fillRef>
+          <a:effectRef idx="0">
+            <a:schemeClr val="accent1"/>
+          </a:effectRef>
+          <a:fontRef idx="minor">
+            <a:schemeClr val="tx1"/>
+          </a:fontRef>
+        </p:style>
+        <p:txBody>
+          <a:bodyPr rtlCol="0" anchor="ctr"/>
+          <a:lstStyle/>
+          <a:p>
+            <a:pPr algn="ctr"/>
+            <a:endParaRPr lang="fr-FR">
+              <a:ln w="28575">
+                <a:solidFill>
+                  <a:schemeClr val="tx1"/>
+                </a:solidFill>
+              </a:ln>
+            </a:endParaRPr>
+          </a:p>
+        </p:txBody>
+      </p:sp>
+      <p:sp>
+        <p:nvSpPr>
+          <p:cNvPr id="8" name="Accolade ouvrante 7"/>
+          <p:cNvSpPr/>
+          <p:nvPr/>
+        </p:nvSpPr>
+        <p:spPr>
+          <a:xfrm rot="16200000">
+            <a:off x="5920110" y="3624982"/>
+            <a:ext cx="256108" cy="4824536"/>
+          </a:xfrm>
+          <a:prstGeom prst="leftBrace">
+            <a:avLst/>
+          </a:prstGeom>
+          <a:ln w="28575"/>
+        </p:spPr>
+        <p:style>
+          <a:lnRef idx="1">
+            <a:schemeClr val="accent1"/>
+          </a:lnRef>
+          <a:fillRef idx="0">
+            <a:schemeClr val="accent1"/>
+          </a:fillRef>
+          <a:effectRef idx="0">
+            <a:schemeClr val="accent1"/>
+          </a:effectRef>
+          <a:fontRef idx="minor">
+            <a:schemeClr val="tx1"/>
+          </a:fontRef>
+        </p:style>
+        <p:txBody>
+          <a:bodyPr rtlCol="0" anchor="ctr"/>
+          <a:lstStyle/>
+          <a:p>
+            <a:pPr algn="ctr"/>
+            <a:endParaRPr lang="fr-FR">
+              <a:ln w="28575">
+                <a:solidFill>
+                  <a:schemeClr val="tx1"/>
+                </a:solidFill>
+              </a:ln>
+            </a:endParaRPr>
+          </a:p>
+        </p:txBody>
+      </p:sp>
+      <p:sp>
+        <p:nvSpPr>
+          <p:cNvPr id="9" name="Rectangle 8"/>
+          <p:cNvSpPr/>
+          <p:nvPr/>
+        </p:nvSpPr>
+        <p:spPr>
+          <a:xfrm>
+            <a:off x="4427984" y="6228020"/>
+            <a:ext cx="3240360" cy="369332"/>
+          </a:xfrm>
+          <a:prstGeom prst="rect">
+            <a:avLst/>
+          </a:prstGeom>
+        </p:spPr>
+        <p:txBody>
+          <a:bodyPr wrap="square">
+            <a:spAutoFit/>
+          </a:bodyPr>
+          <a:lstStyle/>
+          <a:p>
+            <a:pPr algn="ctr" fontAlgn="base"/>
+            <a:r>
+              <a:rPr lang="fr-FR" dirty="0" smtClean="0">
+                <a:solidFill>
+                  <a:srgbClr val="0563B8"/>
+                </a:solidFill>
+              </a:rPr>
+              <a:t>Affichage des résultats</a:t>
+            </a:r>
+            <a:endParaRPr lang="fr-FR" dirty="0">
+              <a:solidFill>
+                <a:srgbClr val="0563B8"/>
+              </a:solidFill>
+            </a:endParaRPr>
+          </a:p>
+        </p:txBody>
+      </p:sp>
     </p:spTree>
     <p:extLst>
       <p:ext uri="{BB962C8B-B14F-4D97-AF65-F5344CB8AC3E}">
